--- a/Lecture_8-Analysis-Using-Block-Diagrams/Analysis-Using-Block-Diagrams.pptx
+++ b/Lecture_8-Analysis-Using-Block-Diagrams/Analysis-Using-Block-Diagrams.pptx
@@ -7203,7 +7203,7 @@
             </a:br>
             <a:r>
               <a:rPr lang="en-US" sz="3200" i="1" dirty="0"/>
-              <a:t>S1 is outside the system</a:t>
+              <a:t>S1 is outside the system (fixed species)</a:t>
             </a:r>
             <a:endParaRPr lang="en-US" i="1" dirty="0"/>
           </a:p>
@@ -11860,7 +11860,7 @@
             </p:nvSpPr>
             <p:spPr>
               <a:xfrm>
-                <a:off x="529068" y="3893559"/>
+                <a:off x="457200" y="4375959"/>
                 <a:ext cx="3138551" cy="369332"/>
               </a:xfrm>
               <a:prstGeom prst="rect">
@@ -12062,7 +12062,7 @@
             </p:nvSpPr>
             <p:spPr>
               <a:xfrm>
-                <a:off x="529068" y="3893559"/>
+                <a:off x="457200" y="4375959"/>
                 <a:ext cx="3138551" cy="369332"/>
               </a:xfrm>
               <a:prstGeom prst="rect">
@@ -12250,7 +12250,7 @@
             </p:nvSpPr>
             <p:spPr>
               <a:xfrm>
-                <a:off x="232579" y="4554837"/>
+                <a:off x="232579" y="4949287"/>
                 <a:ext cx="5415970" cy="369332"/>
               </a:xfrm>
               <a:prstGeom prst="rect">
@@ -12339,7 +12339,7 @@
             </p:nvSpPr>
             <p:spPr>
               <a:xfrm>
-                <a:off x="232579" y="4554837"/>
+                <a:off x="232579" y="4949287"/>
                 <a:ext cx="5415970" cy="369332"/>
               </a:xfrm>
               <a:prstGeom prst="rect">
@@ -12383,8 +12383,8 @@
             </p:nvSpPr>
             <p:spPr>
               <a:xfrm>
-                <a:off x="511139" y="4951396"/>
-                <a:ext cx="3016723" cy="369332"/>
+                <a:off x="511139" y="5345846"/>
+                <a:ext cx="3202992" cy="629852"/>
               </a:xfrm>
               <a:prstGeom prst="rect">
                 <a:avLst/>
@@ -12498,42 +12498,72 @@
                         </a:rPr>
                         <m:t>=</m:t>
                       </m:r>
-                      <m:sSub>
-                        <m:sSubPr>
+                      <m:f>
+                        <m:fPr>
                           <m:ctrlPr>
                             <a:rPr lang="en-US" b="0" i="1" dirty="0" smtClean="0">
                               <a:latin typeface="Cambria Math" panose="02040503050406030204" pitchFamily="18" charset="0"/>
                             </a:rPr>
                           </m:ctrlPr>
-                        </m:sSubPr>
-                        <m:e>
+                        </m:fPr>
+                        <m:num>
+                          <m:sSub>
+                            <m:sSubPr>
+                              <m:ctrlPr>
+                                <a:rPr lang="en-US" b="0" i="1" dirty="0" smtClean="0">
+                                  <a:latin typeface="Cambria Math" panose="02040503050406030204" pitchFamily="18" charset="0"/>
+                                </a:rPr>
+                              </m:ctrlPr>
+                            </m:sSubPr>
+                            <m:e>
+                              <m:d>
+                                <m:dPr>
+                                  <m:ctrlPr>
+                                    <a:rPr lang="en-US" b="0" i="1" dirty="0" smtClean="0">
+                                      <a:latin typeface="Cambria Math" panose="02040503050406030204" pitchFamily="18" charset="0"/>
+                                    </a:rPr>
+                                  </m:ctrlPr>
+                                </m:dPr>
+                                <m:e>
+                                  <m:r>
+                                    <a:rPr lang="en-US" b="0" i="1" dirty="0" smtClean="0">
+                                      <a:latin typeface="Cambria Math" panose="02040503050406030204" pitchFamily="18" charset="0"/>
+                                    </a:rPr>
+                                    <m:t>10</m:t>
+                                  </m:r>
+                                </m:e>
+                              </m:d>
+                              <m:r>
+                                <a:rPr lang="en-US" b="0" i="1" dirty="0" smtClean="0">
+                                  <a:latin typeface="Cambria Math" panose="02040503050406030204" pitchFamily="18" charset="0"/>
+                                </a:rPr>
+                                <m:t>𝑘</m:t>
+                              </m:r>
+                            </m:e>
+                            <m:sub>
+                              <m:r>
+                                <a:rPr lang="en-US" b="0" i="1" dirty="0" smtClean="0">
+                                  <a:latin typeface="Cambria Math" panose="02040503050406030204" pitchFamily="18" charset="0"/>
+                                </a:rPr>
+                                <m:t>2</m:t>
+                              </m:r>
+                            </m:sub>
+                          </m:sSub>
+                        </m:num>
+                        <m:den>
                           <m:r>
                             <a:rPr lang="en-US" b="0" i="1" dirty="0" smtClean="0">
                               <a:latin typeface="Cambria Math" panose="02040503050406030204" pitchFamily="18" charset="0"/>
                             </a:rPr>
-                            <m:t>(10)</m:t>
+                            <m:t>0</m:t>
                           </m:r>
-                          <m:r>
-                            <a:rPr lang="en-US" b="0" i="1" dirty="0" smtClean="0">
-                              <a:latin typeface="Cambria Math" panose="02040503050406030204" pitchFamily="18" charset="0"/>
-                            </a:rPr>
-                            <m:t>𝑘</m:t>
-                          </m:r>
-                        </m:e>
-                        <m:sub>
-                          <m:r>
-                            <a:rPr lang="en-US" b="0" i="1" dirty="0" smtClean="0">
-                              <a:latin typeface="Cambria Math" panose="02040503050406030204" pitchFamily="18" charset="0"/>
-                            </a:rPr>
-                            <m:t>2</m:t>
-                          </m:r>
-                        </m:sub>
-                      </m:sSub>
+                        </m:den>
+                      </m:f>
                       <m:r>
                         <a:rPr lang="en-US" b="0" i="1" dirty="0" smtClean="0">
                           <a:latin typeface="Cambria Math" panose="02040503050406030204" pitchFamily="18" charset="0"/>
                         </a:rPr>
-                        <m:t>/0</m:t>
+                        <m:t>=∞</m:t>
                       </m:r>
                     </m:oMath>
                   </m:oMathPara>
@@ -12560,8 +12590,8 @@
             </p:nvSpPr>
             <p:spPr>
               <a:xfrm>
-                <a:off x="511139" y="4951396"/>
-                <a:ext cx="3016723" cy="369332"/>
+                <a:off x="511139" y="5345846"/>
+                <a:ext cx="3202992" cy="629852"/>
               </a:xfrm>
               <a:prstGeom prst="rect">
                 <a:avLst/>
@@ -12569,7 +12599,346 @@
               <a:blipFill>
                 <a:blip r:embed="rId11"/>
                 <a:stretch>
-                  <a:fillRect b="-16129"/>
+                  <a:fillRect b="-3922"/>
+                </a:stretch>
+              </a:blipFill>
+            </p:spPr>
+            <p:txBody>
+              <a:bodyPr/>
+              <a:lstStyle/>
+              <a:p>
+                <a:r>
+                  <a:rPr lang="en-US">
+                    <a:noFill/>
+                  </a:rPr>
+                  <a:t> </a:t>
+                </a:r>
+              </a:p>
+            </p:txBody>
+          </p:sp>
+        </mc:Fallback>
+      </mc:AlternateContent>
+      <mc:AlternateContent xmlns:mc="http://schemas.openxmlformats.org/markup-compatibility/2006">
+        <mc:Choice xmlns:a14="http://schemas.microsoft.com/office/drawing/2010/main" Requires="a14">
+          <p:sp>
+            <p:nvSpPr>
+              <p:cNvPr id="15" name="Rectangle 14">
+                <a:extLst>
+                  <a:ext uri="{FF2B5EF4-FFF2-40B4-BE49-F238E27FC236}">
+                    <a16:creationId xmlns:a16="http://schemas.microsoft.com/office/drawing/2014/main" id="{AFDB37C4-E9F3-024A-9286-9E022F2DE0F9}"/>
+                  </a:ext>
+                </a:extLst>
+              </p:cNvPr>
+              <p:cNvSpPr/>
+              <p:nvPr/>
+            </p:nvSpPr>
+            <p:spPr>
+              <a:xfrm>
+                <a:off x="518942" y="3783225"/>
+                <a:ext cx="5111977" cy="560218"/>
+              </a:xfrm>
+              <a:prstGeom prst="rect">
+                <a:avLst/>
+              </a:prstGeom>
+            </p:spPr>
+            <p:txBody>
+              <a:bodyPr wrap="none">
+                <a:spAutoFit/>
+              </a:bodyPr>
+              <a:lstStyle/>
+              <a:p>
+                <a14:m>
+                  <m:oMath xmlns:m="http://schemas.openxmlformats.org/officeDocument/2006/math">
+                    <m:sSub>
+                      <m:sSubPr>
+                        <m:ctrlPr>
+                          <a:rPr lang="en-US" b="0" i="1" dirty="0" smtClean="0">
+                            <a:latin typeface="Cambria Math" panose="02040503050406030204" pitchFamily="18" charset="0"/>
+                          </a:rPr>
+                        </m:ctrlPr>
+                      </m:sSubPr>
+                      <m:e>
+                        <m:r>
+                          <a:rPr lang="en-US" b="0" i="1" dirty="0" smtClean="0">
+                            <a:latin typeface="Cambria Math" panose="02040503050406030204" pitchFamily="18" charset="0"/>
+                          </a:rPr>
+                          <m:t>𝑆</m:t>
+                        </m:r>
+                      </m:e>
+                      <m:sub>
+                        <m:r>
+                          <a:rPr lang="en-US" b="0" i="1" dirty="0" smtClean="0">
+                            <a:latin typeface="Cambria Math" panose="02040503050406030204" pitchFamily="18" charset="0"/>
+                          </a:rPr>
+                          <m:t>2</m:t>
+                        </m:r>
+                      </m:sub>
+                    </m:sSub>
+                    <m:d>
+                      <m:dPr>
+                        <m:ctrlPr>
+                          <a:rPr lang="en-US" i="1" dirty="0">
+                            <a:latin typeface="Cambria Math" panose="02040503050406030204" pitchFamily="18" charset="0"/>
+                          </a:rPr>
+                        </m:ctrlPr>
+                      </m:dPr>
+                      <m:e>
+                        <m:r>
+                          <a:rPr lang="en-US" i="1" dirty="0">
+                            <a:latin typeface="Cambria Math" panose="02040503050406030204" pitchFamily="18" charset="0"/>
+                          </a:rPr>
+                          <m:t>𝑠</m:t>
+                        </m:r>
+                      </m:e>
+                    </m:d>
+                    <m:r>
+                      <a:rPr lang="en-US" i="1" dirty="0">
+                        <a:latin typeface="Cambria Math" panose="02040503050406030204" pitchFamily="18" charset="0"/>
+                      </a:rPr>
+                      <m:t>=</m:t>
+                    </m:r>
+                    <m:sSub>
+                      <m:sSubPr>
+                        <m:ctrlPr>
+                          <a:rPr lang="en-US" i="1" dirty="0">
+                            <a:latin typeface="Cambria Math" panose="02040503050406030204" pitchFamily="18" charset="0"/>
+                          </a:rPr>
+                        </m:ctrlPr>
+                      </m:sSubPr>
+                      <m:e>
+                        <m:sSub>
+                          <m:sSubPr>
+                            <m:ctrlPr>
+                              <a:rPr lang="en-US" b="0" i="1" dirty="0" smtClean="0">
+                                <a:latin typeface="Cambria Math" panose="02040503050406030204" pitchFamily="18" charset="0"/>
+                              </a:rPr>
+                            </m:ctrlPr>
+                          </m:sSubPr>
+                          <m:e>
+                            <m:sSub>
+                              <m:sSubPr>
+                                <m:ctrlPr>
+                                  <a:rPr lang="en-US" b="0" i="1" dirty="0" smtClean="0">
+                                    <a:latin typeface="Cambria Math" panose="02040503050406030204" pitchFamily="18" charset="0"/>
+                                  </a:rPr>
+                                </m:ctrlPr>
+                              </m:sSubPr>
+                              <m:e>
+                                <m:r>
+                                  <a:rPr lang="en-US" b="0" i="1" dirty="0" smtClean="0">
+                                    <a:latin typeface="Cambria Math" panose="02040503050406030204" pitchFamily="18" charset="0"/>
+                                  </a:rPr>
+                                  <m:t>𝑆</m:t>
+                                </m:r>
+                              </m:e>
+                              <m:sub>
+                                <m:r>
+                                  <a:rPr lang="en-US" b="0" i="1" dirty="0" smtClean="0">
+                                    <a:latin typeface="Cambria Math" panose="02040503050406030204" pitchFamily="18" charset="0"/>
+                                  </a:rPr>
+                                  <m:t>1</m:t>
+                                </m:r>
+                              </m:sub>
+                            </m:sSub>
+                            <m:d>
+                              <m:dPr>
+                                <m:ctrlPr>
+                                  <a:rPr lang="en-US" b="0" i="1" dirty="0" smtClean="0">
+                                    <a:latin typeface="Cambria Math" panose="02040503050406030204" pitchFamily="18" charset="0"/>
+                                  </a:rPr>
+                                </m:ctrlPr>
+                              </m:dPr>
+                              <m:e>
+                                <m:r>
+                                  <a:rPr lang="en-US" b="0" i="1" dirty="0" smtClean="0">
+                                    <a:latin typeface="Cambria Math" panose="02040503050406030204" pitchFamily="18" charset="0"/>
+                                  </a:rPr>
+                                  <m:t>𝑠</m:t>
+                                </m:r>
+                              </m:e>
+                            </m:d>
+                            <m:r>
+                              <a:rPr lang="en-US" b="0" i="1" dirty="0" smtClean="0">
+                                <a:latin typeface="Cambria Math" panose="02040503050406030204" pitchFamily="18" charset="0"/>
+                              </a:rPr>
+                              <m:t>𝐺</m:t>
+                            </m:r>
+                          </m:e>
+                          <m:sub>
+                            <m:r>
+                              <a:rPr lang="en-US" b="0" i="1" dirty="0" smtClean="0">
+                                <a:latin typeface="Cambria Math" panose="02040503050406030204" pitchFamily="18" charset="0"/>
+                              </a:rPr>
+                              <m:t>1</m:t>
+                            </m:r>
+                          </m:sub>
+                        </m:sSub>
+                        <m:r>
+                          <a:rPr lang="en-US" b="0" i="1" dirty="0" smtClean="0">
+                            <a:latin typeface="Cambria Math" panose="02040503050406030204" pitchFamily="18" charset="0"/>
+                          </a:rPr>
+                          <m:t>(</m:t>
+                        </m:r>
+                        <m:r>
+                          <a:rPr lang="en-US" b="0" i="1" dirty="0" smtClean="0">
+                            <a:latin typeface="Cambria Math" panose="02040503050406030204" pitchFamily="18" charset="0"/>
+                          </a:rPr>
+                          <m:t>𝑠</m:t>
+                        </m:r>
+                        <m:r>
+                          <a:rPr lang="en-US" b="0" i="1" dirty="0" smtClean="0">
+                            <a:latin typeface="Cambria Math" panose="02040503050406030204" pitchFamily="18" charset="0"/>
+                          </a:rPr>
+                          <m:t>)=</m:t>
+                        </m:r>
+                        <m:f>
+                          <m:fPr>
+                            <m:ctrlPr>
+                              <a:rPr lang="en-US" b="0" i="1" dirty="0" smtClean="0">
+                                <a:latin typeface="Cambria Math" panose="02040503050406030204" pitchFamily="18" charset="0"/>
+                              </a:rPr>
+                            </m:ctrlPr>
+                          </m:fPr>
+                          <m:num>
+                            <m:r>
+                              <a:rPr lang="en-US" b="0" i="1" dirty="0" smtClean="0">
+                                <a:latin typeface="Cambria Math" panose="02040503050406030204" pitchFamily="18" charset="0"/>
+                              </a:rPr>
+                              <m:t>10</m:t>
+                            </m:r>
+                          </m:num>
+                          <m:den>
+                            <m:r>
+                              <a:rPr lang="en-US" b="0" i="1" dirty="0" smtClean="0">
+                                <a:latin typeface="Cambria Math" panose="02040503050406030204" pitchFamily="18" charset="0"/>
+                              </a:rPr>
+                              <m:t>𝑠</m:t>
+                            </m:r>
+                          </m:den>
+                        </m:f>
+                        <m:f>
+                          <m:fPr>
+                            <m:ctrlPr>
+                              <a:rPr lang="en-US" i="1" dirty="0">
+                                <a:latin typeface="Cambria Math" panose="02040503050406030204" pitchFamily="18" charset="0"/>
+                              </a:rPr>
+                            </m:ctrlPr>
+                          </m:fPr>
+                          <m:num>
+                            <m:sSub>
+                              <m:sSubPr>
+                                <m:ctrlPr>
+                                  <a:rPr lang="en-US" i="1" dirty="0">
+                                    <a:latin typeface="Cambria Math" panose="02040503050406030204" pitchFamily="18" charset="0"/>
+                                  </a:rPr>
+                                </m:ctrlPr>
+                              </m:sSubPr>
+                              <m:e>
+                                <m:r>
+                                  <a:rPr lang="en-US" i="1" dirty="0">
+                                    <a:latin typeface="Cambria Math" panose="02040503050406030204" pitchFamily="18" charset="0"/>
+                                  </a:rPr>
+                                  <m:t>𝑘</m:t>
+                                </m:r>
+                              </m:e>
+                              <m:sub>
+                                <m:r>
+                                  <a:rPr lang="en-US" i="1" dirty="0">
+                                    <a:latin typeface="Cambria Math" panose="02040503050406030204" pitchFamily="18" charset="0"/>
+                                  </a:rPr>
+                                  <m:t>1</m:t>
+                                </m:r>
+                              </m:sub>
+                            </m:sSub>
+                          </m:num>
+                          <m:den>
+                            <m:r>
+                              <a:rPr lang="en-US" i="1" dirty="0">
+                                <a:latin typeface="Cambria Math" panose="02040503050406030204" pitchFamily="18" charset="0"/>
+                              </a:rPr>
+                              <m:t>𝑠</m:t>
+                            </m:r>
+                            <m:r>
+                              <a:rPr lang="en-US" i="1" dirty="0">
+                                <a:latin typeface="Cambria Math" panose="02040503050406030204" pitchFamily="18" charset="0"/>
+                              </a:rPr>
+                              <m:t>+</m:t>
+                            </m:r>
+                            <m:sSub>
+                              <m:sSubPr>
+                                <m:ctrlPr>
+                                  <a:rPr lang="en-US" i="1" dirty="0">
+                                    <a:latin typeface="Cambria Math" panose="02040503050406030204" pitchFamily="18" charset="0"/>
+                                  </a:rPr>
+                                </m:ctrlPr>
+                              </m:sSubPr>
+                              <m:e>
+                                <m:r>
+                                  <a:rPr lang="en-US" i="1" dirty="0">
+                                    <a:latin typeface="Cambria Math" panose="02040503050406030204" pitchFamily="18" charset="0"/>
+                                  </a:rPr>
+                                  <m:t>𝑘</m:t>
+                                </m:r>
+                              </m:e>
+                              <m:sub>
+                                <m:r>
+                                  <a:rPr lang="en-US" i="1" dirty="0">
+                                    <a:latin typeface="Cambria Math" panose="02040503050406030204" pitchFamily="18" charset="0"/>
+                                  </a:rPr>
+                                  <m:t>2</m:t>
+                                </m:r>
+                              </m:sub>
+                            </m:sSub>
+                          </m:den>
+                        </m:f>
+                      </m:e>
+                      <m:sub>
+                        <m:r>
+                          <a:rPr lang="en-US" i="1" dirty="0">
+                            <a:latin typeface="Cambria Math" panose="02040503050406030204" pitchFamily="18" charset="0"/>
+                          </a:rPr>
+                          <m:t> </m:t>
+                        </m:r>
+                      </m:sub>
+                    </m:sSub>
+                  </m:oMath>
+                </a14:m>
+                <a:r>
+                  <a:rPr lang="en-US" sz="1400" dirty="0"/>
+                  <a:t>, then calculate final value</a:t>
+                </a:r>
+                <a:endParaRPr lang="en-US" dirty="0"/>
+              </a:p>
+            </p:txBody>
+          </p:sp>
+        </mc:Choice>
+        <mc:Fallback>
+          <p:sp>
+            <p:nvSpPr>
+              <p:cNvPr id="15" name="Rectangle 14">
+                <a:extLst>
+                  <a:ext uri="{FF2B5EF4-FFF2-40B4-BE49-F238E27FC236}">
+                    <a16:creationId xmlns:a16="http://schemas.microsoft.com/office/drawing/2014/main" id="{AFDB37C4-E9F3-024A-9286-9E022F2DE0F9}"/>
+                  </a:ext>
+                </a:extLst>
+              </p:cNvPr>
+              <p:cNvSpPr>
+                <a:spLocks noRot="1" noChangeAspect="1" noMove="1" noResize="1" noEditPoints="1" noAdjustHandles="1" noChangeArrowheads="1" noChangeShapeType="1" noTextEdit="1"/>
+              </p:cNvSpPr>
+              <p:nvPr/>
+            </p:nvSpPr>
+            <p:spPr>
+              <a:xfrm>
+                <a:off x="518942" y="3783225"/>
+                <a:ext cx="5111977" cy="560218"/>
+              </a:xfrm>
+              <a:prstGeom prst="rect">
+                <a:avLst/>
+              </a:prstGeom>
+              <a:blipFill>
+                <a:blip r:embed="rId12"/>
+                <a:stretch>
+                  <a:fillRect b="-11111"/>
                 </a:stretch>
               </a:blipFill>
             </p:spPr>
@@ -12645,21 +13014,39 @@
                                   </p:childTnLst>
                                 </p:cTn>
                               </p:par>
+                            </p:childTnLst>
+                          </p:cTn>
+                        </p:par>
+                      </p:childTnLst>
+                    </p:cTn>
+                  </p:par>
+                  <p:par>
+                    <p:cTn id="7" fill="hold">
+                      <p:stCondLst>
+                        <p:cond delay="indefinite"/>
+                      </p:stCondLst>
+                      <p:childTnLst>
+                        <p:par>
+                          <p:cTn id="8" fill="hold">
+                            <p:stCondLst>
+                              <p:cond delay="0"/>
+                            </p:stCondLst>
+                            <p:childTnLst>
                               <p:par>
-                                <p:cTn id="7" presetID="1" presetClass="entr" presetSubtype="0" fill="hold" grpId="0" nodeType="withEffect">
+                                <p:cTn id="9" presetID="1" presetClass="entr" presetSubtype="0" fill="hold" grpId="0" nodeType="clickEffect">
                                   <p:stCondLst>
                                     <p:cond delay="0"/>
                                   </p:stCondLst>
                                   <p:childTnLst>
                                     <p:set>
                                       <p:cBhvr>
-                                        <p:cTn id="8" dur="1" fill="hold">
+                                        <p:cTn id="10" dur="1" fill="hold">
                                           <p:stCondLst>
                                             <p:cond delay="0"/>
                                           </p:stCondLst>
                                         </p:cTn>
                                         <p:tgtEl>
-                                          <p:spTgt spid="7"/>
+                                          <p:spTgt spid="15"/>
                                         </p:tgtEl>
                                         <p:attrNameLst>
                                           <p:attrName>style.visibility</p:attrName>
@@ -12679,46 +13066,19 @@
                     </p:cTn>
                   </p:par>
                   <p:par>
-                    <p:cTn id="9" fill="hold">
+                    <p:cTn id="11" fill="hold">
                       <p:stCondLst>
                         <p:cond delay="indefinite"/>
                       </p:stCondLst>
                       <p:childTnLst>
                         <p:par>
-                          <p:cTn id="10" fill="hold">
+                          <p:cTn id="12" fill="hold">
                             <p:stCondLst>
                               <p:cond delay="0"/>
                             </p:stCondLst>
                             <p:childTnLst>
                               <p:par>
-                                <p:cTn id="11" presetID="1" presetClass="entr" presetSubtype="0" fill="hold" grpId="0" nodeType="clickEffect">
-                                  <p:stCondLst>
-                                    <p:cond delay="0"/>
-                                  </p:stCondLst>
-                                  <p:childTnLst>
-                                    <p:set>
-                                      <p:cBhvr>
-                                        <p:cTn id="12" dur="1" fill="hold">
-                                          <p:stCondLst>
-                                            <p:cond delay="0"/>
-                                          </p:stCondLst>
-                                        </p:cTn>
-                                        <p:tgtEl>
-                                          <p:spTgt spid="43"/>
-                                        </p:tgtEl>
-                                        <p:attrNameLst>
-                                          <p:attrName>style.visibility</p:attrName>
-                                        </p:attrNameLst>
-                                      </p:cBhvr>
-                                      <p:to>
-                                        <p:strVal val="visible"/>
-                                      </p:to>
-                                    </p:set>
-                                  </p:childTnLst>
-                                </p:cTn>
-                              </p:par>
-                              <p:par>
-                                <p:cTn id="13" presetID="1" presetClass="entr" presetSubtype="0" fill="hold" grpId="0" nodeType="withEffect">
+                                <p:cTn id="13" presetID="1" presetClass="entr" presetSubtype="0" fill="hold" grpId="0" nodeType="clickEffect">
                                   <p:stCondLst>
                                     <p:cond delay="0"/>
                                   </p:stCondLst>
@@ -12731,7 +13091,7 @@
                                           </p:stCondLst>
                                         </p:cTn>
                                         <p:tgtEl>
-                                          <p:spTgt spid="44"/>
+                                          <p:spTgt spid="7"/>
                                         </p:tgtEl>
                                         <p:attrNameLst>
                                           <p:attrName>style.visibility</p:attrName>
@@ -12763,7 +13123,7 @@
                             </p:stCondLst>
                             <p:childTnLst>
                               <p:par>
-                                <p:cTn id="17" presetID="1" presetClass="entr" presetSubtype="0" fill="hold" nodeType="clickEffect">
+                                <p:cTn id="17" presetID="1" presetClass="entr" presetSubtype="0" fill="hold" grpId="0" nodeType="clickEffect">
                                   <p:stCondLst>
                                     <p:cond delay="0"/>
                                   </p:stCondLst>
@@ -12776,7 +13136,7 @@
                                           </p:stCondLst>
                                         </p:cTn>
                                         <p:tgtEl>
-                                          <p:spTgt spid="11"/>
+                                          <p:spTgt spid="43"/>
                                         </p:tgtEl>
                                         <p:attrNameLst>
                                           <p:attrName>style.visibility</p:attrName>
@@ -12798,6 +13158,78 @@
                                     <p:set>
                                       <p:cBhvr>
                                         <p:cTn id="20" dur="1" fill="hold">
+                                          <p:stCondLst>
+                                            <p:cond delay="0"/>
+                                          </p:stCondLst>
+                                        </p:cTn>
+                                        <p:tgtEl>
+                                          <p:spTgt spid="44"/>
+                                        </p:tgtEl>
+                                        <p:attrNameLst>
+                                          <p:attrName>style.visibility</p:attrName>
+                                        </p:attrNameLst>
+                                      </p:cBhvr>
+                                      <p:to>
+                                        <p:strVal val="visible"/>
+                                      </p:to>
+                                    </p:set>
+                                  </p:childTnLst>
+                                </p:cTn>
+                              </p:par>
+                            </p:childTnLst>
+                          </p:cTn>
+                        </p:par>
+                      </p:childTnLst>
+                    </p:cTn>
+                  </p:par>
+                  <p:par>
+                    <p:cTn id="21" fill="hold">
+                      <p:stCondLst>
+                        <p:cond delay="indefinite"/>
+                      </p:stCondLst>
+                      <p:childTnLst>
+                        <p:par>
+                          <p:cTn id="22" fill="hold">
+                            <p:stCondLst>
+                              <p:cond delay="0"/>
+                            </p:stCondLst>
+                            <p:childTnLst>
+                              <p:par>
+                                <p:cTn id="23" presetID="1" presetClass="entr" presetSubtype="0" fill="hold" nodeType="clickEffect">
+                                  <p:stCondLst>
+                                    <p:cond delay="0"/>
+                                  </p:stCondLst>
+                                  <p:childTnLst>
+                                    <p:set>
+                                      <p:cBhvr>
+                                        <p:cTn id="24" dur="1" fill="hold">
+                                          <p:stCondLst>
+                                            <p:cond delay="0"/>
+                                          </p:stCondLst>
+                                        </p:cTn>
+                                        <p:tgtEl>
+                                          <p:spTgt spid="11"/>
+                                        </p:tgtEl>
+                                        <p:attrNameLst>
+                                          <p:attrName>style.visibility</p:attrName>
+                                        </p:attrNameLst>
+                                      </p:cBhvr>
+                                      <p:to>
+                                        <p:strVal val="visible"/>
+                                      </p:to>
+                                    </p:set>
+                                  </p:childTnLst>
+                                </p:cTn>
+                              </p:par>
+                              <p:par>
+                                <p:cTn id="25" presetID="1" presetClass="entr" presetSubtype="0" fill="hold" grpId="0" nodeType="withEffect">
+                                  <p:stCondLst>
+                                    <p:cond delay="0"/>
+                                  </p:stCondLst>
+                                  <p:childTnLst>
+                                    <p:set>
+                                      <p:cBhvr>
+                                        <p:cTn id="26" dur="1" fill="hold">
                                           <p:stCondLst>
                                             <p:cond delay="0"/>
                                           </p:stCondLst>
@@ -12849,6 +13281,7 @@
       <p:bldP spid="8" grpId="0"/>
       <p:bldP spid="43" grpId="0"/>
       <p:bldP spid="44" grpId="0"/>
+      <p:bldP spid="15" grpId="0"/>
     </p:bldLst>
   </p:timing>
 </p:sld>
@@ -35408,6 +35841,33 @@
                                   </p:childTnLst>
                                 </p:cTn>
                               </p:par>
+                              <p:par>
+                                <p:cTn id="23" presetID="1" presetClass="entr" presetSubtype="0" fill="hold" grpId="0" nodeType="withEffect">
+                                  <p:stCondLst>
+                                    <p:cond delay="0"/>
+                                  </p:stCondLst>
+                                  <p:childTnLst>
+                                    <p:set>
+                                      <p:cBhvr>
+                                        <p:cTn id="24" dur="1" fill="hold">
+                                          <p:stCondLst>
+                                            <p:cond delay="0"/>
+                                          </p:stCondLst>
+                                        </p:cTn>
+                                        <p:tgtEl>
+                                          <p:spTgt spid="81"/>
+                                        </p:tgtEl>
+                                        <p:attrNameLst>
+                                          <p:attrName>style.visibility</p:attrName>
+                                        </p:attrNameLst>
+                                      </p:cBhvr>
+                                      <p:to>
+                                        <p:strVal val="visible"/>
+                                      </p:to>
+                                    </p:set>
+                                  </p:childTnLst>
+                                </p:cTn>
+                              </p:par>
                             </p:childTnLst>
                           </p:cTn>
                         </p:par>
@@ -35415,26 +35875,26 @@
                     </p:cTn>
                   </p:par>
                   <p:par>
-                    <p:cTn id="23" fill="hold">
+                    <p:cTn id="25" fill="hold">
                       <p:stCondLst>
                         <p:cond delay="indefinite"/>
                       </p:stCondLst>
                       <p:childTnLst>
                         <p:par>
-                          <p:cTn id="24" fill="hold">
+                          <p:cTn id="26" fill="hold">
                             <p:stCondLst>
                               <p:cond delay="0"/>
                             </p:stCondLst>
                             <p:childTnLst>
                               <p:par>
-                                <p:cTn id="25" presetID="1" presetClass="entr" presetSubtype="0" fill="hold" grpId="0" nodeType="clickEffect">
+                                <p:cTn id="27" presetID="1" presetClass="entr" presetSubtype="0" fill="hold" grpId="0" nodeType="clickEffect">
                                   <p:stCondLst>
                                     <p:cond delay="0"/>
                                   </p:stCondLst>
                                   <p:childTnLst>
                                     <p:set>
                                       <p:cBhvr>
-                                        <p:cTn id="26" dur="1" fill="hold">
+                                        <p:cTn id="28" dur="1" fill="hold">
                                           <p:stCondLst>
                                             <p:cond delay="0"/>
                                           </p:stCondLst>
@@ -35460,71 +35920,26 @@
                     </p:cTn>
                   </p:par>
                   <p:par>
-                    <p:cTn id="27" fill="hold">
+                    <p:cTn id="29" fill="hold">
                       <p:stCondLst>
                         <p:cond delay="indefinite"/>
                       </p:stCondLst>
                       <p:childTnLst>
                         <p:par>
-                          <p:cTn id="28" fill="hold">
+                          <p:cTn id="30" fill="hold">
                             <p:stCondLst>
                               <p:cond delay="0"/>
                             </p:stCondLst>
                             <p:childTnLst>
                               <p:par>
-                                <p:cTn id="29" presetID="1" presetClass="entr" presetSubtype="0" fill="hold" grpId="0" nodeType="clickEffect">
+                                <p:cTn id="31" presetID="1" presetClass="entr" presetSubtype="0" fill="hold" grpId="0" nodeType="clickEffect">
                                   <p:stCondLst>
                                     <p:cond delay="0"/>
                                   </p:stCondLst>
                                   <p:childTnLst>
                                     <p:set>
                                       <p:cBhvr>
-                                        <p:cTn id="30" dur="1" fill="hold">
-                                          <p:stCondLst>
-                                            <p:cond delay="0"/>
-                                          </p:stCondLst>
-                                        </p:cTn>
-                                        <p:tgtEl>
-                                          <p:spTgt spid="81"/>
-                                        </p:tgtEl>
-                                        <p:attrNameLst>
-                                          <p:attrName>style.visibility</p:attrName>
-                                        </p:attrNameLst>
-                                      </p:cBhvr>
-                                      <p:to>
-                                        <p:strVal val="visible"/>
-                                      </p:to>
-                                    </p:set>
-                                  </p:childTnLst>
-                                </p:cTn>
-                              </p:par>
-                            </p:childTnLst>
-                          </p:cTn>
-                        </p:par>
-                      </p:childTnLst>
-                    </p:cTn>
-                  </p:par>
-                  <p:par>
-                    <p:cTn id="31" fill="hold">
-                      <p:stCondLst>
-                        <p:cond delay="indefinite"/>
-                      </p:stCondLst>
-                      <p:childTnLst>
-                        <p:par>
-                          <p:cTn id="32" fill="hold">
-                            <p:stCondLst>
-                              <p:cond delay="0"/>
-                            </p:stCondLst>
-                            <p:childTnLst>
-                              <p:par>
-                                <p:cTn id="33" presetID="1" presetClass="entr" presetSubtype="0" fill="hold" grpId="0" nodeType="clickEffect">
-                                  <p:stCondLst>
-                                    <p:cond delay="0"/>
-                                  </p:stCondLst>
-                                  <p:childTnLst>
-                                    <p:set>
-                                      <p:cBhvr>
-                                        <p:cTn id="34" dur="1" fill="hold">
+                                        <p:cTn id="32" dur="1" fill="hold">
                                           <p:stCondLst>
                                             <p:cond delay="0"/>
                                           </p:stCondLst>
@@ -35544,7 +35959,34 @@
                                 </p:cTn>
                               </p:par>
                               <p:par>
-                                <p:cTn id="35" presetID="1" presetClass="entr" presetSubtype="0" fill="hold" nodeType="withEffect">
+                                <p:cTn id="33" presetID="1" presetClass="entr" presetSubtype="0" fill="hold" nodeType="withEffect">
+                                  <p:stCondLst>
+                                    <p:cond delay="0"/>
+                                  </p:stCondLst>
+                                  <p:childTnLst>
+                                    <p:set>
+                                      <p:cBhvr>
+                                        <p:cTn id="34" dur="1" fill="hold">
+                                          <p:stCondLst>
+                                            <p:cond delay="0"/>
+                                          </p:stCondLst>
+                                        </p:cTn>
+                                        <p:tgtEl>
+                                          <p:spTgt spid="59"/>
+                                        </p:tgtEl>
+                                        <p:attrNameLst>
+                                          <p:attrName>style.visibility</p:attrName>
+                                        </p:attrNameLst>
+                                      </p:cBhvr>
+                                      <p:to>
+                                        <p:strVal val="visible"/>
+                                      </p:to>
+                                    </p:set>
+                                  </p:childTnLst>
+                                </p:cTn>
+                              </p:par>
+                              <p:par>
+                                <p:cTn id="35" presetID="1" presetClass="entr" presetSubtype="0" fill="hold" grpId="0" nodeType="withEffect">
                                   <p:stCondLst>
                                     <p:cond delay="0"/>
                                   </p:stCondLst>
@@ -35557,7 +35999,7 @@
                                           </p:stCondLst>
                                         </p:cTn>
                                         <p:tgtEl>
-                                          <p:spTgt spid="59"/>
+                                          <p:spTgt spid="60"/>
                                         </p:tgtEl>
                                         <p:attrNameLst>
                                           <p:attrName>style.visibility</p:attrName>
@@ -35584,33 +36026,6 @@
                                           </p:stCondLst>
                                         </p:cTn>
                                         <p:tgtEl>
-                                          <p:spTgt spid="60"/>
-                                        </p:tgtEl>
-                                        <p:attrNameLst>
-                                          <p:attrName>style.visibility</p:attrName>
-                                        </p:attrNameLst>
-                                      </p:cBhvr>
-                                      <p:to>
-                                        <p:strVal val="visible"/>
-                                      </p:to>
-                                    </p:set>
-                                  </p:childTnLst>
-                                </p:cTn>
-                              </p:par>
-                              <p:par>
-                                <p:cTn id="39" presetID="1" presetClass="entr" presetSubtype="0" fill="hold" grpId="0" nodeType="withEffect">
-                                  <p:stCondLst>
-                                    <p:cond delay="0"/>
-                                  </p:stCondLst>
-                                  <p:childTnLst>
-                                    <p:set>
-                                      <p:cBhvr>
-                                        <p:cTn id="40" dur="1" fill="hold">
-                                          <p:stCondLst>
-                                            <p:cond delay="0"/>
-                                          </p:stCondLst>
-                                        </p:cTn>
-                                        <p:tgtEl>
                                           <p:spTgt spid="62"/>
                                         </p:tgtEl>
                                         <p:attrNameLst>
@@ -35625,14 +36040,14 @@
                                 </p:cTn>
                               </p:par>
                               <p:par>
-                                <p:cTn id="41" presetID="1" presetClass="entr" presetSubtype="0" fill="hold" nodeType="withEffect">
+                                <p:cTn id="39" presetID="1" presetClass="entr" presetSubtype="0" fill="hold" nodeType="withEffect">
                                   <p:stCondLst>
                                     <p:cond delay="0"/>
                                   </p:stCondLst>
                                   <p:childTnLst>
                                     <p:set>
                                       <p:cBhvr>
-                                        <p:cTn id="42" dur="1" fill="hold">
+                                        <p:cTn id="40" dur="1" fill="hold">
                                           <p:stCondLst>
                                             <p:cond delay="0"/>
                                           </p:stCondLst>
@@ -35652,14 +36067,14 @@
                                 </p:cTn>
                               </p:par>
                               <p:par>
-                                <p:cTn id="43" presetID="1" presetClass="entr" presetSubtype="0" fill="hold" grpId="0" nodeType="withEffect">
+                                <p:cTn id="41" presetID="1" presetClass="entr" presetSubtype="0" fill="hold" grpId="0" nodeType="withEffect">
                                   <p:stCondLst>
                                     <p:cond delay="0"/>
                                   </p:stCondLst>
                                   <p:childTnLst>
                                     <p:set>
                                       <p:cBhvr>
-                                        <p:cTn id="44" dur="1" fill="hold">
+                                        <p:cTn id="42" dur="1" fill="hold">
                                           <p:stCondLst>
                                             <p:cond delay="0"/>
                                           </p:stCondLst>
@@ -35679,7 +36094,34 @@
                                 </p:cTn>
                               </p:par>
                               <p:par>
-                                <p:cTn id="45" presetID="1" presetClass="entr" presetSubtype="0" fill="hold" nodeType="withEffect">
+                                <p:cTn id="43" presetID="1" presetClass="entr" presetSubtype="0" fill="hold" nodeType="withEffect">
+                                  <p:stCondLst>
+                                    <p:cond delay="0"/>
+                                  </p:stCondLst>
+                                  <p:childTnLst>
+                                    <p:set>
+                                      <p:cBhvr>
+                                        <p:cTn id="44" dur="1" fill="hold">
+                                          <p:stCondLst>
+                                            <p:cond delay="0"/>
+                                          </p:stCondLst>
+                                        </p:cTn>
+                                        <p:tgtEl>
+                                          <p:spTgt spid="66"/>
+                                        </p:tgtEl>
+                                        <p:attrNameLst>
+                                          <p:attrName>style.visibility</p:attrName>
+                                        </p:attrNameLst>
+                                      </p:cBhvr>
+                                      <p:to>
+                                        <p:strVal val="visible"/>
+                                      </p:to>
+                                    </p:set>
+                                  </p:childTnLst>
+                                </p:cTn>
+                              </p:par>
+                              <p:par>
+                                <p:cTn id="45" presetID="1" presetClass="entr" presetSubtype="0" fill="hold" grpId="0" nodeType="withEffect">
                                   <p:stCondLst>
                                     <p:cond delay="0"/>
                                   </p:stCondLst>
@@ -35692,7 +36134,7 @@
                                           </p:stCondLst>
                                         </p:cTn>
                                         <p:tgtEl>
-                                          <p:spTgt spid="66"/>
+                                          <p:spTgt spid="67"/>
                                         </p:tgtEl>
                                         <p:attrNameLst>
                                           <p:attrName>style.visibility</p:attrName>
@@ -35719,7 +36161,7 @@
                                           </p:stCondLst>
                                         </p:cTn>
                                         <p:tgtEl>
-                                          <p:spTgt spid="67"/>
+                                          <p:spTgt spid="77"/>
                                         </p:tgtEl>
                                         <p:attrNameLst>
                                           <p:attrName>style.visibility</p:attrName>
@@ -35746,7 +36188,7 @@
                                           </p:stCondLst>
                                         </p:cTn>
                                         <p:tgtEl>
-                                          <p:spTgt spid="77"/>
+                                          <p:spTgt spid="82"/>
                                         </p:tgtEl>
                                         <p:attrNameLst>
                                           <p:attrName>style.visibility</p:attrName>
@@ -35759,21 +36201,39 @@
                                   </p:childTnLst>
                                 </p:cTn>
                               </p:par>
+                            </p:childTnLst>
+                          </p:cTn>
+                        </p:par>
+                      </p:childTnLst>
+                    </p:cTn>
+                  </p:par>
+                  <p:par>
+                    <p:cTn id="51" fill="hold">
+                      <p:stCondLst>
+                        <p:cond delay="indefinite"/>
+                      </p:stCondLst>
+                      <p:childTnLst>
+                        <p:par>
+                          <p:cTn id="52" fill="hold">
+                            <p:stCondLst>
+                              <p:cond delay="0"/>
+                            </p:stCondLst>
+                            <p:childTnLst>
                               <p:par>
-                                <p:cTn id="51" presetID="1" presetClass="entr" presetSubtype="0" fill="hold" grpId="0" nodeType="withEffect">
+                                <p:cTn id="53" presetID="1" presetClass="entr" presetSubtype="0" fill="hold" grpId="0" nodeType="clickEffect">
                                   <p:stCondLst>
                                     <p:cond delay="0"/>
                                   </p:stCondLst>
                                   <p:childTnLst>
                                     <p:set>
                                       <p:cBhvr>
-                                        <p:cTn id="52" dur="1" fill="hold">
+                                        <p:cTn id="54" dur="1" fill="hold">
                                           <p:stCondLst>
                                             <p:cond delay="0"/>
                                           </p:stCondLst>
                                         </p:cTn>
                                         <p:tgtEl>
-                                          <p:spTgt spid="82"/>
+                                          <p:spTgt spid="83"/>
                                         </p:tgtEl>
                                         <p:attrNameLst>
                                           <p:attrName>style.visibility</p:attrName>
@@ -35829,6 +36289,7 @@
       <p:bldP spid="77" grpId="0" animBg="1"/>
       <p:bldP spid="81" grpId="0"/>
       <p:bldP spid="82" grpId="0"/>
+      <p:bldP spid="83" grpId="0" animBg="1"/>
     </p:bldLst>
   </p:timing>
 </p:sld>

--- a/Lecture_8-Analysis-Using-Block-Diagrams/Analysis-Using-Block-Diagrams.pptx
+++ b/Lecture_8-Analysis-Using-Block-Diagrams/Analysis-Using-Block-Diagrams.pptx
@@ -5,10 +5,10 @@
     <p:sldMasterId id="2147483648" r:id="rId1"/>
   </p:sldMasterIdLst>
   <p:notesMasterIdLst>
-    <p:notesMasterId r:id="rId30"/>
+    <p:notesMasterId r:id="rId31"/>
   </p:notesMasterIdLst>
   <p:handoutMasterIdLst>
-    <p:handoutMasterId r:id="rId31"/>
+    <p:handoutMasterId r:id="rId32"/>
   </p:handoutMasterIdLst>
   <p:sldIdLst>
     <p:sldId id="256" r:id="rId2"/>
@@ -18,27 +18,28 @@
     <p:sldId id="487" r:id="rId6"/>
     <p:sldId id="488" r:id="rId7"/>
     <p:sldId id="494" r:id="rId8"/>
-    <p:sldId id="498" r:id="rId9"/>
-    <p:sldId id="497" r:id="rId10"/>
-    <p:sldId id="499" r:id="rId11"/>
-    <p:sldId id="500" r:id="rId12"/>
-    <p:sldId id="489" r:id="rId13"/>
-    <p:sldId id="501" r:id="rId14"/>
-    <p:sldId id="490" r:id="rId15"/>
-    <p:sldId id="502" r:id="rId16"/>
-    <p:sldId id="480" r:id="rId17"/>
-    <p:sldId id="481" r:id="rId18"/>
-    <p:sldId id="482" r:id="rId19"/>
-    <p:sldId id="483" r:id="rId20"/>
-    <p:sldId id="492" r:id="rId21"/>
-    <p:sldId id="503" r:id="rId22"/>
-    <p:sldId id="504" r:id="rId23"/>
-    <p:sldId id="505" r:id="rId24"/>
-    <p:sldId id="496" r:id="rId25"/>
-    <p:sldId id="491" r:id="rId26"/>
-    <p:sldId id="495" r:id="rId27"/>
-    <p:sldId id="493" r:id="rId28"/>
-    <p:sldId id="479" r:id="rId29"/>
+    <p:sldId id="507" r:id="rId9"/>
+    <p:sldId id="498" r:id="rId10"/>
+    <p:sldId id="506" r:id="rId11"/>
+    <p:sldId id="497" r:id="rId12"/>
+    <p:sldId id="499" r:id="rId13"/>
+    <p:sldId id="500" r:id="rId14"/>
+    <p:sldId id="489" r:id="rId15"/>
+    <p:sldId id="501" r:id="rId16"/>
+    <p:sldId id="490" r:id="rId17"/>
+    <p:sldId id="502" r:id="rId18"/>
+    <p:sldId id="480" r:id="rId19"/>
+    <p:sldId id="481" r:id="rId20"/>
+    <p:sldId id="482" r:id="rId21"/>
+    <p:sldId id="492" r:id="rId22"/>
+    <p:sldId id="503" r:id="rId23"/>
+    <p:sldId id="504" r:id="rId24"/>
+    <p:sldId id="505" r:id="rId25"/>
+    <p:sldId id="496" r:id="rId26"/>
+    <p:sldId id="491" r:id="rId27"/>
+    <p:sldId id="495" r:id="rId28"/>
+    <p:sldId id="493" r:id="rId29"/>
+    <p:sldId id="479" r:id="rId30"/>
   </p:sldIdLst>
   <p:sldSz cx="9144000" cy="6858000" type="screen4x3"/>
   <p:notesSz cx="6858000" cy="9144000"/>
@@ -1043,7 +1044,15 @@
           <a:p>
             <a:r>
               <a:rPr lang="en-US" dirty="0"/>
-              <a:t>How do the last 3 LT relate to each other?</a:t>
+              <a:t>Show how can encode a discrete signal with a sum of e^-</a:t>
+            </a:r>
+            <a:r>
+              <a:rPr lang="en-US" dirty="0" err="1"/>
+              <a:t>st</a:t>
+            </a:r>
+            <a:r>
+              <a:rPr lang="en-US" dirty="0"/>
+              <a:t> terms. Show time shifts and scale by constant.</a:t>
             </a:r>
           </a:p>
         </p:txBody>
@@ -1071,7 +1080,7 @@
               <a:pPr>
                 <a:defRPr/>
               </a:pPr>
-              <a:t>9</a:t>
+              <a:t>8</a:t>
             </a:fld>
             <a:endParaRPr lang="en-US" altLang="x-none"/>
           </a:p>
@@ -1080,7 +1089,7 @@
     </p:spTree>
     <p:extLst>
       <p:ext uri="{BB962C8B-B14F-4D97-AF65-F5344CB8AC3E}">
-        <p14:creationId xmlns:p14="http://schemas.microsoft.com/office/powerpoint/2010/main" val="4063017533"/>
+        <p14:creationId xmlns:p14="http://schemas.microsoft.com/office/powerpoint/2010/main" val="3982327310"/>
       </p:ext>
     </p:extLst>
   </p:cSld>
@@ -1136,7 +1145,7 @@
           <a:p>
             <a:r>
               <a:rPr lang="en-US" dirty="0"/>
-              <a:t>Possibilities for the input signal</a:t>
+              <a:t>How do the last 3 LT relate to each other?</a:t>
             </a:r>
           </a:p>
         </p:txBody>
@@ -1164,7 +1173,7 @@
               <a:pPr>
                 <a:defRPr/>
               </a:pPr>
-              <a:t>12</a:t>
+              <a:t>11</a:t>
             </a:fld>
             <a:endParaRPr lang="en-US" altLang="x-none"/>
           </a:p>
@@ -1173,7 +1182,7 @@
     </p:spTree>
     <p:extLst>
       <p:ext uri="{BB962C8B-B14F-4D97-AF65-F5344CB8AC3E}">
-        <p14:creationId xmlns:p14="http://schemas.microsoft.com/office/powerpoint/2010/main" val="2775038504"/>
+        <p14:creationId xmlns:p14="http://schemas.microsoft.com/office/powerpoint/2010/main" val="4063017533"/>
       </p:ext>
     </p:extLst>
   </p:cSld>
@@ -1257,7 +1266,7 @@
               <a:pPr>
                 <a:defRPr/>
               </a:pPr>
-              <a:t>13</a:t>
+              <a:t>14</a:t>
             </a:fld>
             <a:endParaRPr lang="en-US" altLang="x-none"/>
           </a:p>
@@ -1266,7 +1275,7 @@
     </p:spTree>
     <p:extLst>
       <p:ext uri="{BB962C8B-B14F-4D97-AF65-F5344CB8AC3E}">
-        <p14:creationId xmlns:p14="http://schemas.microsoft.com/office/powerpoint/2010/main" val="1880364421"/>
+        <p14:creationId xmlns:p14="http://schemas.microsoft.com/office/powerpoint/2010/main" val="2775038504"/>
       </p:ext>
     </p:extLst>
   </p:cSld>
@@ -1350,7 +1359,7 @@
               <a:pPr>
                 <a:defRPr/>
               </a:pPr>
-              <a:t>25</a:t>
+              <a:t>15</a:t>
             </a:fld>
             <a:endParaRPr lang="en-US" altLang="x-none"/>
           </a:p>
@@ -1359,7 +1368,7 @@
     </p:spTree>
     <p:extLst>
       <p:ext uri="{BB962C8B-B14F-4D97-AF65-F5344CB8AC3E}">
-        <p14:creationId xmlns:p14="http://schemas.microsoft.com/office/powerpoint/2010/main" val="2443704901"/>
+        <p14:creationId xmlns:p14="http://schemas.microsoft.com/office/powerpoint/2010/main" val="1880364421"/>
       </p:ext>
     </p:extLst>
   </p:cSld>
@@ -1443,7 +1452,100 @@
               <a:pPr>
                 <a:defRPr/>
               </a:pPr>
-              <a:t>27</a:t>
+              <a:t>26</a:t>
+            </a:fld>
+            <a:endParaRPr lang="en-US" altLang="x-none"/>
+          </a:p>
+        </p:txBody>
+      </p:sp>
+    </p:spTree>
+    <p:extLst>
+      <p:ext uri="{BB962C8B-B14F-4D97-AF65-F5344CB8AC3E}">
+        <p14:creationId xmlns:p14="http://schemas.microsoft.com/office/powerpoint/2010/main" val="2443704901"/>
+      </p:ext>
+    </p:extLst>
+  </p:cSld>
+  <p:clrMapOvr>
+    <a:masterClrMapping/>
+  </p:clrMapOvr>
+</p:notes>
+</file>
+
+<file path=ppt/notesSlides/notesSlide7.xml><?xml version="1.0" encoding="utf-8"?>
+<p:notes xmlns:a="http://schemas.openxmlformats.org/drawingml/2006/main" xmlns:r="http://schemas.openxmlformats.org/officeDocument/2006/relationships" xmlns:p="http://schemas.openxmlformats.org/presentationml/2006/main">
+  <p:cSld>
+    <p:spTree>
+      <p:nvGrpSpPr>
+        <p:cNvPr id="1" name=""/>
+        <p:cNvGrpSpPr/>
+        <p:nvPr/>
+      </p:nvGrpSpPr>
+      <p:grpSpPr>
+        <a:xfrm>
+          <a:off x="0" y="0"/>
+          <a:ext cx="0" cy="0"/>
+          <a:chOff x="0" y="0"/>
+          <a:chExt cx="0" cy="0"/>
+        </a:xfrm>
+      </p:grpSpPr>
+      <p:sp>
+        <p:nvSpPr>
+          <p:cNvPr id="2" name="Slide Image Placeholder 1"/>
+          <p:cNvSpPr>
+            <a:spLocks noGrp="1" noRot="1" noChangeAspect="1"/>
+          </p:cNvSpPr>
+          <p:nvPr>
+            <p:ph type="sldImg"/>
+          </p:nvPr>
+        </p:nvSpPr>
+        <p:spPr/>
+      </p:sp>
+      <p:sp>
+        <p:nvSpPr>
+          <p:cNvPr id="3" name="Notes Placeholder 2"/>
+          <p:cNvSpPr>
+            <a:spLocks noGrp="1"/>
+          </p:cNvSpPr>
+          <p:nvPr>
+            <p:ph type="body" idx="1"/>
+          </p:nvPr>
+        </p:nvSpPr>
+        <p:spPr/>
+        <p:txBody>
+          <a:bodyPr/>
+          <a:lstStyle/>
+          <a:p>
+            <a:r>
+              <a:rPr lang="en-US" dirty="0"/>
+              <a:t>Possibilities for the input signal</a:t>
+            </a:r>
+          </a:p>
+        </p:txBody>
+      </p:sp>
+      <p:sp>
+        <p:nvSpPr>
+          <p:cNvPr id="4" name="Slide Number Placeholder 3"/>
+          <p:cNvSpPr>
+            <a:spLocks noGrp="1"/>
+          </p:cNvSpPr>
+          <p:nvPr>
+            <p:ph type="sldNum" sz="quarter" idx="5"/>
+          </p:nvPr>
+        </p:nvSpPr>
+        <p:spPr/>
+        <p:txBody>
+          <a:bodyPr/>
+          <a:lstStyle/>
+          <a:p>
+            <a:pPr>
+              <a:defRPr/>
+            </a:pPr>
+            <a:fld id="{1E3608CA-DBCA-4E8F-8DAB-6E1AFAF19782}" type="slidenum">
+              <a:rPr lang="en-US" altLang="x-none" smtClean="0"/>
+              <a:pPr>
+                <a:defRPr/>
+              </a:pPr>
+              <a:t>28</a:t>
             </a:fld>
             <a:endParaRPr lang="en-US" altLang="x-none"/>
           </a:p>
@@ -2807,7 +2909,7 @@
           <a:bodyPr/>
           <a:lstStyle>
             <a:lvl1pPr>
-              <a:defRPr sz="3600" b="1"/>
+              <a:defRPr sz="3200" b="1"/>
             </a:lvl1pPr>
           </a:lstStyle>
           <a:p>
@@ -2841,19 +2943,19 @@
           <a:bodyPr/>
           <a:lstStyle>
             <a:lvl1pPr>
-              <a:defRPr sz="3200"/>
+              <a:defRPr sz="2800"/>
             </a:lvl1pPr>
             <a:lvl2pPr>
-              <a:defRPr sz="2800"/>
+              <a:defRPr sz="2400"/>
             </a:lvl2pPr>
             <a:lvl3pPr>
-              <a:defRPr sz="2400"/>
+              <a:defRPr sz="2000"/>
             </a:lvl3pPr>
             <a:lvl4pPr>
-              <a:defRPr sz="2000"/>
+              <a:defRPr sz="1800"/>
             </a:lvl4pPr>
             <a:lvl5pPr>
-              <a:defRPr sz="2000"/>
+              <a:defRPr sz="1800"/>
             </a:lvl5pPr>
             <a:lvl6pPr>
               <a:defRPr sz="2000"/>
@@ -3033,7 +3135,7 @@
           <a:bodyPr/>
           <a:lstStyle>
             <a:lvl1pPr>
-              <a:defRPr sz="3600" b="1"/>
+              <a:defRPr sz="3200" b="1"/>
             </a:lvl1pPr>
           </a:lstStyle>
           <a:p>
@@ -5776,6 +5878,3473 @@
           <p:cNvPr id="2" name="Title 1">
             <a:extLst>
               <a:ext uri="{FF2B5EF4-FFF2-40B4-BE49-F238E27FC236}">
+                <a16:creationId xmlns:a16="http://schemas.microsoft.com/office/drawing/2014/main" id="{987E0427-1475-0C4B-AABA-E0914B9F010A}"/>
+              </a:ext>
+            </a:extLst>
+          </p:cNvPr>
+          <p:cNvSpPr>
+            <a:spLocks noGrp="1"/>
+          </p:cNvSpPr>
+          <p:nvPr>
+            <p:ph type="title"/>
+          </p:nvPr>
+        </p:nvSpPr>
+        <p:spPr>
+          <a:xfrm>
+            <a:off x="457200" y="228600"/>
+            <a:ext cx="6535271" cy="838200"/>
+          </a:xfrm>
+        </p:spPr>
+        <p:txBody>
+          <a:bodyPr/>
+          <a:lstStyle/>
+          <a:p>
+            <a:r>
+              <a:rPr lang="en-US" dirty="0"/>
+              <a:t>Inverse of a Laplace Function</a:t>
+            </a:r>
+          </a:p>
+        </p:txBody>
+      </p:sp>
+      <p:sp>
+        <p:nvSpPr>
+          <p:cNvPr id="3" name="Slide Number Placeholder 2">
+            <a:extLst>
+              <a:ext uri="{FF2B5EF4-FFF2-40B4-BE49-F238E27FC236}">
+                <a16:creationId xmlns:a16="http://schemas.microsoft.com/office/drawing/2014/main" id="{A1F494F0-B65D-FF43-AAE2-7652ADCD6FA0}"/>
+              </a:ext>
+            </a:extLst>
+          </p:cNvPr>
+          <p:cNvSpPr>
+            <a:spLocks noGrp="1"/>
+          </p:cNvSpPr>
+          <p:nvPr>
+            <p:ph type="sldNum" sz="quarter" idx="11"/>
+          </p:nvPr>
+        </p:nvSpPr>
+        <p:spPr/>
+        <p:txBody>
+          <a:bodyPr/>
+          <a:lstStyle/>
+          <a:p>
+            <a:pPr>
+              <a:defRPr/>
+            </a:pPr>
+            <a:fld id="{2E4304A7-0FB2-4094-BC1E-DB17183AD0C1}" type="slidenum">
+              <a:rPr lang="en-US" altLang="x-none" smtClean="0"/>
+              <a:pPr>
+                <a:defRPr/>
+              </a:pPr>
+              <a:t>10</a:t>
+            </a:fld>
+            <a:endParaRPr lang="en-US" altLang="x-none"/>
+          </a:p>
+        </p:txBody>
+      </p:sp>
+      <mc:AlternateContent xmlns:mc="http://schemas.openxmlformats.org/markup-compatibility/2006">
+        <mc:Choice xmlns:a14="http://schemas.microsoft.com/office/drawing/2010/main" Requires="a14">
+          <p:sp>
+            <p:nvSpPr>
+              <p:cNvPr id="4" name="TextBox 3">
+                <a:extLst>
+                  <a:ext uri="{FF2B5EF4-FFF2-40B4-BE49-F238E27FC236}">
+                    <a16:creationId xmlns:a16="http://schemas.microsoft.com/office/drawing/2014/main" id="{4E8F59F2-E23B-5F4F-9327-D1FE599E4C48}"/>
+                  </a:ext>
+                </a:extLst>
+              </p:cNvPr>
+              <p:cNvSpPr txBox="1"/>
+              <p:nvPr/>
+            </p:nvSpPr>
+            <p:spPr>
+              <a:xfrm>
+                <a:off x="6875383" y="348034"/>
+                <a:ext cx="2018117" cy="599331"/>
+              </a:xfrm>
+              <a:prstGeom prst="rect">
+                <a:avLst/>
+              </a:prstGeom>
+              <a:noFill/>
+            </p:spPr>
+            <p:txBody>
+              <a:bodyPr wrap="none" lIns="0" tIns="0" rIns="0" bIns="0" rtlCol="0">
+                <a:spAutoFit/>
+              </a:bodyPr>
+              <a:lstStyle/>
+              <a:p>
+                <a14:m>
+                  <m:oMathPara xmlns:m="http://schemas.openxmlformats.org/officeDocument/2006/math">
+                    <m:oMathParaPr>
+                      <m:jc m:val="centerGroup"/>
+                    </m:oMathParaPr>
+                    <m:oMath xmlns:m="http://schemas.openxmlformats.org/officeDocument/2006/math">
+                      <m:r>
+                        <a:rPr lang="en-US" b="0" i="1" smtClean="0">
+                          <a:latin typeface="Cambria Math" panose="02040503050406030204" pitchFamily="18" charset="0"/>
+                        </a:rPr>
+                        <m:t>𝐺</m:t>
+                      </m:r>
+                      <m:d>
+                        <m:dPr>
+                          <m:ctrlPr>
+                            <a:rPr lang="en-US" b="0" i="1" smtClean="0">
+                              <a:latin typeface="Cambria Math" panose="02040503050406030204" pitchFamily="18" charset="0"/>
+                            </a:rPr>
+                          </m:ctrlPr>
+                        </m:dPr>
+                        <m:e>
+                          <m:r>
+                            <a:rPr lang="en-US" b="0" i="1" smtClean="0">
+                              <a:latin typeface="Cambria Math" panose="02040503050406030204" pitchFamily="18" charset="0"/>
+                            </a:rPr>
+                            <m:t>𝑠</m:t>
+                          </m:r>
+                        </m:e>
+                      </m:d>
+                      <m:r>
+                        <a:rPr lang="en-US" b="0" i="1" smtClean="0">
+                          <a:latin typeface="Cambria Math" panose="02040503050406030204" pitchFamily="18" charset="0"/>
+                        </a:rPr>
+                        <m:t>=</m:t>
+                      </m:r>
+                      <m:nary>
+                        <m:naryPr>
+                          <m:ctrlPr>
+                            <a:rPr lang="en-US" b="0" i="1" smtClean="0">
+                              <a:latin typeface="Cambria Math" panose="02040503050406030204" pitchFamily="18" charset="0"/>
+                            </a:rPr>
+                          </m:ctrlPr>
+                        </m:naryPr>
+                        <m:sub>
+                          <m:r>
+                            <a:rPr lang="en-US" b="0" i="1" smtClean="0">
+                              <a:latin typeface="Cambria Math" panose="02040503050406030204" pitchFamily="18" charset="0"/>
+                            </a:rPr>
+                            <m:t>0</m:t>
+                          </m:r>
+                        </m:sub>
+                        <m:sup>
+                          <m:r>
+                            <a:rPr lang="en-US" b="0" i="1" smtClean="0">
+                              <a:latin typeface="Cambria Math" panose="02040503050406030204" pitchFamily="18" charset="0"/>
+                            </a:rPr>
+                            <m:t>∞</m:t>
+                          </m:r>
+                        </m:sup>
+                        <m:e>
+                          <m:r>
+                            <a:rPr lang="en-US" b="0" i="1" smtClean="0">
+                              <a:latin typeface="Cambria Math" panose="02040503050406030204" pitchFamily="18" charset="0"/>
+                            </a:rPr>
+                            <m:t>𝑔</m:t>
+                          </m:r>
+                          <m:d>
+                            <m:dPr>
+                              <m:ctrlPr>
+                                <a:rPr lang="en-US" b="0" i="1" smtClean="0">
+                                  <a:latin typeface="Cambria Math" panose="02040503050406030204" pitchFamily="18" charset="0"/>
+                                </a:rPr>
+                              </m:ctrlPr>
+                            </m:dPr>
+                            <m:e>
+                              <m:r>
+                                <a:rPr lang="en-US" b="0" i="1" smtClean="0">
+                                  <a:latin typeface="Cambria Math" panose="02040503050406030204" pitchFamily="18" charset="0"/>
+                                </a:rPr>
+                                <m:t>𝑡</m:t>
+                              </m:r>
+                            </m:e>
+                          </m:d>
+                          <m:sSup>
+                            <m:sSupPr>
+                              <m:ctrlPr>
+                                <a:rPr lang="en-US" b="0" i="1" smtClean="0">
+                                  <a:latin typeface="Cambria Math" panose="02040503050406030204" pitchFamily="18" charset="0"/>
+                                </a:rPr>
+                              </m:ctrlPr>
+                            </m:sSupPr>
+                            <m:e>
+                              <m:r>
+                                <a:rPr lang="en-US" b="0" i="1" smtClean="0">
+                                  <a:latin typeface="Cambria Math" panose="02040503050406030204" pitchFamily="18" charset="0"/>
+                                </a:rPr>
+                                <m:t>𝑒</m:t>
+                              </m:r>
+                            </m:e>
+                            <m:sup>
+                              <m:r>
+                                <a:rPr lang="en-US" b="0" i="1" smtClean="0">
+                                  <a:latin typeface="Cambria Math" panose="02040503050406030204" pitchFamily="18" charset="0"/>
+                                </a:rPr>
+                                <m:t>−</m:t>
+                              </m:r>
+                              <m:r>
+                                <a:rPr lang="en-US" b="0" i="1" smtClean="0">
+                                  <a:latin typeface="Cambria Math" panose="02040503050406030204" pitchFamily="18" charset="0"/>
+                                </a:rPr>
+                                <m:t>𝑠𝑡</m:t>
+                              </m:r>
+                            </m:sup>
+                          </m:sSup>
+                        </m:e>
+                      </m:nary>
+                    </m:oMath>
+                  </m:oMathPara>
+                </a14:m>
+                <a:endParaRPr lang="en-US" dirty="0"/>
+              </a:p>
+            </p:txBody>
+          </p:sp>
+        </mc:Choice>
+        <mc:Fallback>
+          <p:sp>
+            <p:nvSpPr>
+              <p:cNvPr id="4" name="TextBox 3">
+                <a:extLst>
+                  <a:ext uri="{FF2B5EF4-FFF2-40B4-BE49-F238E27FC236}">
+                    <a16:creationId xmlns:a16="http://schemas.microsoft.com/office/drawing/2014/main" id="{4E8F59F2-E23B-5F4F-9327-D1FE599E4C48}"/>
+                  </a:ext>
+                </a:extLst>
+              </p:cNvPr>
+              <p:cNvSpPr txBox="1">
+                <a:spLocks noRot="1" noChangeAspect="1" noMove="1" noResize="1" noEditPoints="1" noAdjustHandles="1" noChangeArrowheads="1" noChangeShapeType="1" noTextEdit="1"/>
+              </p:cNvSpPr>
+              <p:nvPr/>
+            </p:nvSpPr>
+            <p:spPr>
+              <a:xfrm>
+                <a:off x="6875383" y="348034"/>
+                <a:ext cx="2018117" cy="599331"/>
+              </a:xfrm>
+              <a:prstGeom prst="rect">
+                <a:avLst/>
+              </a:prstGeom>
+              <a:blipFill>
+                <a:blip r:embed="rId2"/>
+                <a:stretch>
+                  <a:fillRect l="-10000" t="-189583" b="-281250"/>
+                </a:stretch>
+              </a:blipFill>
+            </p:spPr>
+            <p:txBody>
+              <a:bodyPr/>
+              <a:lstStyle/>
+              <a:p>
+                <a:r>
+                  <a:rPr lang="en-US">
+                    <a:noFill/>
+                  </a:rPr>
+                  <a:t> </a:t>
+                </a:r>
+              </a:p>
+            </p:txBody>
+          </p:sp>
+        </mc:Fallback>
+      </mc:AlternateContent>
+      <mc:AlternateContent xmlns:mc="http://schemas.openxmlformats.org/markup-compatibility/2006">
+        <mc:Choice xmlns:a14="http://schemas.microsoft.com/office/drawing/2010/main" Requires="a14">
+          <p:sp>
+            <p:nvSpPr>
+              <p:cNvPr id="5" name="TextBox 4">
+                <a:extLst>
+                  <a:ext uri="{FF2B5EF4-FFF2-40B4-BE49-F238E27FC236}">
+                    <a16:creationId xmlns:a16="http://schemas.microsoft.com/office/drawing/2014/main" id="{A37F6F25-E5FE-6343-A86A-CEDC8E601C66}"/>
+                  </a:ext>
+                </a:extLst>
+              </p:cNvPr>
+              <p:cNvSpPr txBox="1"/>
+              <p:nvPr/>
+            </p:nvSpPr>
+            <p:spPr>
+              <a:xfrm>
+                <a:off x="385482" y="1506070"/>
+                <a:ext cx="7265130" cy="568489"/>
+              </a:xfrm>
+              <a:prstGeom prst="rect">
+                <a:avLst/>
+              </a:prstGeom>
+              <a:noFill/>
+            </p:spPr>
+            <p:txBody>
+              <a:bodyPr wrap="none" rtlCol="0">
+                <a:spAutoFit/>
+              </a:bodyPr>
+              <a:lstStyle/>
+              <a:p>
+                <a:r>
+                  <a:rPr lang="en-US" dirty="0"/>
+                  <a:t>General form for a T.F.: </a:t>
+                </a:r>
+                <a14:m>
+                  <m:oMath xmlns:m="http://schemas.openxmlformats.org/officeDocument/2006/math">
+                    <m:r>
+                      <a:rPr lang="en-US" b="0" i="1" smtClean="0">
+                        <a:latin typeface="Cambria Math" panose="02040503050406030204" pitchFamily="18" charset="0"/>
+                      </a:rPr>
+                      <m:t>𝐺</m:t>
+                    </m:r>
+                    <m:d>
+                      <m:dPr>
+                        <m:ctrlPr>
+                          <a:rPr lang="en-US" b="0" i="1" smtClean="0">
+                            <a:latin typeface="Cambria Math" panose="02040503050406030204" pitchFamily="18" charset="0"/>
+                          </a:rPr>
+                        </m:ctrlPr>
+                      </m:dPr>
+                      <m:e>
+                        <m:r>
+                          <a:rPr lang="en-US" b="0" i="1" smtClean="0">
+                            <a:latin typeface="Cambria Math" panose="02040503050406030204" pitchFamily="18" charset="0"/>
+                          </a:rPr>
+                          <m:t>𝑠</m:t>
+                        </m:r>
+                      </m:e>
+                    </m:d>
+                    <m:r>
+                      <a:rPr lang="en-US" b="0" i="1" smtClean="0">
+                        <a:latin typeface="Cambria Math" panose="02040503050406030204" pitchFamily="18" charset="0"/>
+                      </a:rPr>
+                      <m:t>=</m:t>
+                    </m:r>
+                    <m:f>
+                      <m:fPr>
+                        <m:ctrlPr>
+                          <a:rPr lang="en-US" b="0" i="1" smtClean="0">
+                            <a:latin typeface="Cambria Math" panose="02040503050406030204" pitchFamily="18" charset="0"/>
+                          </a:rPr>
+                        </m:ctrlPr>
+                      </m:fPr>
+                      <m:num>
+                        <m:r>
+                          <a:rPr lang="en-US" b="0" i="1" smtClean="0">
+                            <a:latin typeface="Cambria Math" panose="02040503050406030204" pitchFamily="18" charset="0"/>
+                          </a:rPr>
+                          <m:t>𝑁</m:t>
+                        </m:r>
+                        <m:r>
+                          <a:rPr lang="en-US" b="0" i="1" smtClean="0">
+                            <a:latin typeface="Cambria Math" panose="02040503050406030204" pitchFamily="18" charset="0"/>
+                          </a:rPr>
+                          <m:t>(</m:t>
+                        </m:r>
+                        <m:r>
+                          <a:rPr lang="en-US" b="0" i="1" smtClean="0">
+                            <a:latin typeface="Cambria Math" panose="02040503050406030204" pitchFamily="18" charset="0"/>
+                          </a:rPr>
+                          <m:t>𝑠</m:t>
+                        </m:r>
+                        <m:r>
+                          <a:rPr lang="en-US" b="0" i="1" smtClean="0">
+                            <a:latin typeface="Cambria Math" panose="02040503050406030204" pitchFamily="18" charset="0"/>
+                          </a:rPr>
+                          <m:t>)</m:t>
+                        </m:r>
+                      </m:num>
+                      <m:den>
+                        <m:r>
+                          <a:rPr lang="en-US" b="0" i="1" smtClean="0">
+                            <a:latin typeface="Cambria Math" panose="02040503050406030204" pitchFamily="18" charset="0"/>
+                          </a:rPr>
+                          <m:t>𝐷</m:t>
+                        </m:r>
+                        <m:r>
+                          <a:rPr lang="en-US" b="0" i="1" smtClean="0">
+                            <a:latin typeface="Cambria Math" panose="02040503050406030204" pitchFamily="18" charset="0"/>
+                          </a:rPr>
+                          <m:t>(</m:t>
+                        </m:r>
+                        <m:r>
+                          <a:rPr lang="en-US" b="0" i="1" smtClean="0">
+                            <a:latin typeface="Cambria Math" panose="02040503050406030204" pitchFamily="18" charset="0"/>
+                          </a:rPr>
+                          <m:t>𝑠</m:t>
+                        </m:r>
+                        <m:r>
+                          <a:rPr lang="en-US" b="0" i="1" smtClean="0">
+                            <a:latin typeface="Cambria Math" panose="02040503050406030204" pitchFamily="18" charset="0"/>
+                          </a:rPr>
+                          <m:t>)</m:t>
+                        </m:r>
+                      </m:den>
+                    </m:f>
+                    <m:r>
+                      <a:rPr lang="en-US" b="0" i="1" smtClean="0">
+                        <a:latin typeface="Cambria Math" panose="02040503050406030204" pitchFamily="18" charset="0"/>
+                      </a:rPr>
+                      <m:t>=</m:t>
+                    </m:r>
+                    <m:f>
+                      <m:fPr>
+                        <m:ctrlPr>
+                          <a:rPr lang="en-US" b="0" i="1" smtClean="0">
+                            <a:latin typeface="Cambria Math" panose="02040503050406030204" pitchFamily="18" charset="0"/>
+                          </a:rPr>
+                        </m:ctrlPr>
+                      </m:fPr>
+                      <m:num>
+                        <m:sSup>
+                          <m:sSupPr>
+                            <m:ctrlPr>
+                              <a:rPr lang="en-US" b="0" i="1" smtClean="0">
+                                <a:latin typeface="Cambria Math" panose="02040503050406030204" pitchFamily="18" charset="0"/>
+                              </a:rPr>
+                            </m:ctrlPr>
+                          </m:sSupPr>
+                          <m:e>
+                            <m:r>
+                              <a:rPr lang="en-US" b="0" i="1" smtClean="0">
+                                <a:latin typeface="Cambria Math" panose="02040503050406030204" pitchFamily="18" charset="0"/>
+                              </a:rPr>
+                              <m:t>𝑠</m:t>
+                            </m:r>
+                          </m:e>
+                          <m:sup>
+                            <m:r>
+                              <a:rPr lang="en-US" b="0" i="1" smtClean="0">
+                                <a:latin typeface="Cambria Math" panose="02040503050406030204" pitchFamily="18" charset="0"/>
+                              </a:rPr>
+                              <m:t>𝑀</m:t>
+                            </m:r>
+                          </m:sup>
+                        </m:sSup>
+                        <m:r>
+                          <a:rPr lang="en-US" b="0" i="1" smtClean="0">
+                            <a:latin typeface="Cambria Math" panose="02040503050406030204" pitchFamily="18" charset="0"/>
+                          </a:rPr>
+                          <m:t>+</m:t>
+                        </m:r>
+                        <m:sSub>
+                          <m:sSubPr>
+                            <m:ctrlPr>
+                              <a:rPr lang="en-US" b="0" i="1" smtClean="0">
+                                <a:latin typeface="Cambria Math" panose="02040503050406030204" pitchFamily="18" charset="0"/>
+                              </a:rPr>
+                            </m:ctrlPr>
+                          </m:sSubPr>
+                          <m:e>
+                            <m:r>
+                              <a:rPr lang="en-US" b="0" i="1" smtClean="0">
+                                <a:latin typeface="Cambria Math" panose="02040503050406030204" pitchFamily="18" charset="0"/>
+                              </a:rPr>
+                              <m:t>𝑏</m:t>
+                            </m:r>
+                          </m:e>
+                          <m:sub>
+                            <m:r>
+                              <a:rPr lang="en-US" b="0" i="1" smtClean="0">
+                                <a:latin typeface="Cambria Math" panose="02040503050406030204" pitchFamily="18" charset="0"/>
+                              </a:rPr>
+                              <m:t>1</m:t>
+                            </m:r>
+                          </m:sub>
+                        </m:sSub>
+                        <m:sSup>
+                          <m:sSupPr>
+                            <m:ctrlPr>
+                              <a:rPr lang="en-US" b="0" i="1" smtClean="0">
+                                <a:latin typeface="Cambria Math" panose="02040503050406030204" pitchFamily="18" charset="0"/>
+                              </a:rPr>
+                            </m:ctrlPr>
+                          </m:sSupPr>
+                          <m:e>
+                            <m:r>
+                              <a:rPr lang="en-US" b="0" i="1" smtClean="0">
+                                <a:latin typeface="Cambria Math" panose="02040503050406030204" pitchFamily="18" charset="0"/>
+                              </a:rPr>
+                              <m:t>𝑠</m:t>
+                            </m:r>
+                          </m:e>
+                          <m:sup>
+                            <m:r>
+                              <a:rPr lang="en-US" b="0" i="1" smtClean="0">
+                                <a:latin typeface="Cambria Math" panose="02040503050406030204" pitchFamily="18" charset="0"/>
+                              </a:rPr>
+                              <m:t>𝑀</m:t>
+                            </m:r>
+                            <m:r>
+                              <a:rPr lang="en-US" b="0" i="1" smtClean="0">
+                                <a:latin typeface="Cambria Math" panose="02040503050406030204" pitchFamily="18" charset="0"/>
+                              </a:rPr>
+                              <m:t>−1 </m:t>
+                            </m:r>
+                          </m:sup>
+                        </m:sSup>
+                        <m:r>
+                          <a:rPr lang="en-US" b="0" i="1" smtClean="0">
+                            <a:latin typeface="Cambria Math" panose="02040503050406030204" pitchFamily="18" charset="0"/>
+                          </a:rPr>
+                          <m:t>+⋯+</m:t>
+                        </m:r>
+                        <m:sSub>
+                          <m:sSubPr>
+                            <m:ctrlPr>
+                              <a:rPr lang="en-US" b="0" i="1" smtClean="0">
+                                <a:latin typeface="Cambria Math" panose="02040503050406030204" pitchFamily="18" charset="0"/>
+                              </a:rPr>
+                            </m:ctrlPr>
+                          </m:sSubPr>
+                          <m:e>
+                            <m:r>
+                              <a:rPr lang="en-US" b="0" i="1" smtClean="0">
+                                <a:latin typeface="Cambria Math" panose="02040503050406030204" pitchFamily="18" charset="0"/>
+                              </a:rPr>
+                              <m:t>𝑏</m:t>
+                            </m:r>
+                          </m:e>
+                          <m:sub>
+                            <m:r>
+                              <a:rPr lang="en-US" b="0" i="1" smtClean="0">
+                                <a:latin typeface="Cambria Math" panose="02040503050406030204" pitchFamily="18" charset="0"/>
+                              </a:rPr>
+                              <m:t>𝑀</m:t>
+                            </m:r>
+                          </m:sub>
+                        </m:sSub>
+                      </m:num>
+                      <m:den>
+                        <m:sSup>
+                          <m:sSupPr>
+                            <m:ctrlPr>
+                              <a:rPr lang="en-US" i="1">
+                                <a:latin typeface="Cambria Math" panose="02040503050406030204" pitchFamily="18" charset="0"/>
+                              </a:rPr>
+                            </m:ctrlPr>
+                          </m:sSupPr>
+                          <m:e>
+                            <m:r>
+                              <a:rPr lang="en-US" i="1">
+                                <a:latin typeface="Cambria Math" panose="02040503050406030204" pitchFamily="18" charset="0"/>
+                              </a:rPr>
+                              <m:t>𝑠</m:t>
+                            </m:r>
+                          </m:e>
+                          <m:sup>
+                            <m:r>
+                              <a:rPr lang="en-US" b="0" i="1" smtClean="0">
+                                <a:latin typeface="Cambria Math" panose="02040503050406030204" pitchFamily="18" charset="0"/>
+                              </a:rPr>
+                              <m:t>𝑁</m:t>
+                            </m:r>
+                          </m:sup>
+                        </m:sSup>
+                        <m:r>
+                          <a:rPr lang="en-US" i="1">
+                            <a:latin typeface="Cambria Math" panose="02040503050406030204" pitchFamily="18" charset="0"/>
+                          </a:rPr>
+                          <m:t>+</m:t>
+                        </m:r>
+                        <m:sSub>
+                          <m:sSubPr>
+                            <m:ctrlPr>
+                              <a:rPr lang="en-US" i="1">
+                                <a:latin typeface="Cambria Math" panose="02040503050406030204" pitchFamily="18" charset="0"/>
+                              </a:rPr>
+                            </m:ctrlPr>
+                          </m:sSubPr>
+                          <m:e>
+                            <m:r>
+                              <a:rPr lang="en-US" b="0" i="1" smtClean="0">
+                                <a:latin typeface="Cambria Math" panose="02040503050406030204" pitchFamily="18" charset="0"/>
+                              </a:rPr>
+                              <m:t>𝑎</m:t>
+                            </m:r>
+                          </m:e>
+                          <m:sub>
+                            <m:r>
+                              <a:rPr lang="en-US" i="1">
+                                <a:latin typeface="Cambria Math" panose="02040503050406030204" pitchFamily="18" charset="0"/>
+                              </a:rPr>
+                              <m:t>1</m:t>
+                            </m:r>
+                          </m:sub>
+                        </m:sSub>
+                        <m:sSup>
+                          <m:sSupPr>
+                            <m:ctrlPr>
+                              <a:rPr lang="en-US" i="1">
+                                <a:latin typeface="Cambria Math" panose="02040503050406030204" pitchFamily="18" charset="0"/>
+                              </a:rPr>
+                            </m:ctrlPr>
+                          </m:sSupPr>
+                          <m:e>
+                            <m:r>
+                              <a:rPr lang="en-US" i="1">
+                                <a:latin typeface="Cambria Math" panose="02040503050406030204" pitchFamily="18" charset="0"/>
+                              </a:rPr>
+                              <m:t>𝑠</m:t>
+                            </m:r>
+                          </m:e>
+                          <m:sup>
+                            <m:r>
+                              <a:rPr lang="en-US" b="0" i="1" smtClean="0">
+                                <a:latin typeface="Cambria Math" panose="02040503050406030204" pitchFamily="18" charset="0"/>
+                              </a:rPr>
+                              <m:t>𝑁</m:t>
+                            </m:r>
+                            <m:r>
+                              <a:rPr lang="en-US" i="1">
+                                <a:latin typeface="Cambria Math" panose="02040503050406030204" pitchFamily="18" charset="0"/>
+                              </a:rPr>
+                              <m:t>−1 </m:t>
+                            </m:r>
+                          </m:sup>
+                        </m:sSup>
+                        <m:r>
+                          <a:rPr lang="en-US" i="1">
+                            <a:latin typeface="Cambria Math" panose="02040503050406030204" pitchFamily="18" charset="0"/>
+                          </a:rPr>
+                          <m:t>+⋯+</m:t>
+                        </m:r>
+                        <m:sSub>
+                          <m:sSubPr>
+                            <m:ctrlPr>
+                              <a:rPr lang="en-US" i="1">
+                                <a:latin typeface="Cambria Math" panose="02040503050406030204" pitchFamily="18" charset="0"/>
+                              </a:rPr>
+                            </m:ctrlPr>
+                          </m:sSubPr>
+                          <m:e>
+                            <m:r>
+                              <a:rPr lang="en-US" b="0" i="1" smtClean="0">
+                                <a:latin typeface="Cambria Math" panose="02040503050406030204" pitchFamily="18" charset="0"/>
+                              </a:rPr>
+                              <m:t>𝑎</m:t>
+                            </m:r>
+                          </m:e>
+                          <m:sub>
+                            <m:r>
+                              <a:rPr lang="en-US" b="0" i="1" smtClean="0">
+                                <a:latin typeface="Cambria Math" panose="02040503050406030204" pitchFamily="18" charset="0"/>
+                              </a:rPr>
+                              <m:t>𝑁</m:t>
+                            </m:r>
+                          </m:sub>
+                        </m:sSub>
+                      </m:den>
+                    </m:f>
+                    <m:r>
+                      <a:rPr lang="en-US" b="0" i="1" smtClean="0">
+                        <a:latin typeface="Cambria Math" panose="02040503050406030204" pitchFamily="18" charset="0"/>
+                      </a:rPr>
+                      <m:t>=</m:t>
+                    </m:r>
+                    <m:f>
+                      <m:fPr>
+                        <m:ctrlPr>
+                          <a:rPr lang="en-US" b="0" i="1" smtClean="0">
+                            <a:latin typeface="Cambria Math" panose="02040503050406030204" pitchFamily="18" charset="0"/>
+                          </a:rPr>
+                        </m:ctrlPr>
+                      </m:fPr>
+                      <m:num>
+                        <m:d>
+                          <m:dPr>
+                            <m:ctrlPr>
+                              <a:rPr lang="en-US" b="0" i="1" smtClean="0">
+                                <a:latin typeface="Cambria Math" panose="02040503050406030204" pitchFamily="18" charset="0"/>
+                              </a:rPr>
+                            </m:ctrlPr>
+                          </m:dPr>
+                          <m:e>
+                            <m:r>
+                              <a:rPr lang="en-US" b="0" i="1" smtClean="0">
+                                <a:latin typeface="Cambria Math" panose="02040503050406030204" pitchFamily="18" charset="0"/>
+                              </a:rPr>
+                              <m:t>𝑠</m:t>
+                            </m:r>
+                            <m:r>
+                              <a:rPr lang="en-US" b="0" i="1" smtClean="0">
+                                <a:latin typeface="Cambria Math" panose="02040503050406030204" pitchFamily="18" charset="0"/>
+                              </a:rPr>
+                              <m:t>−</m:t>
+                            </m:r>
+                            <m:sSub>
+                              <m:sSubPr>
+                                <m:ctrlPr>
+                                  <a:rPr lang="en-US" b="0" i="1" smtClean="0">
+                                    <a:latin typeface="Cambria Math" panose="02040503050406030204" pitchFamily="18" charset="0"/>
+                                  </a:rPr>
+                                </m:ctrlPr>
+                              </m:sSubPr>
+                              <m:e>
+                                <m:r>
+                                  <a:rPr lang="en-US" b="0" i="1" smtClean="0">
+                                    <a:latin typeface="Cambria Math" panose="02040503050406030204" pitchFamily="18" charset="0"/>
+                                  </a:rPr>
+                                  <m:t>𝑧</m:t>
+                                </m:r>
+                              </m:e>
+                              <m:sub>
+                                <m:r>
+                                  <a:rPr lang="en-US" b="0" i="1" smtClean="0">
+                                    <a:latin typeface="Cambria Math" panose="02040503050406030204" pitchFamily="18" charset="0"/>
+                                  </a:rPr>
+                                  <m:t>1</m:t>
+                                </m:r>
+                              </m:sub>
+                            </m:sSub>
+                          </m:e>
+                        </m:d>
+                        <m:r>
+                          <a:rPr lang="en-US" b="0" i="1" smtClean="0">
+                            <a:latin typeface="Cambria Math" panose="02040503050406030204" pitchFamily="18" charset="0"/>
+                          </a:rPr>
+                          <m:t>⋯(</m:t>
+                        </m:r>
+                        <m:r>
+                          <a:rPr lang="en-US" b="0" i="1" smtClean="0">
+                            <a:latin typeface="Cambria Math" panose="02040503050406030204" pitchFamily="18" charset="0"/>
+                          </a:rPr>
+                          <m:t>𝑠</m:t>
+                        </m:r>
+                        <m:r>
+                          <a:rPr lang="en-US" b="0" i="1" smtClean="0">
+                            <a:latin typeface="Cambria Math" panose="02040503050406030204" pitchFamily="18" charset="0"/>
+                          </a:rPr>
+                          <m:t>−</m:t>
+                        </m:r>
+                        <m:sSub>
+                          <m:sSubPr>
+                            <m:ctrlPr>
+                              <a:rPr lang="en-US" b="0" i="1" smtClean="0">
+                                <a:latin typeface="Cambria Math" panose="02040503050406030204" pitchFamily="18" charset="0"/>
+                              </a:rPr>
+                            </m:ctrlPr>
+                          </m:sSubPr>
+                          <m:e>
+                            <m:r>
+                              <a:rPr lang="en-US" b="0" i="1" smtClean="0">
+                                <a:latin typeface="Cambria Math" panose="02040503050406030204" pitchFamily="18" charset="0"/>
+                              </a:rPr>
+                              <m:t>𝑧</m:t>
+                            </m:r>
+                          </m:e>
+                          <m:sub>
+                            <m:r>
+                              <a:rPr lang="en-US" b="0" i="1" smtClean="0">
+                                <a:latin typeface="Cambria Math" panose="02040503050406030204" pitchFamily="18" charset="0"/>
+                              </a:rPr>
+                              <m:t>𝑀</m:t>
+                            </m:r>
+                          </m:sub>
+                        </m:sSub>
+                        <m:r>
+                          <a:rPr lang="en-US" b="0" i="1" smtClean="0">
+                            <a:latin typeface="Cambria Math" panose="02040503050406030204" pitchFamily="18" charset="0"/>
+                          </a:rPr>
+                          <m:t>)</m:t>
+                        </m:r>
+                      </m:num>
+                      <m:den>
+                        <m:d>
+                          <m:dPr>
+                            <m:ctrlPr>
+                              <a:rPr lang="en-US" i="1">
+                                <a:latin typeface="Cambria Math" panose="02040503050406030204" pitchFamily="18" charset="0"/>
+                              </a:rPr>
+                            </m:ctrlPr>
+                          </m:dPr>
+                          <m:e>
+                            <m:r>
+                              <a:rPr lang="en-US" i="1">
+                                <a:latin typeface="Cambria Math" panose="02040503050406030204" pitchFamily="18" charset="0"/>
+                              </a:rPr>
+                              <m:t>𝑠</m:t>
+                            </m:r>
+                            <m:r>
+                              <a:rPr lang="en-US" i="1">
+                                <a:latin typeface="Cambria Math" panose="02040503050406030204" pitchFamily="18" charset="0"/>
+                              </a:rPr>
+                              <m:t>−</m:t>
+                            </m:r>
+                            <m:sSub>
+                              <m:sSubPr>
+                                <m:ctrlPr>
+                                  <a:rPr lang="en-US" i="1">
+                                    <a:latin typeface="Cambria Math" panose="02040503050406030204" pitchFamily="18" charset="0"/>
+                                  </a:rPr>
+                                </m:ctrlPr>
+                              </m:sSubPr>
+                              <m:e>
+                                <m:r>
+                                  <a:rPr lang="en-US" b="0" i="1" smtClean="0">
+                                    <a:latin typeface="Cambria Math" panose="02040503050406030204" pitchFamily="18" charset="0"/>
+                                  </a:rPr>
+                                  <m:t>𝑝</m:t>
+                                </m:r>
+                              </m:e>
+                              <m:sub>
+                                <m:r>
+                                  <a:rPr lang="en-US" i="1">
+                                    <a:latin typeface="Cambria Math" panose="02040503050406030204" pitchFamily="18" charset="0"/>
+                                  </a:rPr>
+                                  <m:t>1</m:t>
+                                </m:r>
+                              </m:sub>
+                            </m:sSub>
+                          </m:e>
+                        </m:d>
+                        <m:r>
+                          <a:rPr lang="en-US" i="1">
+                            <a:latin typeface="Cambria Math" panose="02040503050406030204" pitchFamily="18" charset="0"/>
+                          </a:rPr>
+                          <m:t>⋯(</m:t>
+                        </m:r>
+                        <m:r>
+                          <a:rPr lang="en-US" i="1">
+                            <a:latin typeface="Cambria Math" panose="02040503050406030204" pitchFamily="18" charset="0"/>
+                          </a:rPr>
+                          <m:t>𝑠</m:t>
+                        </m:r>
+                        <m:r>
+                          <a:rPr lang="en-US" i="1">
+                            <a:latin typeface="Cambria Math" panose="02040503050406030204" pitchFamily="18" charset="0"/>
+                          </a:rPr>
+                          <m:t>−</m:t>
+                        </m:r>
+                        <m:sSub>
+                          <m:sSubPr>
+                            <m:ctrlPr>
+                              <a:rPr lang="en-US" b="0" i="1" smtClean="0">
+                                <a:latin typeface="Cambria Math" panose="02040503050406030204" pitchFamily="18" charset="0"/>
+                              </a:rPr>
+                            </m:ctrlPr>
+                          </m:sSubPr>
+                          <m:e>
+                            <m:r>
+                              <a:rPr lang="en-US" b="0" i="1" smtClean="0">
+                                <a:latin typeface="Cambria Math" panose="02040503050406030204" pitchFamily="18" charset="0"/>
+                              </a:rPr>
+                              <m:t>𝑝</m:t>
+                            </m:r>
+                          </m:e>
+                          <m:sub>
+                            <m:r>
+                              <a:rPr lang="en-US" b="0" i="1" smtClean="0">
+                                <a:latin typeface="Cambria Math" panose="02040503050406030204" pitchFamily="18" charset="0"/>
+                              </a:rPr>
+                              <m:t>𝑁</m:t>
+                            </m:r>
+                          </m:sub>
+                        </m:sSub>
+                        <m:r>
+                          <a:rPr lang="en-US" i="1">
+                            <a:latin typeface="Cambria Math" panose="02040503050406030204" pitchFamily="18" charset="0"/>
+                          </a:rPr>
+                          <m:t>)</m:t>
+                        </m:r>
+                      </m:den>
+                    </m:f>
+                  </m:oMath>
+                </a14:m>
+                <a:endParaRPr lang="en-US" dirty="0"/>
+              </a:p>
+            </p:txBody>
+          </p:sp>
+        </mc:Choice>
+        <mc:Fallback>
+          <p:sp>
+            <p:nvSpPr>
+              <p:cNvPr id="5" name="TextBox 4">
+                <a:extLst>
+                  <a:ext uri="{FF2B5EF4-FFF2-40B4-BE49-F238E27FC236}">
+                    <a16:creationId xmlns:a16="http://schemas.microsoft.com/office/drawing/2014/main" id="{A37F6F25-E5FE-6343-A86A-CEDC8E601C66}"/>
+                  </a:ext>
+                </a:extLst>
+              </p:cNvPr>
+              <p:cNvSpPr txBox="1">
+                <a:spLocks noRot="1" noChangeAspect="1" noMove="1" noResize="1" noEditPoints="1" noAdjustHandles="1" noChangeArrowheads="1" noChangeShapeType="1" noTextEdit="1"/>
+              </p:cNvSpPr>
+              <p:nvPr/>
+            </p:nvSpPr>
+            <p:spPr>
+              <a:xfrm>
+                <a:off x="385482" y="1506070"/>
+                <a:ext cx="7265130" cy="568489"/>
+              </a:xfrm>
+              <a:prstGeom prst="rect">
+                <a:avLst/>
+              </a:prstGeom>
+              <a:blipFill>
+                <a:blip r:embed="rId3"/>
+                <a:stretch>
+                  <a:fillRect l="-698" b="-4348"/>
+                </a:stretch>
+              </a:blipFill>
+            </p:spPr>
+            <p:txBody>
+              <a:bodyPr/>
+              <a:lstStyle/>
+              <a:p>
+                <a:r>
+                  <a:rPr lang="en-US">
+                    <a:noFill/>
+                  </a:rPr>
+                  <a:t> </a:t>
+                </a:r>
+              </a:p>
+            </p:txBody>
+          </p:sp>
+        </mc:Fallback>
+      </mc:AlternateContent>
+      <mc:AlternateContent xmlns:mc="http://schemas.openxmlformats.org/markup-compatibility/2006">
+        <mc:Choice xmlns:a14="http://schemas.microsoft.com/office/drawing/2010/main" Requires="a14">
+          <p:sp>
+            <p:nvSpPr>
+              <p:cNvPr id="6" name="TextBox 5">
+                <a:extLst>
+                  <a:ext uri="{FF2B5EF4-FFF2-40B4-BE49-F238E27FC236}">
+                    <a16:creationId xmlns:a16="http://schemas.microsoft.com/office/drawing/2014/main" id="{F54C58E8-03B0-C747-A5F2-95844EB50304}"/>
+                  </a:ext>
+                </a:extLst>
+              </p:cNvPr>
+              <p:cNvSpPr txBox="1"/>
+              <p:nvPr/>
+            </p:nvSpPr>
+            <p:spPr>
+              <a:xfrm>
+                <a:off x="528918" y="2278934"/>
+                <a:ext cx="3830472" cy="369332"/>
+              </a:xfrm>
+              <a:prstGeom prst="rect">
+                <a:avLst/>
+              </a:prstGeom>
+              <a:noFill/>
+            </p:spPr>
+            <p:txBody>
+              <a:bodyPr wrap="none" rtlCol="0">
+                <a:spAutoFit/>
+              </a:bodyPr>
+              <a:lstStyle/>
+              <a:p>
+                <a14:m>
+                  <m:oMath xmlns:m="http://schemas.openxmlformats.org/officeDocument/2006/math">
+                    <m:sSub>
+                      <m:sSubPr>
+                        <m:ctrlPr>
+                          <a:rPr lang="en-US" b="0" i="1" smtClean="0">
+                            <a:latin typeface="Cambria Math" panose="02040503050406030204" pitchFamily="18" charset="0"/>
+                          </a:rPr>
+                        </m:ctrlPr>
+                      </m:sSubPr>
+                      <m:e>
+                        <m:r>
+                          <a:rPr lang="en-US" b="0" i="1" smtClean="0">
+                            <a:latin typeface="Cambria Math" panose="02040503050406030204" pitchFamily="18" charset="0"/>
+                          </a:rPr>
+                          <m:t>𝑧</m:t>
+                        </m:r>
+                      </m:e>
+                      <m:sub>
+                        <m:r>
+                          <a:rPr lang="en-US" b="0" i="1" smtClean="0">
+                            <a:latin typeface="Cambria Math" panose="02040503050406030204" pitchFamily="18" charset="0"/>
+                          </a:rPr>
+                          <m:t>𝑚</m:t>
+                        </m:r>
+                      </m:sub>
+                    </m:sSub>
+                  </m:oMath>
+                </a14:m>
+                <a:r>
+                  <a:rPr lang="en-US" dirty="0"/>
+                  <a:t> are the zeroes, </a:t>
+                </a:r>
+                <a14:m>
+                  <m:oMath xmlns:m="http://schemas.openxmlformats.org/officeDocument/2006/math">
+                    <m:sSub>
+                      <m:sSubPr>
+                        <m:ctrlPr>
+                          <a:rPr lang="en-US" b="0" i="1" smtClean="0">
+                            <a:latin typeface="Cambria Math" panose="02040503050406030204" pitchFamily="18" charset="0"/>
+                          </a:rPr>
+                        </m:ctrlPr>
+                      </m:sSubPr>
+                      <m:e>
+                        <m:r>
+                          <a:rPr lang="en-US" b="0" i="1" smtClean="0">
+                            <a:latin typeface="Cambria Math" panose="02040503050406030204" pitchFamily="18" charset="0"/>
+                          </a:rPr>
+                          <m:t>𝑝</m:t>
+                        </m:r>
+                      </m:e>
+                      <m:sub>
+                        <m:r>
+                          <a:rPr lang="en-US" b="0" i="1" smtClean="0">
+                            <a:latin typeface="Cambria Math" panose="02040503050406030204" pitchFamily="18" charset="0"/>
+                          </a:rPr>
+                          <m:t>𝑛</m:t>
+                        </m:r>
+                      </m:sub>
+                    </m:sSub>
+                  </m:oMath>
+                </a14:m>
+                <a:r>
+                  <a:rPr lang="en-US" dirty="0"/>
+                  <a:t> are the poles.</a:t>
+                </a:r>
+              </a:p>
+            </p:txBody>
+          </p:sp>
+        </mc:Choice>
+        <mc:Fallback>
+          <p:sp>
+            <p:nvSpPr>
+              <p:cNvPr id="6" name="TextBox 5">
+                <a:extLst>
+                  <a:ext uri="{FF2B5EF4-FFF2-40B4-BE49-F238E27FC236}">
+                    <a16:creationId xmlns:a16="http://schemas.microsoft.com/office/drawing/2014/main" id="{F54C58E8-03B0-C747-A5F2-95844EB50304}"/>
+                  </a:ext>
+                </a:extLst>
+              </p:cNvPr>
+              <p:cNvSpPr txBox="1">
+                <a:spLocks noRot="1" noChangeAspect="1" noMove="1" noResize="1" noEditPoints="1" noAdjustHandles="1" noChangeArrowheads="1" noChangeShapeType="1" noTextEdit="1"/>
+              </p:cNvSpPr>
+              <p:nvPr/>
+            </p:nvSpPr>
+            <p:spPr>
+              <a:xfrm>
+                <a:off x="528918" y="2278934"/>
+                <a:ext cx="3830472" cy="369332"/>
+              </a:xfrm>
+              <a:prstGeom prst="rect">
+                <a:avLst/>
+              </a:prstGeom>
+              <a:blipFill>
+                <a:blip r:embed="rId4"/>
+                <a:stretch>
+                  <a:fillRect t="-6667" r="-330" b="-26667"/>
+                </a:stretch>
+              </a:blipFill>
+            </p:spPr>
+            <p:txBody>
+              <a:bodyPr/>
+              <a:lstStyle/>
+              <a:p>
+                <a:r>
+                  <a:rPr lang="en-US">
+                    <a:noFill/>
+                  </a:rPr>
+                  <a:t> </a:t>
+                </a:r>
+              </a:p>
+            </p:txBody>
+          </p:sp>
+        </mc:Fallback>
+      </mc:AlternateContent>
+      <mc:AlternateContent xmlns:mc="http://schemas.openxmlformats.org/markup-compatibility/2006">
+        <mc:Choice xmlns:a14="http://schemas.microsoft.com/office/drawing/2010/main" Requires="a14">
+          <p:sp>
+            <p:nvSpPr>
+              <p:cNvPr id="7" name="Rectangle 6">
+                <a:extLst>
+                  <a:ext uri="{FF2B5EF4-FFF2-40B4-BE49-F238E27FC236}">
+                    <a16:creationId xmlns:a16="http://schemas.microsoft.com/office/drawing/2014/main" id="{E7C8DB69-9C3D-C849-B269-41D78E247029}"/>
+                  </a:ext>
+                </a:extLst>
+              </p:cNvPr>
+              <p:cNvSpPr/>
+              <p:nvPr/>
+            </p:nvSpPr>
+            <p:spPr>
+              <a:xfrm>
+                <a:off x="457200" y="2990872"/>
+                <a:ext cx="8122024" cy="1678601"/>
+              </a:xfrm>
+              <a:prstGeom prst="rect">
+                <a:avLst/>
+              </a:prstGeom>
+            </p:spPr>
+            <p:txBody>
+              <a:bodyPr wrap="square">
+                <a:spAutoFit/>
+              </a:bodyPr>
+              <a:lstStyle/>
+              <a:p>
+                <a14:m>
+                  <m:oMath xmlns:m="http://schemas.openxmlformats.org/officeDocument/2006/math">
+                    <m:f>
+                      <m:fPr>
+                        <m:ctrlPr>
+                          <a:rPr lang="en-US" sz="2000" i="1" smtClean="0">
+                            <a:latin typeface="Cambria Math" panose="02040503050406030204" pitchFamily="18" charset="0"/>
+                          </a:rPr>
+                        </m:ctrlPr>
+                      </m:fPr>
+                      <m:num>
+                        <m:r>
+                          <a:rPr lang="en-US" sz="2000" i="1">
+                            <a:latin typeface="Cambria Math" panose="02040503050406030204" pitchFamily="18" charset="0"/>
+                          </a:rPr>
+                          <m:t>𝑁</m:t>
+                        </m:r>
+                        <m:r>
+                          <a:rPr lang="en-US" sz="2000" i="1">
+                            <a:latin typeface="Cambria Math" panose="02040503050406030204" pitchFamily="18" charset="0"/>
+                          </a:rPr>
+                          <m:t>(</m:t>
+                        </m:r>
+                        <m:r>
+                          <a:rPr lang="en-US" sz="2000" i="1">
+                            <a:latin typeface="Cambria Math" panose="02040503050406030204" pitchFamily="18" charset="0"/>
+                          </a:rPr>
+                          <m:t>𝑠</m:t>
+                        </m:r>
+                        <m:r>
+                          <a:rPr lang="en-US" sz="2000" i="1">
+                            <a:latin typeface="Cambria Math" panose="02040503050406030204" pitchFamily="18" charset="0"/>
+                          </a:rPr>
+                          <m:t>)</m:t>
+                        </m:r>
+                      </m:num>
+                      <m:den>
+                        <m:r>
+                          <a:rPr lang="en-US" sz="2000" i="1">
+                            <a:latin typeface="Cambria Math" panose="02040503050406030204" pitchFamily="18" charset="0"/>
+                          </a:rPr>
+                          <m:t>𝐷</m:t>
+                        </m:r>
+                        <m:r>
+                          <a:rPr lang="en-US" sz="2000" i="1">
+                            <a:latin typeface="Cambria Math" panose="02040503050406030204" pitchFamily="18" charset="0"/>
+                          </a:rPr>
+                          <m:t>(</m:t>
+                        </m:r>
+                        <m:r>
+                          <a:rPr lang="en-US" sz="2000" i="1">
+                            <a:latin typeface="Cambria Math" panose="02040503050406030204" pitchFamily="18" charset="0"/>
+                          </a:rPr>
+                          <m:t>𝑠</m:t>
+                        </m:r>
+                        <m:r>
+                          <a:rPr lang="en-US" sz="2000" i="1">
+                            <a:latin typeface="Cambria Math" panose="02040503050406030204" pitchFamily="18" charset="0"/>
+                          </a:rPr>
+                          <m:t>)</m:t>
+                        </m:r>
+                      </m:den>
+                    </m:f>
+                  </m:oMath>
+                </a14:m>
+                <a:r>
+                  <a:rPr lang="en-US" sz="2000" dirty="0"/>
+                  <a:t> can be expressed as the sum of terms of that are constant multiples of </a:t>
+                </a:r>
+                <a14:m>
+                  <m:oMath xmlns:m="http://schemas.openxmlformats.org/officeDocument/2006/math">
+                    <m:f>
+                      <m:fPr>
+                        <m:ctrlPr>
+                          <a:rPr lang="en-US" sz="2000" b="0" i="0" smtClean="0">
+                            <a:latin typeface="Cambria Math" panose="02040503050406030204" pitchFamily="18" charset="0"/>
+                          </a:rPr>
+                        </m:ctrlPr>
+                      </m:fPr>
+                      <m:num>
+                        <m:r>
+                          <a:rPr lang="en-US" sz="2000" b="0" i="0" smtClean="0">
+                            <a:latin typeface="Cambria Math" panose="02040503050406030204" pitchFamily="18" charset="0"/>
+                          </a:rPr>
+                          <m:t>1</m:t>
+                        </m:r>
+                      </m:num>
+                      <m:den>
+                        <m:r>
+                          <m:rPr>
+                            <m:sty m:val="p"/>
+                          </m:rPr>
+                          <a:rPr lang="en-US" sz="2000" b="0" i="0" smtClean="0">
+                            <a:latin typeface="Cambria Math" panose="02040503050406030204" pitchFamily="18" charset="0"/>
+                          </a:rPr>
+                          <m:t>s</m:t>
+                        </m:r>
+                      </m:den>
+                    </m:f>
+                    <m:r>
+                      <a:rPr lang="en-US" sz="2000" b="0" i="0" smtClean="0">
+                        <a:latin typeface="Cambria Math" panose="02040503050406030204" pitchFamily="18" charset="0"/>
+                      </a:rPr>
+                      <m:t>,  </m:t>
+                    </m:r>
+                    <m:f>
+                      <m:fPr>
+                        <m:ctrlPr>
+                          <a:rPr lang="en-US" sz="2000" i="1">
+                            <a:latin typeface="Cambria Math" panose="02040503050406030204" pitchFamily="18" charset="0"/>
+                          </a:rPr>
+                        </m:ctrlPr>
+                      </m:fPr>
+                      <m:num>
+                        <m:r>
+                          <a:rPr lang="en-US" sz="2000" b="0" i="1" smtClean="0">
+                            <a:latin typeface="Cambria Math" panose="02040503050406030204" pitchFamily="18" charset="0"/>
+                          </a:rPr>
+                          <m:t>1</m:t>
+                        </m:r>
+                      </m:num>
+                      <m:den>
+                        <m:r>
+                          <a:rPr lang="en-US" sz="2000" b="0" i="1" smtClean="0">
+                            <a:latin typeface="Cambria Math" panose="02040503050406030204" pitchFamily="18" charset="0"/>
+                          </a:rPr>
+                          <m:t>𝑠</m:t>
+                        </m:r>
+                        <m:r>
+                          <a:rPr lang="en-US" sz="2000" b="0" i="1" smtClean="0">
+                            <a:latin typeface="Cambria Math" panose="02040503050406030204" pitchFamily="18" charset="0"/>
+                          </a:rPr>
+                          <m:t>−</m:t>
+                        </m:r>
+                        <m:sSub>
+                          <m:sSubPr>
+                            <m:ctrlPr>
+                              <a:rPr lang="en-US" sz="2000" b="0" i="1" smtClean="0">
+                                <a:latin typeface="Cambria Math" panose="02040503050406030204" pitchFamily="18" charset="0"/>
+                              </a:rPr>
+                            </m:ctrlPr>
+                          </m:sSubPr>
+                          <m:e>
+                            <m:r>
+                              <a:rPr lang="en-US" sz="2000" b="0" i="1" smtClean="0">
+                                <a:latin typeface="Cambria Math" panose="02040503050406030204" pitchFamily="18" charset="0"/>
+                              </a:rPr>
+                              <m:t>𝑝</m:t>
+                            </m:r>
+                          </m:e>
+                          <m:sub>
+                            <m:r>
+                              <a:rPr lang="en-US" sz="2000" b="0" i="1" smtClean="0">
+                                <a:latin typeface="Cambria Math" panose="02040503050406030204" pitchFamily="18" charset="0"/>
+                              </a:rPr>
+                              <m:t>𝑛</m:t>
+                            </m:r>
+                          </m:sub>
+                        </m:sSub>
+                      </m:den>
+                    </m:f>
+                    <m:r>
+                      <a:rPr lang="en-US" sz="2000" b="0" i="1" smtClean="0">
+                        <a:latin typeface="Cambria Math" panose="02040503050406030204" pitchFamily="18" charset="0"/>
+                      </a:rPr>
+                      <m:t>, </m:t>
+                    </m:r>
+                    <m:f>
+                      <m:fPr>
+                        <m:ctrlPr>
+                          <a:rPr lang="en-US" sz="2000" i="1">
+                            <a:latin typeface="Cambria Math" panose="02040503050406030204" pitchFamily="18" charset="0"/>
+                          </a:rPr>
+                        </m:ctrlPr>
+                      </m:fPr>
+                      <m:num>
+                        <m:r>
+                          <a:rPr lang="en-US" sz="2000" i="1">
+                            <a:latin typeface="Cambria Math" panose="02040503050406030204" pitchFamily="18" charset="0"/>
+                          </a:rPr>
+                          <m:t>1</m:t>
+                        </m:r>
+                      </m:num>
+                      <m:den>
+                        <m:sSup>
+                          <m:sSupPr>
+                            <m:ctrlPr>
+                              <a:rPr lang="en-US" sz="2000" i="1">
+                                <a:latin typeface="Cambria Math" panose="02040503050406030204" pitchFamily="18" charset="0"/>
+                              </a:rPr>
+                            </m:ctrlPr>
+                          </m:sSupPr>
+                          <m:e>
+                            <m:r>
+                              <a:rPr lang="en-US" sz="2000" i="1">
+                                <a:latin typeface="Cambria Math" panose="02040503050406030204" pitchFamily="18" charset="0"/>
+                              </a:rPr>
+                              <m:t>𝑠</m:t>
+                            </m:r>
+                          </m:e>
+                          <m:sup>
+                            <m:r>
+                              <a:rPr lang="en-US" sz="2000" i="1">
+                                <a:latin typeface="Cambria Math" panose="02040503050406030204" pitchFamily="18" charset="0"/>
+                              </a:rPr>
+                              <m:t>2</m:t>
+                            </m:r>
+                          </m:sup>
+                        </m:sSup>
+                        <m:r>
+                          <a:rPr lang="en-US" sz="2000" i="1">
+                            <a:latin typeface="Cambria Math" panose="02040503050406030204" pitchFamily="18" charset="0"/>
+                          </a:rPr>
+                          <m:t>+</m:t>
+                        </m:r>
+                        <m:sSubSup>
+                          <m:sSubSupPr>
+                            <m:ctrlPr>
+                              <a:rPr lang="en-US" sz="2000" i="1">
+                                <a:latin typeface="Cambria Math" panose="02040503050406030204" pitchFamily="18" charset="0"/>
+                              </a:rPr>
+                            </m:ctrlPr>
+                          </m:sSubSupPr>
+                          <m:e>
+                            <m:r>
+                              <a:rPr lang="en-US" sz="2000" i="1">
+                                <a:latin typeface="Cambria Math" panose="02040503050406030204" pitchFamily="18" charset="0"/>
+                              </a:rPr>
+                              <m:t>𝑝</m:t>
+                            </m:r>
+                          </m:e>
+                          <m:sub>
+                            <m:r>
+                              <a:rPr lang="en-US" sz="2000" i="1">
+                                <a:latin typeface="Cambria Math" panose="02040503050406030204" pitchFamily="18" charset="0"/>
+                              </a:rPr>
+                              <m:t>𝑛</m:t>
+                            </m:r>
+                          </m:sub>
+                          <m:sup>
+                            <m:r>
+                              <a:rPr lang="en-US" sz="2000" i="1">
+                                <a:latin typeface="Cambria Math" panose="02040503050406030204" pitchFamily="18" charset="0"/>
+                              </a:rPr>
+                              <m:t>2</m:t>
+                            </m:r>
+                          </m:sup>
+                        </m:sSubSup>
+                      </m:den>
+                    </m:f>
+                  </m:oMath>
+                </a14:m>
+                <a:r>
+                  <a:rPr lang="en-US" sz="2000" dirty="0"/>
+                  <a:t>. </a:t>
+                </a:r>
+              </a:p>
+              <a:p>
+                <a:endParaRPr lang="en-US" sz="2000" dirty="0"/>
+              </a:p>
+              <a:p>
+                <a:r>
+                  <a:rPr lang="en-US" sz="2000" dirty="0"/>
+                  <a:t>In the time domain, these are constants, exponentials, sinusoids.</a:t>
+                </a:r>
+              </a:p>
+            </p:txBody>
+          </p:sp>
+        </mc:Choice>
+        <mc:Fallback>
+          <p:sp>
+            <p:nvSpPr>
+              <p:cNvPr id="7" name="Rectangle 6">
+                <a:extLst>
+                  <a:ext uri="{FF2B5EF4-FFF2-40B4-BE49-F238E27FC236}">
+                    <a16:creationId xmlns:a16="http://schemas.microsoft.com/office/drawing/2014/main" id="{E7C8DB69-9C3D-C849-B269-41D78E247029}"/>
+                  </a:ext>
+                </a:extLst>
+              </p:cNvPr>
+              <p:cNvSpPr>
+                <a:spLocks noRot="1" noChangeAspect="1" noMove="1" noResize="1" noEditPoints="1" noAdjustHandles="1" noChangeArrowheads="1" noChangeShapeType="1" noTextEdit="1"/>
+              </p:cNvSpPr>
+              <p:nvPr/>
+            </p:nvSpPr>
+            <p:spPr>
+              <a:xfrm>
+                <a:off x="457200" y="2990872"/>
+                <a:ext cx="8122024" cy="1678601"/>
+              </a:xfrm>
+              <a:prstGeom prst="rect">
+                <a:avLst/>
+              </a:prstGeom>
+              <a:blipFill>
+                <a:blip r:embed="rId5"/>
+                <a:stretch>
+                  <a:fillRect l="-781" b="-6015"/>
+                </a:stretch>
+              </a:blipFill>
+            </p:spPr>
+            <p:txBody>
+              <a:bodyPr/>
+              <a:lstStyle/>
+              <a:p>
+                <a:r>
+                  <a:rPr lang="en-US">
+                    <a:noFill/>
+                  </a:rPr>
+                  <a:t> </a:t>
+                </a:r>
+              </a:p>
+            </p:txBody>
+          </p:sp>
+        </mc:Fallback>
+      </mc:AlternateContent>
+      <p:sp>
+        <p:nvSpPr>
+          <p:cNvPr id="10" name="TextBox 9">
+            <a:extLst>
+              <a:ext uri="{FF2B5EF4-FFF2-40B4-BE49-F238E27FC236}">
+                <a16:creationId xmlns:a16="http://schemas.microsoft.com/office/drawing/2014/main" id="{6F2BC066-2FE9-8940-AFF1-740F7FE614DC}"/>
+              </a:ext>
+            </a:extLst>
+          </p:cNvPr>
+          <p:cNvSpPr txBox="1"/>
+          <p:nvPr/>
+        </p:nvSpPr>
+        <p:spPr>
+          <a:xfrm>
+            <a:off x="457200" y="5181601"/>
+            <a:ext cx="4476097" cy="400110"/>
+          </a:xfrm>
+          <a:prstGeom prst="rect">
+            <a:avLst/>
+          </a:prstGeom>
+          <a:noFill/>
+        </p:spPr>
+        <p:txBody>
+          <a:bodyPr wrap="none" rtlCol="0">
+            <a:spAutoFit/>
+          </a:bodyPr>
+          <a:lstStyle/>
+          <a:p>
+            <a:r>
+              <a:rPr lang="en-US" sz="2000" b="1" dirty="0"/>
+              <a:t>Poles indicate stability, oscillations</a:t>
+            </a:r>
+          </a:p>
+        </p:txBody>
+      </p:sp>
+    </p:spTree>
+    <p:extLst>
+      <p:ext uri="{BB962C8B-B14F-4D97-AF65-F5344CB8AC3E}">
+        <p14:creationId xmlns:p14="http://schemas.microsoft.com/office/powerpoint/2010/main" val="141818421"/>
+      </p:ext>
+    </p:extLst>
+  </p:cSld>
+  <p:clrMapOvr>
+    <a:masterClrMapping/>
+  </p:clrMapOvr>
+</p:sld>
+</file>
+
+<file path=ppt/slides/slide11.xml><?xml version="1.0" encoding="utf-8"?>
+<p:sld xmlns:a="http://schemas.openxmlformats.org/drawingml/2006/main" xmlns:r="http://schemas.openxmlformats.org/officeDocument/2006/relationships" xmlns:p="http://schemas.openxmlformats.org/presentationml/2006/main">
+  <p:cSld>
+    <p:spTree>
+      <p:nvGrpSpPr>
+        <p:cNvPr id="1" name=""/>
+        <p:cNvGrpSpPr/>
+        <p:nvPr/>
+      </p:nvGrpSpPr>
+      <p:grpSpPr>
+        <a:xfrm>
+          <a:off x="0" y="0"/>
+          <a:ext cx="0" cy="0"/>
+          <a:chOff x="0" y="0"/>
+          <a:chExt cx="0" cy="0"/>
+        </a:xfrm>
+      </p:grpSpPr>
+      <p:sp>
+        <p:nvSpPr>
+          <p:cNvPr id="2" name="Title 1">
+            <a:extLst>
+              <a:ext uri="{FF2B5EF4-FFF2-40B4-BE49-F238E27FC236}">
+                <a16:creationId xmlns:a16="http://schemas.microsoft.com/office/drawing/2014/main" id="{987E0427-1475-0C4B-AABA-E0914B9F010A}"/>
+              </a:ext>
+            </a:extLst>
+          </p:cNvPr>
+          <p:cNvSpPr>
+            <a:spLocks noGrp="1"/>
+          </p:cNvSpPr>
+          <p:nvPr>
+            <p:ph type="title"/>
+          </p:nvPr>
+        </p:nvSpPr>
+        <p:spPr>
+          <a:xfrm>
+            <a:off x="457200" y="228600"/>
+            <a:ext cx="6490447" cy="838200"/>
+          </a:xfrm>
+        </p:spPr>
+        <p:txBody>
+          <a:bodyPr/>
+          <a:lstStyle/>
+          <a:p>
+            <a:r>
+              <a:rPr lang="en-US" dirty="0" err="1"/>
+              <a:t>LaPlace</a:t>
+            </a:r>
+            <a:r>
+              <a:rPr lang="en-US" dirty="0"/>
+              <a:t> Transform Properties</a:t>
+            </a:r>
+          </a:p>
+        </p:txBody>
+      </p:sp>
+      <p:sp>
+        <p:nvSpPr>
+          <p:cNvPr id="3" name="Slide Number Placeholder 2">
+            <a:extLst>
+              <a:ext uri="{FF2B5EF4-FFF2-40B4-BE49-F238E27FC236}">
+                <a16:creationId xmlns:a16="http://schemas.microsoft.com/office/drawing/2014/main" id="{A1F494F0-B65D-FF43-AAE2-7652ADCD6FA0}"/>
+              </a:ext>
+            </a:extLst>
+          </p:cNvPr>
+          <p:cNvSpPr>
+            <a:spLocks noGrp="1"/>
+          </p:cNvSpPr>
+          <p:nvPr>
+            <p:ph type="sldNum" sz="quarter" idx="11"/>
+          </p:nvPr>
+        </p:nvSpPr>
+        <p:spPr/>
+        <p:txBody>
+          <a:bodyPr/>
+          <a:lstStyle/>
+          <a:p>
+            <a:pPr>
+              <a:defRPr/>
+            </a:pPr>
+            <a:fld id="{2E4304A7-0FB2-4094-BC1E-DB17183AD0C1}" type="slidenum">
+              <a:rPr lang="en-US" altLang="x-none" smtClean="0"/>
+              <a:pPr>
+                <a:defRPr/>
+              </a:pPr>
+              <a:t>11</a:t>
+            </a:fld>
+            <a:endParaRPr lang="en-US" altLang="x-none"/>
+          </a:p>
+        </p:txBody>
+      </p:sp>
+      <mc:AlternateContent xmlns:mc="http://schemas.openxmlformats.org/markup-compatibility/2006">
+        <mc:Choice xmlns:a14="http://schemas.microsoft.com/office/drawing/2010/main" Requires="a14">
+          <p:sp>
+            <p:nvSpPr>
+              <p:cNvPr id="4" name="TextBox 3">
+                <a:extLst>
+                  <a:ext uri="{FF2B5EF4-FFF2-40B4-BE49-F238E27FC236}">
+                    <a16:creationId xmlns:a16="http://schemas.microsoft.com/office/drawing/2014/main" id="{4E8F59F2-E23B-5F4F-9327-D1FE599E4C48}"/>
+                  </a:ext>
+                </a:extLst>
+              </p:cNvPr>
+              <p:cNvSpPr txBox="1"/>
+              <p:nvPr/>
+            </p:nvSpPr>
+            <p:spPr>
+              <a:xfrm>
+                <a:off x="6812224" y="291068"/>
+                <a:ext cx="2018117" cy="599331"/>
+              </a:xfrm>
+              <a:prstGeom prst="rect">
+                <a:avLst/>
+              </a:prstGeom>
+              <a:noFill/>
+            </p:spPr>
+            <p:txBody>
+              <a:bodyPr wrap="none" lIns="0" tIns="0" rIns="0" bIns="0" rtlCol="0">
+                <a:spAutoFit/>
+              </a:bodyPr>
+              <a:lstStyle/>
+              <a:p>
+                <a14:m>
+                  <m:oMathPara xmlns:m="http://schemas.openxmlformats.org/officeDocument/2006/math">
+                    <m:oMathParaPr>
+                      <m:jc m:val="centerGroup"/>
+                    </m:oMathParaPr>
+                    <m:oMath xmlns:m="http://schemas.openxmlformats.org/officeDocument/2006/math">
+                      <m:r>
+                        <a:rPr lang="en-US" b="0" i="1" smtClean="0">
+                          <a:latin typeface="Cambria Math" panose="02040503050406030204" pitchFamily="18" charset="0"/>
+                        </a:rPr>
+                        <m:t>𝐺</m:t>
+                      </m:r>
+                      <m:d>
+                        <m:dPr>
+                          <m:ctrlPr>
+                            <a:rPr lang="en-US" b="0" i="1" smtClean="0">
+                              <a:latin typeface="Cambria Math" panose="02040503050406030204" pitchFamily="18" charset="0"/>
+                            </a:rPr>
+                          </m:ctrlPr>
+                        </m:dPr>
+                        <m:e>
+                          <m:r>
+                            <a:rPr lang="en-US" b="0" i="1" smtClean="0">
+                              <a:latin typeface="Cambria Math" panose="02040503050406030204" pitchFamily="18" charset="0"/>
+                            </a:rPr>
+                            <m:t>𝑠</m:t>
+                          </m:r>
+                        </m:e>
+                      </m:d>
+                      <m:r>
+                        <a:rPr lang="en-US" b="0" i="1" smtClean="0">
+                          <a:latin typeface="Cambria Math" panose="02040503050406030204" pitchFamily="18" charset="0"/>
+                        </a:rPr>
+                        <m:t>=</m:t>
+                      </m:r>
+                      <m:nary>
+                        <m:naryPr>
+                          <m:ctrlPr>
+                            <a:rPr lang="en-US" b="0" i="1" smtClean="0">
+                              <a:latin typeface="Cambria Math" panose="02040503050406030204" pitchFamily="18" charset="0"/>
+                            </a:rPr>
+                          </m:ctrlPr>
+                        </m:naryPr>
+                        <m:sub>
+                          <m:r>
+                            <a:rPr lang="en-US" b="0" i="1" smtClean="0">
+                              <a:latin typeface="Cambria Math" panose="02040503050406030204" pitchFamily="18" charset="0"/>
+                            </a:rPr>
+                            <m:t>0</m:t>
+                          </m:r>
+                        </m:sub>
+                        <m:sup>
+                          <m:r>
+                            <a:rPr lang="en-US" b="0" i="1" smtClean="0">
+                              <a:latin typeface="Cambria Math" panose="02040503050406030204" pitchFamily="18" charset="0"/>
+                            </a:rPr>
+                            <m:t>∞</m:t>
+                          </m:r>
+                        </m:sup>
+                        <m:e>
+                          <m:r>
+                            <a:rPr lang="en-US" b="0" i="1" smtClean="0">
+                              <a:latin typeface="Cambria Math" panose="02040503050406030204" pitchFamily="18" charset="0"/>
+                            </a:rPr>
+                            <m:t>𝑔</m:t>
+                          </m:r>
+                          <m:d>
+                            <m:dPr>
+                              <m:ctrlPr>
+                                <a:rPr lang="en-US" b="0" i="1" smtClean="0">
+                                  <a:latin typeface="Cambria Math" panose="02040503050406030204" pitchFamily="18" charset="0"/>
+                                </a:rPr>
+                              </m:ctrlPr>
+                            </m:dPr>
+                            <m:e>
+                              <m:r>
+                                <a:rPr lang="en-US" b="0" i="1" smtClean="0">
+                                  <a:latin typeface="Cambria Math" panose="02040503050406030204" pitchFamily="18" charset="0"/>
+                                </a:rPr>
+                                <m:t>𝑡</m:t>
+                              </m:r>
+                            </m:e>
+                          </m:d>
+                          <m:sSup>
+                            <m:sSupPr>
+                              <m:ctrlPr>
+                                <a:rPr lang="en-US" b="0" i="1" smtClean="0">
+                                  <a:latin typeface="Cambria Math" panose="02040503050406030204" pitchFamily="18" charset="0"/>
+                                </a:rPr>
+                              </m:ctrlPr>
+                            </m:sSupPr>
+                            <m:e>
+                              <m:r>
+                                <a:rPr lang="en-US" b="0" i="1" smtClean="0">
+                                  <a:latin typeface="Cambria Math" panose="02040503050406030204" pitchFamily="18" charset="0"/>
+                                </a:rPr>
+                                <m:t>𝑒</m:t>
+                              </m:r>
+                            </m:e>
+                            <m:sup>
+                              <m:r>
+                                <a:rPr lang="en-US" b="0" i="1" smtClean="0">
+                                  <a:latin typeface="Cambria Math" panose="02040503050406030204" pitchFamily="18" charset="0"/>
+                                </a:rPr>
+                                <m:t>−</m:t>
+                              </m:r>
+                              <m:r>
+                                <a:rPr lang="en-US" b="0" i="1" smtClean="0">
+                                  <a:latin typeface="Cambria Math" panose="02040503050406030204" pitchFamily="18" charset="0"/>
+                                </a:rPr>
+                                <m:t>𝑠𝑡</m:t>
+                              </m:r>
+                            </m:sup>
+                          </m:sSup>
+                        </m:e>
+                      </m:nary>
+                    </m:oMath>
+                  </m:oMathPara>
+                </a14:m>
+                <a:endParaRPr lang="en-US" dirty="0"/>
+              </a:p>
+            </p:txBody>
+          </p:sp>
+        </mc:Choice>
+        <mc:Fallback>
+          <p:sp>
+            <p:nvSpPr>
+              <p:cNvPr id="4" name="TextBox 3">
+                <a:extLst>
+                  <a:ext uri="{FF2B5EF4-FFF2-40B4-BE49-F238E27FC236}">
+                    <a16:creationId xmlns:a16="http://schemas.microsoft.com/office/drawing/2014/main" id="{4E8F59F2-E23B-5F4F-9327-D1FE599E4C48}"/>
+                  </a:ext>
+                </a:extLst>
+              </p:cNvPr>
+              <p:cNvSpPr txBox="1">
+                <a:spLocks noRot="1" noChangeAspect="1" noMove="1" noResize="1" noEditPoints="1" noAdjustHandles="1" noChangeArrowheads="1" noChangeShapeType="1" noTextEdit="1"/>
+              </p:cNvSpPr>
+              <p:nvPr/>
+            </p:nvSpPr>
+            <p:spPr>
+              <a:xfrm>
+                <a:off x="6812224" y="291068"/>
+                <a:ext cx="2018117" cy="599331"/>
+              </a:xfrm>
+              <a:prstGeom prst="rect">
+                <a:avLst/>
+              </a:prstGeom>
+              <a:blipFill>
+                <a:blip r:embed="rId3"/>
+                <a:stretch>
+                  <a:fillRect l="-10000" t="-191667" b="-279167"/>
+                </a:stretch>
+              </a:blipFill>
+            </p:spPr>
+            <p:txBody>
+              <a:bodyPr/>
+              <a:lstStyle/>
+              <a:p>
+                <a:r>
+                  <a:rPr lang="en-US">
+                    <a:noFill/>
+                  </a:rPr>
+                  <a:t> </a:t>
+                </a:r>
+              </a:p>
+            </p:txBody>
+          </p:sp>
+        </mc:Fallback>
+      </mc:AlternateContent>
+      <mc:AlternateContent xmlns:mc="http://schemas.openxmlformats.org/markup-compatibility/2006">
+        <mc:Choice xmlns:a14="http://schemas.microsoft.com/office/drawing/2010/main" Requires="a14">
+          <p:sp>
+            <p:nvSpPr>
+              <p:cNvPr id="20" name="TextBox 19">
+                <a:extLst>
+                  <a:ext uri="{FF2B5EF4-FFF2-40B4-BE49-F238E27FC236}">
+                    <a16:creationId xmlns:a16="http://schemas.microsoft.com/office/drawing/2014/main" id="{DDFC9141-8B0F-3445-A864-6687F2985B3A}"/>
+                  </a:ext>
+                </a:extLst>
+              </p:cNvPr>
+              <p:cNvSpPr txBox="1"/>
+              <p:nvPr/>
+            </p:nvSpPr>
+            <p:spPr>
+              <a:xfrm>
+                <a:off x="4078940" y="2689237"/>
+                <a:ext cx="1655518" cy="276999"/>
+              </a:xfrm>
+              <a:prstGeom prst="rect">
+                <a:avLst/>
+              </a:prstGeom>
+              <a:noFill/>
+            </p:spPr>
+            <p:txBody>
+              <a:bodyPr wrap="none" lIns="0" tIns="0" rIns="0" bIns="0" rtlCol="0">
+                <a:spAutoFit/>
+              </a:bodyPr>
+              <a:lstStyle/>
+              <a:p>
+                <a14:m>
+                  <m:oMathPara xmlns:m="http://schemas.openxmlformats.org/officeDocument/2006/math">
+                    <m:oMathParaPr>
+                      <m:jc m:val="centerGroup"/>
+                    </m:oMathParaPr>
+                    <m:oMath xmlns:m="http://schemas.openxmlformats.org/officeDocument/2006/math">
+                      <m:r>
+                        <a:rPr lang="en-US" b="0" i="1" smtClean="0">
+                          <a:latin typeface="Cambria Math" panose="02040503050406030204" pitchFamily="18" charset="0"/>
+                        </a:rPr>
+                        <m:t>𝐿</m:t>
+                      </m:r>
+                      <m:r>
+                        <a:rPr lang="en-US" b="0" i="1" smtClean="0">
+                          <a:latin typeface="Cambria Math" panose="02040503050406030204" pitchFamily="18" charset="0"/>
+                        </a:rPr>
+                        <m:t>[</m:t>
+                      </m:r>
+                      <m:acc>
+                        <m:accPr>
+                          <m:chr m:val="̇"/>
+                          <m:ctrlPr>
+                            <a:rPr lang="en-US" b="0" i="1" smtClean="0">
+                              <a:latin typeface="Cambria Math" panose="02040503050406030204" pitchFamily="18" charset="0"/>
+                            </a:rPr>
+                          </m:ctrlPr>
+                        </m:accPr>
+                        <m:e>
+                          <m:r>
+                            <a:rPr lang="en-US" b="0" i="1" smtClean="0">
+                              <a:latin typeface="Cambria Math" panose="02040503050406030204" pitchFamily="18" charset="0"/>
+                            </a:rPr>
+                            <m:t>𝑔</m:t>
+                          </m:r>
+                        </m:e>
+                      </m:acc>
+                      <m:d>
+                        <m:dPr>
+                          <m:ctrlPr>
+                            <a:rPr lang="en-US" b="0" i="1" smtClean="0">
+                              <a:latin typeface="Cambria Math" panose="02040503050406030204" pitchFamily="18" charset="0"/>
+                            </a:rPr>
+                          </m:ctrlPr>
+                        </m:dPr>
+                        <m:e>
+                          <m:r>
+                            <a:rPr lang="en-US" b="0" i="1" smtClean="0">
+                              <a:latin typeface="Cambria Math" panose="02040503050406030204" pitchFamily="18" charset="0"/>
+                            </a:rPr>
+                            <m:t>𝑡</m:t>
+                          </m:r>
+                        </m:e>
+                      </m:d>
+                      <m:r>
+                        <a:rPr lang="en-US" b="0" i="1" smtClean="0">
+                          <a:latin typeface="Cambria Math" panose="02040503050406030204" pitchFamily="18" charset="0"/>
+                        </a:rPr>
+                        <m:t>]=</m:t>
+                      </m:r>
+                      <m:r>
+                        <a:rPr lang="en-US" b="0" i="1" smtClean="0">
+                          <a:latin typeface="Cambria Math" panose="02040503050406030204" pitchFamily="18" charset="0"/>
+                        </a:rPr>
+                        <m:t>𝑠𝐺</m:t>
+                      </m:r>
+                      <m:r>
+                        <a:rPr lang="en-US" b="0" i="1" smtClean="0">
+                          <a:latin typeface="Cambria Math" panose="02040503050406030204" pitchFamily="18" charset="0"/>
+                        </a:rPr>
+                        <m:t>(</m:t>
+                      </m:r>
+                      <m:r>
+                        <a:rPr lang="en-US" b="0" i="1" smtClean="0">
+                          <a:latin typeface="Cambria Math" panose="02040503050406030204" pitchFamily="18" charset="0"/>
+                        </a:rPr>
+                        <m:t>𝑠</m:t>
+                      </m:r>
+                      <m:r>
+                        <a:rPr lang="en-US" b="0" i="1" smtClean="0">
+                          <a:latin typeface="Cambria Math" panose="02040503050406030204" pitchFamily="18" charset="0"/>
+                        </a:rPr>
+                        <m:t>)</m:t>
+                      </m:r>
+                    </m:oMath>
+                  </m:oMathPara>
+                </a14:m>
+                <a:endParaRPr lang="en-US" dirty="0"/>
+              </a:p>
+            </p:txBody>
+          </p:sp>
+        </mc:Choice>
+        <mc:Fallback>
+          <p:sp>
+            <p:nvSpPr>
+              <p:cNvPr id="20" name="TextBox 19">
+                <a:extLst>
+                  <a:ext uri="{FF2B5EF4-FFF2-40B4-BE49-F238E27FC236}">
+                    <a16:creationId xmlns:a16="http://schemas.microsoft.com/office/drawing/2014/main" id="{DDFC9141-8B0F-3445-A864-6687F2985B3A}"/>
+                  </a:ext>
+                </a:extLst>
+              </p:cNvPr>
+              <p:cNvSpPr txBox="1">
+                <a:spLocks noRot="1" noChangeAspect="1" noMove="1" noResize="1" noEditPoints="1" noAdjustHandles="1" noChangeArrowheads="1" noChangeShapeType="1" noTextEdit="1"/>
+              </p:cNvSpPr>
+              <p:nvPr/>
+            </p:nvSpPr>
+            <p:spPr>
+              <a:xfrm>
+                <a:off x="4078940" y="2689237"/>
+                <a:ext cx="1655518" cy="276999"/>
+              </a:xfrm>
+              <a:prstGeom prst="rect">
+                <a:avLst/>
+              </a:prstGeom>
+              <a:blipFill>
+                <a:blip r:embed="rId4"/>
+                <a:stretch>
+                  <a:fillRect l="-2290" r="-3817" b="-39130"/>
+                </a:stretch>
+              </a:blipFill>
+            </p:spPr>
+            <p:txBody>
+              <a:bodyPr/>
+              <a:lstStyle/>
+              <a:p>
+                <a:r>
+                  <a:rPr lang="en-US">
+                    <a:noFill/>
+                  </a:rPr>
+                  <a:t> </a:t>
+                </a:r>
+              </a:p>
+            </p:txBody>
+          </p:sp>
+        </mc:Fallback>
+      </mc:AlternateContent>
+      <mc:AlternateContent xmlns:mc="http://schemas.openxmlformats.org/markup-compatibility/2006">
+        <mc:Choice xmlns:a14="http://schemas.microsoft.com/office/drawing/2010/main" Requires="a14">
+          <p:sp>
+            <p:nvSpPr>
+              <p:cNvPr id="24" name="TextBox 23">
+                <a:extLst>
+                  <a:ext uri="{FF2B5EF4-FFF2-40B4-BE49-F238E27FC236}">
+                    <a16:creationId xmlns:a16="http://schemas.microsoft.com/office/drawing/2014/main" id="{4F99A752-BDE2-2D4C-8AB3-5FE9B7A6C6E4}"/>
+                  </a:ext>
+                </a:extLst>
+              </p:cNvPr>
+              <p:cNvSpPr txBox="1"/>
+              <p:nvPr/>
+            </p:nvSpPr>
+            <p:spPr>
+              <a:xfrm>
+                <a:off x="6615266" y="2562729"/>
+                <a:ext cx="1900200" cy="520463"/>
+              </a:xfrm>
+              <a:prstGeom prst="rect">
+                <a:avLst/>
+              </a:prstGeom>
+              <a:noFill/>
+            </p:spPr>
+            <p:txBody>
+              <a:bodyPr wrap="none" lIns="0" tIns="0" rIns="0" bIns="0" rtlCol="0">
+                <a:spAutoFit/>
+              </a:bodyPr>
+              <a:lstStyle/>
+              <a:p>
+                <a14:m>
+                  <m:oMathPara xmlns:m="http://schemas.openxmlformats.org/officeDocument/2006/math">
+                    <m:oMathParaPr>
+                      <m:jc m:val="centerGroup"/>
+                    </m:oMathParaPr>
+                    <m:oMath xmlns:m="http://schemas.openxmlformats.org/officeDocument/2006/math">
+                      <m:r>
+                        <a:rPr lang="en-US" b="0" i="1" smtClean="0">
+                          <a:latin typeface="Cambria Math" panose="02040503050406030204" pitchFamily="18" charset="0"/>
+                        </a:rPr>
+                        <m:t>𝐿</m:t>
+                      </m:r>
+                      <m:d>
+                        <m:dPr>
+                          <m:begChr m:val="["/>
+                          <m:endChr m:val="]"/>
+                          <m:ctrlPr>
+                            <a:rPr lang="en-US" b="0" i="1" smtClean="0">
+                              <a:latin typeface="Cambria Math" panose="02040503050406030204" pitchFamily="18" charset="0"/>
+                            </a:rPr>
+                          </m:ctrlPr>
+                        </m:dPr>
+                        <m:e>
+                          <m:r>
+                            <a:rPr lang="en-US" b="0" i="1" smtClean="0">
+                              <a:latin typeface="Cambria Math" panose="02040503050406030204" pitchFamily="18" charset="0"/>
+                            </a:rPr>
+                            <m:t>∫</m:t>
+                          </m:r>
+                          <m:r>
+                            <a:rPr lang="en-US" b="0" i="1" smtClean="0">
+                              <a:latin typeface="Cambria Math" panose="02040503050406030204" pitchFamily="18" charset="0"/>
+                            </a:rPr>
+                            <m:t>𝑔</m:t>
+                          </m:r>
+                          <m:d>
+                            <m:dPr>
+                              <m:ctrlPr>
+                                <a:rPr lang="en-US" b="0" i="1" smtClean="0">
+                                  <a:latin typeface="Cambria Math" panose="02040503050406030204" pitchFamily="18" charset="0"/>
+                                </a:rPr>
+                              </m:ctrlPr>
+                            </m:dPr>
+                            <m:e>
+                              <m:r>
+                                <a:rPr lang="en-US" b="0" i="1" smtClean="0">
+                                  <a:latin typeface="Cambria Math" panose="02040503050406030204" pitchFamily="18" charset="0"/>
+                                </a:rPr>
+                                <m:t>𝑡</m:t>
+                              </m:r>
+                            </m:e>
+                          </m:d>
+                        </m:e>
+                      </m:d>
+                      <m:r>
+                        <a:rPr lang="en-US" b="0" i="1" smtClean="0">
+                          <a:latin typeface="Cambria Math" panose="02040503050406030204" pitchFamily="18" charset="0"/>
+                        </a:rPr>
+                        <m:t>=</m:t>
+                      </m:r>
+                      <m:f>
+                        <m:fPr>
+                          <m:ctrlPr>
+                            <a:rPr lang="en-US" b="0" i="1" smtClean="0">
+                              <a:latin typeface="Cambria Math" panose="02040503050406030204" pitchFamily="18" charset="0"/>
+                            </a:rPr>
+                          </m:ctrlPr>
+                        </m:fPr>
+                        <m:num>
+                          <m:r>
+                            <a:rPr lang="en-US" b="0" i="1" smtClean="0">
+                              <a:latin typeface="Cambria Math" panose="02040503050406030204" pitchFamily="18" charset="0"/>
+                            </a:rPr>
+                            <m:t>1</m:t>
+                          </m:r>
+                        </m:num>
+                        <m:den>
+                          <m:r>
+                            <a:rPr lang="en-US" b="0" i="1" smtClean="0">
+                              <a:latin typeface="Cambria Math" panose="02040503050406030204" pitchFamily="18" charset="0"/>
+                            </a:rPr>
+                            <m:t>𝑠</m:t>
+                          </m:r>
+                        </m:den>
+                      </m:f>
+                      <m:r>
+                        <a:rPr lang="en-US" b="0" i="1" smtClean="0">
+                          <a:latin typeface="Cambria Math" panose="02040503050406030204" pitchFamily="18" charset="0"/>
+                        </a:rPr>
+                        <m:t>𝐺</m:t>
+                      </m:r>
+                      <m:r>
+                        <a:rPr lang="en-US" b="0" i="1" smtClean="0">
+                          <a:latin typeface="Cambria Math" panose="02040503050406030204" pitchFamily="18" charset="0"/>
+                        </a:rPr>
+                        <m:t>(</m:t>
+                      </m:r>
+                      <m:r>
+                        <a:rPr lang="en-US" b="0" i="1" smtClean="0">
+                          <a:latin typeface="Cambria Math" panose="02040503050406030204" pitchFamily="18" charset="0"/>
+                        </a:rPr>
+                        <m:t>𝑠</m:t>
+                      </m:r>
+                      <m:r>
+                        <a:rPr lang="en-US" b="0" i="1" smtClean="0">
+                          <a:latin typeface="Cambria Math" panose="02040503050406030204" pitchFamily="18" charset="0"/>
+                        </a:rPr>
+                        <m:t>)</m:t>
+                      </m:r>
+                    </m:oMath>
+                  </m:oMathPara>
+                </a14:m>
+                <a:endParaRPr lang="en-US" dirty="0"/>
+              </a:p>
+            </p:txBody>
+          </p:sp>
+        </mc:Choice>
+        <mc:Fallback>
+          <p:sp>
+            <p:nvSpPr>
+              <p:cNvPr id="24" name="TextBox 23">
+                <a:extLst>
+                  <a:ext uri="{FF2B5EF4-FFF2-40B4-BE49-F238E27FC236}">
+                    <a16:creationId xmlns:a16="http://schemas.microsoft.com/office/drawing/2014/main" id="{4F99A752-BDE2-2D4C-8AB3-5FE9B7A6C6E4}"/>
+                  </a:ext>
+                </a:extLst>
+              </p:cNvPr>
+              <p:cNvSpPr txBox="1">
+                <a:spLocks noRot="1" noChangeAspect="1" noMove="1" noResize="1" noEditPoints="1" noAdjustHandles="1" noChangeArrowheads="1" noChangeShapeType="1" noTextEdit="1"/>
+              </p:cNvSpPr>
+              <p:nvPr/>
+            </p:nvSpPr>
+            <p:spPr>
+              <a:xfrm>
+                <a:off x="6615266" y="2562729"/>
+                <a:ext cx="1900200" cy="520463"/>
+              </a:xfrm>
+              <a:prstGeom prst="rect">
+                <a:avLst/>
+              </a:prstGeom>
+              <a:blipFill>
+                <a:blip r:embed="rId5"/>
+                <a:stretch>
+                  <a:fillRect l="-1987" t="-4762" r="-3311" b="-9524"/>
+                </a:stretch>
+              </a:blipFill>
+            </p:spPr>
+            <p:txBody>
+              <a:bodyPr/>
+              <a:lstStyle/>
+              <a:p>
+                <a:r>
+                  <a:rPr lang="en-US">
+                    <a:noFill/>
+                  </a:rPr>
+                  <a:t> </a:t>
+                </a:r>
+              </a:p>
+            </p:txBody>
+          </p:sp>
+        </mc:Fallback>
+      </mc:AlternateContent>
+      <mc:AlternateContent xmlns:mc="http://schemas.openxmlformats.org/markup-compatibility/2006">
+        <mc:Choice xmlns:a14="http://schemas.microsoft.com/office/drawing/2010/main" Requires="a14">
+          <p:sp>
+            <p:nvSpPr>
+              <p:cNvPr id="26" name="TextBox 25">
+                <a:extLst>
+                  <a:ext uri="{FF2B5EF4-FFF2-40B4-BE49-F238E27FC236}">
+                    <a16:creationId xmlns:a16="http://schemas.microsoft.com/office/drawing/2014/main" id="{368B5B06-ACCB-D141-A5CE-FAE8574F5CB3}"/>
+                  </a:ext>
+                </a:extLst>
+              </p:cNvPr>
+              <p:cNvSpPr txBox="1"/>
+              <p:nvPr/>
+            </p:nvSpPr>
+            <p:spPr>
+              <a:xfrm>
+                <a:off x="815787" y="2689237"/>
+                <a:ext cx="1804597" cy="276999"/>
+              </a:xfrm>
+              <a:prstGeom prst="rect">
+                <a:avLst/>
+              </a:prstGeom>
+              <a:noFill/>
+            </p:spPr>
+            <p:txBody>
+              <a:bodyPr wrap="none" lIns="0" tIns="0" rIns="0" bIns="0" rtlCol="0">
+                <a:spAutoFit/>
+              </a:bodyPr>
+              <a:lstStyle/>
+              <a:p>
+                <a14:m>
+                  <m:oMathPara xmlns:m="http://schemas.openxmlformats.org/officeDocument/2006/math">
+                    <m:oMathParaPr>
+                      <m:jc m:val="centerGroup"/>
+                    </m:oMathParaPr>
+                    <m:oMath xmlns:m="http://schemas.openxmlformats.org/officeDocument/2006/math">
+                      <m:r>
+                        <a:rPr lang="en-US" b="0" i="1" smtClean="0">
+                          <a:latin typeface="Cambria Math" panose="02040503050406030204" pitchFamily="18" charset="0"/>
+                        </a:rPr>
+                        <m:t>𝐿</m:t>
+                      </m:r>
+                      <m:r>
+                        <a:rPr lang="en-US" b="0" i="1" smtClean="0">
+                          <a:latin typeface="Cambria Math" panose="02040503050406030204" pitchFamily="18" charset="0"/>
+                        </a:rPr>
+                        <m:t>[</m:t>
+                      </m:r>
+                      <m:r>
+                        <a:rPr lang="en-US" b="0" i="1" smtClean="0">
+                          <a:latin typeface="Cambria Math" panose="02040503050406030204" pitchFamily="18" charset="0"/>
+                        </a:rPr>
+                        <m:t>𝑎𝑔</m:t>
+                      </m:r>
+                      <m:d>
+                        <m:dPr>
+                          <m:ctrlPr>
+                            <a:rPr lang="en-US" b="0" i="1" smtClean="0">
+                              <a:latin typeface="Cambria Math" panose="02040503050406030204" pitchFamily="18" charset="0"/>
+                            </a:rPr>
+                          </m:ctrlPr>
+                        </m:dPr>
+                        <m:e>
+                          <m:r>
+                            <a:rPr lang="en-US" b="0" i="1" smtClean="0">
+                              <a:latin typeface="Cambria Math" panose="02040503050406030204" pitchFamily="18" charset="0"/>
+                            </a:rPr>
+                            <m:t>𝑡</m:t>
+                          </m:r>
+                        </m:e>
+                      </m:d>
+                      <m:r>
+                        <a:rPr lang="en-US" b="0" i="1" smtClean="0">
+                          <a:latin typeface="Cambria Math" panose="02040503050406030204" pitchFamily="18" charset="0"/>
+                        </a:rPr>
+                        <m:t>]=</m:t>
+                      </m:r>
+                      <m:r>
+                        <a:rPr lang="en-US" b="0" i="1" smtClean="0">
+                          <a:latin typeface="Cambria Math" panose="02040503050406030204" pitchFamily="18" charset="0"/>
+                        </a:rPr>
+                        <m:t>𝑎𝐺</m:t>
+                      </m:r>
+                      <m:r>
+                        <a:rPr lang="en-US" b="0" i="1" smtClean="0">
+                          <a:latin typeface="Cambria Math" panose="02040503050406030204" pitchFamily="18" charset="0"/>
+                        </a:rPr>
+                        <m:t>(</m:t>
+                      </m:r>
+                      <m:r>
+                        <a:rPr lang="en-US" b="0" i="1" smtClean="0">
+                          <a:latin typeface="Cambria Math" panose="02040503050406030204" pitchFamily="18" charset="0"/>
+                        </a:rPr>
+                        <m:t>𝑠</m:t>
+                      </m:r>
+                      <m:r>
+                        <a:rPr lang="en-US" b="0" i="1" smtClean="0">
+                          <a:latin typeface="Cambria Math" panose="02040503050406030204" pitchFamily="18" charset="0"/>
+                        </a:rPr>
+                        <m:t>)</m:t>
+                      </m:r>
+                    </m:oMath>
+                  </m:oMathPara>
+                </a14:m>
+                <a:endParaRPr lang="en-US" dirty="0"/>
+              </a:p>
+            </p:txBody>
+          </p:sp>
+        </mc:Choice>
+        <mc:Fallback>
+          <p:sp>
+            <p:nvSpPr>
+              <p:cNvPr id="26" name="TextBox 25">
+                <a:extLst>
+                  <a:ext uri="{FF2B5EF4-FFF2-40B4-BE49-F238E27FC236}">
+                    <a16:creationId xmlns:a16="http://schemas.microsoft.com/office/drawing/2014/main" id="{368B5B06-ACCB-D141-A5CE-FAE8574F5CB3}"/>
+                  </a:ext>
+                </a:extLst>
+              </p:cNvPr>
+              <p:cNvSpPr txBox="1">
+                <a:spLocks noRot="1" noChangeAspect="1" noMove="1" noResize="1" noEditPoints="1" noAdjustHandles="1" noChangeArrowheads="1" noChangeShapeType="1" noTextEdit="1"/>
+              </p:cNvSpPr>
+              <p:nvPr/>
+            </p:nvSpPr>
+            <p:spPr>
+              <a:xfrm>
+                <a:off x="815787" y="2689237"/>
+                <a:ext cx="1804597" cy="276999"/>
+              </a:xfrm>
+              <a:prstGeom prst="rect">
+                <a:avLst/>
+              </a:prstGeom>
+              <a:blipFill>
+                <a:blip r:embed="rId6"/>
+                <a:stretch>
+                  <a:fillRect l="-2797" r="-3497" b="-39130"/>
+                </a:stretch>
+              </a:blipFill>
+            </p:spPr>
+            <p:txBody>
+              <a:bodyPr/>
+              <a:lstStyle/>
+              <a:p>
+                <a:r>
+                  <a:rPr lang="en-US">
+                    <a:noFill/>
+                  </a:rPr>
+                  <a:t> </a:t>
+                </a:r>
+              </a:p>
+            </p:txBody>
+          </p:sp>
+        </mc:Fallback>
+      </mc:AlternateContent>
+      <p:sp>
+        <p:nvSpPr>
+          <p:cNvPr id="27" name="TextBox 26">
+            <a:extLst>
+              <a:ext uri="{FF2B5EF4-FFF2-40B4-BE49-F238E27FC236}">
+                <a16:creationId xmlns:a16="http://schemas.microsoft.com/office/drawing/2014/main" id="{7813EE89-305B-C744-95EB-3BFE0D229D70}"/>
+              </a:ext>
+            </a:extLst>
+          </p:cNvPr>
+          <p:cNvSpPr txBox="1"/>
+          <p:nvPr/>
+        </p:nvSpPr>
+        <p:spPr>
+          <a:xfrm>
+            <a:off x="779927" y="2297970"/>
+            <a:ext cx="2749471" cy="369332"/>
+          </a:xfrm>
+          <a:prstGeom prst="rect">
+            <a:avLst/>
+          </a:prstGeom>
+          <a:noFill/>
+        </p:spPr>
+        <p:txBody>
+          <a:bodyPr wrap="none" rtlCol="0">
+            <a:spAutoFit/>
+          </a:bodyPr>
+          <a:lstStyle/>
+          <a:p>
+            <a:r>
+              <a:rPr lang="en-US" b="1" dirty="0"/>
+              <a:t>Constant multiplication</a:t>
+            </a:r>
+          </a:p>
+        </p:txBody>
+      </p:sp>
+      <p:sp>
+        <p:nvSpPr>
+          <p:cNvPr id="28" name="TextBox 27">
+            <a:extLst>
+              <a:ext uri="{FF2B5EF4-FFF2-40B4-BE49-F238E27FC236}">
+                <a16:creationId xmlns:a16="http://schemas.microsoft.com/office/drawing/2014/main" id="{0970EFCC-356A-2946-BFFC-E4BF4C81E856}"/>
+              </a:ext>
+            </a:extLst>
+          </p:cNvPr>
+          <p:cNvSpPr txBox="1"/>
+          <p:nvPr/>
+        </p:nvSpPr>
+        <p:spPr>
+          <a:xfrm>
+            <a:off x="4078940" y="2297970"/>
+            <a:ext cx="1287532" cy="369332"/>
+          </a:xfrm>
+          <a:prstGeom prst="rect">
+            <a:avLst/>
+          </a:prstGeom>
+          <a:noFill/>
+        </p:spPr>
+        <p:txBody>
+          <a:bodyPr wrap="none" rtlCol="0">
+            <a:spAutoFit/>
+          </a:bodyPr>
+          <a:lstStyle/>
+          <a:p>
+            <a:r>
+              <a:rPr lang="en-US" b="1" dirty="0"/>
+              <a:t>Derivative</a:t>
+            </a:r>
+          </a:p>
+        </p:txBody>
+      </p:sp>
+      <p:sp>
+        <p:nvSpPr>
+          <p:cNvPr id="29" name="TextBox 28">
+            <a:extLst>
+              <a:ext uri="{FF2B5EF4-FFF2-40B4-BE49-F238E27FC236}">
+                <a16:creationId xmlns:a16="http://schemas.microsoft.com/office/drawing/2014/main" id="{970EAC54-AAF5-394D-A981-57366868C472}"/>
+              </a:ext>
+            </a:extLst>
+          </p:cNvPr>
+          <p:cNvSpPr txBox="1"/>
+          <p:nvPr/>
+        </p:nvSpPr>
+        <p:spPr>
+          <a:xfrm>
+            <a:off x="6615266" y="2297970"/>
+            <a:ext cx="1018227" cy="369332"/>
+          </a:xfrm>
+          <a:prstGeom prst="rect">
+            <a:avLst/>
+          </a:prstGeom>
+          <a:noFill/>
+        </p:spPr>
+        <p:txBody>
+          <a:bodyPr wrap="none" rtlCol="0">
+            <a:spAutoFit/>
+          </a:bodyPr>
+          <a:lstStyle/>
+          <a:p>
+            <a:r>
+              <a:rPr lang="en-US" b="1" dirty="0"/>
+              <a:t>Integral</a:t>
+            </a:r>
+          </a:p>
+        </p:txBody>
+      </p:sp>
+      <p:pic>
+        <p:nvPicPr>
+          <p:cNvPr id="31" name="Picture 6" descr="The impulse response of an example simple delay">
+            <a:extLst>
+              <a:ext uri="{FF2B5EF4-FFF2-40B4-BE49-F238E27FC236}">
+                <a16:creationId xmlns:a16="http://schemas.microsoft.com/office/drawing/2014/main" id="{4D73AF1E-AFB0-0442-B243-47B74B451A8E}"/>
+              </a:ext>
+            </a:extLst>
+          </p:cNvPr>
+          <p:cNvPicPr>
+            <a:picLocks noChangeAspect="1" noChangeArrowheads="1"/>
+          </p:cNvPicPr>
+          <p:nvPr/>
+        </p:nvPicPr>
+        <p:blipFill>
+          <a:blip r:embed="rId7">
+            <a:extLst>
+              <a:ext uri="{28A0092B-C50C-407E-A947-70E740481C1C}">
+                <a14:useLocalDpi xmlns:a14="http://schemas.microsoft.com/office/drawing/2010/main" val="0"/>
+              </a:ext>
+            </a:extLst>
+          </a:blip>
+          <a:srcRect/>
+          <a:stretch>
+            <a:fillRect/>
+          </a:stretch>
+        </p:blipFill>
+        <p:spPr bwMode="auto">
+          <a:xfrm>
+            <a:off x="779927" y="3635572"/>
+            <a:ext cx="2407665" cy="1803241"/>
+          </a:xfrm>
+          <a:prstGeom prst="rect">
+            <a:avLst/>
+          </a:prstGeom>
+          <a:noFill/>
+          <a:extLst>
+            <a:ext uri="{909E8E84-426E-40DD-AFC4-6F175D3DCCD1}">
+              <a14:hiddenFill xmlns:a14="http://schemas.microsoft.com/office/drawing/2010/main">
+                <a:solidFill>
+                  <a:srgbClr val="FFFFFF"/>
+                </a:solidFill>
+              </a14:hiddenFill>
+            </a:ext>
+          </a:extLst>
+        </p:spPr>
+      </p:pic>
+      <mc:AlternateContent xmlns:mc="http://schemas.openxmlformats.org/markup-compatibility/2006">
+        <mc:Choice xmlns:a14="http://schemas.microsoft.com/office/drawing/2010/main" Requires="a14">
+          <p:sp>
+            <p:nvSpPr>
+              <p:cNvPr id="32" name="Rectangle 31">
+                <a:extLst>
+                  <a:ext uri="{FF2B5EF4-FFF2-40B4-BE49-F238E27FC236}">
+                    <a16:creationId xmlns:a16="http://schemas.microsoft.com/office/drawing/2014/main" id="{B742EFA3-F97A-FD41-9805-FBD098CBCBFD}"/>
+                  </a:ext>
+                </a:extLst>
+              </p:cNvPr>
+              <p:cNvSpPr/>
+              <p:nvPr/>
+            </p:nvSpPr>
+            <p:spPr>
+              <a:xfrm>
+                <a:off x="846716" y="5329984"/>
+                <a:ext cx="467500" cy="369332"/>
+              </a:xfrm>
+              <a:prstGeom prst="rect">
+                <a:avLst/>
+              </a:prstGeom>
+            </p:spPr>
+            <p:txBody>
+              <a:bodyPr wrap="none">
+                <a:spAutoFit/>
+              </a:bodyPr>
+              <a:lstStyle/>
+              <a:p>
+                <a14:m>
+                  <m:oMathPara xmlns:m="http://schemas.openxmlformats.org/officeDocument/2006/math">
+                    <m:oMathParaPr>
+                      <m:jc m:val="centerGroup"/>
+                    </m:oMathParaPr>
+                    <m:oMath xmlns:m="http://schemas.openxmlformats.org/officeDocument/2006/math">
+                      <m:sSub>
+                        <m:sSubPr>
+                          <m:ctrlPr>
+                            <a:rPr lang="en-US" i="1" smtClean="0">
+                              <a:latin typeface="Cambria Math" panose="02040503050406030204" pitchFamily="18" charset="0"/>
+                            </a:rPr>
+                          </m:ctrlPr>
+                        </m:sSubPr>
+                        <m:e>
+                          <m:r>
+                            <a:rPr lang="en-US" i="1">
+                              <a:latin typeface="Cambria Math" panose="02040503050406030204" pitchFamily="18" charset="0"/>
+                            </a:rPr>
+                            <m:t>𝛿</m:t>
+                          </m:r>
+                        </m:e>
+                        <m:sub>
+                          <m:r>
+                            <a:rPr lang="en-US" b="0" i="1" smtClean="0">
+                              <a:latin typeface="Cambria Math" panose="02040503050406030204" pitchFamily="18" charset="0"/>
+                            </a:rPr>
+                            <m:t>1</m:t>
+                          </m:r>
+                        </m:sub>
+                      </m:sSub>
+                    </m:oMath>
+                  </m:oMathPara>
+                </a14:m>
+                <a:endParaRPr lang="en-US" dirty="0"/>
+              </a:p>
+            </p:txBody>
+          </p:sp>
+        </mc:Choice>
+        <mc:Fallback>
+          <p:sp>
+            <p:nvSpPr>
+              <p:cNvPr id="32" name="Rectangle 31">
+                <a:extLst>
+                  <a:ext uri="{FF2B5EF4-FFF2-40B4-BE49-F238E27FC236}">
+                    <a16:creationId xmlns:a16="http://schemas.microsoft.com/office/drawing/2014/main" id="{B742EFA3-F97A-FD41-9805-FBD098CBCBFD}"/>
+                  </a:ext>
+                </a:extLst>
+              </p:cNvPr>
+              <p:cNvSpPr>
+                <a:spLocks noRot="1" noChangeAspect="1" noMove="1" noResize="1" noEditPoints="1" noAdjustHandles="1" noChangeArrowheads="1" noChangeShapeType="1" noTextEdit="1"/>
+              </p:cNvSpPr>
+              <p:nvPr/>
+            </p:nvSpPr>
+            <p:spPr>
+              <a:xfrm>
+                <a:off x="846716" y="5329984"/>
+                <a:ext cx="467500" cy="369332"/>
+              </a:xfrm>
+              <a:prstGeom prst="rect">
+                <a:avLst/>
+              </a:prstGeom>
+              <a:blipFill>
+                <a:blip r:embed="rId8"/>
+                <a:stretch>
+                  <a:fillRect b="-3333"/>
+                </a:stretch>
+              </a:blipFill>
+            </p:spPr>
+            <p:txBody>
+              <a:bodyPr/>
+              <a:lstStyle/>
+              <a:p>
+                <a:r>
+                  <a:rPr lang="en-US">
+                    <a:noFill/>
+                  </a:rPr>
+                  <a:t> </a:t>
+                </a:r>
+              </a:p>
+            </p:txBody>
+          </p:sp>
+        </mc:Fallback>
+      </mc:AlternateContent>
+      <mc:AlternateContent xmlns:mc="http://schemas.openxmlformats.org/markup-compatibility/2006">
+        <mc:Choice xmlns:a14="http://schemas.microsoft.com/office/drawing/2010/main" Requires="a14">
+          <p:sp>
+            <p:nvSpPr>
+              <p:cNvPr id="34" name="Rectangle 33">
+                <a:extLst>
+                  <a:ext uri="{FF2B5EF4-FFF2-40B4-BE49-F238E27FC236}">
+                    <a16:creationId xmlns:a16="http://schemas.microsoft.com/office/drawing/2014/main" id="{D63D1D81-7D68-DB45-9BB0-9F38E832E50C}"/>
+                  </a:ext>
+                </a:extLst>
+              </p:cNvPr>
+              <p:cNvSpPr/>
+              <p:nvPr/>
+            </p:nvSpPr>
+            <p:spPr>
+              <a:xfrm>
+                <a:off x="1414625" y="3761584"/>
+                <a:ext cx="969753" cy="369332"/>
+              </a:xfrm>
+              <a:prstGeom prst="rect">
+                <a:avLst/>
+              </a:prstGeom>
+            </p:spPr>
+            <p:txBody>
+              <a:bodyPr wrap="none">
+                <a:spAutoFit/>
+              </a:bodyPr>
+              <a:lstStyle/>
+              <a:p>
+                <a14:m>
+                  <m:oMathPara xmlns:m="http://schemas.openxmlformats.org/officeDocument/2006/math">
+                    <m:oMathParaPr>
+                      <m:jc m:val="centerGroup"/>
+                    </m:oMathParaPr>
+                    <m:oMath xmlns:m="http://schemas.openxmlformats.org/officeDocument/2006/math">
+                      <m:sSub>
+                        <m:sSubPr>
+                          <m:ctrlPr>
+                            <a:rPr lang="en-US" i="1" smtClean="0">
+                              <a:latin typeface="Cambria Math" panose="02040503050406030204" pitchFamily="18" charset="0"/>
+                            </a:rPr>
+                          </m:ctrlPr>
+                        </m:sSubPr>
+                        <m:e>
+                          <m:r>
+                            <a:rPr lang="en-US" b="0" i="1" smtClean="0">
+                              <a:latin typeface="Cambria Math" panose="02040503050406030204" pitchFamily="18" charset="0"/>
+                            </a:rPr>
+                            <m:t>(0.8)</m:t>
+                          </m:r>
+                          <m:r>
+                            <a:rPr lang="en-US" i="1">
+                              <a:latin typeface="Cambria Math" panose="02040503050406030204" pitchFamily="18" charset="0"/>
+                            </a:rPr>
+                            <m:t>𝛿</m:t>
+                          </m:r>
+                        </m:e>
+                        <m:sub>
+                          <m:r>
+                            <a:rPr lang="en-US" b="0" i="1" smtClean="0">
+                              <a:latin typeface="Cambria Math" panose="02040503050406030204" pitchFamily="18" charset="0"/>
+                            </a:rPr>
+                            <m:t>6</m:t>
+                          </m:r>
+                        </m:sub>
+                      </m:sSub>
+                    </m:oMath>
+                  </m:oMathPara>
+                </a14:m>
+                <a:endParaRPr lang="en-US" dirty="0"/>
+              </a:p>
+            </p:txBody>
+          </p:sp>
+        </mc:Choice>
+        <mc:Fallback>
+          <p:sp>
+            <p:nvSpPr>
+              <p:cNvPr id="34" name="Rectangle 33">
+                <a:extLst>
+                  <a:ext uri="{FF2B5EF4-FFF2-40B4-BE49-F238E27FC236}">
+                    <a16:creationId xmlns:a16="http://schemas.microsoft.com/office/drawing/2014/main" id="{D63D1D81-7D68-DB45-9BB0-9F38E832E50C}"/>
+                  </a:ext>
+                </a:extLst>
+              </p:cNvPr>
+              <p:cNvSpPr>
+                <a:spLocks noRot="1" noChangeAspect="1" noMove="1" noResize="1" noEditPoints="1" noAdjustHandles="1" noChangeArrowheads="1" noChangeShapeType="1" noTextEdit="1"/>
+              </p:cNvSpPr>
+              <p:nvPr/>
+            </p:nvSpPr>
+            <p:spPr>
+              <a:xfrm>
+                <a:off x="1414625" y="3761584"/>
+                <a:ext cx="969753" cy="369332"/>
+              </a:xfrm>
+              <a:prstGeom prst="rect">
+                <a:avLst/>
+              </a:prstGeom>
+              <a:blipFill>
+                <a:blip r:embed="rId9"/>
+                <a:stretch>
+                  <a:fillRect b="-16667"/>
+                </a:stretch>
+              </a:blipFill>
+            </p:spPr>
+            <p:txBody>
+              <a:bodyPr/>
+              <a:lstStyle/>
+              <a:p>
+                <a:r>
+                  <a:rPr lang="en-US">
+                    <a:noFill/>
+                  </a:rPr>
+                  <a:t> </a:t>
+                </a:r>
+              </a:p>
+            </p:txBody>
+          </p:sp>
+        </mc:Fallback>
+      </mc:AlternateContent>
+      <p:grpSp>
+        <p:nvGrpSpPr>
+          <p:cNvPr id="8" name="Group 7">
+            <a:extLst>
+              <a:ext uri="{FF2B5EF4-FFF2-40B4-BE49-F238E27FC236}">
+                <a16:creationId xmlns:a16="http://schemas.microsoft.com/office/drawing/2014/main" id="{8BC298EA-8F08-3D4F-8973-7135D6EB0135}"/>
+              </a:ext>
+            </a:extLst>
+          </p:cNvPr>
+          <p:cNvGrpSpPr/>
+          <p:nvPr/>
+        </p:nvGrpSpPr>
+        <p:grpSpPr>
+          <a:xfrm>
+            <a:off x="4722706" y="3662969"/>
+            <a:ext cx="3252449" cy="520463"/>
+            <a:chOff x="4488475" y="5579697"/>
+            <a:chExt cx="3252449" cy="520463"/>
+          </a:xfrm>
+        </p:grpSpPr>
+        <mc:AlternateContent xmlns:mc="http://schemas.openxmlformats.org/markup-compatibility/2006">
+          <mc:Choice xmlns:a14="http://schemas.microsoft.com/office/drawing/2010/main" Requires="a14">
+            <p:sp>
+              <p:nvSpPr>
+                <p:cNvPr id="35" name="TextBox 34">
+                  <a:extLst>
+                    <a:ext uri="{FF2B5EF4-FFF2-40B4-BE49-F238E27FC236}">
+                      <a16:creationId xmlns:a16="http://schemas.microsoft.com/office/drawing/2014/main" id="{9076C09B-1718-4F48-AD23-03F7B3063BAA}"/>
+                    </a:ext>
+                  </a:extLst>
+                </p:cNvPr>
+                <p:cNvSpPr txBox="1"/>
+                <p:nvPr/>
+              </p:nvSpPr>
+              <p:spPr>
+                <a:xfrm>
+                  <a:off x="4488475" y="5701429"/>
+                  <a:ext cx="877997" cy="276999"/>
+                </a:xfrm>
+                <a:prstGeom prst="rect">
+                  <a:avLst/>
+                </a:prstGeom>
+                <a:noFill/>
+              </p:spPr>
+              <p:txBody>
+                <a:bodyPr wrap="none" lIns="0" tIns="0" rIns="0" bIns="0" rtlCol="0">
+                  <a:spAutoFit/>
+                </a:bodyPr>
+                <a:lstStyle/>
+                <a:p>
+                  <a14:m>
+                    <m:oMath xmlns:m="http://schemas.openxmlformats.org/officeDocument/2006/math">
+                      <m:sSub>
+                        <m:sSubPr>
+                          <m:ctrlPr>
+                            <a:rPr lang="en-US" b="0" i="1" smtClean="0">
+                              <a:latin typeface="Cambria Math" panose="02040503050406030204" pitchFamily="18" charset="0"/>
+                            </a:rPr>
+                          </m:ctrlPr>
+                        </m:sSubPr>
+                        <m:e>
+                          <m:r>
+                            <a:rPr lang="en-US" b="0" i="1" smtClean="0">
+                              <a:latin typeface="Cambria Math" panose="02040503050406030204" pitchFamily="18" charset="0"/>
+                            </a:rPr>
+                            <m:t>𝐿</m:t>
+                          </m:r>
+                          <m:r>
+                            <a:rPr lang="en-US" b="0" i="1" smtClean="0">
+                              <a:latin typeface="Cambria Math" panose="02040503050406030204" pitchFamily="18" charset="0"/>
+                            </a:rPr>
+                            <m:t>[</m:t>
+                          </m:r>
+                          <m:r>
+                            <a:rPr lang="en-US" b="0" i="1" smtClean="0">
+                              <a:latin typeface="Cambria Math" panose="02040503050406030204" pitchFamily="18" charset="0"/>
+                            </a:rPr>
+                            <m:t>𝛿</m:t>
+                          </m:r>
+                        </m:e>
+                        <m:sub>
+                          <m:r>
+                            <a:rPr lang="en-US" b="0" i="1" smtClean="0">
+                              <a:latin typeface="Cambria Math" panose="02040503050406030204" pitchFamily="18" charset="0"/>
+                            </a:rPr>
+                            <m:t>0</m:t>
+                          </m:r>
+                        </m:sub>
+                      </m:sSub>
+                      <m:r>
+                        <a:rPr lang="en-US" b="0" i="1" smtClean="0">
+                          <a:latin typeface="Cambria Math" panose="02040503050406030204" pitchFamily="18" charset="0"/>
+                        </a:rPr>
+                        <m:t>]=</m:t>
+                      </m:r>
+                    </m:oMath>
+                  </a14:m>
+                  <a:r>
+                    <a:rPr lang="en-US" dirty="0"/>
+                    <a:t>1</a:t>
+                  </a:r>
+                </a:p>
+              </p:txBody>
+            </p:sp>
+          </mc:Choice>
+          <mc:Fallback>
+            <p:sp>
+              <p:nvSpPr>
+                <p:cNvPr id="35" name="TextBox 34">
+                  <a:extLst>
+                    <a:ext uri="{FF2B5EF4-FFF2-40B4-BE49-F238E27FC236}">
+                      <a16:creationId xmlns:a16="http://schemas.microsoft.com/office/drawing/2014/main" id="{9076C09B-1718-4F48-AD23-03F7B3063BAA}"/>
+                    </a:ext>
+                  </a:extLst>
+                </p:cNvPr>
+                <p:cNvSpPr txBox="1">
+                  <a:spLocks noRot="1" noChangeAspect="1" noMove="1" noResize="1" noEditPoints="1" noAdjustHandles="1" noChangeArrowheads="1" noChangeShapeType="1" noTextEdit="1"/>
+                </p:cNvSpPr>
+                <p:nvPr/>
+              </p:nvSpPr>
+              <p:spPr>
+                <a:xfrm>
+                  <a:off x="4488475" y="5701429"/>
+                  <a:ext cx="877997" cy="276999"/>
+                </a:xfrm>
+                <a:prstGeom prst="rect">
+                  <a:avLst/>
+                </a:prstGeom>
+                <a:blipFill>
+                  <a:blip r:embed="rId10"/>
+                  <a:stretch>
+                    <a:fillRect l="-10000" t="-27273" r="-14286" b="-54545"/>
+                  </a:stretch>
+                </a:blipFill>
+              </p:spPr>
+              <p:txBody>
+                <a:bodyPr/>
+                <a:lstStyle/>
+                <a:p>
+                  <a:r>
+                    <a:rPr lang="en-US">
+                      <a:noFill/>
+                    </a:rPr>
+                    <a:t> </a:t>
+                  </a:r>
+                </a:p>
+              </p:txBody>
+            </p:sp>
+          </mc:Fallback>
+        </mc:AlternateContent>
+        <mc:AlternateContent xmlns:mc="http://schemas.openxmlformats.org/markup-compatibility/2006">
+          <mc:Choice xmlns:a14="http://schemas.microsoft.com/office/drawing/2010/main" Requires="a14">
+            <p:sp>
+              <p:nvSpPr>
+                <p:cNvPr id="36" name="TextBox 35">
+                  <a:extLst>
+                    <a:ext uri="{FF2B5EF4-FFF2-40B4-BE49-F238E27FC236}">
+                      <a16:creationId xmlns:a16="http://schemas.microsoft.com/office/drawing/2014/main" id="{4216949C-9033-B842-AC26-DEA0063E5CDE}"/>
+                    </a:ext>
+                  </a:extLst>
+                </p:cNvPr>
+                <p:cNvSpPr txBox="1"/>
+                <p:nvPr/>
+              </p:nvSpPr>
+              <p:spPr>
+                <a:xfrm>
+                  <a:off x="5568417" y="5579697"/>
+                  <a:ext cx="911724" cy="520463"/>
+                </a:xfrm>
+                <a:prstGeom prst="rect">
+                  <a:avLst/>
+                </a:prstGeom>
+                <a:noFill/>
+              </p:spPr>
+              <p:txBody>
+                <a:bodyPr wrap="none" lIns="0" tIns="0" rIns="0" bIns="0" rtlCol="0">
+                  <a:spAutoFit/>
+                </a:bodyPr>
+                <a:lstStyle/>
+                <a:p>
+                  <a14:m>
+                    <m:oMathPara xmlns:m="http://schemas.openxmlformats.org/officeDocument/2006/math">
+                      <m:oMathParaPr>
+                        <m:jc m:val="centerGroup"/>
+                      </m:oMathParaPr>
+                      <m:oMath xmlns:m="http://schemas.openxmlformats.org/officeDocument/2006/math">
+                        <m:r>
+                          <a:rPr lang="en-US" b="0" i="1" smtClean="0">
+                            <a:latin typeface="Cambria Math" panose="02040503050406030204" pitchFamily="18" charset="0"/>
+                          </a:rPr>
+                          <m:t>𝐿</m:t>
+                        </m:r>
+                        <m:d>
+                          <m:dPr>
+                            <m:begChr m:val="["/>
+                            <m:endChr m:val="]"/>
+                            <m:ctrlPr>
+                              <a:rPr lang="en-US" b="0" i="1" smtClean="0">
+                                <a:latin typeface="Cambria Math" panose="02040503050406030204" pitchFamily="18" charset="0"/>
+                              </a:rPr>
+                            </m:ctrlPr>
+                          </m:dPr>
+                          <m:e>
+                            <m:r>
+                              <a:rPr lang="en-US" b="0" i="1" smtClean="0">
+                                <a:latin typeface="Cambria Math" panose="02040503050406030204" pitchFamily="18" charset="0"/>
+                              </a:rPr>
+                              <m:t>1</m:t>
+                            </m:r>
+                          </m:e>
+                        </m:d>
+                        <m:r>
+                          <a:rPr lang="en-US" b="0" i="1" smtClean="0">
+                            <a:latin typeface="Cambria Math" panose="02040503050406030204" pitchFamily="18" charset="0"/>
+                          </a:rPr>
+                          <m:t>=</m:t>
+                        </m:r>
+                        <m:f>
+                          <m:fPr>
+                            <m:ctrlPr>
+                              <a:rPr lang="en-US" b="0" i="1" smtClean="0">
+                                <a:latin typeface="Cambria Math" panose="02040503050406030204" pitchFamily="18" charset="0"/>
+                              </a:rPr>
+                            </m:ctrlPr>
+                          </m:fPr>
+                          <m:num>
+                            <m:r>
+                              <a:rPr lang="en-US" b="0" i="1" smtClean="0">
+                                <a:latin typeface="Cambria Math" panose="02040503050406030204" pitchFamily="18" charset="0"/>
+                              </a:rPr>
+                              <m:t>1</m:t>
+                            </m:r>
+                          </m:num>
+                          <m:den>
+                            <m:r>
+                              <a:rPr lang="en-US" b="0" i="1" smtClean="0">
+                                <a:latin typeface="Cambria Math" panose="02040503050406030204" pitchFamily="18" charset="0"/>
+                              </a:rPr>
+                              <m:t>𝑠</m:t>
+                            </m:r>
+                          </m:den>
+                        </m:f>
+                      </m:oMath>
+                    </m:oMathPara>
+                  </a14:m>
+                  <a:endParaRPr lang="en-US" dirty="0"/>
+                </a:p>
+              </p:txBody>
+            </p:sp>
+          </mc:Choice>
+          <mc:Fallback>
+            <p:sp>
+              <p:nvSpPr>
+                <p:cNvPr id="36" name="TextBox 35">
+                  <a:extLst>
+                    <a:ext uri="{FF2B5EF4-FFF2-40B4-BE49-F238E27FC236}">
+                      <a16:creationId xmlns:a16="http://schemas.microsoft.com/office/drawing/2014/main" id="{4216949C-9033-B842-AC26-DEA0063E5CDE}"/>
+                    </a:ext>
+                  </a:extLst>
+                </p:cNvPr>
+                <p:cNvSpPr txBox="1">
+                  <a:spLocks noRot="1" noChangeAspect="1" noMove="1" noResize="1" noEditPoints="1" noAdjustHandles="1" noChangeArrowheads="1" noChangeShapeType="1" noTextEdit="1"/>
+                </p:cNvSpPr>
+                <p:nvPr/>
+              </p:nvSpPr>
+              <p:spPr>
+                <a:xfrm>
+                  <a:off x="5568417" y="5579697"/>
+                  <a:ext cx="911724" cy="520463"/>
+                </a:xfrm>
+                <a:prstGeom prst="rect">
+                  <a:avLst/>
+                </a:prstGeom>
+                <a:blipFill>
+                  <a:blip r:embed="rId11"/>
+                  <a:stretch>
+                    <a:fillRect l="-4110" t="-4762" r="-5479" b="-9524"/>
+                  </a:stretch>
+                </a:blipFill>
+              </p:spPr>
+              <p:txBody>
+                <a:bodyPr/>
+                <a:lstStyle/>
+                <a:p>
+                  <a:r>
+                    <a:rPr lang="en-US">
+                      <a:noFill/>
+                    </a:rPr>
+                    <a:t> </a:t>
+                  </a:r>
+                </a:p>
+              </p:txBody>
+            </p:sp>
+          </mc:Fallback>
+        </mc:AlternateContent>
+        <mc:AlternateContent xmlns:mc="http://schemas.openxmlformats.org/markup-compatibility/2006">
+          <mc:Choice xmlns:a14="http://schemas.microsoft.com/office/drawing/2010/main" Requires="a14">
+            <p:sp>
+              <p:nvSpPr>
+                <p:cNvPr id="37" name="TextBox 36">
+                  <a:extLst>
+                    <a:ext uri="{FF2B5EF4-FFF2-40B4-BE49-F238E27FC236}">
+                      <a16:creationId xmlns:a16="http://schemas.microsoft.com/office/drawing/2014/main" id="{4113494E-5CE1-FD43-A91D-AF3034E9FDF9}"/>
+                    </a:ext>
+                  </a:extLst>
+                </p:cNvPr>
+                <p:cNvSpPr txBox="1"/>
+                <p:nvPr/>
+              </p:nvSpPr>
+              <p:spPr>
+                <a:xfrm>
+                  <a:off x="6762964" y="5579697"/>
+                  <a:ext cx="977960" cy="520463"/>
+                </a:xfrm>
+                <a:prstGeom prst="rect">
+                  <a:avLst/>
+                </a:prstGeom>
+                <a:noFill/>
+              </p:spPr>
+              <p:txBody>
+                <a:bodyPr wrap="none" lIns="0" tIns="0" rIns="0" bIns="0" rtlCol="0">
+                  <a:spAutoFit/>
+                </a:bodyPr>
+                <a:lstStyle/>
+                <a:p>
+                  <a14:m>
+                    <m:oMathPara xmlns:m="http://schemas.openxmlformats.org/officeDocument/2006/math">
+                      <m:oMathParaPr>
+                        <m:jc m:val="centerGroup"/>
+                      </m:oMathParaPr>
+                      <m:oMath xmlns:m="http://schemas.openxmlformats.org/officeDocument/2006/math">
+                        <m:r>
+                          <a:rPr lang="en-US" b="0" i="1" smtClean="0">
+                            <a:latin typeface="Cambria Math" panose="02040503050406030204" pitchFamily="18" charset="0"/>
+                          </a:rPr>
+                          <m:t>𝐿</m:t>
+                        </m:r>
+                        <m:d>
+                          <m:dPr>
+                            <m:begChr m:val="["/>
+                            <m:endChr m:val="]"/>
+                            <m:ctrlPr>
+                              <a:rPr lang="en-US" b="0" i="1" smtClean="0">
+                                <a:latin typeface="Cambria Math" panose="02040503050406030204" pitchFamily="18" charset="0"/>
+                              </a:rPr>
+                            </m:ctrlPr>
+                          </m:dPr>
+                          <m:e>
+                            <m:r>
+                              <a:rPr lang="en-US" b="0" i="1" smtClean="0">
+                                <a:latin typeface="Cambria Math" panose="02040503050406030204" pitchFamily="18" charset="0"/>
+                              </a:rPr>
+                              <m:t>𝑡</m:t>
+                            </m:r>
+                          </m:e>
+                        </m:d>
+                        <m:r>
+                          <a:rPr lang="en-US" b="0" i="1" smtClean="0">
+                            <a:latin typeface="Cambria Math" panose="02040503050406030204" pitchFamily="18" charset="0"/>
+                          </a:rPr>
+                          <m:t>=</m:t>
+                        </m:r>
+                        <m:f>
+                          <m:fPr>
+                            <m:ctrlPr>
+                              <a:rPr lang="en-US" b="0" i="1" smtClean="0">
+                                <a:latin typeface="Cambria Math" panose="02040503050406030204" pitchFamily="18" charset="0"/>
+                              </a:rPr>
+                            </m:ctrlPr>
+                          </m:fPr>
+                          <m:num>
+                            <m:r>
+                              <a:rPr lang="en-US" b="0" i="1" smtClean="0">
+                                <a:latin typeface="Cambria Math" panose="02040503050406030204" pitchFamily="18" charset="0"/>
+                              </a:rPr>
+                              <m:t>1</m:t>
+                            </m:r>
+                          </m:num>
+                          <m:den>
+                            <m:sSup>
+                              <m:sSupPr>
+                                <m:ctrlPr>
+                                  <a:rPr lang="en-US" b="0" i="1" smtClean="0">
+                                    <a:latin typeface="Cambria Math" panose="02040503050406030204" pitchFamily="18" charset="0"/>
+                                  </a:rPr>
+                                </m:ctrlPr>
+                              </m:sSupPr>
+                              <m:e>
+                                <m:r>
+                                  <a:rPr lang="en-US" b="0" i="1" smtClean="0">
+                                    <a:latin typeface="Cambria Math" panose="02040503050406030204" pitchFamily="18" charset="0"/>
+                                  </a:rPr>
+                                  <m:t>𝑠</m:t>
+                                </m:r>
+                              </m:e>
+                              <m:sup>
+                                <m:r>
+                                  <a:rPr lang="en-US" b="0" i="1" smtClean="0">
+                                    <a:latin typeface="Cambria Math" panose="02040503050406030204" pitchFamily="18" charset="0"/>
+                                  </a:rPr>
+                                  <m:t>2</m:t>
+                                </m:r>
+                              </m:sup>
+                            </m:sSup>
+                          </m:den>
+                        </m:f>
+                      </m:oMath>
+                    </m:oMathPara>
+                  </a14:m>
+                  <a:endParaRPr lang="en-US" dirty="0"/>
+                </a:p>
+              </p:txBody>
+            </p:sp>
+          </mc:Choice>
+          <mc:Fallback>
+            <p:sp>
+              <p:nvSpPr>
+                <p:cNvPr id="37" name="TextBox 36">
+                  <a:extLst>
+                    <a:ext uri="{FF2B5EF4-FFF2-40B4-BE49-F238E27FC236}">
+                      <a16:creationId xmlns:a16="http://schemas.microsoft.com/office/drawing/2014/main" id="{4113494E-5CE1-FD43-A91D-AF3034E9FDF9}"/>
+                    </a:ext>
+                  </a:extLst>
+                </p:cNvPr>
+                <p:cNvSpPr txBox="1">
+                  <a:spLocks noRot="1" noChangeAspect="1" noMove="1" noResize="1" noEditPoints="1" noAdjustHandles="1" noChangeArrowheads="1" noChangeShapeType="1" noTextEdit="1"/>
+                </p:cNvSpPr>
+                <p:nvPr/>
+              </p:nvSpPr>
+              <p:spPr>
+                <a:xfrm>
+                  <a:off x="6762964" y="5579697"/>
+                  <a:ext cx="977960" cy="520463"/>
+                </a:xfrm>
+                <a:prstGeom prst="rect">
+                  <a:avLst/>
+                </a:prstGeom>
+                <a:blipFill>
+                  <a:blip r:embed="rId12"/>
+                  <a:stretch>
+                    <a:fillRect l="-5195" t="-4762" r="-1299" b="-9524"/>
+                  </a:stretch>
+                </a:blipFill>
+              </p:spPr>
+              <p:txBody>
+                <a:bodyPr/>
+                <a:lstStyle/>
+                <a:p>
+                  <a:r>
+                    <a:rPr lang="en-US">
+                      <a:noFill/>
+                    </a:rPr>
+                    <a:t> </a:t>
+                  </a:r>
+                </a:p>
+              </p:txBody>
+            </p:sp>
+          </mc:Fallback>
+        </mc:AlternateContent>
+      </p:grpSp>
+    </p:spTree>
+    <p:extLst>
+      <p:ext uri="{BB962C8B-B14F-4D97-AF65-F5344CB8AC3E}">
+        <p14:creationId xmlns:p14="http://schemas.microsoft.com/office/powerpoint/2010/main" val="179742745"/>
+      </p:ext>
+    </p:extLst>
+  </p:cSld>
+  <p:clrMapOvr>
+    <a:masterClrMapping/>
+  </p:clrMapOvr>
+  <p:timing>
+    <p:tnLst>
+      <p:par>
+        <p:cTn id="1" dur="indefinite" restart="never" nodeType="tmRoot">
+          <p:childTnLst>
+            <p:seq concurrent="1" nextAc="seek">
+              <p:cTn id="2" dur="indefinite" nodeType="mainSeq">
+                <p:childTnLst>
+                  <p:par>
+                    <p:cTn id="3" fill="hold">
+                      <p:stCondLst>
+                        <p:cond delay="indefinite"/>
+                      </p:stCondLst>
+                      <p:childTnLst>
+                        <p:par>
+                          <p:cTn id="4" fill="hold">
+                            <p:stCondLst>
+                              <p:cond delay="0"/>
+                            </p:stCondLst>
+                            <p:childTnLst>
+                              <p:par>
+                                <p:cTn id="5" presetID="1" presetClass="entr" presetSubtype="0" fill="hold" nodeType="clickEffect">
+                                  <p:stCondLst>
+                                    <p:cond delay="0"/>
+                                  </p:stCondLst>
+                                  <p:childTnLst>
+                                    <p:set>
+                                      <p:cBhvr>
+                                        <p:cTn id="6" dur="1" fill="hold">
+                                          <p:stCondLst>
+                                            <p:cond delay="0"/>
+                                          </p:stCondLst>
+                                        </p:cTn>
+                                        <p:tgtEl>
+                                          <p:spTgt spid="31"/>
+                                        </p:tgtEl>
+                                        <p:attrNameLst>
+                                          <p:attrName>style.visibility</p:attrName>
+                                        </p:attrNameLst>
+                                      </p:cBhvr>
+                                      <p:to>
+                                        <p:strVal val="visible"/>
+                                      </p:to>
+                                    </p:set>
+                                  </p:childTnLst>
+                                </p:cTn>
+                              </p:par>
+                              <p:par>
+                                <p:cTn id="7" presetID="1" presetClass="entr" presetSubtype="0" fill="hold" grpId="0" nodeType="withEffect">
+                                  <p:stCondLst>
+                                    <p:cond delay="0"/>
+                                  </p:stCondLst>
+                                  <p:childTnLst>
+                                    <p:set>
+                                      <p:cBhvr>
+                                        <p:cTn id="8" dur="1" fill="hold">
+                                          <p:stCondLst>
+                                            <p:cond delay="0"/>
+                                          </p:stCondLst>
+                                        </p:cTn>
+                                        <p:tgtEl>
+                                          <p:spTgt spid="32"/>
+                                        </p:tgtEl>
+                                        <p:attrNameLst>
+                                          <p:attrName>style.visibility</p:attrName>
+                                        </p:attrNameLst>
+                                      </p:cBhvr>
+                                      <p:to>
+                                        <p:strVal val="visible"/>
+                                      </p:to>
+                                    </p:set>
+                                  </p:childTnLst>
+                                </p:cTn>
+                              </p:par>
+                            </p:childTnLst>
+                          </p:cTn>
+                        </p:par>
+                      </p:childTnLst>
+                    </p:cTn>
+                  </p:par>
+                  <p:par>
+                    <p:cTn id="9" fill="hold">
+                      <p:stCondLst>
+                        <p:cond delay="indefinite"/>
+                      </p:stCondLst>
+                      <p:childTnLst>
+                        <p:par>
+                          <p:cTn id="10" fill="hold">
+                            <p:stCondLst>
+                              <p:cond delay="0"/>
+                            </p:stCondLst>
+                            <p:childTnLst>
+                              <p:par>
+                                <p:cTn id="11" presetID="1" presetClass="entr" presetSubtype="0" fill="hold" grpId="0" nodeType="clickEffect">
+                                  <p:stCondLst>
+                                    <p:cond delay="0"/>
+                                  </p:stCondLst>
+                                  <p:childTnLst>
+                                    <p:set>
+                                      <p:cBhvr>
+                                        <p:cTn id="12" dur="1" fill="hold">
+                                          <p:stCondLst>
+                                            <p:cond delay="0"/>
+                                          </p:stCondLst>
+                                        </p:cTn>
+                                        <p:tgtEl>
+                                          <p:spTgt spid="34"/>
+                                        </p:tgtEl>
+                                        <p:attrNameLst>
+                                          <p:attrName>style.visibility</p:attrName>
+                                        </p:attrNameLst>
+                                      </p:cBhvr>
+                                      <p:to>
+                                        <p:strVal val="visible"/>
+                                      </p:to>
+                                    </p:set>
+                                  </p:childTnLst>
+                                </p:cTn>
+                              </p:par>
+                            </p:childTnLst>
+                          </p:cTn>
+                        </p:par>
+                      </p:childTnLst>
+                    </p:cTn>
+                  </p:par>
+                  <p:par>
+                    <p:cTn id="13" fill="hold">
+                      <p:stCondLst>
+                        <p:cond delay="indefinite"/>
+                      </p:stCondLst>
+                      <p:childTnLst>
+                        <p:par>
+                          <p:cTn id="14" fill="hold">
+                            <p:stCondLst>
+                              <p:cond delay="0"/>
+                            </p:stCondLst>
+                            <p:childTnLst>
+                              <p:par>
+                                <p:cTn id="15" presetID="1" presetClass="entr" presetSubtype="0" fill="hold" grpId="0" nodeType="clickEffect">
+                                  <p:stCondLst>
+                                    <p:cond delay="0"/>
+                                  </p:stCondLst>
+                                  <p:childTnLst>
+                                    <p:set>
+                                      <p:cBhvr>
+                                        <p:cTn id="16" dur="1" fill="hold">
+                                          <p:stCondLst>
+                                            <p:cond delay="0"/>
+                                          </p:stCondLst>
+                                        </p:cTn>
+                                        <p:tgtEl>
+                                          <p:spTgt spid="28"/>
+                                        </p:tgtEl>
+                                        <p:attrNameLst>
+                                          <p:attrName>style.visibility</p:attrName>
+                                        </p:attrNameLst>
+                                      </p:cBhvr>
+                                      <p:to>
+                                        <p:strVal val="visible"/>
+                                      </p:to>
+                                    </p:set>
+                                  </p:childTnLst>
+                                </p:cTn>
+                              </p:par>
+                              <p:par>
+                                <p:cTn id="17" presetID="1" presetClass="entr" presetSubtype="0" fill="hold" grpId="0" nodeType="withEffect">
+                                  <p:stCondLst>
+                                    <p:cond delay="0"/>
+                                  </p:stCondLst>
+                                  <p:childTnLst>
+                                    <p:set>
+                                      <p:cBhvr>
+                                        <p:cTn id="18" dur="1" fill="hold">
+                                          <p:stCondLst>
+                                            <p:cond delay="0"/>
+                                          </p:stCondLst>
+                                        </p:cTn>
+                                        <p:tgtEl>
+                                          <p:spTgt spid="20"/>
+                                        </p:tgtEl>
+                                        <p:attrNameLst>
+                                          <p:attrName>style.visibility</p:attrName>
+                                        </p:attrNameLst>
+                                      </p:cBhvr>
+                                      <p:to>
+                                        <p:strVal val="visible"/>
+                                      </p:to>
+                                    </p:set>
+                                  </p:childTnLst>
+                                </p:cTn>
+                              </p:par>
+                            </p:childTnLst>
+                          </p:cTn>
+                        </p:par>
+                      </p:childTnLst>
+                    </p:cTn>
+                  </p:par>
+                  <p:par>
+                    <p:cTn id="19" fill="hold">
+                      <p:stCondLst>
+                        <p:cond delay="indefinite"/>
+                      </p:stCondLst>
+                      <p:childTnLst>
+                        <p:par>
+                          <p:cTn id="20" fill="hold">
+                            <p:stCondLst>
+                              <p:cond delay="0"/>
+                            </p:stCondLst>
+                            <p:childTnLst>
+                              <p:par>
+                                <p:cTn id="21" presetID="1" presetClass="entr" presetSubtype="0" fill="hold" grpId="0" nodeType="clickEffect">
+                                  <p:stCondLst>
+                                    <p:cond delay="0"/>
+                                  </p:stCondLst>
+                                  <p:childTnLst>
+                                    <p:set>
+                                      <p:cBhvr>
+                                        <p:cTn id="22" dur="1" fill="hold">
+                                          <p:stCondLst>
+                                            <p:cond delay="0"/>
+                                          </p:stCondLst>
+                                        </p:cTn>
+                                        <p:tgtEl>
+                                          <p:spTgt spid="29"/>
+                                        </p:tgtEl>
+                                        <p:attrNameLst>
+                                          <p:attrName>style.visibility</p:attrName>
+                                        </p:attrNameLst>
+                                      </p:cBhvr>
+                                      <p:to>
+                                        <p:strVal val="visible"/>
+                                      </p:to>
+                                    </p:set>
+                                  </p:childTnLst>
+                                </p:cTn>
+                              </p:par>
+                              <p:par>
+                                <p:cTn id="23" presetID="1" presetClass="entr" presetSubtype="0" fill="hold" grpId="0" nodeType="withEffect">
+                                  <p:stCondLst>
+                                    <p:cond delay="0"/>
+                                  </p:stCondLst>
+                                  <p:childTnLst>
+                                    <p:set>
+                                      <p:cBhvr>
+                                        <p:cTn id="24" dur="1" fill="hold">
+                                          <p:stCondLst>
+                                            <p:cond delay="0"/>
+                                          </p:stCondLst>
+                                        </p:cTn>
+                                        <p:tgtEl>
+                                          <p:spTgt spid="24"/>
+                                        </p:tgtEl>
+                                        <p:attrNameLst>
+                                          <p:attrName>style.visibility</p:attrName>
+                                        </p:attrNameLst>
+                                      </p:cBhvr>
+                                      <p:to>
+                                        <p:strVal val="visible"/>
+                                      </p:to>
+                                    </p:set>
+                                  </p:childTnLst>
+                                </p:cTn>
+                              </p:par>
+                            </p:childTnLst>
+                          </p:cTn>
+                        </p:par>
+                      </p:childTnLst>
+                    </p:cTn>
+                  </p:par>
+                  <p:par>
+                    <p:cTn id="25" fill="hold">
+                      <p:stCondLst>
+                        <p:cond delay="indefinite"/>
+                      </p:stCondLst>
+                      <p:childTnLst>
+                        <p:par>
+                          <p:cTn id="26" fill="hold">
+                            <p:stCondLst>
+                              <p:cond delay="0"/>
+                            </p:stCondLst>
+                            <p:childTnLst>
+                              <p:par>
+                                <p:cTn id="27" presetID="1" presetClass="entr" presetSubtype="0" fill="hold" nodeType="clickEffect">
+                                  <p:stCondLst>
+                                    <p:cond delay="0"/>
+                                  </p:stCondLst>
+                                  <p:childTnLst>
+                                    <p:set>
+                                      <p:cBhvr>
+                                        <p:cTn id="28" dur="1" fill="hold">
+                                          <p:stCondLst>
+                                            <p:cond delay="0"/>
+                                          </p:stCondLst>
+                                        </p:cTn>
+                                        <p:tgtEl>
+                                          <p:spTgt spid="8"/>
+                                        </p:tgtEl>
+                                        <p:attrNameLst>
+                                          <p:attrName>style.visibility</p:attrName>
+                                        </p:attrNameLst>
+                                      </p:cBhvr>
+                                      <p:to>
+                                        <p:strVal val="visible"/>
+                                      </p:to>
+                                    </p:set>
+                                  </p:childTnLst>
+                                </p:cTn>
+                              </p:par>
+                            </p:childTnLst>
+                          </p:cTn>
+                        </p:par>
+                      </p:childTnLst>
+                    </p:cTn>
+                  </p:par>
+                </p:childTnLst>
+              </p:cTn>
+              <p:prevCondLst>
+                <p:cond evt="onPrev" delay="0">
+                  <p:tgtEl>
+                    <p:sldTgt/>
+                  </p:tgtEl>
+                </p:cond>
+              </p:prevCondLst>
+              <p:nextCondLst>
+                <p:cond evt="onNext" delay="0">
+                  <p:tgtEl>
+                    <p:sldTgt/>
+                  </p:tgtEl>
+                </p:cond>
+              </p:nextCondLst>
+            </p:seq>
+          </p:childTnLst>
+        </p:cTn>
+      </p:par>
+    </p:tnLst>
+    <p:bldLst>
+      <p:bldP spid="20" grpId="0"/>
+      <p:bldP spid="24" grpId="0"/>
+      <p:bldP spid="28" grpId="0"/>
+      <p:bldP spid="29" grpId="0"/>
+      <p:bldP spid="32" grpId="0"/>
+      <p:bldP spid="34" grpId="0"/>
+    </p:bldLst>
+  </p:timing>
+</p:sld>
+</file>
+
+<file path=ppt/slides/slide12.xml><?xml version="1.0" encoding="utf-8"?>
+<p:sld xmlns:a="http://schemas.openxmlformats.org/drawingml/2006/main" xmlns:r="http://schemas.openxmlformats.org/officeDocument/2006/relationships" xmlns:p="http://schemas.openxmlformats.org/presentationml/2006/main">
+  <p:cSld>
+    <p:spTree>
+      <p:nvGrpSpPr>
+        <p:cNvPr id="1" name=""/>
+        <p:cNvGrpSpPr/>
+        <p:nvPr/>
+      </p:nvGrpSpPr>
+      <p:grpSpPr>
+        <a:xfrm>
+          <a:off x="0" y="0"/>
+          <a:ext cx="0" cy="0"/>
+          <a:chOff x="0" y="0"/>
+          <a:chExt cx="0" cy="0"/>
+        </a:xfrm>
+      </p:grpSpPr>
+      <p:sp>
+        <p:nvSpPr>
+          <p:cNvPr id="2" name="Title 1">
+            <a:extLst>
+              <a:ext uri="{FF2B5EF4-FFF2-40B4-BE49-F238E27FC236}">
                 <a16:creationId xmlns:a16="http://schemas.microsoft.com/office/drawing/2014/main" id="{6C8740B7-2C25-E641-9507-CBD10FA230C5}"/>
               </a:ext>
             </a:extLst>
@@ -5828,7 +9397,7 @@
               <a:pPr>
                 <a:defRPr/>
               </a:pPr>
-              <a:t>10</a:t>
+              <a:t>12</a:t>
             </a:fld>
             <a:endParaRPr lang="en-US" altLang="x-none"/>
           </a:p>
@@ -6577,7 +10146,7 @@
 </p:sld>
 </file>
 
-<file path=ppt/slides/slide11.xml><?xml version="1.0" encoding="utf-8"?>
+<file path=ppt/slides/slide13.xml><?xml version="1.0" encoding="utf-8"?>
 <p:sld xmlns:a="http://schemas.openxmlformats.org/drawingml/2006/main" xmlns:r="http://schemas.openxmlformats.org/officeDocument/2006/relationships" xmlns:p="http://schemas.openxmlformats.org/presentationml/2006/main">
   <p:cSld>
     <p:spTree>
@@ -6651,7 +10220,7 @@
               <a:pPr>
                 <a:defRPr/>
               </a:pPr>
-              <a:t>11</a:t>
+              <a:t>13</a:t>
             </a:fld>
             <a:endParaRPr lang="en-US" altLang="x-none"/>
           </a:p>
@@ -7156,7 +10725,7 @@
 </p:sld>
 </file>
 
-<file path=ppt/slides/slide12.xml><?xml version="1.0" encoding="utf-8"?>
+<file path=ppt/slides/slide14.xml><?xml version="1.0" encoding="utf-8"?>
 <p:sld xmlns:a="http://schemas.openxmlformats.org/drawingml/2006/main" xmlns:r="http://schemas.openxmlformats.org/officeDocument/2006/relationships" xmlns:p="http://schemas.openxmlformats.org/presentationml/2006/main">
   <p:cSld>
     <p:spTree>
@@ -7196,7 +10765,7 @@
           <a:p>
             <a:r>
               <a:rPr lang="en-US" dirty="0"/>
-              <a:t>Finding Transfer Functions</a:t>
+              <a:t>Calculating Transfer Functions From Block Diagrams</a:t>
             </a:r>
             <a:br>
               <a:rPr lang="en-US" dirty="0"/>
@@ -7238,7 +10807,7 @@
               <a:pPr>
                 <a:defRPr/>
               </a:pPr>
-              <a:t>12</a:t>
+              <a:t>14</a:t>
             </a:fld>
             <a:endParaRPr lang="en-US" altLang="x-none"/>
           </a:p>
@@ -10352,7 +13921,7 @@
 </p:sld>
 </file>
 
-<file path=ppt/slides/slide13.xml><?xml version="1.0" encoding="utf-8"?>
+<file path=ppt/slides/slide15.xml><?xml version="1.0" encoding="utf-8"?>
 <p:sld xmlns:a="http://schemas.openxmlformats.org/drawingml/2006/main" xmlns:r="http://schemas.openxmlformats.org/officeDocument/2006/relationships" xmlns:p="http://schemas.openxmlformats.org/presentationml/2006/main">
   <p:cSld>
     <p:spTree>
@@ -10434,7 +14003,7 @@
               <a:pPr>
                 <a:defRPr/>
               </a:pPr>
-              <a:t>13</a:t>
+              <a:t>15</a:t>
             </a:fld>
             <a:endParaRPr lang="en-US" altLang="x-none"/>
           </a:p>
@@ -13287,7 +16856,7 @@
 </p:sld>
 </file>
 
-<file path=ppt/slides/slide14.xml><?xml version="1.0" encoding="utf-8"?>
+<file path=ppt/slides/slide16.xml><?xml version="1.0" encoding="utf-8"?>
 <p:sld xmlns:a="http://schemas.openxmlformats.org/drawingml/2006/main" xmlns:r="http://schemas.openxmlformats.org/officeDocument/2006/relationships" xmlns:p="http://schemas.openxmlformats.org/presentationml/2006/main">
   <p:cSld>
     <p:spTree>
@@ -13361,7 +16930,7 @@
               <a:pPr>
                 <a:defRPr/>
               </a:pPr>
-              <a:t>14</a:t>
+              <a:t>16</a:t>
             </a:fld>
             <a:endParaRPr lang="en-US" altLang="x-none"/>
           </a:p>
@@ -16470,7 +20039,7 @@
 </p:sld>
 </file>
 
-<file path=ppt/slides/slide15.xml><?xml version="1.0" encoding="utf-8"?>
+<file path=ppt/slides/slide17.xml><?xml version="1.0" encoding="utf-8"?>
 <p:sld xmlns:a="http://schemas.openxmlformats.org/drawingml/2006/main" xmlns:r="http://schemas.openxmlformats.org/officeDocument/2006/relationships" xmlns:p="http://schemas.openxmlformats.org/presentationml/2006/main">
   <p:cSld>
     <p:spTree>
@@ -16544,7 +20113,7 @@
               <a:pPr>
                 <a:defRPr/>
               </a:pPr>
-              <a:t>15</a:t>
+              <a:t>17</a:t>
             </a:fld>
             <a:endParaRPr lang="en-US" altLang="x-none"/>
           </a:p>
@@ -18047,7 +21616,7 @@
 </p:sld>
 </file>
 
-<file path=ppt/slides/slide16.xml><?xml version="1.0" encoding="utf-8"?>
+<file path=ppt/slides/slide18.xml><?xml version="1.0" encoding="utf-8"?>
 <p:sld xmlns:a="http://schemas.openxmlformats.org/drawingml/2006/main" xmlns:r="http://schemas.openxmlformats.org/officeDocument/2006/relationships" xmlns:p="http://schemas.openxmlformats.org/presentationml/2006/main">
   <p:cSld>
     <p:spTree>
@@ -18183,7 +21752,7 @@
               <a:pPr>
                 <a:defRPr/>
               </a:pPr>
-              <a:t>16</a:t>
+              <a:t>18</a:t>
             </a:fld>
             <a:endParaRPr lang="en-US" altLang="x-none"/>
           </a:p>
@@ -18202,7 +21771,7 @@
 </p:sld>
 </file>
 
-<file path=ppt/slides/slide17.xml><?xml version="1.0" encoding="utf-8"?>
+<file path=ppt/slides/slide19.xml><?xml version="1.0" encoding="utf-8"?>
 <p:sld xmlns:a="http://schemas.openxmlformats.org/drawingml/2006/main" xmlns:r="http://schemas.openxmlformats.org/officeDocument/2006/relationships" xmlns:p="http://schemas.openxmlformats.org/presentationml/2006/main">
   <p:cSld>
     <p:spTree>
@@ -18322,7 +21891,7 @@
               <a:pPr>
                 <a:defRPr/>
               </a:pPr>
-              <a:t>17</a:t>
+              <a:t>19</a:t>
             </a:fld>
             <a:endParaRPr lang="en-US" altLang="x-none"/>
           </a:p>
@@ -18332,260 +21901,6 @@
     <p:extLst>
       <p:ext uri="{BB962C8B-B14F-4D97-AF65-F5344CB8AC3E}">
         <p14:creationId xmlns:p14="http://schemas.microsoft.com/office/powerpoint/2010/main" val="3158996994"/>
-      </p:ext>
-    </p:extLst>
-  </p:cSld>
-  <p:clrMapOvr>
-    <a:masterClrMapping/>
-  </p:clrMapOvr>
-</p:sld>
-</file>
-
-<file path=ppt/slides/slide18.xml><?xml version="1.0" encoding="utf-8"?>
-<p:sld xmlns:a="http://schemas.openxmlformats.org/drawingml/2006/main" xmlns:r="http://schemas.openxmlformats.org/officeDocument/2006/relationships" xmlns:p="http://schemas.openxmlformats.org/presentationml/2006/main">
-  <p:cSld>
-    <p:spTree>
-      <p:nvGrpSpPr>
-        <p:cNvPr id="1" name=""/>
-        <p:cNvGrpSpPr/>
-        <p:nvPr/>
-      </p:nvGrpSpPr>
-      <p:grpSpPr>
-        <a:xfrm>
-          <a:off x="0" y="0"/>
-          <a:ext cx="0" cy="0"/>
-          <a:chOff x="0" y="0"/>
-          <a:chExt cx="0" cy="0"/>
-        </a:xfrm>
-      </p:grpSpPr>
-      <p:sp>
-        <p:nvSpPr>
-          <p:cNvPr id="2" name="Title 1">
-            <a:extLst>
-              <a:ext uri="{FF2B5EF4-FFF2-40B4-BE49-F238E27FC236}">
-                <a16:creationId xmlns:a16="http://schemas.microsoft.com/office/drawing/2014/main" id="{D0C15D00-636D-C349-8D23-11137E2A9492}"/>
-              </a:ext>
-            </a:extLst>
-          </p:cNvPr>
-          <p:cNvSpPr>
-            <a:spLocks noGrp="1"/>
-          </p:cNvSpPr>
-          <p:nvPr>
-            <p:ph type="title"/>
-          </p:nvPr>
-        </p:nvSpPr>
-        <p:spPr/>
-        <p:txBody>
-          <a:bodyPr/>
-          <a:lstStyle/>
-          <a:p>
-            <a:r>
-              <a:rPr lang="en-US" dirty="0"/>
-              <a:t>From System TF to Block Diagram</a:t>
-            </a:r>
-          </a:p>
-        </p:txBody>
-      </p:sp>
-      <p:sp>
-        <p:nvSpPr>
-          <p:cNvPr id="3" name="Content Placeholder 2">
-            <a:extLst>
-              <a:ext uri="{FF2B5EF4-FFF2-40B4-BE49-F238E27FC236}">
-                <a16:creationId xmlns:a16="http://schemas.microsoft.com/office/drawing/2014/main" id="{CD6C61AE-3008-DF49-9792-E75EB6607A2A}"/>
-              </a:ext>
-            </a:extLst>
-          </p:cNvPr>
-          <p:cNvSpPr>
-            <a:spLocks noGrp="1"/>
-          </p:cNvSpPr>
-          <p:nvPr>
-            <p:ph idx="1"/>
-          </p:nvPr>
-        </p:nvSpPr>
-        <p:spPr/>
-        <p:txBody>
-          <a:bodyPr/>
-          <a:lstStyle/>
-          <a:p>
-            <a:r>
-              <a:rPr lang="en-US" dirty="0"/>
-              <a:t>Series connection of system</a:t>
-            </a:r>
-          </a:p>
-          <a:p>
-            <a:r>
-              <a:rPr lang="en-US" dirty="0"/>
-              <a:t>Addition connector</a:t>
-            </a:r>
-          </a:p>
-          <a:p>
-            <a:r>
-              <a:rPr lang="en-US" dirty="0"/>
-              <a:t>Feedback</a:t>
-            </a:r>
-          </a:p>
-        </p:txBody>
-      </p:sp>
-      <p:sp>
-        <p:nvSpPr>
-          <p:cNvPr id="4" name="Slide Number Placeholder 3">
-            <a:extLst>
-              <a:ext uri="{FF2B5EF4-FFF2-40B4-BE49-F238E27FC236}">
-                <a16:creationId xmlns:a16="http://schemas.microsoft.com/office/drawing/2014/main" id="{1558DCEA-96C1-F245-959F-A1375434DC61}"/>
-              </a:ext>
-            </a:extLst>
-          </p:cNvPr>
-          <p:cNvSpPr>
-            <a:spLocks noGrp="1"/>
-          </p:cNvSpPr>
-          <p:nvPr>
-            <p:ph type="sldNum" sz="quarter" idx="11"/>
-          </p:nvPr>
-        </p:nvSpPr>
-        <p:spPr/>
-        <p:txBody>
-          <a:bodyPr/>
-          <a:lstStyle/>
-          <a:p>
-            <a:pPr>
-              <a:defRPr/>
-            </a:pPr>
-            <a:fld id="{3EF4E9CC-9D91-476E-91FD-5BEEC1642931}" type="slidenum">
-              <a:rPr lang="en-US" altLang="x-none" smtClean="0"/>
-              <a:pPr>
-                <a:defRPr/>
-              </a:pPr>
-              <a:t>18</a:t>
-            </a:fld>
-            <a:endParaRPr lang="en-US" altLang="x-none"/>
-          </a:p>
-        </p:txBody>
-      </p:sp>
-    </p:spTree>
-    <p:extLst>
-      <p:ext uri="{BB962C8B-B14F-4D97-AF65-F5344CB8AC3E}">
-        <p14:creationId xmlns:p14="http://schemas.microsoft.com/office/powerpoint/2010/main" val="1784955715"/>
-      </p:ext>
-    </p:extLst>
-  </p:cSld>
-  <p:clrMapOvr>
-    <a:masterClrMapping/>
-  </p:clrMapOvr>
-</p:sld>
-</file>
-
-<file path=ppt/slides/slide19.xml><?xml version="1.0" encoding="utf-8"?>
-<p:sld xmlns:a="http://schemas.openxmlformats.org/drawingml/2006/main" xmlns:r="http://schemas.openxmlformats.org/officeDocument/2006/relationships" xmlns:p="http://schemas.openxmlformats.org/presentationml/2006/main">
-  <p:cSld>
-    <p:spTree>
-      <p:nvGrpSpPr>
-        <p:cNvPr id="1" name=""/>
-        <p:cNvGrpSpPr/>
-        <p:nvPr/>
-      </p:nvGrpSpPr>
-      <p:grpSpPr>
-        <a:xfrm>
-          <a:off x="0" y="0"/>
-          <a:ext cx="0" cy="0"/>
-          <a:chOff x="0" y="0"/>
-          <a:chExt cx="0" cy="0"/>
-        </a:xfrm>
-      </p:grpSpPr>
-      <p:sp>
-        <p:nvSpPr>
-          <p:cNvPr id="2" name="Title 1">
-            <a:extLst>
-              <a:ext uri="{FF2B5EF4-FFF2-40B4-BE49-F238E27FC236}">
-                <a16:creationId xmlns:a16="http://schemas.microsoft.com/office/drawing/2014/main" id="{87C27F56-9EEB-CF4A-B532-2F14A07EE04D}"/>
-              </a:ext>
-            </a:extLst>
-          </p:cNvPr>
-          <p:cNvSpPr>
-            <a:spLocks noGrp="1"/>
-          </p:cNvSpPr>
-          <p:nvPr>
-            <p:ph type="title"/>
-          </p:nvPr>
-        </p:nvSpPr>
-        <p:spPr/>
-        <p:txBody>
-          <a:bodyPr/>
-          <a:lstStyle/>
-          <a:p>
-            <a:r>
-              <a:rPr lang="en-US" dirty="0"/>
-              <a:t>Block Diagram Representation of Reaction Networks</a:t>
-            </a:r>
-          </a:p>
-        </p:txBody>
-      </p:sp>
-      <p:sp>
-        <p:nvSpPr>
-          <p:cNvPr id="3" name="Content Placeholder 2">
-            <a:extLst>
-              <a:ext uri="{FF2B5EF4-FFF2-40B4-BE49-F238E27FC236}">
-                <a16:creationId xmlns:a16="http://schemas.microsoft.com/office/drawing/2014/main" id="{EA62C7BC-80C7-CE40-9BD5-C173B09BA8AB}"/>
-              </a:ext>
-            </a:extLst>
-          </p:cNvPr>
-          <p:cNvSpPr>
-            <a:spLocks noGrp="1"/>
-          </p:cNvSpPr>
-          <p:nvPr>
-            <p:ph idx="1"/>
-          </p:nvPr>
-        </p:nvSpPr>
-        <p:spPr/>
-        <p:txBody>
-          <a:bodyPr/>
-          <a:lstStyle/>
-          <a:p>
-            <a:r>
-              <a:rPr lang="en-US" dirty="0"/>
-              <a:t>?</a:t>
-            </a:r>
-          </a:p>
-        </p:txBody>
-      </p:sp>
-      <p:sp>
-        <p:nvSpPr>
-          <p:cNvPr id="4" name="Slide Number Placeholder 3">
-            <a:extLst>
-              <a:ext uri="{FF2B5EF4-FFF2-40B4-BE49-F238E27FC236}">
-                <a16:creationId xmlns:a16="http://schemas.microsoft.com/office/drawing/2014/main" id="{D75FC6B5-DBE4-E546-ACDE-ABA9E548A2B8}"/>
-              </a:ext>
-            </a:extLst>
-          </p:cNvPr>
-          <p:cNvSpPr>
-            <a:spLocks noGrp="1"/>
-          </p:cNvSpPr>
-          <p:nvPr>
-            <p:ph type="sldNum" sz="quarter" idx="11"/>
-          </p:nvPr>
-        </p:nvSpPr>
-        <p:spPr/>
-        <p:txBody>
-          <a:bodyPr/>
-          <a:lstStyle/>
-          <a:p>
-            <a:pPr>
-              <a:defRPr/>
-            </a:pPr>
-            <a:fld id="{3EF4E9CC-9D91-476E-91FD-5BEEC1642931}" type="slidenum">
-              <a:rPr lang="en-US" altLang="x-none" smtClean="0"/>
-              <a:pPr>
-                <a:defRPr/>
-              </a:pPr>
-              <a:t>19</a:t>
-            </a:fld>
-            <a:endParaRPr lang="en-US" altLang="x-none"/>
-          </a:p>
-        </p:txBody>
-      </p:sp>
-    </p:spTree>
-    <p:extLst>
-      <p:ext uri="{BB962C8B-B14F-4D97-AF65-F5344CB8AC3E}">
-        <p14:creationId xmlns:p14="http://schemas.microsoft.com/office/powerpoint/2010/main" val="4026249676"/>
       </p:ext>
     </p:extLst>
   </p:cSld>
@@ -18756,6 +22071,139 @@
           <p:cNvPr id="2" name="Title 1">
             <a:extLst>
               <a:ext uri="{FF2B5EF4-FFF2-40B4-BE49-F238E27FC236}">
+                <a16:creationId xmlns:a16="http://schemas.microsoft.com/office/drawing/2014/main" id="{D0C15D00-636D-C349-8D23-11137E2A9492}"/>
+              </a:ext>
+            </a:extLst>
+          </p:cNvPr>
+          <p:cNvSpPr>
+            <a:spLocks noGrp="1"/>
+          </p:cNvSpPr>
+          <p:nvPr>
+            <p:ph type="title"/>
+          </p:nvPr>
+        </p:nvSpPr>
+        <p:spPr/>
+        <p:txBody>
+          <a:bodyPr/>
+          <a:lstStyle/>
+          <a:p>
+            <a:r>
+              <a:rPr lang="en-US" dirty="0"/>
+              <a:t>From System TF to Block Diagram</a:t>
+            </a:r>
+          </a:p>
+        </p:txBody>
+      </p:sp>
+      <p:sp>
+        <p:nvSpPr>
+          <p:cNvPr id="3" name="Content Placeholder 2">
+            <a:extLst>
+              <a:ext uri="{FF2B5EF4-FFF2-40B4-BE49-F238E27FC236}">
+                <a16:creationId xmlns:a16="http://schemas.microsoft.com/office/drawing/2014/main" id="{CD6C61AE-3008-DF49-9792-E75EB6607A2A}"/>
+              </a:ext>
+            </a:extLst>
+          </p:cNvPr>
+          <p:cNvSpPr>
+            <a:spLocks noGrp="1"/>
+          </p:cNvSpPr>
+          <p:nvPr>
+            <p:ph idx="1"/>
+          </p:nvPr>
+        </p:nvSpPr>
+        <p:spPr/>
+        <p:txBody>
+          <a:bodyPr/>
+          <a:lstStyle/>
+          <a:p>
+            <a:r>
+              <a:rPr lang="en-US" dirty="0"/>
+              <a:t>Series connection of system</a:t>
+            </a:r>
+          </a:p>
+          <a:p>
+            <a:r>
+              <a:rPr lang="en-US" dirty="0"/>
+              <a:t>Addition connector</a:t>
+            </a:r>
+          </a:p>
+          <a:p>
+            <a:r>
+              <a:rPr lang="en-US" dirty="0"/>
+              <a:t>Feedback</a:t>
+            </a:r>
+          </a:p>
+        </p:txBody>
+      </p:sp>
+      <p:sp>
+        <p:nvSpPr>
+          <p:cNvPr id="4" name="Slide Number Placeholder 3">
+            <a:extLst>
+              <a:ext uri="{FF2B5EF4-FFF2-40B4-BE49-F238E27FC236}">
+                <a16:creationId xmlns:a16="http://schemas.microsoft.com/office/drawing/2014/main" id="{1558DCEA-96C1-F245-959F-A1375434DC61}"/>
+              </a:ext>
+            </a:extLst>
+          </p:cNvPr>
+          <p:cNvSpPr>
+            <a:spLocks noGrp="1"/>
+          </p:cNvSpPr>
+          <p:nvPr>
+            <p:ph type="sldNum" sz="quarter" idx="11"/>
+          </p:nvPr>
+        </p:nvSpPr>
+        <p:spPr/>
+        <p:txBody>
+          <a:bodyPr/>
+          <a:lstStyle/>
+          <a:p>
+            <a:pPr>
+              <a:defRPr/>
+            </a:pPr>
+            <a:fld id="{3EF4E9CC-9D91-476E-91FD-5BEEC1642931}" type="slidenum">
+              <a:rPr lang="en-US" altLang="x-none" smtClean="0"/>
+              <a:pPr>
+                <a:defRPr/>
+              </a:pPr>
+              <a:t>20</a:t>
+            </a:fld>
+            <a:endParaRPr lang="en-US" altLang="x-none"/>
+          </a:p>
+        </p:txBody>
+      </p:sp>
+    </p:spTree>
+    <p:extLst>
+      <p:ext uri="{BB962C8B-B14F-4D97-AF65-F5344CB8AC3E}">
+        <p14:creationId xmlns:p14="http://schemas.microsoft.com/office/powerpoint/2010/main" val="1784955715"/>
+      </p:ext>
+    </p:extLst>
+  </p:cSld>
+  <p:clrMapOvr>
+    <a:masterClrMapping/>
+  </p:clrMapOvr>
+</p:sld>
+</file>
+
+<file path=ppt/slides/slide21.xml><?xml version="1.0" encoding="utf-8"?>
+<p:sld xmlns:a="http://schemas.openxmlformats.org/drawingml/2006/main" xmlns:r="http://schemas.openxmlformats.org/officeDocument/2006/relationships" xmlns:p="http://schemas.openxmlformats.org/presentationml/2006/main">
+  <p:cSld>
+    <p:spTree>
+      <p:nvGrpSpPr>
+        <p:cNvPr id="1" name=""/>
+        <p:cNvGrpSpPr/>
+        <p:nvPr/>
+      </p:nvGrpSpPr>
+      <p:grpSpPr>
+        <a:xfrm>
+          <a:off x="0" y="0"/>
+          <a:ext cx="0" cy="0"/>
+          <a:chOff x="0" y="0"/>
+          <a:chExt cx="0" cy="0"/>
+        </a:xfrm>
+      </p:grpSpPr>
+      <p:sp>
+        <p:nvSpPr>
+          <p:cNvPr id="2" name="Title 1">
+            <a:extLst>
+              <a:ext uri="{FF2B5EF4-FFF2-40B4-BE49-F238E27FC236}">
                 <a16:creationId xmlns:a16="http://schemas.microsoft.com/office/drawing/2014/main" id="{CFCE6E59-867B-9744-8209-6362B069570A}"/>
               </a:ext>
             </a:extLst>
@@ -18833,7 +22281,7 @@
               <a:pPr>
                 <a:defRPr/>
               </a:pPr>
-              <a:t>20</a:t>
+              <a:t>21</a:t>
             </a:fld>
             <a:endParaRPr lang="en-US" altLang="x-none"/>
           </a:p>
@@ -18852,7 +22300,7 @@
 </p:sld>
 </file>
 
-<file path=ppt/slides/slide21.xml><?xml version="1.0" encoding="utf-8"?>
+<file path=ppt/slides/slide22.xml><?xml version="1.0" encoding="utf-8"?>
 <p:sld xmlns:a="http://schemas.openxmlformats.org/drawingml/2006/main" xmlns:r="http://schemas.openxmlformats.org/officeDocument/2006/relationships" xmlns:p="http://schemas.openxmlformats.org/presentationml/2006/main">
   <p:cSld>
     <p:spTree>
@@ -18930,7 +22378,7 @@
               <a:pPr>
                 <a:defRPr/>
               </a:pPr>
-              <a:t>21</a:t>
+              <a:t>22</a:t>
             </a:fld>
             <a:endParaRPr lang="en-US" altLang="x-none"/>
           </a:p>
@@ -22440,7 +25888,7 @@
 </p:sld>
 </file>
 
-<file path=ppt/slides/slide22.xml><?xml version="1.0" encoding="utf-8"?>
+<file path=ppt/slides/slide23.xml><?xml version="1.0" encoding="utf-8"?>
 <p:sld xmlns:a="http://schemas.openxmlformats.org/drawingml/2006/main" xmlns:r="http://schemas.openxmlformats.org/officeDocument/2006/relationships" xmlns:p="http://schemas.openxmlformats.org/presentationml/2006/main">
   <p:cSld>
     <p:spTree>
@@ -22955,7 +26403,7 @@
               <a:pPr>
                 <a:defRPr/>
               </a:pPr>
-              <a:t>22</a:t>
+              <a:t>23</a:t>
             </a:fld>
             <a:endParaRPr lang="en-US" altLang="x-none"/>
           </a:p>
@@ -24292,7 +27740,7 @@
 </p:sld>
 </file>
 
-<file path=ppt/slides/slide23.xml><?xml version="1.0" encoding="utf-8"?>
+<file path=ppt/slides/slide24.xml><?xml version="1.0" encoding="utf-8"?>
 <p:sld xmlns:a="http://schemas.openxmlformats.org/drawingml/2006/main" xmlns:r="http://schemas.openxmlformats.org/officeDocument/2006/relationships" xmlns:p="http://schemas.openxmlformats.org/presentationml/2006/main">
   <p:cSld>
     <p:spTree>
@@ -24366,7 +27814,7 @@
               <a:pPr>
                 <a:defRPr/>
               </a:pPr>
-              <a:t>23</a:t>
+              <a:t>24</a:t>
             </a:fld>
             <a:endParaRPr lang="en-US" altLang="x-none"/>
           </a:p>
@@ -24432,7 +27880,7 @@
 </p:sld>
 </file>
 
-<file path=ppt/slides/slide24.xml><?xml version="1.0" encoding="utf-8"?>
+<file path=ppt/slides/slide25.xml><?xml version="1.0" encoding="utf-8"?>
 <p:sld xmlns:a="http://schemas.openxmlformats.org/drawingml/2006/main" xmlns:r="http://schemas.openxmlformats.org/officeDocument/2006/relationships" xmlns:p="http://schemas.openxmlformats.org/presentationml/2006/main">
   <p:cSld>
     <p:spTree>
@@ -24506,7 +27954,7 @@
               <a:pPr>
                 <a:defRPr/>
               </a:pPr>
-              <a:t>24</a:t>
+              <a:t>25</a:t>
             </a:fld>
             <a:endParaRPr lang="en-US" altLang="x-none"/>
           </a:p>
@@ -25744,7 +29192,7 @@
 </p:sld>
 </file>
 
-<file path=ppt/slides/slide25.xml><?xml version="1.0" encoding="utf-8"?>
+<file path=ppt/slides/slide26.xml><?xml version="1.0" encoding="utf-8"?>
 <p:sld xmlns:a="http://schemas.openxmlformats.org/drawingml/2006/main" xmlns:r="http://schemas.openxmlformats.org/officeDocument/2006/relationships" xmlns:p="http://schemas.openxmlformats.org/presentationml/2006/main">
   <p:cSld>
     <p:spTree>
@@ -25826,7 +29274,7 @@
               <a:pPr>
                 <a:defRPr/>
               </a:pPr>
-              <a:t>25</a:t>
+              <a:t>26</a:t>
             </a:fld>
             <a:endParaRPr lang="en-US" altLang="x-none"/>
           </a:p>
@@ -28248,7 +31696,7 @@
 </p:sld>
 </file>
 
-<file path=ppt/slides/slide26.xml><?xml version="1.0" encoding="utf-8"?>
+<file path=ppt/slides/slide27.xml><?xml version="1.0" encoding="utf-8"?>
 <p:sld xmlns:a="http://schemas.openxmlformats.org/drawingml/2006/main" xmlns:r="http://schemas.openxmlformats.org/officeDocument/2006/relationships" xmlns:p="http://schemas.openxmlformats.org/presentationml/2006/main">
   <p:cSld>
     <p:spTree>
@@ -28330,7 +31778,7 @@
               <a:pPr>
                 <a:defRPr/>
               </a:pPr>
-              <a:t>26</a:t>
+              <a:t>27</a:t>
             </a:fld>
             <a:endParaRPr lang="en-US" altLang="x-none"/>
           </a:p>
@@ -30226,7 +33674,7 @@
 </p:sld>
 </file>
 
-<file path=ppt/slides/slide27.xml><?xml version="1.0" encoding="utf-8"?>
+<file path=ppt/slides/slide28.xml><?xml version="1.0" encoding="utf-8"?>
 <p:sld xmlns:a="http://schemas.openxmlformats.org/drawingml/2006/main" xmlns:r="http://schemas.openxmlformats.org/officeDocument/2006/relationships" xmlns:p="http://schemas.openxmlformats.org/presentationml/2006/main">
   <p:cSld>
     <p:spTree>
@@ -30308,7 +33756,7 @@
               <a:pPr>
                 <a:defRPr/>
               </a:pPr>
-              <a:t>27</a:t>
+              <a:t>28</a:t>
             </a:fld>
             <a:endParaRPr lang="en-US" altLang="x-none"/>
           </a:p>
@@ -33452,7 +36900,7 @@
 </p:sld>
 </file>
 
-<file path=ppt/slides/slide28.xml><?xml version="1.0" encoding="utf-8"?>
+<file path=ppt/slides/slide29.xml><?xml version="1.0" encoding="utf-8"?>
 <p:sld xmlns:a="http://schemas.openxmlformats.org/drawingml/2006/main" xmlns:r="http://schemas.openxmlformats.org/officeDocument/2006/relationships" xmlns:p="http://schemas.openxmlformats.org/presentationml/2006/main">
   <p:cSld>
     <p:spTree>
@@ -33649,7 +37097,7 @@
               <a:pPr>
                 <a:defRPr/>
               </a:pPr>
-              <a:t>28</a:t>
+              <a:t>29</a:t>
             </a:fld>
             <a:endParaRPr lang="en-US" altLang="x-none"/>
           </a:p>
@@ -37211,6 +40659,529 @@
       </p:sp>
       <p:sp>
         <p:nvSpPr>
+          <p:cNvPr id="34" name="Content Placeholder 33">
+            <a:extLst>
+              <a:ext uri="{FF2B5EF4-FFF2-40B4-BE49-F238E27FC236}">
+                <a16:creationId xmlns:a16="http://schemas.microsoft.com/office/drawing/2014/main" id="{5AB33AE2-E90A-444A-8FD8-4273A039DE9A}"/>
+              </a:ext>
+            </a:extLst>
+          </p:cNvPr>
+          <p:cNvSpPr>
+            <a:spLocks noGrp="1"/>
+          </p:cNvSpPr>
+          <p:nvPr>
+            <p:ph idx="1"/>
+          </p:nvPr>
+        </p:nvSpPr>
+        <p:spPr>
+          <a:xfrm>
+            <a:off x="457200" y="1371600"/>
+            <a:ext cx="8229600" cy="2958354"/>
+          </a:xfrm>
+        </p:spPr>
+        <p:txBody>
+          <a:bodyPr/>
+          <a:lstStyle/>
+          <a:p>
+            <a:r>
+              <a:rPr lang="en-US" dirty="0"/>
+              <a:t>The Laplace transform of a signal describes how it varies over time.</a:t>
+            </a:r>
+          </a:p>
+          <a:p>
+            <a:r>
+              <a:rPr lang="en-US" dirty="0"/>
+              <a:t>The Laplace transform of a system describes how the system transforms input signals to output signals.</a:t>
+            </a:r>
+          </a:p>
+          <a:p>
+            <a:pPr lvl="1"/>
+            <a:r>
+              <a:rPr lang="en-US" dirty="0"/>
+              <a:t>Called a </a:t>
+            </a:r>
+            <a:r>
+              <a:rPr lang="en-US" b="1" dirty="0"/>
+              <a:t>transfer function</a:t>
+            </a:r>
+          </a:p>
+        </p:txBody>
+      </p:sp>
+      <p:grpSp>
+        <p:nvGrpSpPr>
+          <p:cNvPr id="28" name="Group 27">
+            <a:extLst>
+              <a:ext uri="{FF2B5EF4-FFF2-40B4-BE49-F238E27FC236}">
+                <a16:creationId xmlns:a16="http://schemas.microsoft.com/office/drawing/2014/main" id="{E6B54DF6-3721-2747-9E94-C4983BEA5BC2}"/>
+              </a:ext>
+            </a:extLst>
+          </p:cNvPr>
+          <p:cNvGrpSpPr/>
+          <p:nvPr/>
+        </p:nvGrpSpPr>
+        <p:grpSpPr>
+          <a:xfrm>
+            <a:off x="682980" y="4482354"/>
+            <a:ext cx="3602268" cy="1260795"/>
+            <a:chOff x="665051" y="1917462"/>
+            <a:chExt cx="3602268" cy="1260795"/>
+          </a:xfrm>
+        </p:grpSpPr>
+        <mc:AlternateContent xmlns:mc="http://schemas.openxmlformats.org/markup-compatibility/2006">
+          <mc:Choice xmlns:a14="http://schemas.microsoft.com/office/drawing/2010/main" Requires="a14">
+            <p:sp>
+              <p:nvSpPr>
+                <p:cNvPr id="4" name="TextBox 3">
+                  <a:extLst>
+                    <a:ext uri="{FF2B5EF4-FFF2-40B4-BE49-F238E27FC236}">
+                      <a16:creationId xmlns:a16="http://schemas.microsoft.com/office/drawing/2014/main" id="{4E8F59F2-E23B-5F4F-9327-D1FE599E4C48}"/>
+                    </a:ext>
+                  </a:extLst>
+                </p:cNvPr>
+                <p:cNvSpPr txBox="1"/>
+                <p:nvPr/>
+              </p:nvSpPr>
+              <p:spPr>
+                <a:xfrm>
+                  <a:off x="665051" y="2379127"/>
+                  <a:ext cx="2689134" cy="799130"/>
+                </a:xfrm>
+                <a:prstGeom prst="rect">
+                  <a:avLst/>
+                </a:prstGeom>
+                <a:noFill/>
+              </p:spPr>
+              <p:txBody>
+                <a:bodyPr wrap="none" lIns="0" tIns="0" rIns="0" bIns="0" rtlCol="0">
+                  <a:spAutoFit/>
+                </a:bodyPr>
+                <a:lstStyle/>
+                <a:p>
+                  <a14:m>
+                    <m:oMathPara xmlns:m="http://schemas.openxmlformats.org/officeDocument/2006/math">
+                      <m:oMathParaPr>
+                        <m:jc m:val="centerGroup"/>
+                      </m:oMathParaPr>
+                      <m:oMath xmlns:m="http://schemas.openxmlformats.org/officeDocument/2006/math">
+                        <m:r>
+                          <a:rPr lang="en-US" sz="2400" b="0" i="1" smtClean="0">
+                            <a:latin typeface="Cambria Math" panose="02040503050406030204" pitchFamily="18" charset="0"/>
+                          </a:rPr>
+                          <m:t>𝐺</m:t>
+                        </m:r>
+                        <m:d>
+                          <m:dPr>
+                            <m:ctrlPr>
+                              <a:rPr lang="en-US" sz="2400" b="0" i="1" smtClean="0">
+                                <a:latin typeface="Cambria Math" panose="02040503050406030204" pitchFamily="18" charset="0"/>
+                              </a:rPr>
+                            </m:ctrlPr>
+                          </m:dPr>
+                          <m:e>
+                            <m:r>
+                              <a:rPr lang="en-US" sz="2400" b="0" i="1" smtClean="0">
+                                <a:latin typeface="Cambria Math" panose="02040503050406030204" pitchFamily="18" charset="0"/>
+                              </a:rPr>
+                              <m:t>𝑠</m:t>
+                            </m:r>
+                          </m:e>
+                        </m:d>
+                        <m:r>
+                          <a:rPr lang="en-US" sz="2400" b="0" i="1" smtClean="0">
+                            <a:latin typeface="Cambria Math" panose="02040503050406030204" pitchFamily="18" charset="0"/>
+                          </a:rPr>
+                          <m:t>=</m:t>
+                        </m:r>
+                        <m:nary>
+                          <m:naryPr>
+                            <m:ctrlPr>
+                              <a:rPr lang="en-US" sz="2400" b="0" i="1" smtClean="0">
+                                <a:latin typeface="Cambria Math" panose="02040503050406030204" pitchFamily="18" charset="0"/>
+                              </a:rPr>
+                            </m:ctrlPr>
+                          </m:naryPr>
+                          <m:sub>
+                            <m:r>
+                              <a:rPr lang="en-US" sz="2400" b="0" i="1" smtClean="0">
+                                <a:latin typeface="Cambria Math" panose="02040503050406030204" pitchFamily="18" charset="0"/>
+                              </a:rPr>
+                              <m:t>0</m:t>
+                            </m:r>
+                          </m:sub>
+                          <m:sup>
+                            <m:r>
+                              <a:rPr lang="en-US" sz="2400" b="0" i="1" smtClean="0">
+                                <a:latin typeface="Cambria Math" panose="02040503050406030204" pitchFamily="18" charset="0"/>
+                              </a:rPr>
+                              <m:t>∞</m:t>
+                            </m:r>
+                          </m:sup>
+                          <m:e>
+                            <m:r>
+                              <a:rPr lang="en-US" sz="2400" b="0" i="1" smtClean="0">
+                                <a:latin typeface="Cambria Math" panose="02040503050406030204" pitchFamily="18" charset="0"/>
+                              </a:rPr>
+                              <m:t>𝑔</m:t>
+                            </m:r>
+                            <m:d>
+                              <m:dPr>
+                                <m:ctrlPr>
+                                  <a:rPr lang="en-US" sz="2400" b="0" i="1" smtClean="0">
+                                    <a:latin typeface="Cambria Math" panose="02040503050406030204" pitchFamily="18" charset="0"/>
+                                  </a:rPr>
+                                </m:ctrlPr>
+                              </m:dPr>
+                              <m:e>
+                                <m:r>
+                                  <a:rPr lang="en-US" sz="2400" b="0" i="1" smtClean="0">
+                                    <a:latin typeface="Cambria Math" panose="02040503050406030204" pitchFamily="18" charset="0"/>
+                                  </a:rPr>
+                                  <m:t>𝑡</m:t>
+                                </m:r>
+                              </m:e>
+                            </m:d>
+                            <m:sSup>
+                              <m:sSupPr>
+                                <m:ctrlPr>
+                                  <a:rPr lang="en-US" sz="2400" b="0" i="1" smtClean="0">
+                                    <a:latin typeface="Cambria Math" panose="02040503050406030204" pitchFamily="18" charset="0"/>
+                                  </a:rPr>
+                                </m:ctrlPr>
+                              </m:sSupPr>
+                              <m:e>
+                                <m:r>
+                                  <a:rPr lang="en-US" sz="2400" b="0" i="1" smtClean="0">
+                                    <a:latin typeface="Cambria Math" panose="02040503050406030204" pitchFamily="18" charset="0"/>
+                                  </a:rPr>
+                                  <m:t>𝑒</m:t>
+                                </m:r>
+                              </m:e>
+                              <m:sup>
+                                <m:r>
+                                  <a:rPr lang="en-US" sz="2400" b="0" i="1" smtClean="0">
+                                    <a:latin typeface="Cambria Math" panose="02040503050406030204" pitchFamily="18" charset="0"/>
+                                  </a:rPr>
+                                  <m:t>−</m:t>
+                                </m:r>
+                                <m:r>
+                                  <a:rPr lang="en-US" sz="2400" b="0" i="1" smtClean="0">
+                                    <a:latin typeface="Cambria Math" panose="02040503050406030204" pitchFamily="18" charset="0"/>
+                                  </a:rPr>
+                                  <m:t>𝑠𝑡</m:t>
+                                </m:r>
+                              </m:sup>
+                            </m:sSup>
+                          </m:e>
+                        </m:nary>
+                      </m:oMath>
+                    </m:oMathPara>
+                  </a14:m>
+                  <a:endParaRPr lang="en-US" sz="2400" dirty="0"/>
+                </a:p>
+              </p:txBody>
+            </p:sp>
+          </mc:Choice>
+          <mc:Fallback>
+            <p:sp>
+              <p:nvSpPr>
+                <p:cNvPr id="4" name="TextBox 3">
+                  <a:extLst>
+                    <a:ext uri="{FF2B5EF4-FFF2-40B4-BE49-F238E27FC236}">
+                      <a16:creationId xmlns:a16="http://schemas.microsoft.com/office/drawing/2014/main" id="{4E8F59F2-E23B-5F4F-9327-D1FE599E4C48}"/>
+                    </a:ext>
+                  </a:extLst>
+                </p:cNvPr>
+                <p:cNvSpPr txBox="1">
+                  <a:spLocks noRot="1" noChangeAspect="1" noMove="1" noResize="1" noEditPoints="1" noAdjustHandles="1" noChangeArrowheads="1" noChangeShapeType="1" noTextEdit="1"/>
+                </p:cNvSpPr>
+                <p:nvPr/>
+              </p:nvSpPr>
+              <p:spPr>
+                <a:xfrm>
+                  <a:off x="665051" y="2379127"/>
+                  <a:ext cx="2689134" cy="799130"/>
+                </a:xfrm>
+                <a:prstGeom prst="rect">
+                  <a:avLst/>
+                </a:prstGeom>
+                <a:blipFill>
+                  <a:blip r:embed="rId2"/>
+                  <a:stretch>
+                    <a:fillRect l="-9859" t="-195313" b="-276563"/>
+                  </a:stretch>
+                </a:blipFill>
+              </p:spPr>
+              <p:txBody>
+                <a:bodyPr/>
+                <a:lstStyle/>
+                <a:p>
+                  <a:r>
+                    <a:rPr lang="en-US">
+                      <a:noFill/>
+                    </a:rPr>
+                    <a:t> </a:t>
+                  </a:r>
+                </a:p>
+              </p:txBody>
+            </p:sp>
+          </mc:Fallback>
+        </mc:AlternateContent>
+        <p:sp>
+          <p:nvSpPr>
+            <p:cNvPr id="31" name="TextBox 30">
+              <a:extLst>
+                <a:ext uri="{FF2B5EF4-FFF2-40B4-BE49-F238E27FC236}">
+                  <a16:creationId xmlns:a16="http://schemas.microsoft.com/office/drawing/2014/main" id="{6C4C17BA-0297-7645-90D6-A633E9A1A7F9}"/>
+                </a:ext>
+              </a:extLst>
+            </p:cNvPr>
+            <p:cNvSpPr txBox="1"/>
+            <p:nvPr/>
+          </p:nvSpPr>
+          <p:spPr>
+            <a:xfrm>
+              <a:off x="665051" y="1917462"/>
+              <a:ext cx="3602268" cy="461665"/>
+            </a:xfrm>
+            <a:prstGeom prst="rect">
+              <a:avLst/>
+            </a:prstGeom>
+            <a:noFill/>
+          </p:spPr>
+          <p:txBody>
+            <a:bodyPr wrap="none" rtlCol="0">
+              <a:spAutoFit/>
+            </a:bodyPr>
+            <a:lstStyle/>
+            <a:p>
+              <a:r>
+                <a:rPr lang="en-US" sz="2400" b="1" dirty="0"/>
+                <a:t>Mathematical definition</a:t>
+              </a:r>
+            </a:p>
+          </p:txBody>
+        </p:sp>
+      </p:grpSp>
+    </p:spTree>
+    <p:extLst>
+      <p:ext uri="{BB962C8B-B14F-4D97-AF65-F5344CB8AC3E}">
+        <p14:creationId xmlns:p14="http://schemas.microsoft.com/office/powerpoint/2010/main" val="2696820165"/>
+      </p:ext>
+    </p:extLst>
+  </p:cSld>
+  <p:clrMapOvr>
+    <a:masterClrMapping/>
+  </p:clrMapOvr>
+  <p:timing>
+    <p:tnLst>
+      <p:par>
+        <p:cTn id="1" dur="indefinite" restart="never" nodeType="tmRoot">
+          <p:childTnLst>
+            <p:seq concurrent="1" nextAc="seek">
+              <p:cTn id="2" dur="indefinite" nodeType="mainSeq">
+                <p:childTnLst>
+                  <p:par>
+                    <p:cTn id="3" fill="hold">
+                      <p:stCondLst>
+                        <p:cond delay="indefinite"/>
+                      </p:stCondLst>
+                      <p:childTnLst>
+                        <p:par>
+                          <p:cTn id="4" fill="hold">
+                            <p:stCondLst>
+                              <p:cond delay="0"/>
+                            </p:stCondLst>
+                            <p:childTnLst>
+                              <p:par>
+                                <p:cTn id="5" presetID="1" presetClass="entr" presetSubtype="0" fill="hold" nodeType="clickEffect">
+                                  <p:stCondLst>
+                                    <p:cond delay="0"/>
+                                  </p:stCondLst>
+                                  <p:childTnLst>
+                                    <p:set>
+                                      <p:cBhvr>
+                                        <p:cTn id="6" dur="1" fill="hold">
+                                          <p:stCondLst>
+                                            <p:cond delay="0"/>
+                                          </p:stCondLst>
+                                        </p:cTn>
+                                        <p:tgtEl>
+                                          <p:spTgt spid="34">
+                                            <p:txEl>
+                                              <p:pRg st="1" end="1"/>
+                                            </p:txEl>
+                                          </p:spTgt>
+                                        </p:tgtEl>
+                                        <p:attrNameLst>
+                                          <p:attrName>style.visibility</p:attrName>
+                                        </p:attrNameLst>
+                                      </p:cBhvr>
+                                      <p:to>
+                                        <p:strVal val="visible"/>
+                                      </p:to>
+                                    </p:set>
+                                  </p:childTnLst>
+                                </p:cTn>
+                              </p:par>
+                              <p:par>
+                                <p:cTn id="7" presetID="1" presetClass="entr" presetSubtype="0" fill="hold" nodeType="withEffect">
+                                  <p:stCondLst>
+                                    <p:cond delay="0"/>
+                                  </p:stCondLst>
+                                  <p:childTnLst>
+                                    <p:set>
+                                      <p:cBhvr>
+                                        <p:cTn id="8" dur="1" fill="hold">
+                                          <p:stCondLst>
+                                            <p:cond delay="0"/>
+                                          </p:stCondLst>
+                                        </p:cTn>
+                                        <p:tgtEl>
+                                          <p:spTgt spid="34">
+                                            <p:txEl>
+                                              <p:pRg st="2" end="2"/>
+                                            </p:txEl>
+                                          </p:spTgt>
+                                        </p:tgtEl>
+                                        <p:attrNameLst>
+                                          <p:attrName>style.visibility</p:attrName>
+                                        </p:attrNameLst>
+                                      </p:cBhvr>
+                                      <p:to>
+                                        <p:strVal val="visible"/>
+                                      </p:to>
+                                    </p:set>
+                                  </p:childTnLst>
+                                </p:cTn>
+                              </p:par>
+                            </p:childTnLst>
+                          </p:cTn>
+                        </p:par>
+                      </p:childTnLst>
+                    </p:cTn>
+                  </p:par>
+                  <p:par>
+                    <p:cTn id="9" fill="hold">
+                      <p:stCondLst>
+                        <p:cond delay="indefinite"/>
+                      </p:stCondLst>
+                      <p:childTnLst>
+                        <p:par>
+                          <p:cTn id="10" fill="hold">
+                            <p:stCondLst>
+                              <p:cond delay="0"/>
+                            </p:stCondLst>
+                            <p:childTnLst>
+                              <p:par>
+                                <p:cTn id="11" presetID="1" presetClass="entr" presetSubtype="0" fill="hold" nodeType="clickEffect">
+                                  <p:stCondLst>
+                                    <p:cond delay="0"/>
+                                  </p:stCondLst>
+                                  <p:childTnLst>
+                                    <p:set>
+                                      <p:cBhvr>
+                                        <p:cTn id="12" dur="1" fill="hold">
+                                          <p:stCondLst>
+                                            <p:cond delay="0"/>
+                                          </p:stCondLst>
+                                        </p:cTn>
+                                        <p:tgtEl>
+                                          <p:spTgt spid="28"/>
+                                        </p:tgtEl>
+                                        <p:attrNameLst>
+                                          <p:attrName>style.visibility</p:attrName>
+                                        </p:attrNameLst>
+                                      </p:cBhvr>
+                                      <p:to>
+                                        <p:strVal val="visible"/>
+                                      </p:to>
+                                    </p:set>
+                                  </p:childTnLst>
+                                </p:cTn>
+                              </p:par>
+                            </p:childTnLst>
+                          </p:cTn>
+                        </p:par>
+                      </p:childTnLst>
+                    </p:cTn>
+                  </p:par>
+                </p:childTnLst>
+              </p:cTn>
+              <p:prevCondLst>
+                <p:cond evt="onPrev" delay="0">
+                  <p:tgtEl>
+                    <p:sldTgt/>
+                  </p:tgtEl>
+                </p:cond>
+              </p:prevCondLst>
+              <p:nextCondLst>
+                <p:cond evt="onNext" delay="0">
+                  <p:tgtEl>
+                    <p:sldTgt/>
+                  </p:tgtEl>
+                </p:cond>
+              </p:nextCondLst>
+            </p:seq>
+          </p:childTnLst>
+        </p:cTn>
+      </p:par>
+    </p:tnLst>
+  </p:timing>
+</p:sld>
+</file>
+
+<file path=ppt/slides/slide8.xml><?xml version="1.0" encoding="utf-8"?>
+<p:sld xmlns:a="http://schemas.openxmlformats.org/drawingml/2006/main" xmlns:r="http://schemas.openxmlformats.org/officeDocument/2006/relationships" xmlns:p="http://schemas.openxmlformats.org/presentationml/2006/main">
+  <p:cSld>
+    <p:spTree>
+      <p:nvGrpSpPr>
+        <p:cNvPr id="1" name=""/>
+        <p:cNvGrpSpPr/>
+        <p:nvPr/>
+      </p:nvGrpSpPr>
+      <p:grpSpPr>
+        <a:xfrm>
+          <a:off x="0" y="0"/>
+          <a:ext cx="0" cy="0"/>
+          <a:chOff x="0" y="0"/>
+          <a:chExt cx="0" cy="0"/>
+        </a:xfrm>
+      </p:grpSpPr>
+      <p:sp>
+        <p:nvSpPr>
+          <p:cNvPr id="2" name="Title 1">
+            <a:extLst>
+              <a:ext uri="{FF2B5EF4-FFF2-40B4-BE49-F238E27FC236}">
+                <a16:creationId xmlns:a16="http://schemas.microsoft.com/office/drawing/2014/main" id="{987E0427-1475-0C4B-AABA-E0914B9F010A}"/>
+              </a:ext>
+            </a:extLst>
+          </p:cNvPr>
+          <p:cNvSpPr>
+            <a:spLocks noGrp="1"/>
+          </p:cNvSpPr>
+          <p:nvPr>
+            <p:ph type="title"/>
+          </p:nvPr>
+        </p:nvSpPr>
+        <p:spPr>
+          <a:xfrm>
+            <a:off x="457200" y="228600"/>
+            <a:ext cx="6211483" cy="838200"/>
+          </a:xfrm>
+        </p:spPr>
+        <p:txBody>
+          <a:bodyPr/>
+          <a:lstStyle/>
+          <a:p>
+            <a:r>
+              <a:rPr lang="en-US" dirty="0"/>
+              <a:t>A First Laplace Transform</a:t>
+            </a:r>
+          </a:p>
+        </p:txBody>
+      </p:sp>
+      <p:sp>
+        <p:nvSpPr>
           <p:cNvPr id="3" name="Slide Number Placeholder 2">
             <a:extLst>
               <a:ext uri="{FF2B5EF4-FFF2-40B4-BE49-F238E27FC236}">
@@ -37225,7 +41196,12 @@
             <p:ph type="sldNum" sz="quarter" idx="11"/>
           </p:nvPr>
         </p:nvSpPr>
-        <p:spPr/>
+        <p:spPr>
+          <a:xfrm>
+            <a:off x="7547436" y="6252881"/>
+            <a:ext cx="511834" cy="365125"/>
+          </a:xfrm>
+        </p:spPr>
         <p:txBody>
           <a:bodyPr/>
           <a:lstStyle/>
@@ -37238,7 +41214,7 @@
               <a:pPr>
                 <a:defRPr/>
               </a:pPr>
-              <a:t>7</a:t>
+              <a:t>8</a:t>
             </a:fld>
             <a:endParaRPr lang="en-US" altLang="x-none"/>
           </a:p>
@@ -37260,8 +41236,8 @@
             </p:nvSpPr>
             <p:spPr>
               <a:xfrm>
-                <a:off x="4064467" y="4322945"/>
-                <a:ext cx="877997" cy="276999"/>
+                <a:off x="3040123" y="1435661"/>
+                <a:ext cx="1685094" cy="307777"/>
               </a:xfrm>
               <a:prstGeom prst="rect">
                 <a:avLst/>
@@ -37269,62 +41245,118 @@
               <a:noFill/>
             </p:spPr>
             <p:txBody>
-              <a:bodyPr wrap="none" lIns="0" tIns="0" rIns="0" bIns="0" rtlCol="0">
+              <a:bodyPr wrap="square" lIns="0" tIns="0" rIns="0" bIns="0" rtlCol="0">
                 <a:spAutoFit/>
               </a:bodyPr>
               <a:lstStyle/>
               <a:p>
                 <a14:m>
-                  <m:oMath xmlns:m="http://schemas.openxmlformats.org/officeDocument/2006/math">
-                    <m:sSub>
-                      <m:sSubPr>
-                        <m:ctrlPr>
-                          <a:rPr lang="en-US" b="0" i="1" smtClean="0">
-                            <a:latin typeface="Cambria Math" panose="02040503050406030204" pitchFamily="18" charset="0"/>
-                          </a:rPr>
-                        </m:ctrlPr>
-                      </m:sSubPr>
-                      <m:e>
-                        <m:r>
-                          <a:rPr lang="en-US" b="0" i="1" smtClean="0">
-                            <a:latin typeface="Cambria Math" panose="02040503050406030204" pitchFamily="18" charset="0"/>
-                          </a:rPr>
-                          <m:t>𝐿</m:t>
-                        </m:r>
-                        <m:r>
-                          <a:rPr lang="en-US" b="0" i="1" smtClean="0">
-                            <a:latin typeface="Cambria Math" panose="02040503050406030204" pitchFamily="18" charset="0"/>
-                          </a:rPr>
-                          <m:t>[</m:t>
-                        </m:r>
-                        <m:r>
-                          <a:rPr lang="en-US" b="0" i="1" smtClean="0">
-                            <a:latin typeface="Cambria Math" panose="02040503050406030204" pitchFamily="18" charset="0"/>
-                          </a:rPr>
-                          <m:t>𝛿</m:t>
-                        </m:r>
-                      </m:e>
-                      <m:sub>
-                        <m:r>
-                          <a:rPr lang="en-US" b="0" i="1" smtClean="0">
-                            <a:latin typeface="Cambria Math" panose="02040503050406030204" pitchFamily="18" charset="0"/>
-                          </a:rPr>
-                          <m:t>0</m:t>
-                        </m:r>
-                      </m:sub>
-                    </m:sSub>
-                    <m:r>
-                      <a:rPr lang="en-US" b="0" i="1" smtClean="0">
-                        <a:latin typeface="Cambria Math" panose="02040503050406030204" pitchFamily="18" charset="0"/>
-                      </a:rPr>
-                      <m:t>]=</m:t>
-                    </m:r>
-                  </m:oMath>
+                  <m:oMathPara xmlns:m="http://schemas.openxmlformats.org/officeDocument/2006/math">
+                    <m:oMathParaPr>
+                      <m:jc m:val="centerGroup"/>
+                    </m:oMathParaPr>
+                    <m:oMath xmlns:m="http://schemas.openxmlformats.org/officeDocument/2006/math">
+                      <m:sSub>
+                        <m:sSubPr>
+                          <m:ctrlPr>
+                            <a:rPr lang="en-US" sz="2000" b="0" i="1" smtClean="0">
+                              <a:latin typeface="Cambria Math" panose="02040503050406030204" pitchFamily="18" charset="0"/>
+                            </a:rPr>
+                          </m:ctrlPr>
+                        </m:sSubPr>
+                        <m:e>
+                          <m:r>
+                            <a:rPr lang="en-US" sz="2000" b="0" i="1" smtClean="0">
+                              <a:latin typeface="Cambria Math" panose="02040503050406030204" pitchFamily="18" charset="0"/>
+                            </a:rPr>
+                            <m:t>𝐿</m:t>
+                          </m:r>
+                          <m:r>
+                            <a:rPr lang="en-US" sz="2000" b="0" i="1" smtClean="0">
+                              <a:latin typeface="Cambria Math" panose="02040503050406030204" pitchFamily="18" charset="0"/>
+                            </a:rPr>
+                            <m:t>[</m:t>
+                          </m:r>
+                          <m:r>
+                            <a:rPr lang="en-US" sz="2000" b="0" i="1" smtClean="0">
+                              <a:latin typeface="Cambria Math" panose="02040503050406030204" pitchFamily="18" charset="0"/>
+                            </a:rPr>
+                            <m:t>𝛿</m:t>
+                          </m:r>
+                        </m:e>
+                        <m:sub>
+                          <m:r>
+                            <a:rPr lang="en-US" sz="2000" b="0" i="1" smtClean="0">
+                              <a:latin typeface="Cambria Math" panose="02040503050406030204" pitchFamily="18" charset="0"/>
+                            </a:rPr>
+                            <m:t>𝜏</m:t>
+                          </m:r>
+                        </m:sub>
+                      </m:sSub>
+                      <m:d>
+                        <m:dPr>
+                          <m:ctrlPr>
+                            <a:rPr lang="en-US" sz="2000" b="0" i="1" smtClean="0">
+                              <a:latin typeface="Cambria Math" panose="02040503050406030204" pitchFamily="18" charset="0"/>
+                            </a:rPr>
+                          </m:ctrlPr>
+                        </m:dPr>
+                        <m:e>
+                          <m:r>
+                            <a:rPr lang="en-US" sz="2000" b="0" i="1" smtClean="0">
+                              <a:latin typeface="Cambria Math" panose="02040503050406030204" pitchFamily="18" charset="0"/>
+                            </a:rPr>
+                            <m:t>𝑡</m:t>
+                          </m:r>
+                        </m:e>
+                      </m:d>
+                      <m:sSup>
+                        <m:sSupPr>
+                          <m:ctrlPr>
+                            <a:rPr lang="en-US" sz="2000" b="0" i="1" smtClean="0">
+                              <a:latin typeface="Cambria Math" panose="02040503050406030204" pitchFamily="18" charset="0"/>
+                            </a:rPr>
+                          </m:ctrlPr>
+                        </m:sSupPr>
+                        <m:e>
+                          <m:r>
+                            <a:rPr lang="en-US" sz="2000" b="0" i="1" smtClean="0">
+                              <a:latin typeface="Cambria Math" panose="02040503050406030204" pitchFamily="18" charset="0"/>
+                            </a:rPr>
+                            <m:t>]=</m:t>
+                          </m:r>
+                          <m:r>
+                            <a:rPr lang="en-US" sz="2000" b="0" i="1" smtClean="0">
+                              <a:latin typeface="Cambria Math" panose="02040503050406030204" pitchFamily="18" charset="0"/>
+                            </a:rPr>
+                            <m:t>𝑒</m:t>
+                          </m:r>
+                        </m:e>
+                        <m:sup>
+                          <m:r>
+                            <a:rPr lang="en-US" sz="2000" b="0" i="1" smtClean="0">
+                              <a:latin typeface="Cambria Math" panose="02040503050406030204" pitchFamily="18" charset="0"/>
+                            </a:rPr>
+                            <m:t>−</m:t>
+                          </m:r>
+                          <m:r>
+                            <a:rPr lang="en-US" sz="2000" b="0" i="1" smtClean="0">
+                              <a:latin typeface="Cambria Math" panose="02040503050406030204" pitchFamily="18" charset="0"/>
+                            </a:rPr>
+                            <m:t>𝑠</m:t>
+                          </m:r>
+                          <m:r>
+                            <a:rPr lang="en-US" sz="2000" b="0" i="1" smtClean="0">
+                              <a:latin typeface="Cambria Math" panose="02040503050406030204" pitchFamily="18" charset="0"/>
+                            </a:rPr>
+                            <m:t>𝜏</m:t>
+                          </m:r>
+                        </m:sup>
+                      </m:sSup>
+                    </m:oMath>
+                  </m:oMathPara>
                 </a14:m>
-                <a:r>
-                  <a:rPr lang="en-US" dirty="0"/>
-                  <a:t>1</a:t>
-                </a:r>
+                <a:endParaRPr lang="en-US" sz="2000" dirty="0"/>
               </a:p>
             </p:txBody>
           </p:sp>
@@ -37346,16 +41378,16 @@
             </p:nvSpPr>
             <p:spPr>
               <a:xfrm>
-                <a:off x="4064467" y="4322945"/>
-                <a:ext cx="877997" cy="276999"/>
+                <a:off x="3040123" y="1435661"/>
+                <a:ext cx="1685094" cy="307777"/>
               </a:xfrm>
               <a:prstGeom prst="rect">
                 <a:avLst/>
               </a:prstGeom>
               <a:blipFill>
-                <a:blip r:embed="rId2"/>
+                <a:blip r:embed="rId3"/>
                 <a:stretch>
-                  <a:fillRect l="-10000" t="-26087" r="-14286" b="-47826"/>
+                  <a:fillRect l="-5263" r="-2256" b="-32000"/>
                 </a:stretch>
               </a:blipFill>
             </p:spPr>
@@ -37388,8 +41420,8 @@
         </p:nvSpPr>
         <p:spPr>
           <a:xfrm>
-            <a:off x="3968582" y="3863966"/>
-            <a:ext cx="2236574" cy="369332"/>
+            <a:off x="573741" y="1389494"/>
+            <a:ext cx="2464393" cy="400110"/>
           </a:xfrm>
           <a:prstGeom prst="rect">
             <a:avLst/>
@@ -37403,7 +41435,7 @@
           <a:lstStyle/>
           <a:p>
             <a:r>
-              <a:rPr lang="en-US" b="1" dirty="0"/>
+              <a:rPr lang="en-US" sz="2000" b="1" dirty="0"/>
               <a:t>Laplace Transform</a:t>
             </a:r>
           </a:p>
@@ -37425,8 +41457,8 @@
             </p:nvSpPr>
             <p:spPr>
               <a:xfrm>
-                <a:off x="555811" y="3100755"/>
-                <a:ext cx="5207451" cy="369332"/>
+                <a:off x="555811" y="949215"/>
+                <a:ext cx="5571269" cy="400110"/>
               </a:xfrm>
               <a:prstGeom prst="rect">
                 <a:avLst/>
@@ -37440,12 +41472,28 @@
               <a:lstStyle/>
               <a:p>
                 <a:r>
-                  <a:rPr lang="en-US" b="1" dirty="0"/>
+                  <a:rPr lang="en-US" sz="2000" b="1" dirty="0"/>
                   <a:t>Impulse signal at time </a:t>
                 </a:r>
+                <a14:m>
+                  <m:oMath xmlns:m="http://schemas.openxmlformats.org/officeDocument/2006/math">
+                    <m:r>
+                      <a:rPr lang="en-US" i="1" smtClean="0">
+                        <a:latin typeface="Cambria Math" panose="02040503050406030204" pitchFamily="18" charset="0"/>
+                      </a:rPr>
+                      <m:t>𝜏</m:t>
+                    </m:r>
+                    <m:r>
+                      <a:rPr lang="en-US" i="1">
+                        <a:latin typeface="Cambria Math" panose="02040503050406030204" pitchFamily="18" charset="0"/>
+                      </a:rPr>
+                      <m:t> </m:t>
+                    </m:r>
+                  </m:oMath>
+                </a14:m>
                 <a:r>
                   <a:rPr lang="en-US" i="1" dirty="0"/>
-                  <a:t>t: </a:t>
+                  <a:t>: </a:t>
                 </a:r>
                 <a14:m>
                   <m:oMath xmlns:m="http://schemas.openxmlformats.org/officeDocument/2006/math">
@@ -37470,7 +41518,7 @@
                           <a:rPr lang="en-US" b="0" i="1" smtClean="0">
                             <a:latin typeface="Cambria Math" panose="02040503050406030204" pitchFamily="18" charset="0"/>
                           </a:rPr>
-                          <m:t>𝑡</m:t>
+                          <m:t>𝜏</m:t>
                         </m:r>
                       </m:sub>
                     </m:sSub>
@@ -37487,7 +41535,7 @@
                           <a:rPr lang="en-US" b="0" i="1" smtClean="0">
                             <a:latin typeface="Cambria Math" panose="02040503050406030204" pitchFamily="18" charset="0"/>
                           </a:rPr>
-                          <m:t>𝜏</m:t>
+                          <m:t>𝑡</m:t>
                         </m:r>
                       </m:e>
                     </m:d>
@@ -37563,16 +41611,16 @@
             </p:nvSpPr>
             <p:spPr>
               <a:xfrm>
-                <a:off x="555811" y="3100755"/>
-                <a:ext cx="5207451" cy="369332"/>
+                <a:off x="555811" y="949215"/>
+                <a:ext cx="5571269" cy="400110"/>
               </a:xfrm>
               <a:prstGeom prst="rect">
                 <a:avLst/>
               </a:prstGeom>
               <a:blipFill>
-                <a:blip r:embed="rId3"/>
+                <a:blip r:embed="rId4"/>
                 <a:stretch>
-                  <a:fillRect l="-973" t="-10000" b="-23333"/>
+                  <a:fillRect l="-1136" t="-6061" b="-24242"/>
                 </a:stretch>
               </a:blipFill>
             </p:spPr>
@@ -37591,304 +41639,14 @@
           </p:sp>
         </mc:Fallback>
       </mc:AlternateContent>
-      <p:sp>
-        <p:nvSpPr>
-          <p:cNvPr id="26" name="TextBox 25">
-            <a:extLst>
-              <a:ext uri="{FF2B5EF4-FFF2-40B4-BE49-F238E27FC236}">
-                <a16:creationId xmlns:a16="http://schemas.microsoft.com/office/drawing/2014/main" id="{40CFFFF4-A322-A745-A0ED-72EF3EC618F7}"/>
-              </a:ext>
-            </a:extLst>
-          </p:cNvPr>
-          <p:cNvSpPr txBox="1"/>
-          <p:nvPr/>
-        </p:nvSpPr>
-        <p:spPr>
-          <a:xfrm>
-            <a:off x="1013802" y="1051701"/>
-            <a:ext cx="6365845" cy="369332"/>
-          </a:xfrm>
-          <a:prstGeom prst="rect">
-            <a:avLst/>
-          </a:prstGeom>
-          <a:noFill/>
-        </p:spPr>
-        <p:txBody>
-          <a:bodyPr wrap="none" rtlCol="0">
-            <a:spAutoFit/>
-          </a:bodyPr>
-          <a:lstStyle/>
-          <a:p>
-            <a:r>
-              <a:rPr lang="en-US" dirty="0"/>
-              <a:t>Laplace transforms can represent both signals and systems.</a:t>
-            </a:r>
-          </a:p>
-        </p:txBody>
-      </p:sp>
-      <p:grpSp>
-        <p:nvGrpSpPr>
-          <p:cNvPr id="28" name="Group 27">
-            <a:extLst>
-              <a:ext uri="{FF2B5EF4-FFF2-40B4-BE49-F238E27FC236}">
-                <a16:creationId xmlns:a16="http://schemas.microsoft.com/office/drawing/2014/main" id="{E6B54DF6-3721-2747-9E94-C4983BEA5BC2}"/>
-              </a:ext>
-            </a:extLst>
-          </p:cNvPr>
-          <p:cNvGrpSpPr/>
-          <p:nvPr/>
-        </p:nvGrpSpPr>
-        <p:grpSpPr>
-          <a:xfrm>
-            <a:off x="665051" y="1917462"/>
-            <a:ext cx="2088172" cy="895892"/>
-            <a:chOff x="665051" y="1917462"/>
-            <a:chExt cx="2088172" cy="895892"/>
-          </a:xfrm>
-        </p:grpSpPr>
-        <mc:AlternateContent xmlns:mc="http://schemas.openxmlformats.org/markup-compatibility/2006">
-          <mc:Choice xmlns:a14="http://schemas.microsoft.com/office/drawing/2010/main" Requires="a14">
-            <p:sp>
-              <p:nvSpPr>
-                <p:cNvPr id="4" name="TextBox 3">
-                  <a:extLst>
-                    <a:ext uri="{FF2B5EF4-FFF2-40B4-BE49-F238E27FC236}">
-                      <a16:creationId xmlns:a16="http://schemas.microsoft.com/office/drawing/2014/main" id="{4E8F59F2-E23B-5F4F-9327-D1FE599E4C48}"/>
-                    </a:ext>
-                  </a:extLst>
-                </p:cNvPr>
-                <p:cNvSpPr txBox="1"/>
-                <p:nvPr/>
-              </p:nvSpPr>
-              <p:spPr>
-                <a:xfrm>
-                  <a:off x="735106" y="2214023"/>
-                  <a:ext cx="2018117" cy="599331"/>
-                </a:xfrm>
-                <a:prstGeom prst="rect">
-                  <a:avLst/>
-                </a:prstGeom>
-                <a:noFill/>
-              </p:spPr>
-              <p:txBody>
-                <a:bodyPr wrap="none" lIns="0" tIns="0" rIns="0" bIns="0" rtlCol="0">
-                  <a:spAutoFit/>
-                </a:bodyPr>
-                <a:lstStyle/>
-                <a:p>
-                  <a14:m>
-                    <m:oMathPara xmlns:m="http://schemas.openxmlformats.org/officeDocument/2006/math">
-                      <m:oMathParaPr>
-                        <m:jc m:val="centerGroup"/>
-                      </m:oMathParaPr>
-                      <m:oMath xmlns:m="http://schemas.openxmlformats.org/officeDocument/2006/math">
-                        <m:r>
-                          <a:rPr lang="en-US" b="0" i="1" smtClean="0">
-                            <a:latin typeface="Cambria Math" panose="02040503050406030204" pitchFamily="18" charset="0"/>
-                          </a:rPr>
-                          <m:t>𝐺</m:t>
-                        </m:r>
-                        <m:d>
-                          <m:dPr>
-                            <m:ctrlPr>
-                              <a:rPr lang="en-US" b="0" i="1" smtClean="0">
-                                <a:latin typeface="Cambria Math" panose="02040503050406030204" pitchFamily="18" charset="0"/>
-                              </a:rPr>
-                            </m:ctrlPr>
-                          </m:dPr>
-                          <m:e>
-                            <m:r>
-                              <a:rPr lang="en-US" b="0" i="1" smtClean="0">
-                                <a:latin typeface="Cambria Math" panose="02040503050406030204" pitchFamily="18" charset="0"/>
-                              </a:rPr>
-                              <m:t>𝑠</m:t>
-                            </m:r>
-                          </m:e>
-                        </m:d>
-                        <m:r>
-                          <a:rPr lang="en-US" b="0" i="1" smtClean="0">
-                            <a:latin typeface="Cambria Math" panose="02040503050406030204" pitchFamily="18" charset="0"/>
-                          </a:rPr>
-                          <m:t>=</m:t>
-                        </m:r>
-                        <m:nary>
-                          <m:naryPr>
-                            <m:ctrlPr>
-                              <a:rPr lang="en-US" b="0" i="1" smtClean="0">
-                                <a:latin typeface="Cambria Math" panose="02040503050406030204" pitchFamily="18" charset="0"/>
-                              </a:rPr>
-                            </m:ctrlPr>
-                          </m:naryPr>
-                          <m:sub>
-                            <m:r>
-                              <a:rPr lang="en-US" b="0" i="1" smtClean="0">
-                                <a:latin typeface="Cambria Math" panose="02040503050406030204" pitchFamily="18" charset="0"/>
-                              </a:rPr>
-                              <m:t>0</m:t>
-                            </m:r>
-                          </m:sub>
-                          <m:sup>
-                            <m:r>
-                              <a:rPr lang="en-US" b="0" i="1" smtClean="0">
-                                <a:latin typeface="Cambria Math" panose="02040503050406030204" pitchFamily="18" charset="0"/>
-                              </a:rPr>
-                              <m:t>∞</m:t>
-                            </m:r>
-                          </m:sup>
-                          <m:e>
-                            <m:r>
-                              <a:rPr lang="en-US" b="0" i="1" smtClean="0">
-                                <a:latin typeface="Cambria Math" panose="02040503050406030204" pitchFamily="18" charset="0"/>
-                              </a:rPr>
-                              <m:t>𝑔</m:t>
-                            </m:r>
-                            <m:d>
-                              <m:dPr>
-                                <m:ctrlPr>
-                                  <a:rPr lang="en-US" b="0" i="1" smtClean="0">
-                                    <a:latin typeface="Cambria Math" panose="02040503050406030204" pitchFamily="18" charset="0"/>
-                                  </a:rPr>
-                                </m:ctrlPr>
-                              </m:dPr>
-                              <m:e>
-                                <m:r>
-                                  <a:rPr lang="en-US" b="0" i="1" smtClean="0">
-                                    <a:latin typeface="Cambria Math" panose="02040503050406030204" pitchFamily="18" charset="0"/>
-                                  </a:rPr>
-                                  <m:t>𝑡</m:t>
-                                </m:r>
-                              </m:e>
-                            </m:d>
-                            <m:sSup>
-                              <m:sSupPr>
-                                <m:ctrlPr>
-                                  <a:rPr lang="en-US" b="0" i="1" smtClean="0">
-                                    <a:latin typeface="Cambria Math" panose="02040503050406030204" pitchFamily="18" charset="0"/>
-                                  </a:rPr>
-                                </m:ctrlPr>
-                              </m:sSupPr>
-                              <m:e>
-                                <m:r>
-                                  <a:rPr lang="en-US" b="0" i="1" smtClean="0">
-                                    <a:latin typeface="Cambria Math" panose="02040503050406030204" pitchFamily="18" charset="0"/>
-                                  </a:rPr>
-                                  <m:t>𝑒</m:t>
-                                </m:r>
-                              </m:e>
-                              <m:sup>
-                                <m:r>
-                                  <a:rPr lang="en-US" b="0" i="1" smtClean="0">
-                                    <a:latin typeface="Cambria Math" panose="02040503050406030204" pitchFamily="18" charset="0"/>
-                                  </a:rPr>
-                                  <m:t>−</m:t>
-                                </m:r>
-                                <m:r>
-                                  <a:rPr lang="en-US" b="0" i="1" smtClean="0">
-                                    <a:latin typeface="Cambria Math" panose="02040503050406030204" pitchFamily="18" charset="0"/>
-                                  </a:rPr>
-                                  <m:t>𝑠𝑡</m:t>
-                                </m:r>
-                              </m:sup>
-                            </m:sSup>
-                          </m:e>
-                        </m:nary>
-                      </m:oMath>
-                    </m:oMathPara>
-                  </a14:m>
-                  <a:endParaRPr lang="en-US" dirty="0"/>
-                </a:p>
-              </p:txBody>
-            </p:sp>
-          </mc:Choice>
-          <mc:Fallback>
-            <p:sp>
-              <p:nvSpPr>
-                <p:cNvPr id="4" name="TextBox 3">
-                  <a:extLst>
-                    <a:ext uri="{FF2B5EF4-FFF2-40B4-BE49-F238E27FC236}">
-                      <a16:creationId xmlns:a16="http://schemas.microsoft.com/office/drawing/2014/main" id="{4E8F59F2-E23B-5F4F-9327-D1FE599E4C48}"/>
-                    </a:ext>
-                  </a:extLst>
-                </p:cNvPr>
-                <p:cNvSpPr txBox="1">
-                  <a:spLocks noRot="1" noChangeAspect="1" noMove="1" noResize="1" noEditPoints="1" noAdjustHandles="1" noChangeArrowheads="1" noChangeShapeType="1" noTextEdit="1"/>
-                </p:cNvSpPr>
-                <p:nvPr/>
-              </p:nvSpPr>
-              <p:spPr>
-                <a:xfrm>
-                  <a:off x="735106" y="2214023"/>
-                  <a:ext cx="2018117" cy="599331"/>
-                </a:xfrm>
-                <a:prstGeom prst="rect">
-                  <a:avLst/>
-                </a:prstGeom>
-                <a:blipFill>
-                  <a:blip r:embed="rId4"/>
-                  <a:stretch>
-                    <a:fillRect l="-10063" t="-189583" b="-281250"/>
-                  </a:stretch>
-                </a:blipFill>
-              </p:spPr>
-              <p:txBody>
-                <a:bodyPr/>
-                <a:lstStyle/>
-                <a:p>
-                  <a:r>
-                    <a:rPr lang="en-US">
-                      <a:noFill/>
-                    </a:rPr>
-                    <a:t> </a:t>
-                  </a:r>
-                </a:p>
-              </p:txBody>
-            </p:sp>
-          </mc:Fallback>
-        </mc:AlternateContent>
-        <p:sp>
-          <p:nvSpPr>
-            <p:cNvPr id="31" name="TextBox 30">
-              <a:extLst>
-                <a:ext uri="{FF2B5EF4-FFF2-40B4-BE49-F238E27FC236}">
-                  <a16:creationId xmlns:a16="http://schemas.microsoft.com/office/drawing/2014/main" id="{6C4C17BA-0297-7645-90D6-A633E9A1A7F9}"/>
-                </a:ext>
-              </a:extLst>
-            </p:cNvPr>
-            <p:cNvSpPr txBox="1"/>
-            <p:nvPr/>
-          </p:nvSpPr>
-          <p:spPr>
-            <a:xfrm>
-              <a:off x="665051" y="1917462"/>
-              <a:ext cx="1249060" cy="369332"/>
-            </a:xfrm>
-            <a:prstGeom prst="rect">
-              <a:avLst/>
-            </a:prstGeom>
-            <a:noFill/>
-          </p:spPr>
-          <p:txBody>
-            <a:bodyPr wrap="none" rtlCol="0">
-              <a:spAutoFit/>
-            </a:bodyPr>
-            <a:lstStyle/>
-            <a:p>
-              <a:r>
-                <a:rPr lang="en-US" b="1" dirty="0"/>
-                <a:t>Definition</a:t>
-              </a:r>
-            </a:p>
-          </p:txBody>
-        </p:sp>
-      </p:grpSp>
       <mc:AlternateContent xmlns:mc="http://schemas.openxmlformats.org/markup-compatibility/2006">
         <mc:Choice xmlns:a14="http://schemas.microsoft.com/office/drawing/2010/main" Requires="a14">
           <p:sp>
             <p:nvSpPr>
-              <p:cNvPr id="33" name="TextBox 32">
+              <p:cNvPr id="4" name="TextBox 3">
                 <a:extLst>
                   <a:ext uri="{FF2B5EF4-FFF2-40B4-BE49-F238E27FC236}">
-                    <a16:creationId xmlns:a16="http://schemas.microsoft.com/office/drawing/2014/main" id="{186140EA-E350-C944-B42D-13636811F885}"/>
+                    <a16:creationId xmlns:a16="http://schemas.microsoft.com/office/drawing/2014/main" id="{4E8F59F2-E23B-5F4F-9327-D1FE599E4C48}"/>
                   </a:ext>
                 </a:extLst>
               </p:cNvPr>
@@ -37897,8 +41655,8 @@
             </p:nvSpPr>
             <p:spPr>
               <a:xfrm>
-                <a:off x="4064467" y="4703491"/>
-                <a:ext cx="1262012" cy="276999"/>
+                <a:off x="6668683" y="348034"/>
+                <a:ext cx="2018117" cy="599331"/>
               </a:xfrm>
               <a:prstGeom prst="rect">
                 <a:avLst/>
@@ -37917,83 +41675,116 @@
                       <m:jc m:val="centerGroup"/>
                     </m:oMathParaPr>
                     <m:oMath xmlns:m="http://schemas.openxmlformats.org/officeDocument/2006/math">
-                      <m:sSub>
-                        <m:sSubPr>
-                          <m:ctrlPr>
-                            <a:rPr lang="en-US" b="0" i="1" smtClean="0">
-                              <a:latin typeface="Cambria Math" panose="02040503050406030204" pitchFamily="18" charset="0"/>
-                            </a:rPr>
-                          </m:ctrlPr>
-                        </m:sSubPr>
-                        <m:e>
-                          <m:r>
-                            <a:rPr lang="en-US" b="0" i="1" smtClean="0">
-                              <a:latin typeface="Cambria Math" panose="02040503050406030204" pitchFamily="18" charset="0"/>
-                            </a:rPr>
-                            <m:t>𝐿</m:t>
-                          </m:r>
-                          <m:r>
-                            <a:rPr lang="en-US" b="0" i="1" smtClean="0">
-                              <a:latin typeface="Cambria Math" panose="02040503050406030204" pitchFamily="18" charset="0"/>
-                            </a:rPr>
-                            <m:t>[</m:t>
-                          </m:r>
-                          <m:r>
-                            <a:rPr lang="en-US" b="0" i="1" smtClean="0">
-                              <a:latin typeface="Cambria Math" panose="02040503050406030204" pitchFamily="18" charset="0"/>
-                            </a:rPr>
-                            <m:t>𝛿</m:t>
-                          </m:r>
-                        </m:e>
-                        <m:sub>
-                          <m:r>
-                            <a:rPr lang="en-US" b="0" i="1" smtClean="0">
-                              <a:latin typeface="Cambria Math" panose="02040503050406030204" pitchFamily="18" charset="0"/>
-                            </a:rPr>
-                            <m:t>𝑡</m:t>
-                          </m:r>
-                        </m:sub>
-                      </m:sSub>
                       <m:r>
                         <a:rPr lang="en-US" b="0" i="1" smtClean="0">
                           <a:latin typeface="Cambria Math" panose="02040503050406030204" pitchFamily="18" charset="0"/>
                         </a:rPr>
-                        <m:t>]=</m:t>
+                        <m:t>𝐺</m:t>
                       </m:r>
-                      <m:sSup>
-                        <m:sSupPr>
+                      <m:d>
+                        <m:dPr>
                           <m:ctrlPr>
-                            <a:rPr lang="en-US" b="0" i="0" smtClean="0">
+                            <a:rPr lang="en-US" b="0" i="1" smtClean="0">
                               <a:latin typeface="Cambria Math" panose="02040503050406030204" pitchFamily="18" charset="0"/>
                             </a:rPr>
                           </m:ctrlPr>
-                        </m:sSupPr>
+                        </m:dPr>
                         <m:e>
                           <m:r>
-                            <m:rPr>
-                              <m:sty m:val="p"/>
-                            </m:rPr>
-                            <a:rPr lang="en-US" b="0" i="0" smtClean="0">
-                              <a:latin typeface="Cambria Math" panose="02040503050406030204" pitchFamily="18" charset="0"/>
-                            </a:rPr>
-                            <m:t>e</m:t>
+                            <a:rPr lang="en-US" b="0" i="1" smtClean="0">
+                              <a:latin typeface="Cambria Math" panose="02040503050406030204" pitchFamily="18" charset="0"/>
+                            </a:rPr>
+                            <m:t>𝑠</m:t>
                           </m:r>
                         </m:e>
+                      </m:d>
+                      <m:r>
+                        <a:rPr lang="en-US" b="0" i="1" smtClean="0">
+                          <a:latin typeface="Cambria Math" panose="02040503050406030204" pitchFamily="18" charset="0"/>
+                        </a:rPr>
+                        <m:t>=</m:t>
+                      </m:r>
+                      <m:nary>
+                        <m:naryPr>
+                          <m:ctrlPr>
+                            <a:rPr lang="en-US" b="0" i="1" smtClean="0">
+                              <a:latin typeface="Cambria Math" panose="02040503050406030204" pitchFamily="18" charset="0"/>
+                            </a:rPr>
+                          </m:ctrlPr>
+                        </m:naryPr>
+                        <m:sub>
+                          <m:r>
+                            <a:rPr lang="en-US" b="0" i="1" smtClean="0">
+                              <a:latin typeface="Cambria Math" panose="02040503050406030204" pitchFamily="18" charset="0"/>
+                            </a:rPr>
+                            <m:t>0</m:t>
+                          </m:r>
+                        </m:sub>
                         <m:sup>
                           <m:r>
                             <a:rPr lang="en-US" b="0" i="1" smtClean="0">
                               <a:latin typeface="Cambria Math" panose="02040503050406030204" pitchFamily="18" charset="0"/>
                             </a:rPr>
-                            <m:t>−</m:t>
+                            <m:t>∞</m:t>
                           </m:r>
+                        </m:sup>
+                        <m:e>
                           <m:r>
                             <a:rPr lang="en-US" b="0" i="1" smtClean="0">
                               <a:latin typeface="Cambria Math" panose="02040503050406030204" pitchFamily="18" charset="0"/>
                             </a:rPr>
-                            <m:t>𝑠𝑡</m:t>
+                            <m:t>𝑔</m:t>
                           </m:r>
-                        </m:sup>
-                      </m:sSup>
+                          <m:d>
+                            <m:dPr>
+                              <m:ctrlPr>
+                                <a:rPr lang="en-US" b="0" i="1" smtClean="0">
+                                  <a:latin typeface="Cambria Math" panose="02040503050406030204" pitchFamily="18" charset="0"/>
+                                </a:rPr>
+                              </m:ctrlPr>
+                            </m:dPr>
+                            <m:e>
+                              <m:r>
+                                <a:rPr lang="en-US" b="0" i="1" smtClean="0">
+                                  <a:latin typeface="Cambria Math" panose="02040503050406030204" pitchFamily="18" charset="0"/>
+                                </a:rPr>
+                                <m:t>𝑡</m:t>
+                              </m:r>
+                            </m:e>
+                          </m:d>
+                          <m:sSup>
+                            <m:sSupPr>
+                              <m:ctrlPr>
+                                <a:rPr lang="en-US" b="0" i="1" smtClean="0">
+                                  <a:latin typeface="Cambria Math" panose="02040503050406030204" pitchFamily="18" charset="0"/>
+                                </a:rPr>
+                              </m:ctrlPr>
+                            </m:sSupPr>
+                            <m:e>
+                              <m:r>
+                                <a:rPr lang="en-US" b="0" i="1" smtClean="0">
+                                  <a:latin typeface="Cambria Math" panose="02040503050406030204" pitchFamily="18" charset="0"/>
+                                </a:rPr>
+                                <m:t>𝑒</m:t>
+                              </m:r>
+                            </m:e>
+                            <m:sup>
+                              <m:r>
+                                <a:rPr lang="en-US" b="0" i="1" smtClean="0">
+                                  <a:latin typeface="Cambria Math" panose="02040503050406030204" pitchFamily="18" charset="0"/>
+                                </a:rPr>
+                                <m:t>−</m:t>
+                              </m:r>
+                              <m:r>
+                                <a:rPr lang="en-US" b="0" i="1" smtClean="0">
+                                  <a:latin typeface="Cambria Math" panose="02040503050406030204" pitchFamily="18" charset="0"/>
+                                </a:rPr>
+                                <m:t>𝑠𝑡</m:t>
+                              </m:r>
+                            </m:sup>
+                          </m:sSup>
+                        </m:e>
+                      </m:nary>
                     </m:oMath>
                   </m:oMathPara>
                 </a14:m>
@@ -38005,10 +41796,10 @@
         <mc:Fallback>
           <p:sp>
             <p:nvSpPr>
-              <p:cNvPr id="33" name="TextBox 32">
+              <p:cNvPr id="4" name="TextBox 3">
                 <a:extLst>
                   <a:ext uri="{FF2B5EF4-FFF2-40B4-BE49-F238E27FC236}">
-                    <a16:creationId xmlns:a16="http://schemas.microsoft.com/office/drawing/2014/main" id="{186140EA-E350-C944-B42D-13636811F885}"/>
+                    <a16:creationId xmlns:a16="http://schemas.microsoft.com/office/drawing/2014/main" id="{4E8F59F2-E23B-5F4F-9327-D1FE599E4C48}"/>
                   </a:ext>
                 </a:extLst>
               </p:cNvPr>
@@ -38019,8 +41810,8 @@
             </p:nvSpPr>
             <p:spPr>
               <a:xfrm>
-                <a:off x="4064467" y="4703491"/>
-                <a:ext cx="1262012" cy="276999"/>
+                <a:off x="6668683" y="348034"/>
+                <a:ext cx="2018117" cy="599331"/>
               </a:xfrm>
               <a:prstGeom prst="rect">
                 <a:avLst/>
@@ -38028,7 +41819,7 @@
               <a:blipFill>
                 <a:blip r:embed="rId5"/>
                 <a:stretch>
-                  <a:fillRect l="-4000" b="-39130"/>
+                  <a:fillRect l="-10063" t="-189583" b="-281250"/>
                 </a:stretch>
               </a:blipFill>
             </p:spPr>
@@ -38061,10 +41852,10 @@
         </p:nvGrpSpPr>
         <p:grpSpPr>
           <a:xfrm>
-            <a:off x="811480" y="3590748"/>
-            <a:ext cx="2407665" cy="2108568"/>
+            <a:off x="811480" y="1878481"/>
+            <a:ext cx="2407665" cy="1803241"/>
             <a:chOff x="811480" y="3590748"/>
-            <a:chExt cx="2407665" cy="2108568"/>
+            <a:chExt cx="2407665" cy="1803241"/>
           </a:xfrm>
         </p:grpSpPr>
         <p:pic>
@@ -38130,7 +41921,7 @@
               </p:nvSpPr>
               <p:spPr>
                 <a:xfrm>
-                  <a:off x="846716" y="5329984"/>
+                  <a:off x="1093417" y="3751888"/>
                   <a:ext cx="467500" cy="369332"/>
                 </a:xfrm>
                 <a:prstGeom prst="rect">
@@ -38199,7 +41990,7 @@
               </p:nvSpPr>
               <p:spPr>
                 <a:xfrm>
-                  <a:off x="846716" y="5329984"/>
+                  <a:off x="1093417" y="3751888"/>
                   <a:ext cx="467500" cy="369332"/>
                 </a:xfrm>
                 <a:prstGeom prst="rect">
@@ -38283,20 +42074,1834 @@
           </p:txBody>
         </p:sp>
       </p:grpSp>
+      <p:grpSp>
+        <p:nvGrpSpPr>
+          <p:cNvPr id="8" name="Group 7">
+            <a:extLst>
+              <a:ext uri="{FF2B5EF4-FFF2-40B4-BE49-F238E27FC236}">
+                <a16:creationId xmlns:a16="http://schemas.microsoft.com/office/drawing/2014/main" id="{AE7F5C77-B843-6344-826F-FE012765F075}"/>
+              </a:ext>
+            </a:extLst>
+          </p:cNvPr>
+          <p:cNvGrpSpPr/>
+          <p:nvPr/>
+        </p:nvGrpSpPr>
+        <p:grpSpPr>
+          <a:xfrm>
+            <a:off x="811480" y="3812831"/>
+            <a:ext cx="2407665" cy="1803241"/>
+            <a:chOff x="811480" y="3812831"/>
+            <a:chExt cx="2407665" cy="1803241"/>
+          </a:xfrm>
+        </p:grpSpPr>
+        <p:pic>
+          <p:nvPicPr>
+            <p:cNvPr id="18" name="Picture 6" descr="The impulse response of an example simple delay">
+              <a:extLst>
+                <a:ext uri="{FF2B5EF4-FFF2-40B4-BE49-F238E27FC236}">
+                  <a16:creationId xmlns:a16="http://schemas.microsoft.com/office/drawing/2014/main" id="{3D5E2603-937A-D94D-8ECD-7071EEFE6F58}"/>
+                </a:ext>
+              </a:extLst>
+            </p:cNvPr>
+            <p:cNvPicPr>
+              <a:picLocks noChangeAspect="1" noChangeArrowheads="1"/>
+            </p:cNvPicPr>
+            <p:nvPr/>
+          </p:nvPicPr>
+          <p:blipFill>
+            <a:blip r:embed="rId6">
+              <a:extLst>
+                <a:ext uri="{28A0092B-C50C-407E-A947-70E740481C1C}">
+                  <a14:useLocalDpi xmlns:a14="http://schemas.microsoft.com/office/drawing/2010/main" val="0"/>
+                </a:ext>
+              </a:extLst>
+            </a:blip>
+            <a:srcRect/>
+            <a:stretch>
+              <a:fillRect/>
+            </a:stretch>
+          </p:blipFill>
+          <p:spPr bwMode="auto">
+            <a:xfrm>
+              <a:off x="811480" y="3812831"/>
+              <a:ext cx="2407665" cy="1803241"/>
+            </a:xfrm>
+            <a:prstGeom prst="rect">
+              <a:avLst/>
+            </a:prstGeom>
+            <a:noFill/>
+            <a:extLst>
+              <a:ext uri="{909E8E84-426E-40DD-AFC4-6F175D3DCCD1}">
+                <a14:hiddenFill xmlns:a14="http://schemas.microsoft.com/office/drawing/2010/main">
+                  <a:solidFill>
+                    <a:srgbClr val="FFFFFF"/>
+                  </a:solidFill>
+                </a14:hiddenFill>
+              </a:ext>
+            </a:extLst>
+          </p:spPr>
+        </p:pic>
+        <mc:AlternateContent xmlns:mc="http://schemas.openxmlformats.org/markup-compatibility/2006">
+          <mc:Choice xmlns:a14="http://schemas.microsoft.com/office/drawing/2010/main" Requires="a14">
+            <p:sp>
+              <p:nvSpPr>
+                <p:cNvPr id="19" name="Rectangle 18">
+                  <a:extLst>
+                    <a:ext uri="{FF2B5EF4-FFF2-40B4-BE49-F238E27FC236}">
+                      <a16:creationId xmlns:a16="http://schemas.microsoft.com/office/drawing/2014/main" id="{B9A97081-AA85-254D-8467-DD9D620C47D0}"/>
+                    </a:ext>
+                  </a:extLst>
+                </p:cNvPr>
+                <p:cNvSpPr/>
+                <p:nvPr/>
+              </p:nvSpPr>
+              <p:spPr>
+                <a:xfrm>
+                  <a:off x="1420278" y="4107974"/>
+                  <a:ext cx="969753" cy="369332"/>
+                </a:xfrm>
+                <a:prstGeom prst="rect">
+                  <a:avLst/>
+                </a:prstGeom>
+              </p:spPr>
+              <p:txBody>
+                <a:bodyPr wrap="none">
+                  <a:spAutoFit/>
+                </a:bodyPr>
+                <a:lstStyle/>
+                <a:p>
+                  <a14:m>
+                    <m:oMathPara xmlns:m="http://schemas.openxmlformats.org/officeDocument/2006/math">
+                      <m:oMathParaPr>
+                        <m:jc m:val="centerGroup"/>
+                      </m:oMathParaPr>
+                      <m:oMath xmlns:m="http://schemas.openxmlformats.org/officeDocument/2006/math">
+                        <m:sSub>
+                          <m:sSubPr>
+                            <m:ctrlPr>
+                              <a:rPr lang="en-US" i="1" smtClean="0">
+                                <a:latin typeface="Cambria Math" panose="02040503050406030204" pitchFamily="18" charset="0"/>
+                              </a:rPr>
+                            </m:ctrlPr>
+                          </m:sSubPr>
+                          <m:e>
+                            <m:r>
+                              <a:rPr lang="en-US" b="0" i="1" smtClean="0">
+                                <a:latin typeface="Cambria Math" panose="02040503050406030204" pitchFamily="18" charset="0"/>
+                              </a:rPr>
+                              <m:t>(0.8)</m:t>
+                            </m:r>
+                            <m:r>
+                              <a:rPr lang="en-US" i="1">
+                                <a:latin typeface="Cambria Math" panose="02040503050406030204" pitchFamily="18" charset="0"/>
+                              </a:rPr>
+                              <m:t>𝛿</m:t>
+                            </m:r>
+                          </m:e>
+                          <m:sub>
+                            <m:r>
+                              <a:rPr lang="en-US" b="0" i="1" smtClean="0">
+                                <a:latin typeface="Cambria Math" panose="02040503050406030204" pitchFamily="18" charset="0"/>
+                              </a:rPr>
+                              <m:t>6</m:t>
+                            </m:r>
+                          </m:sub>
+                        </m:sSub>
+                      </m:oMath>
+                    </m:oMathPara>
+                  </a14:m>
+                  <a:endParaRPr lang="en-US" dirty="0"/>
+                </a:p>
+              </p:txBody>
+            </p:sp>
+          </mc:Choice>
+          <mc:Fallback>
+            <p:sp>
+              <p:nvSpPr>
+                <p:cNvPr id="19" name="Rectangle 18">
+                  <a:extLst>
+                    <a:ext uri="{FF2B5EF4-FFF2-40B4-BE49-F238E27FC236}">
+                      <a16:creationId xmlns:a16="http://schemas.microsoft.com/office/drawing/2014/main" id="{B9A97081-AA85-254D-8467-DD9D620C47D0}"/>
+                    </a:ext>
+                  </a:extLst>
+                </p:cNvPr>
+                <p:cNvSpPr>
+                  <a:spLocks noRot="1" noChangeAspect="1" noMove="1" noResize="1" noEditPoints="1" noAdjustHandles="1" noChangeArrowheads="1" noChangeShapeType="1" noTextEdit="1"/>
+                </p:cNvSpPr>
+                <p:nvPr/>
+              </p:nvSpPr>
+              <p:spPr>
+                <a:xfrm>
+                  <a:off x="1420278" y="4107974"/>
+                  <a:ext cx="969753" cy="369332"/>
+                </a:xfrm>
+                <a:prstGeom prst="rect">
+                  <a:avLst/>
+                </a:prstGeom>
+                <a:blipFill>
+                  <a:blip r:embed="rId8"/>
+                  <a:stretch>
+                    <a:fillRect b="-16667"/>
+                  </a:stretch>
+                </a:blipFill>
+              </p:spPr>
+              <p:txBody>
+                <a:bodyPr/>
+                <a:lstStyle/>
+                <a:p>
+                  <a:r>
+                    <a:rPr lang="en-US">
+                      <a:noFill/>
+                    </a:rPr>
+                    <a:t> </a:t>
+                  </a:r>
+                </a:p>
+              </p:txBody>
+            </p:sp>
+          </mc:Fallback>
+        </mc:AlternateContent>
+        <p:sp>
+          <p:nvSpPr>
+            <p:cNvPr id="20" name="Rectangle 19">
+              <a:extLst>
+                <a:ext uri="{FF2B5EF4-FFF2-40B4-BE49-F238E27FC236}">
+                  <a16:creationId xmlns:a16="http://schemas.microsoft.com/office/drawing/2014/main" id="{B13F739A-4037-8D46-B50F-6BFAA3A1199D}"/>
+                </a:ext>
+              </a:extLst>
+            </p:cNvPr>
+            <p:cNvSpPr/>
+            <p:nvPr/>
+          </p:nvSpPr>
+          <p:spPr>
+            <a:xfrm>
+              <a:off x="2341148" y="4947769"/>
+              <a:ext cx="877997" cy="468193"/>
+            </a:xfrm>
+            <a:prstGeom prst="rect">
+              <a:avLst/>
+            </a:prstGeom>
+            <a:solidFill>
+              <a:schemeClr val="bg1"/>
+            </a:solidFill>
+            <a:ln>
+              <a:noFill/>
+            </a:ln>
+            <a:effectLst>
+              <a:outerShdw dist="23000" sx="1000" sy="1000" rotWithShape="0">
+                <a:srgbClr val="000000"/>
+              </a:outerShdw>
+            </a:effectLst>
+          </p:spPr>
+          <p:style>
+            <a:lnRef idx="1">
+              <a:schemeClr val="accent1"/>
+            </a:lnRef>
+            <a:fillRef idx="3">
+              <a:schemeClr val="accent1"/>
+            </a:fillRef>
+            <a:effectRef idx="2">
+              <a:schemeClr val="accent1"/>
+            </a:effectRef>
+            <a:fontRef idx="minor">
+              <a:schemeClr val="lt1"/>
+            </a:fontRef>
+          </p:style>
+          <p:txBody>
+            <a:bodyPr rtlCol="0" anchor="ctr"/>
+            <a:lstStyle/>
+            <a:p>
+              <a:pPr algn="ctr"/>
+              <a:endParaRPr lang="en-US"/>
+            </a:p>
+          </p:txBody>
+        </p:sp>
+        <p:sp>
+          <p:nvSpPr>
+            <p:cNvPr id="21" name="Rectangle 20">
+              <a:extLst>
+                <a:ext uri="{FF2B5EF4-FFF2-40B4-BE49-F238E27FC236}">
+                  <a16:creationId xmlns:a16="http://schemas.microsoft.com/office/drawing/2014/main" id="{C0BDA622-1345-DD44-ACFE-E2FEC710D0F1}"/>
+                </a:ext>
+              </a:extLst>
+            </p:cNvPr>
+            <p:cNvSpPr/>
+            <p:nvPr/>
+          </p:nvSpPr>
+          <p:spPr>
+            <a:xfrm>
+              <a:off x="1027157" y="4134869"/>
+              <a:ext cx="393121" cy="1309703"/>
+            </a:xfrm>
+            <a:prstGeom prst="rect">
+              <a:avLst/>
+            </a:prstGeom>
+            <a:solidFill>
+              <a:schemeClr val="bg1"/>
+            </a:solidFill>
+            <a:ln>
+              <a:noFill/>
+            </a:ln>
+            <a:effectLst>
+              <a:outerShdw dist="23000" sx="1000" sy="1000" rotWithShape="0">
+                <a:srgbClr val="000000"/>
+              </a:outerShdw>
+            </a:effectLst>
+          </p:spPr>
+          <p:style>
+            <a:lnRef idx="1">
+              <a:schemeClr val="accent1"/>
+            </a:lnRef>
+            <a:fillRef idx="3">
+              <a:schemeClr val="accent1"/>
+            </a:fillRef>
+            <a:effectRef idx="2">
+              <a:schemeClr val="accent1"/>
+            </a:effectRef>
+            <a:fontRef idx="minor">
+              <a:schemeClr val="lt1"/>
+            </a:fontRef>
+          </p:style>
+          <p:txBody>
+            <a:bodyPr rtlCol="0" anchor="ctr"/>
+            <a:lstStyle/>
+            <a:p>
+              <a:pPr algn="ctr"/>
+              <a:endParaRPr lang="en-US"/>
+            </a:p>
+          </p:txBody>
+        </p:sp>
+      </p:grpSp>
+      <mc:AlternateContent xmlns:mc="http://schemas.openxmlformats.org/markup-compatibility/2006">
+        <mc:Choice xmlns:a14="http://schemas.microsoft.com/office/drawing/2010/main" Requires="a14">
+          <p:sp>
+            <p:nvSpPr>
+              <p:cNvPr id="23" name="TextBox 22">
+                <a:extLst>
+                  <a:ext uri="{FF2B5EF4-FFF2-40B4-BE49-F238E27FC236}">
+                    <a16:creationId xmlns:a16="http://schemas.microsoft.com/office/drawing/2014/main" id="{4A96867C-A969-4446-A618-9F29AD0699CE}"/>
+                  </a:ext>
+                </a:extLst>
+              </p:cNvPr>
+              <p:cNvSpPr txBox="1"/>
+              <p:nvPr/>
+            </p:nvSpPr>
+            <p:spPr>
+              <a:xfrm>
+                <a:off x="1199734" y="2562837"/>
+                <a:ext cx="1265560" cy="276999"/>
+              </a:xfrm>
+              <a:prstGeom prst="rect">
+                <a:avLst/>
+              </a:prstGeom>
+              <a:noFill/>
+            </p:spPr>
+            <p:txBody>
+              <a:bodyPr wrap="square" lIns="0" tIns="0" rIns="0" bIns="0" rtlCol="0">
+                <a:spAutoFit/>
+              </a:bodyPr>
+              <a:lstStyle/>
+              <a:p>
+                <a14:m>
+                  <m:oMathPara xmlns:m="http://schemas.openxmlformats.org/officeDocument/2006/math">
+                    <m:oMathParaPr>
+                      <m:jc m:val="centerGroup"/>
+                    </m:oMathParaPr>
+                    <m:oMath xmlns:m="http://schemas.openxmlformats.org/officeDocument/2006/math">
+                      <m:sSub>
+                        <m:sSubPr>
+                          <m:ctrlPr>
+                            <a:rPr lang="en-US" b="0" i="1" smtClean="0">
+                              <a:latin typeface="Cambria Math" panose="02040503050406030204" pitchFamily="18" charset="0"/>
+                            </a:rPr>
+                          </m:ctrlPr>
+                        </m:sSubPr>
+                        <m:e>
+                          <m:r>
+                            <a:rPr lang="en-US" b="0" i="1" smtClean="0">
+                              <a:latin typeface="Cambria Math" panose="02040503050406030204" pitchFamily="18" charset="0"/>
+                            </a:rPr>
+                            <m:t>𝐿</m:t>
+                          </m:r>
+                          <m:r>
+                            <a:rPr lang="en-US" b="0" i="1" smtClean="0">
+                              <a:latin typeface="Cambria Math" panose="02040503050406030204" pitchFamily="18" charset="0"/>
+                            </a:rPr>
+                            <m:t>[</m:t>
+                          </m:r>
+                          <m:r>
+                            <a:rPr lang="en-US" b="0" i="1" smtClean="0">
+                              <a:latin typeface="Cambria Math" panose="02040503050406030204" pitchFamily="18" charset="0"/>
+                            </a:rPr>
+                            <m:t>𝛿</m:t>
+                          </m:r>
+                        </m:e>
+                        <m:sub>
+                          <m:r>
+                            <a:rPr lang="en-US" b="0" i="1" smtClean="0">
+                              <a:latin typeface="Cambria Math" panose="02040503050406030204" pitchFamily="18" charset="0"/>
+                            </a:rPr>
+                            <m:t>1</m:t>
+                          </m:r>
+                        </m:sub>
+                      </m:sSub>
+                      <m:r>
+                        <a:rPr lang="en-US" b="0" i="1" smtClean="0">
+                          <a:latin typeface="Cambria Math" panose="02040503050406030204" pitchFamily="18" charset="0"/>
+                        </a:rPr>
+                        <m:t>]=</m:t>
+                      </m:r>
+                      <m:sSup>
+                        <m:sSupPr>
+                          <m:ctrlPr>
+                            <a:rPr lang="en-US" b="0" i="0" smtClean="0">
+                              <a:latin typeface="Cambria Math" panose="02040503050406030204" pitchFamily="18" charset="0"/>
+                            </a:rPr>
+                          </m:ctrlPr>
+                        </m:sSupPr>
+                        <m:e>
+                          <m:r>
+                            <m:rPr>
+                              <m:sty m:val="p"/>
+                            </m:rPr>
+                            <a:rPr lang="en-US" b="0" i="0" smtClean="0">
+                              <a:latin typeface="Cambria Math" panose="02040503050406030204" pitchFamily="18" charset="0"/>
+                            </a:rPr>
+                            <m:t>e</m:t>
+                          </m:r>
+                        </m:e>
+                        <m:sup>
+                          <m:r>
+                            <a:rPr lang="en-US" b="0" i="1" smtClean="0">
+                              <a:latin typeface="Cambria Math" panose="02040503050406030204" pitchFamily="18" charset="0"/>
+                            </a:rPr>
+                            <m:t>−</m:t>
+                          </m:r>
+                          <m:r>
+                            <a:rPr lang="en-US" b="0" i="1" smtClean="0">
+                              <a:latin typeface="Cambria Math" panose="02040503050406030204" pitchFamily="18" charset="0"/>
+                            </a:rPr>
+                            <m:t>𝑠</m:t>
+                          </m:r>
+                        </m:sup>
+                      </m:sSup>
+                    </m:oMath>
+                  </m:oMathPara>
+                </a14:m>
+                <a:endParaRPr lang="en-US" dirty="0"/>
+              </a:p>
+            </p:txBody>
+          </p:sp>
+        </mc:Choice>
+        <mc:Fallback>
+          <p:sp>
+            <p:nvSpPr>
+              <p:cNvPr id="23" name="TextBox 22">
+                <a:extLst>
+                  <a:ext uri="{FF2B5EF4-FFF2-40B4-BE49-F238E27FC236}">
+                    <a16:creationId xmlns:a16="http://schemas.microsoft.com/office/drawing/2014/main" id="{4A96867C-A969-4446-A618-9F29AD0699CE}"/>
+                  </a:ext>
+                </a:extLst>
+              </p:cNvPr>
+              <p:cNvSpPr txBox="1">
+                <a:spLocks noRot="1" noChangeAspect="1" noMove="1" noResize="1" noEditPoints="1" noAdjustHandles="1" noChangeArrowheads="1" noChangeShapeType="1" noTextEdit="1"/>
+              </p:cNvSpPr>
+              <p:nvPr/>
+            </p:nvSpPr>
+            <p:spPr>
+              <a:xfrm>
+                <a:off x="1199734" y="2562837"/>
+                <a:ext cx="1265560" cy="276999"/>
+              </a:xfrm>
+              <a:prstGeom prst="rect">
+                <a:avLst/>
+              </a:prstGeom>
+              <a:blipFill>
+                <a:blip r:embed="rId9"/>
+                <a:stretch>
+                  <a:fillRect l="-1000" b="-39130"/>
+                </a:stretch>
+              </a:blipFill>
+            </p:spPr>
+            <p:txBody>
+              <a:bodyPr/>
+              <a:lstStyle/>
+              <a:p>
+                <a:r>
+                  <a:rPr lang="en-US">
+                    <a:noFill/>
+                  </a:rPr>
+                  <a:t> </a:t>
+                </a:r>
+              </a:p>
+            </p:txBody>
+          </p:sp>
+        </mc:Fallback>
+      </mc:AlternateContent>
+      <mc:AlternateContent xmlns:mc="http://schemas.openxmlformats.org/markup-compatibility/2006">
+        <mc:Choice xmlns:a14="http://schemas.microsoft.com/office/drawing/2010/main" Requires="a14">
+          <p:sp>
+            <p:nvSpPr>
+              <p:cNvPr id="25" name="TextBox 24">
+                <a:extLst>
+                  <a:ext uri="{FF2B5EF4-FFF2-40B4-BE49-F238E27FC236}">
+                    <a16:creationId xmlns:a16="http://schemas.microsoft.com/office/drawing/2014/main" id="{10E6A7CE-B845-C64C-AE41-73491EC3E65B}"/>
+                  </a:ext>
+                </a:extLst>
+              </p:cNvPr>
+              <p:cNvSpPr txBox="1"/>
+              <p:nvPr/>
+            </p:nvSpPr>
+            <p:spPr>
+              <a:xfrm>
+                <a:off x="1905153" y="4551423"/>
+                <a:ext cx="1895881" cy="276999"/>
+              </a:xfrm>
+              <a:prstGeom prst="rect">
+                <a:avLst/>
+              </a:prstGeom>
+              <a:noFill/>
+            </p:spPr>
+            <p:txBody>
+              <a:bodyPr wrap="square" lIns="0" tIns="0" rIns="0" bIns="0" rtlCol="0">
+                <a:spAutoFit/>
+              </a:bodyPr>
+              <a:lstStyle/>
+              <a:p>
+                <a14:m>
+                  <m:oMathPara xmlns:m="http://schemas.openxmlformats.org/officeDocument/2006/math">
+                    <m:oMathParaPr>
+                      <m:jc m:val="centerGroup"/>
+                    </m:oMathParaPr>
+                    <m:oMath xmlns:m="http://schemas.openxmlformats.org/officeDocument/2006/math">
+                      <m:sSub>
+                        <m:sSubPr>
+                          <m:ctrlPr>
+                            <a:rPr lang="en-US" b="0" i="1" smtClean="0">
+                              <a:latin typeface="Cambria Math" panose="02040503050406030204" pitchFamily="18" charset="0"/>
+                            </a:rPr>
+                          </m:ctrlPr>
+                        </m:sSubPr>
+                        <m:e>
+                          <m:r>
+                            <a:rPr lang="en-US" b="0" i="1" smtClean="0">
+                              <a:latin typeface="Cambria Math" panose="02040503050406030204" pitchFamily="18" charset="0"/>
+                            </a:rPr>
+                            <m:t>𝐿</m:t>
+                          </m:r>
+                          <m:r>
+                            <a:rPr lang="en-US" b="0" i="1" smtClean="0">
+                              <a:latin typeface="Cambria Math" panose="02040503050406030204" pitchFamily="18" charset="0"/>
+                            </a:rPr>
+                            <m:t>[</m:t>
+                          </m:r>
+                          <m:r>
+                            <a:rPr lang="en-US" b="0" i="1" smtClean="0">
+                              <a:latin typeface="Cambria Math" panose="02040503050406030204" pitchFamily="18" charset="0"/>
+                            </a:rPr>
+                            <m:t>𝛿</m:t>
+                          </m:r>
+                        </m:e>
+                        <m:sub>
+                          <m:r>
+                            <a:rPr lang="en-US" b="0" i="1" smtClean="0">
+                              <a:latin typeface="Cambria Math" panose="02040503050406030204" pitchFamily="18" charset="0"/>
+                            </a:rPr>
+                            <m:t>6</m:t>
+                          </m:r>
+                        </m:sub>
+                      </m:sSub>
+                      <m:r>
+                        <a:rPr lang="en-US" b="0" i="1" smtClean="0">
+                          <a:latin typeface="Cambria Math" panose="02040503050406030204" pitchFamily="18" charset="0"/>
+                        </a:rPr>
+                        <m:t>]=</m:t>
+                      </m:r>
+                      <m:sSup>
+                        <m:sSupPr>
+                          <m:ctrlPr>
+                            <a:rPr lang="en-US" b="0" i="0" smtClean="0">
+                              <a:latin typeface="Cambria Math" panose="02040503050406030204" pitchFamily="18" charset="0"/>
+                            </a:rPr>
+                          </m:ctrlPr>
+                        </m:sSupPr>
+                        <m:e>
+                          <m:r>
+                            <a:rPr lang="en-US" b="0" i="0" smtClean="0">
+                              <a:latin typeface="Cambria Math" panose="02040503050406030204" pitchFamily="18" charset="0"/>
+                            </a:rPr>
+                            <m:t>(0.8)</m:t>
+                          </m:r>
+                          <m:r>
+                            <m:rPr>
+                              <m:sty m:val="p"/>
+                            </m:rPr>
+                            <a:rPr lang="en-US" b="0" i="0" smtClean="0">
+                              <a:latin typeface="Cambria Math" panose="02040503050406030204" pitchFamily="18" charset="0"/>
+                            </a:rPr>
+                            <m:t>e</m:t>
+                          </m:r>
+                        </m:e>
+                        <m:sup>
+                          <m:r>
+                            <a:rPr lang="en-US" b="0" i="1" smtClean="0">
+                              <a:latin typeface="Cambria Math" panose="02040503050406030204" pitchFamily="18" charset="0"/>
+                            </a:rPr>
+                            <m:t>−6</m:t>
+                          </m:r>
+                          <m:r>
+                            <a:rPr lang="en-US" b="0" i="1" smtClean="0">
+                              <a:latin typeface="Cambria Math" panose="02040503050406030204" pitchFamily="18" charset="0"/>
+                            </a:rPr>
+                            <m:t>𝑠</m:t>
+                          </m:r>
+                        </m:sup>
+                      </m:sSup>
+                    </m:oMath>
+                  </m:oMathPara>
+                </a14:m>
+                <a:endParaRPr lang="en-US" dirty="0"/>
+              </a:p>
+            </p:txBody>
+          </p:sp>
+        </mc:Choice>
+        <mc:Fallback>
+          <p:sp>
+            <p:nvSpPr>
+              <p:cNvPr id="25" name="TextBox 24">
+                <a:extLst>
+                  <a:ext uri="{FF2B5EF4-FFF2-40B4-BE49-F238E27FC236}">
+                    <a16:creationId xmlns:a16="http://schemas.microsoft.com/office/drawing/2014/main" id="{10E6A7CE-B845-C64C-AE41-73491EC3E65B}"/>
+                  </a:ext>
+                </a:extLst>
+              </p:cNvPr>
+              <p:cNvSpPr txBox="1">
+                <a:spLocks noRot="1" noChangeAspect="1" noMove="1" noResize="1" noEditPoints="1" noAdjustHandles="1" noChangeArrowheads="1" noChangeShapeType="1" noTextEdit="1"/>
+              </p:cNvSpPr>
+              <p:nvPr/>
+            </p:nvSpPr>
+            <p:spPr>
+              <a:xfrm>
+                <a:off x="1905153" y="4551423"/>
+                <a:ext cx="1895881" cy="276999"/>
+              </a:xfrm>
+              <a:prstGeom prst="rect">
+                <a:avLst/>
+              </a:prstGeom>
+              <a:blipFill>
+                <a:blip r:embed="rId10"/>
+                <a:stretch>
+                  <a:fillRect b="-39130"/>
+                </a:stretch>
+              </a:blipFill>
+            </p:spPr>
+            <p:txBody>
+              <a:bodyPr/>
+              <a:lstStyle/>
+              <a:p>
+                <a:r>
+                  <a:rPr lang="en-US">
+                    <a:noFill/>
+                  </a:rPr>
+                  <a:t> </a:t>
+                </a:r>
+              </a:p>
+            </p:txBody>
+          </p:sp>
+        </mc:Fallback>
+      </mc:AlternateContent>
+      <mc:AlternateContent xmlns:mc="http://schemas.openxmlformats.org/markup-compatibility/2006">
+        <mc:Choice xmlns:a14="http://schemas.microsoft.com/office/drawing/2010/main" Requires="a14">
+          <p:sp>
+            <p:nvSpPr>
+              <p:cNvPr id="35" name="TextBox 34">
+                <a:extLst>
+                  <a:ext uri="{FF2B5EF4-FFF2-40B4-BE49-F238E27FC236}">
+                    <a16:creationId xmlns:a16="http://schemas.microsoft.com/office/drawing/2014/main" id="{D1F8D36D-2BEC-6747-8464-427E8D59C6FF}"/>
+                  </a:ext>
+                </a:extLst>
+              </p:cNvPr>
+              <p:cNvSpPr txBox="1"/>
+              <p:nvPr/>
+            </p:nvSpPr>
+            <p:spPr>
+              <a:xfrm>
+                <a:off x="4983589" y="1435661"/>
+                <a:ext cx="1685094" cy="307777"/>
+              </a:xfrm>
+              <a:prstGeom prst="rect">
+                <a:avLst/>
+              </a:prstGeom>
+              <a:noFill/>
+            </p:spPr>
+            <p:txBody>
+              <a:bodyPr wrap="square" lIns="0" tIns="0" rIns="0" bIns="0" rtlCol="0">
+                <a:spAutoFit/>
+              </a:bodyPr>
+              <a:lstStyle/>
+              <a:p>
+                <a14:m>
+                  <m:oMathPara xmlns:m="http://schemas.openxmlformats.org/officeDocument/2006/math">
+                    <m:oMathParaPr>
+                      <m:jc m:val="centerGroup"/>
+                    </m:oMathParaPr>
+                    <m:oMath xmlns:m="http://schemas.openxmlformats.org/officeDocument/2006/math">
+                      <m:sSub>
+                        <m:sSubPr>
+                          <m:ctrlPr>
+                            <a:rPr lang="en-US" sz="2000" b="0" i="1" smtClean="0">
+                              <a:latin typeface="Cambria Math" panose="02040503050406030204" pitchFamily="18" charset="0"/>
+                            </a:rPr>
+                          </m:ctrlPr>
+                        </m:sSubPr>
+                        <m:e>
+                          <m:r>
+                            <a:rPr lang="en-US" sz="2000" b="0" i="1" smtClean="0">
+                              <a:latin typeface="Cambria Math" panose="02040503050406030204" pitchFamily="18" charset="0"/>
+                            </a:rPr>
+                            <m:t>𝐿</m:t>
+                          </m:r>
+                          <m:r>
+                            <a:rPr lang="en-US" sz="2000" b="0" i="1" smtClean="0">
+                              <a:latin typeface="Cambria Math" panose="02040503050406030204" pitchFamily="18" charset="0"/>
+                            </a:rPr>
+                            <m:t>[</m:t>
+                          </m:r>
+                          <m:r>
+                            <a:rPr lang="en-US" sz="2000" b="0" i="1" smtClean="0">
+                              <a:latin typeface="Cambria Math" panose="02040503050406030204" pitchFamily="18" charset="0"/>
+                            </a:rPr>
+                            <m:t>𝛿</m:t>
+                          </m:r>
+                        </m:e>
+                        <m:sub>
+                          <m:r>
+                            <a:rPr lang="en-US" sz="2000" b="0" i="1" smtClean="0">
+                              <a:latin typeface="Cambria Math" panose="02040503050406030204" pitchFamily="18" charset="0"/>
+                            </a:rPr>
+                            <m:t>0</m:t>
+                          </m:r>
+                        </m:sub>
+                      </m:sSub>
+                      <m:d>
+                        <m:dPr>
+                          <m:ctrlPr>
+                            <a:rPr lang="en-US" sz="2000" b="0" i="1" smtClean="0">
+                              <a:latin typeface="Cambria Math" panose="02040503050406030204" pitchFamily="18" charset="0"/>
+                            </a:rPr>
+                          </m:ctrlPr>
+                        </m:dPr>
+                        <m:e>
+                          <m:r>
+                            <a:rPr lang="en-US" sz="2000" b="0" i="1" smtClean="0">
+                              <a:latin typeface="Cambria Math" panose="02040503050406030204" pitchFamily="18" charset="0"/>
+                            </a:rPr>
+                            <m:t>𝑡</m:t>
+                          </m:r>
+                        </m:e>
+                      </m:d>
+                      <m:r>
+                        <a:rPr lang="en-US" sz="2000" b="0" i="1" smtClean="0">
+                          <a:latin typeface="Cambria Math" panose="02040503050406030204" pitchFamily="18" charset="0"/>
+                        </a:rPr>
+                        <m:t>]=</m:t>
+                      </m:r>
+                    </m:oMath>
+                  </m:oMathPara>
+                </a14:m>
+                <a:endParaRPr lang="en-US" sz="2000" dirty="0"/>
+              </a:p>
+            </p:txBody>
+          </p:sp>
+        </mc:Choice>
+        <mc:Fallback>
+          <p:sp>
+            <p:nvSpPr>
+              <p:cNvPr id="35" name="TextBox 34">
+                <a:extLst>
+                  <a:ext uri="{FF2B5EF4-FFF2-40B4-BE49-F238E27FC236}">
+                    <a16:creationId xmlns:a16="http://schemas.microsoft.com/office/drawing/2014/main" id="{D1F8D36D-2BEC-6747-8464-427E8D59C6FF}"/>
+                  </a:ext>
+                </a:extLst>
+              </p:cNvPr>
+              <p:cNvSpPr txBox="1">
+                <a:spLocks noRot="1" noChangeAspect="1" noMove="1" noResize="1" noEditPoints="1" noAdjustHandles="1" noChangeArrowheads="1" noChangeShapeType="1" noTextEdit="1"/>
+              </p:cNvSpPr>
+              <p:nvPr/>
+            </p:nvSpPr>
+            <p:spPr>
+              <a:xfrm>
+                <a:off x="4983589" y="1435661"/>
+                <a:ext cx="1685094" cy="307777"/>
+              </a:xfrm>
+              <a:prstGeom prst="rect">
+                <a:avLst/>
+              </a:prstGeom>
+              <a:blipFill>
+                <a:blip r:embed="rId11"/>
+                <a:stretch>
+                  <a:fillRect b="-32000"/>
+                </a:stretch>
+              </a:blipFill>
+            </p:spPr>
+            <p:txBody>
+              <a:bodyPr/>
+              <a:lstStyle/>
+              <a:p>
+                <a:r>
+                  <a:rPr lang="en-US">
+                    <a:noFill/>
+                  </a:rPr>
+                  <a:t> </a:t>
+                </a:r>
+              </a:p>
+            </p:txBody>
+          </p:sp>
+        </mc:Fallback>
+      </mc:AlternateContent>
+      <mc:AlternateContent xmlns:mc="http://schemas.openxmlformats.org/markup-compatibility/2006">
+        <mc:Choice xmlns:a14="http://schemas.microsoft.com/office/drawing/2010/main" Requires="a14">
+          <p:sp>
+            <p:nvSpPr>
+              <p:cNvPr id="36" name="TextBox 35">
+                <a:extLst>
+                  <a:ext uri="{FF2B5EF4-FFF2-40B4-BE49-F238E27FC236}">
+                    <a16:creationId xmlns:a16="http://schemas.microsoft.com/office/drawing/2014/main" id="{A67D469B-4940-C94E-AAB2-E4E4DBE079BB}"/>
+                  </a:ext>
+                </a:extLst>
+              </p:cNvPr>
+              <p:cNvSpPr txBox="1"/>
+              <p:nvPr/>
+            </p:nvSpPr>
+            <p:spPr>
+              <a:xfrm>
+                <a:off x="6318486" y="1435661"/>
+                <a:ext cx="453414" cy="307777"/>
+              </a:xfrm>
+              <a:prstGeom prst="rect">
+                <a:avLst/>
+              </a:prstGeom>
+              <a:noFill/>
+            </p:spPr>
+            <p:txBody>
+              <a:bodyPr wrap="square" lIns="0" tIns="0" rIns="0" bIns="0" rtlCol="0">
+                <a:spAutoFit/>
+              </a:bodyPr>
+              <a:lstStyle/>
+              <a:p>
+                <a14:m>
+                  <m:oMathPara xmlns:m="http://schemas.openxmlformats.org/officeDocument/2006/math">
+                    <m:oMathParaPr>
+                      <m:jc m:val="centerGroup"/>
+                    </m:oMathParaPr>
+                    <m:oMath xmlns:m="http://schemas.openxmlformats.org/officeDocument/2006/math">
+                      <m:r>
+                        <a:rPr lang="en-US" sz="2000" b="0" i="1" smtClean="0">
+                          <a:latin typeface="Cambria Math" panose="02040503050406030204" pitchFamily="18" charset="0"/>
+                        </a:rPr>
+                        <m:t>1</m:t>
+                      </m:r>
+                    </m:oMath>
+                  </m:oMathPara>
+                </a14:m>
+                <a:endParaRPr lang="en-US" sz="2000" dirty="0"/>
+              </a:p>
+            </p:txBody>
+          </p:sp>
+        </mc:Choice>
+        <mc:Fallback>
+          <p:sp>
+            <p:nvSpPr>
+              <p:cNvPr id="36" name="TextBox 35">
+                <a:extLst>
+                  <a:ext uri="{FF2B5EF4-FFF2-40B4-BE49-F238E27FC236}">
+                    <a16:creationId xmlns:a16="http://schemas.microsoft.com/office/drawing/2014/main" id="{A67D469B-4940-C94E-AAB2-E4E4DBE079BB}"/>
+                  </a:ext>
+                </a:extLst>
+              </p:cNvPr>
+              <p:cNvSpPr txBox="1">
+                <a:spLocks noRot="1" noChangeAspect="1" noMove="1" noResize="1" noEditPoints="1" noAdjustHandles="1" noChangeArrowheads="1" noChangeShapeType="1" noTextEdit="1"/>
+              </p:cNvSpPr>
+              <p:nvPr/>
+            </p:nvSpPr>
+            <p:spPr>
+              <a:xfrm>
+                <a:off x="6318486" y="1435661"/>
+                <a:ext cx="453414" cy="307777"/>
+              </a:xfrm>
+              <a:prstGeom prst="rect">
+                <a:avLst/>
+              </a:prstGeom>
+              <a:blipFill>
+                <a:blip r:embed="rId12"/>
+                <a:stretch>
+                  <a:fillRect b="-4000"/>
+                </a:stretch>
+              </a:blipFill>
+            </p:spPr>
+            <p:txBody>
+              <a:bodyPr/>
+              <a:lstStyle/>
+              <a:p>
+                <a:r>
+                  <a:rPr lang="en-US">
+                    <a:noFill/>
+                  </a:rPr>
+                  <a:t> </a:t>
+                </a:r>
+              </a:p>
+            </p:txBody>
+          </p:sp>
+        </mc:Fallback>
+      </mc:AlternateContent>
+      <p:pic>
+        <p:nvPicPr>
+          <p:cNvPr id="37" name="Picture 6" descr="The impulse response of an example simple delay">
+            <a:extLst>
+              <a:ext uri="{FF2B5EF4-FFF2-40B4-BE49-F238E27FC236}">
+                <a16:creationId xmlns:a16="http://schemas.microsoft.com/office/drawing/2014/main" id="{684314CE-92D2-6246-98C2-FFF76CB82B2F}"/>
+              </a:ext>
+            </a:extLst>
+          </p:cNvPr>
+          <p:cNvPicPr>
+            <a:picLocks noChangeAspect="1" noChangeArrowheads="1"/>
+          </p:cNvPicPr>
+          <p:nvPr/>
+        </p:nvPicPr>
+        <p:blipFill>
+          <a:blip r:embed="rId6">
+            <a:extLst>
+              <a:ext uri="{28A0092B-C50C-407E-A947-70E740481C1C}">
+                <a14:useLocalDpi xmlns:a14="http://schemas.microsoft.com/office/drawing/2010/main" val="0"/>
+              </a:ext>
+            </a:extLst>
+          </a:blip>
+          <a:srcRect/>
+          <a:stretch>
+            <a:fillRect/>
+          </a:stretch>
+        </p:blipFill>
+        <p:spPr bwMode="auto">
+          <a:xfrm>
+            <a:off x="4649166" y="3818247"/>
+            <a:ext cx="2407665" cy="1803241"/>
+          </a:xfrm>
+          <a:prstGeom prst="rect">
+            <a:avLst/>
+          </a:prstGeom>
+          <a:noFill/>
+          <a:extLst>
+            <a:ext uri="{909E8E84-426E-40DD-AFC4-6F175D3DCCD1}">
+              <a14:hiddenFill xmlns:a14="http://schemas.microsoft.com/office/drawing/2010/main">
+                <a:solidFill>
+                  <a:srgbClr val="FFFFFF"/>
+                </a:solidFill>
+              </a14:hiddenFill>
+            </a:ext>
+          </a:extLst>
+        </p:spPr>
+      </p:pic>
+      <mc:AlternateContent xmlns:mc="http://schemas.openxmlformats.org/markup-compatibility/2006">
+        <mc:Choice xmlns:a14="http://schemas.microsoft.com/office/drawing/2010/main" Requires="a14">
+          <p:sp>
+            <p:nvSpPr>
+              <p:cNvPr id="38" name="TextBox 37">
+                <a:extLst>
+                  <a:ext uri="{FF2B5EF4-FFF2-40B4-BE49-F238E27FC236}">
+                    <a16:creationId xmlns:a16="http://schemas.microsoft.com/office/drawing/2014/main" id="{B457EC3C-F22E-B348-A32E-86B5D549C43A}"/>
+                  </a:ext>
+                </a:extLst>
+              </p:cNvPr>
+              <p:cNvSpPr txBox="1"/>
+              <p:nvPr/>
+            </p:nvSpPr>
+            <p:spPr>
+              <a:xfrm>
+                <a:off x="5430087" y="3937682"/>
+                <a:ext cx="2543454" cy="276999"/>
+              </a:xfrm>
+              <a:prstGeom prst="rect">
+                <a:avLst/>
+              </a:prstGeom>
+              <a:noFill/>
+            </p:spPr>
+            <p:txBody>
+              <a:bodyPr wrap="square" lIns="0" tIns="0" rIns="0" bIns="0" rtlCol="0">
+                <a:spAutoFit/>
+              </a:bodyPr>
+              <a:lstStyle/>
+              <a:p>
+                <a14:m>
+                  <m:oMathPara xmlns:m="http://schemas.openxmlformats.org/officeDocument/2006/math">
+                    <m:oMathParaPr>
+                      <m:jc m:val="centerGroup"/>
+                    </m:oMathParaPr>
+                    <m:oMath xmlns:m="http://schemas.openxmlformats.org/officeDocument/2006/math">
+                      <m:sSub>
+                        <m:sSubPr>
+                          <m:ctrlPr>
+                            <a:rPr lang="en-US" b="0" i="1" smtClean="0">
+                              <a:latin typeface="Cambria Math" panose="02040503050406030204" pitchFamily="18" charset="0"/>
+                            </a:rPr>
+                          </m:ctrlPr>
+                        </m:sSubPr>
+                        <m:e>
+                          <m:r>
+                            <a:rPr lang="en-US" b="0" i="1" smtClean="0">
+                              <a:latin typeface="Cambria Math" panose="02040503050406030204" pitchFamily="18" charset="0"/>
+                            </a:rPr>
+                            <m:t>𝐿</m:t>
+                          </m:r>
+                          <m:r>
+                            <a:rPr lang="en-US" b="0" i="1" smtClean="0">
+                              <a:latin typeface="Cambria Math" panose="02040503050406030204" pitchFamily="18" charset="0"/>
+                            </a:rPr>
+                            <m:t>[</m:t>
+                          </m:r>
+                          <m:r>
+                            <a:rPr lang="en-US" b="0" i="1" smtClean="0">
+                              <a:latin typeface="Cambria Math" panose="02040503050406030204" pitchFamily="18" charset="0"/>
+                            </a:rPr>
+                            <m:t>𝛿</m:t>
+                          </m:r>
+                        </m:e>
+                        <m:sub>
+                          <m:r>
+                            <a:rPr lang="en-US" b="0" i="1" smtClean="0">
+                              <a:latin typeface="Cambria Math" panose="02040503050406030204" pitchFamily="18" charset="0"/>
+                            </a:rPr>
+                            <m:t>1</m:t>
+                          </m:r>
+                        </m:sub>
+                      </m:sSub>
+                      <m:r>
+                        <a:rPr lang="en-US" b="0" i="1" smtClean="0">
+                          <a:latin typeface="Cambria Math" panose="02040503050406030204" pitchFamily="18" charset="0"/>
+                        </a:rPr>
+                        <m:t>]=</m:t>
+                      </m:r>
+                      <m:sSup>
+                        <m:sSupPr>
+                          <m:ctrlPr>
+                            <a:rPr lang="en-US" b="0" i="0" smtClean="0">
+                              <a:latin typeface="Cambria Math" panose="02040503050406030204" pitchFamily="18" charset="0"/>
+                            </a:rPr>
+                          </m:ctrlPr>
+                        </m:sSupPr>
+                        <m:e>
+                          <m:r>
+                            <m:rPr>
+                              <m:sty m:val="p"/>
+                            </m:rPr>
+                            <a:rPr lang="en-US" b="0" i="0" smtClean="0">
+                              <a:latin typeface="Cambria Math" panose="02040503050406030204" pitchFamily="18" charset="0"/>
+                            </a:rPr>
+                            <m:t>e</m:t>
+                          </m:r>
+                        </m:e>
+                        <m:sup>
+                          <m:r>
+                            <a:rPr lang="en-US" b="0" i="1" smtClean="0">
+                              <a:latin typeface="Cambria Math" panose="02040503050406030204" pitchFamily="18" charset="0"/>
+                            </a:rPr>
+                            <m:t>−</m:t>
+                          </m:r>
+                          <m:r>
+                            <a:rPr lang="en-US" b="0" i="1" smtClean="0">
+                              <a:latin typeface="Cambria Math" panose="02040503050406030204" pitchFamily="18" charset="0"/>
+                            </a:rPr>
+                            <m:t>𝑠𝑡</m:t>
+                          </m:r>
+                        </m:sup>
+                      </m:sSup>
+                      <m:r>
+                        <a:rPr lang="en-US" b="0" i="1" smtClean="0">
+                          <a:latin typeface="Cambria Math" panose="02040503050406030204" pitchFamily="18" charset="0"/>
+                        </a:rPr>
+                        <m:t>+</m:t>
+                      </m:r>
+                      <m:d>
+                        <m:dPr>
+                          <m:ctrlPr>
+                            <a:rPr lang="en-US" b="0" i="1" smtClean="0">
+                              <a:latin typeface="Cambria Math" panose="02040503050406030204" pitchFamily="18" charset="0"/>
+                            </a:rPr>
+                          </m:ctrlPr>
+                        </m:dPr>
+                        <m:e>
+                          <m:r>
+                            <a:rPr lang="en-US" b="0" i="1" smtClean="0">
+                              <a:latin typeface="Cambria Math" panose="02040503050406030204" pitchFamily="18" charset="0"/>
+                            </a:rPr>
+                            <m:t>0.8</m:t>
+                          </m:r>
+                        </m:e>
+                      </m:d>
+                      <m:sSup>
+                        <m:sSupPr>
+                          <m:ctrlPr>
+                            <a:rPr lang="en-US" b="0" i="1" smtClean="0">
+                              <a:latin typeface="Cambria Math" panose="02040503050406030204" pitchFamily="18" charset="0"/>
+                            </a:rPr>
+                          </m:ctrlPr>
+                        </m:sSupPr>
+                        <m:e>
+                          <m:r>
+                            <a:rPr lang="en-US" b="0" i="1" smtClean="0">
+                              <a:latin typeface="Cambria Math" panose="02040503050406030204" pitchFamily="18" charset="0"/>
+                            </a:rPr>
+                            <m:t>𝑒</m:t>
+                          </m:r>
+                        </m:e>
+                        <m:sup>
+                          <m:r>
+                            <a:rPr lang="en-US" b="0" i="1" smtClean="0">
+                              <a:latin typeface="Cambria Math" panose="02040503050406030204" pitchFamily="18" charset="0"/>
+                            </a:rPr>
+                            <m:t>−6</m:t>
+                          </m:r>
+                          <m:r>
+                            <m:rPr>
+                              <m:sty m:val="p"/>
+                            </m:rPr>
+                            <a:rPr lang="en-US" b="0" i="0" smtClean="0">
+                              <a:latin typeface="Cambria Math" panose="02040503050406030204" pitchFamily="18" charset="0"/>
+                            </a:rPr>
+                            <m:t>s</m:t>
+                          </m:r>
+                        </m:sup>
+                      </m:sSup>
+                    </m:oMath>
+                  </m:oMathPara>
+                </a14:m>
+                <a:endParaRPr lang="en-US" dirty="0"/>
+              </a:p>
+            </p:txBody>
+          </p:sp>
+        </mc:Choice>
+        <mc:Fallback>
+          <p:sp>
+            <p:nvSpPr>
+              <p:cNvPr id="38" name="TextBox 37">
+                <a:extLst>
+                  <a:ext uri="{FF2B5EF4-FFF2-40B4-BE49-F238E27FC236}">
+                    <a16:creationId xmlns:a16="http://schemas.microsoft.com/office/drawing/2014/main" id="{B457EC3C-F22E-B348-A32E-86B5D549C43A}"/>
+                  </a:ext>
+                </a:extLst>
+              </p:cNvPr>
+              <p:cNvSpPr txBox="1">
+                <a:spLocks noRot="1" noChangeAspect="1" noMove="1" noResize="1" noEditPoints="1" noAdjustHandles="1" noChangeArrowheads="1" noChangeShapeType="1" noTextEdit="1"/>
+              </p:cNvSpPr>
+              <p:nvPr/>
+            </p:nvSpPr>
+            <p:spPr>
+              <a:xfrm>
+                <a:off x="5430087" y="3937682"/>
+                <a:ext cx="2543454" cy="276999"/>
+              </a:xfrm>
+              <a:prstGeom prst="rect">
+                <a:avLst/>
+              </a:prstGeom>
+              <a:blipFill>
+                <a:blip r:embed="rId13"/>
+                <a:stretch>
+                  <a:fillRect b="-40909"/>
+                </a:stretch>
+              </a:blipFill>
+            </p:spPr>
+            <p:txBody>
+              <a:bodyPr/>
+              <a:lstStyle/>
+              <a:p>
+                <a:r>
+                  <a:rPr lang="en-US">
+                    <a:noFill/>
+                  </a:rPr>
+                  <a:t> </a:t>
+                </a:r>
+              </a:p>
+            </p:txBody>
+          </p:sp>
+        </mc:Fallback>
+      </mc:AlternateContent>
+      <p:sp>
+        <p:nvSpPr>
+          <p:cNvPr id="39" name="Rectangle 38">
+            <a:extLst>
+              <a:ext uri="{FF2B5EF4-FFF2-40B4-BE49-F238E27FC236}">
+                <a16:creationId xmlns:a16="http://schemas.microsoft.com/office/drawing/2014/main" id="{A63D0B01-9B56-BE40-96BC-5F71941C22BC}"/>
+              </a:ext>
+            </a:extLst>
+          </p:cNvPr>
+          <p:cNvSpPr/>
+          <p:nvPr/>
+        </p:nvSpPr>
+        <p:spPr>
+          <a:xfrm>
+            <a:off x="6347814" y="4947768"/>
+            <a:ext cx="877997" cy="468193"/>
+          </a:xfrm>
+          <a:prstGeom prst="rect">
+            <a:avLst/>
+          </a:prstGeom>
+          <a:solidFill>
+            <a:schemeClr val="bg1"/>
+          </a:solidFill>
+          <a:ln>
+            <a:noFill/>
+          </a:ln>
+          <a:effectLst>
+            <a:outerShdw dist="23000" sx="1000" sy="1000" rotWithShape="0">
+              <a:srgbClr val="000000"/>
+            </a:outerShdw>
+          </a:effectLst>
+        </p:spPr>
+        <p:style>
+          <a:lnRef idx="1">
+            <a:schemeClr val="accent1"/>
+          </a:lnRef>
+          <a:fillRef idx="3">
+            <a:schemeClr val="accent1"/>
+          </a:fillRef>
+          <a:effectRef idx="2">
+            <a:schemeClr val="accent1"/>
+          </a:effectRef>
+          <a:fontRef idx="minor">
+            <a:schemeClr val="lt1"/>
+          </a:fontRef>
+        </p:style>
+        <p:txBody>
+          <a:bodyPr rtlCol="0" anchor="ctr"/>
+          <a:lstStyle/>
+          <a:p>
+            <a:pPr algn="ctr"/>
+            <a:endParaRPr lang="en-US"/>
+          </a:p>
+        </p:txBody>
+      </p:sp>
+      <p:sp>
+        <p:nvSpPr>
+          <p:cNvPr id="40" name="Rectangle 39">
+            <a:extLst>
+              <a:ext uri="{FF2B5EF4-FFF2-40B4-BE49-F238E27FC236}">
+                <a16:creationId xmlns:a16="http://schemas.microsoft.com/office/drawing/2014/main" id="{00124516-F7F0-624F-880B-7609D9B1EB26}"/>
+              </a:ext>
+            </a:extLst>
+          </p:cNvPr>
+          <p:cNvSpPr/>
+          <p:nvPr/>
+        </p:nvSpPr>
+        <p:spPr>
+          <a:xfrm>
+            <a:off x="4910936" y="3606557"/>
+            <a:ext cx="519151" cy="468193"/>
+          </a:xfrm>
+          <a:prstGeom prst="rect">
+            <a:avLst/>
+          </a:prstGeom>
+          <a:solidFill>
+            <a:schemeClr val="bg1"/>
+          </a:solidFill>
+          <a:ln>
+            <a:noFill/>
+          </a:ln>
+          <a:effectLst>
+            <a:outerShdw dist="23000" sx="1000" sy="1000" rotWithShape="0">
+              <a:srgbClr val="000000"/>
+            </a:outerShdw>
+          </a:effectLst>
+        </p:spPr>
+        <p:style>
+          <a:lnRef idx="1">
+            <a:schemeClr val="accent1"/>
+          </a:lnRef>
+          <a:fillRef idx="3">
+            <a:schemeClr val="accent1"/>
+          </a:fillRef>
+          <a:effectRef idx="2">
+            <a:schemeClr val="accent1"/>
+          </a:effectRef>
+          <a:fontRef idx="minor">
+            <a:schemeClr val="lt1"/>
+          </a:fontRef>
+        </p:style>
+        <p:txBody>
+          <a:bodyPr rtlCol="0" anchor="ctr"/>
+          <a:lstStyle/>
+          <a:p>
+            <a:pPr algn="ctr"/>
+            <a:endParaRPr lang="en-US"/>
+          </a:p>
+        </p:txBody>
+      </p:sp>
+      <p:sp>
+        <p:nvSpPr>
+          <p:cNvPr id="6" name="TextBox 5">
+            <a:extLst>
+              <a:ext uri="{FF2B5EF4-FFF2-40B4-BE49-F238E27FC236}">
+                <a16:creationId xmlns:a16="http://schemas.microsoft.com/office/drawing/2014/main" id="{F91BA7CA-6800-F142-81C1-2C4AA3FA9BEE}"/>
+              </a:ext>
+            </a:extLst>
+          </p:cNvPr>
+          <p:cNvSpPr txBox="1"/>
+          <p:nvPr/>
+        </p:nvSpPr>
+        <p:spPr>
+          <a:xfrm>
+            <a:off x="1594872" y="5882894"/>
+            <a:ext cx="5952564" cy="707886"/>
+          </a:xfrm>
+          <a:prstGeom prst="rect">
+            <a:avLst/>
+          </a:prstGeom>
+          <a:noFill/>
+        </p:spPr>
+        <p:txBody>
+          <a:bodyPr wrap="square" rtlCol="0">
+            <a:spAutoFit/>
+          </a:bodyPr>
+          <a:lstStyle/>
+          <a:p>
+            <a:r>
+              <a:rPr lang="en-US" sz="2000" b="1" dirty="0"/>
+              <a:t>Signals and systems can be described using combinations of more Laplace Transforms.</a:t>
+            </a:r>
+          </a:p>
+        </p:txBody>
+      </p:sp>
     </p:spTree>
     <p:extLst>
       <p:ext uri="{BB962C8B-B14F-4D97-AF65-F5344CB8AC3E}">
-        <p14:creationId xmlns:p14="http://schemas.microsoft.com/office/powerpoint/2010/main" val="2696820165"/>
+        <p14:creationId xmlns:p14="http://schemas.microsoft.com/office/powerpoint/2010/main" val="1641435272"/>
       </p:ext>
     </p:extLst>
   </p:cSld>
   <p:clrMapOvr>
     <a:masterClrMapping/>
   </p:clrMapOvr>
+  <p:timing>
+    <p:tnLst>
+      <p:par>
+        <p:cTn id="1" dur="indefinite" restart="never" nodeType="tmRoot">
+          <p:childTnLst>
+            <p:seq concurrent="1" nextAc="seek">
+              <p:cTn id="2" dur="indefinite" nodeType="mainSeq">
+                <p:childTnLst>
+                  <p:par>
+                    <p:cTn id="3" fill="hold">
+                      <p:stCondLst>
+                        <p:cond delay="indefinite"/>
+                      </p:stCondLst>
+                      <p:childTnLst>
+                        <p:par>
+                          <p:cTn id="4" fill="hold">
+                            <p:stCondLst>
+                              <p:cond delay="0"/>
+                            </p:stCondLst>
+                            <p:childTnLst>
+                              <p:par>
+                                <p:cTn id="5" presetID="1" presetClass="entr" presetSubtype="0" fill="hold" grpId="0" nodeType="clickEffect">
+                                  <p:stCondLst>
+                                    <p:cond delay="0"/>
+                                  </p:stCondLst>
+                                  <p:childTnLst>
+                                    <p:set>
+                                      <p:cBhvr>
+                                        <p:cTn id="6" dur="1" fill="hold">
+                                          <p:stCondLst>
+                                            <p:cond delay="0"/>
+                                          </p:stCondLst>
+                                        </p:cTn>
+                                        <p:tgtEl>
+                                          <p:spTgt spid="17"/>
+                                        </p:tgtEl>
+                                        <p:attrNameLst>
+                                          <p:attrName>style.visibility</p:attrName>
+                                        </p:attrNameLst>
+                                      </p:cBhvr>
+                                      <p:to>
+                                        <p:strVal val="visible"/>
+                                      </p:to>
+                                    </p:set>
+                                  </p:childTnLst>
+                                </p:cTn>
+                              </p:par>
+                              <p:par>
+                                <p:cTn id="7" presetID="1" presetClass="entr" presetSubtype="0" fill="hold" grpId="0" nodeType="withEffect">
+                                  <p:stCondLst>
+                                    <p:cond delay="0"/>
+                                  </p:stCondLst>
+                                  <p:childTnLst>
+                                    <p:set>
+                                      <p:cBhvr>
+                                        <p:cTn id="8" dur="1" fill="hold">
+                                          <p:stCondLst>
+                                            <p:cond delay="0"/>
+                                          </p:stCondLst>
+                                        </p:cTn>
+                                        <p:tgtEl>
+                                          <p:spTgt spid="10"/>
+                                        </p:tgtEl>
+                                        <p:attrNameLst>
+                                          <p:attrName>style.visibility</p:attrName>
+                                        </p:attrNameLst>
+                                      </p:cBhvr>
+                                      <p:to>
+                                        <p:strVal val="visible"/>
+                                      </p:to>
+                                    </p:set>
+                                  </p:childTnLst>
+                                </p:cTn>
+                              </p:par>
+                            </p:childTnLst>
+                          </p:cTn>
+                        </p:par>
+                      </p:childTnLst>
+                    </p:cTn>
+                  </p:par>
+                  <p:par>
+                    <p:cTn id="9" fill="hold">
+                      <p:stCondLst>
+                        <p:cond delay="indefinite"/>
+                      </p:stCondLst>
+                      <p:childTnLst>
+                        <p:par>
+                          <p:cTn id="10" fill="hold">
+                            <p:stCondLst>
+                              <p:cond delay="0"/>
+                            </p:stCondLst>
+                            <p:childTnLst>
+                              <p:par>
+                                <p:cTn id="11" presetID="1" presetClass="entr" presetSubtype="0" fill="hold" nodeType="clickEffect">
+                                  <p:stCondLst>
+                                    <p:cond delay="0"/>
+                                  </p:stCondLst>
+                                  <p:childTnLst>
+                                    <p:set>
+                                      <p:cBhvr>
+                                        <p:cTn id="12" dur="1" fill="hold">
+                                          <p:stCondLst>
+                                            <p:cond delay="0"/>
+                                          </p:stCondLst>
+                                        </p:cTn>
+                                        <p:tgtEl>
+                                          <p:spTgt spid="35">
+                                            <p:txEl>
+                                              <p:pRg st="0" end="0"/>
+                                            </p:txEl>
+                                          </p:spTgt>
+                                        </p:tgtEl>
+                                        <p:attrNameLst>
+                                          <p:attrName>style.visibility</p:attrName>
+                                        </p:attrNameLst>
+                                      </p:cBhvr>
+                                      <p:to>
+                                        <p:strVal val="visible"/>
+                                      </p:to>
+                                    </p:set>
+                                  </p:childTnLst>
+                                </p:cTn>
+                              </p:par>
+                            </p:childTnLst>
+                          </p:cTn>
+                        </p:par>
+                      </p:childTnLst>
+                    </p:cTn>
+                  </p:par>
+                  <p:par>
+                    <p:cTn id="13" fill="hold">
+                      <p:stCondLst>
+                        <p:cond delay="indefinite"/>
+                      </p:stCondLst>
+                      <p:childTnLst>
+                        <p:par>
+                          <p:cTn id="14" fill="hold">
+                            <p:stCondLst>
+                              <p:cond delay="0"/>
+                            </p:stCondLst>
+                            <p:childTnLst>
+                              <p:par>
+                                <p:cTn id="15" presetID="1" presetClass="entr" presetSubtype="0" fill="hold" grpId="0" nodeType="clickEffect">
+                                  <p:stCondLst>
+                                    <p:cond delay="0"/>
+                                  </p:stCondLst>
+                                  <p:childTnLst>
+                                    <p:set>
+                                      <p:cBhvr>
+                                        <p:cTn id="16" dur="1" fill="hold">
+                                          <p:stCondLst>
+                                            <p:cond delay="0"/>
+                                          </p:stCondLst>
+                                        </p:cTn>
+                                        <p:tgtEl>
+                                          <p:spTgt spid="36"/>
+                                        </p:tgtEl>
+                                        <p:attrNameLst>
+                                          <p:attrName>style.visibility</p:attrName>
+                                        </p:attrNameLst>
+                                      </p:cBhvr>
+                                      <p:to>
+                                        <p:strVal val="visible"/>
+                                      </p:to>
+                                    </p:set>
+                                  </p:childTnLst>
+                                </p:cTn>
+                              </p:par>
+                            </p:childTnLst>
+                          </p:cTn>
+                        </p:par>
+                      </p:childTnLst>
+                    </p:cTn>
+                  </p:par>
+                  <p:par>
+                    <p:cTn id="17" fill="hold">
+                      <p:stCondLst>
+                        <p:cond delay="indefinite"/>
+                      </p:stCondLst>
+                      <p:childTnLst>
+                        <p:par>
+                          <p:cTn id="18" fill="hold">
+                            <p:stCondLst>
+                              <p:cond delay="0"/>
+                            </p:stCondLst>
+                            <p:childTnLst>
+                              <p:par>
+                                <p:cTn id="19" presetID="1" presetClass="entr" presetSubtype="0" fill="hold" nodeType="clickEffect">
+                                  <p:stCondLst>
+                                    <p:cond delay="0"/>
+                                  </p:stCondLst>
+                                  <p:childTnLst>
+                                    <p:set>
+                                      <p:cBhvr>
+                                        <p:cTn id="20" dur="1" fill="hold">
+                                          <p:stCondLst>
+                                            <p:cond delay="0"/>
+                                          </p:stCondLst>
+                                        </p:cTn>
+                                        <p:tgtEl>
+                                          <p:spTgt spid="32"/>
+                                        </p:tgtEl>
+                                        <p:attrNameLst>
+                                          <p:attrName>style.visibility</p:attrName>
+                                        </p:attrNameLst>
+                                      </p:cBhvr>
+                                      <p:to>
+                                        <p:strVal val="visible"/>
+                                      </p:to>
+                                    </p:set>
+                                  </p:childTnLst>
+                                </p:cTn>
+                              </p:par>
+                            </p:childTnLst>
+                          </p:cTn>
+                        </p:par>
+                      </p:childTnLst>
+                    </p:cTn>
+                  </p:par>
+                  <p:par>
+                    <p:cTn id="21" fill="hold">
+                      <p:stCondLst>
+                        <p:cond delay="indefinite"/>
+                      </p:stCondLst>
+                      <p:childTnLst>
+                        <p:par>
+                          <p:cTn id="22" fill="hold">
+                            <p:stCondLst>
+                              <p:cond delay="0"/>
+                            </p:stCondLst>
+                            <p:childTnLst>
+                              <p:par>
+                                <p:cTn id="23" presetID="1" presetClass="entr" presetSubtype="0" fill="hold" grpId="0" nodeType="clickEffect">
+                                  <p:stCondLst>
+                                    <p:cond delay="0"/>
+                                  </p:stCondLst>
+                                  <p:childTnLst>
+                                    <p:set>
+                                      <p:cBhvr>
+                                        <p:cTn id="24" dur="1" fill="hold">
+                                          <p:stCondLst>
+                                            <p:cond delay="0"/>
+                                          </p:stCondLst>
+                                        </p:cTn>
+                                        <p:tgtEl>
+                                          <p:spTgt spid="23"/>
+                                        </p:tgtEl>
+                                        <p:attrNameLst>
+                                          <p:attrName>style.visibility</p:attrName>
+                                        </p:attrNameLst>
+                                      </p:cBhvr>
+                                      <p:to>
+                                        <p:strVal val="visible"/>
+                                      </p:to>
+                                    </p:set>
+                                  </p:childTnLst>
+                                </p:cTn>
+                              </p:par>
+                            </p:childTnLst>
+                          </p:cTn>
+                        </p:par>
+                      </p:childTnLst>
+                    </p:cTn>
+                  </p:par>
+                  <p:par>
+                    <p:cTn id="25" fill="hold">
+                      <p:stCondLst>
+                        <p:cond delay="indefinite"/>
+                      </p:stCondLst>
+                      <p:childTnLst>
+                        <p:par>
+                          <p:cTn id="26" fill="hold">
+                            <p:stCondLst>
+                              <p:cond delay="0"/>
+                            </p:stCondLst>
+                            <p:childTnLst>
+                              <p:par>
+                                <p:cTn id="27" presetID="1" presetClass="entr" presetSubtype="0" fill="hold" nodeType="clickEffect">
+                                  <p:stCondLst>
+                                    <p:cond delay="0"/>
+                                  </p:stCondLst>
+                                  <p:childTnLst>
+                                    <p:set>
+                                      <p:cBhvr>
+                                        <p:cTn id="28" dur="1" fill="hold">
+                                          <p:stCondLst>
+                                            <p:cond delay="0"/>
+                                          </p:stCondLst>
+                                        </p:cTn>
+                                        <p:tgtEl>
+                                          <p:spTgt spid="8"/>
+                                        </p:tgtEl>
+                                        <p:attrNameLst>
+                                          <p:attrName>style.visibility</p:attrName>
+                                        </p:attrNameLst>
+                                      </p:cBhvr>
+                                      <p:to>
+                                        <p:strVal val="visible"/>
+                                      </p:to>
+                                    </p:set>
+                                  </p:childTnLst>
+                                </p:cTn>
+                              </p:par>
+                            </p:childTnLst>
+                          </p:cTn>
+                        </p:par>
+                      </p:childTnLst>
+                    </p:cTn>
+                  </p:par>
+                  <p:par>
+                    <p:cTn id="29" fill="hold">
+                      <p:stCondLst>
+                        <p:cond delay="indefinite"/>
+                      </p:stCondLst>
+                      <p:childTnLst>
+                        <p:par>
+                          <p:cTn id="30" fill="hold">
+                            <p:stCondLst>
+                              <p:cond delay="0"/>
+                            </p:stCondLst>
+                            <p:childTnLst>
+                              <p:par>
+                                <p:cTn id="31" presetID="1" presetClass="entr" presetSubtype="0" fill="hold" grpId="0" nodeType="clickEffect">
+                                  <p:stCondLst>
+                                    <p:cond delay="0"/>
+                                  </p:stCondLst>
+                                  <p:childTnLst>
+                                    <p:set>
+                                      <p:cBhvr>
+                                        <p:cTn id="32" dur="1" fill="hold">
+                                          <p:stCondLst>
+                                            <p:cond delay="0"/>
+                                          </p:stCondLst>
+                                        </p:cTn>
+                                        <p:tgtEl>
+                                          <p:spTgt spid="25"/>
+                                        </p:tgtEl>
+                                        <p:attrNameLst>
+                                          <p:attrName>style.visibility</p:attrName>
+                                        </p:attrNameLst>
+                                      </p:cBhvr>
+                                      <p:to>
+                                        <p:strVal val="visible"/>
+                                      </p:to>
+                                    </p:set>
+                                  </p:childTnLst>
+                                </p:cTn>
+                              </p:par>
+                            </p:childTnLst>
+                          </p:cTn>
+                        </p:par>
+                      </p:childTnLst>
+                    </p:cTn>
+                  </p:par>
+                  <p:par>
+                    <p:cTn id="33" fill="hold">
+                      <p:stCondLst>
+                        <p:cond delay="indefinite"/>
+                      </p:stCondLst>
+                      <p:childTnLst>
+                        <p:par>
+                          <p:cTn id="34" fill="hold">
+                            <p:stCondLst>
+                              <p:cond delay="0"/>
+                            </p:stCondLst>
+                            <p:childTnLst>
+                              <p:par>
+                                <p:cTn id="35" presetID="1" presetClass="entr" presetSubtype="0" fill="hold" nodeType="clickEffect">
+                                  <p:stCondLst>
+                                    <p:cond delay="0"/>
+                                  </p:stCondLst>
+                                  <p:childTnLst>
+                                    <p:set>
+                                      <p:cBhvr>
+                                        <p:cTn id="36" dur="1" fill="hold">
+                                          <p:stCondLst>
+                                            <p:cond delay="0"/>
+                                          </p:stCondLst>
+                                        </p:cTn>
+                                        <p:tgtEl>
+                                          <p:spTgt spid="37"/>
+                                        </p:tgtEl>
+                                        <p:attrNameLst>
+                                          <p:attrName>style.visibility</p:attrName>
+                                        </p:attrNameLst>
+                                      </p:cBhvr>
+                                      <p:to>
+                                        <p:strVal val="visible"/>
+                                      </p:to>
+                                    </p:set>
+                                  </p:childTnLst>
+                                </p:cTn>
+                              </p:par>
+                            </p:childTnLst>
+                          </p:cTn>
+                        </p:par>
+                      </p:childTnLst>
+                    </p:cTn>
+                  </p:par>
+                  <p:par>
+                    <p:cTn id="37" fill="hold">
+                      <p:stCondLst>
+                        <p:cond delay="indefinite"/>
+                      </p:stCondLst>
+                      <p:childTnLst>
+                        <p:par>
+                          <p:cTn id="38" fill="hold">
+                            <p:stCondLst>
+                              <p:cond delay="0"/>
+                            </p:stCondLst>
+                            <p:childTnLst>
+                              <p:par>
+                                <p:cTn id="39" presetID="1" presetClass="entr" presetSubtype="0" fill="hold" grpId="0" nodeType="clickEffect">
+                                  <p:stCondLst>
+                                    <p:cond delay="0"/>
+                                  </p:stCondLst>
+                                  <p:childTnLst>
+                                    <p:set>
+                                      <p:cBhvr>
+                                        <p:cTn id="40" dur="1" fill="hold">
+                                          <p:stCondLst>
+                                            <p:cond delay="0"/>
+                                          </p:stCondLst>
+                                        </p:cTn>
+                                        <p:tgtEl>
+                                          <p:spTgt spid="38"/>
+                                        </p:tgtEl>
+                                        <p:attrNameLst>
+                                          <p:attrName>style.visibility</p:attrName>
+                                        </p:attrNameLst>
+                                      </p:cBhvr>
+                                      <p:to>
+                                        <p:strVal val="visible"/>
+                                      </p:to>
+                                    </p:set>
+                                  </p:childTnLst>
+                                </p:cTn>
+                              </p:par>
+                            </p:childTnLst>
+                          </p:cTn>
+                        </p:par>
+                      </p:childTnLst>
+                    </p:cTn>
+                  </p:par>
+                  <p:par>
+                    <p:cTn id="41" fill="hold">
+                      <p:stCondLst>
+                        <p:cond delay="indefinite"/>
+                      </p:stCondLst>
+                      <p:childTnLst>
+                        <p:par>
+                          <p:cTn id="42" fill="hold">
+                            <p:stCondLst>
+                              <p:cond delay="0"/>
+                            </p:stCondLst>
+                            <p:childTnLst>
+                              <p:par>
+                                <p:cTn id="43" presetID="1" presetClass="entr" presetSubtype="0" fill="hold" grpId="0" nodeType="clickEffect">
+                                  <p:stCondLst>
+                                    <p:cond delay="0"/>
+                                  </p:stCondLst>
+                                  <p:childTnLst>
+                                    <p:set>
+                                      <p:cBhvr>
+                                        <p:cTn id="44" dur="1" fill="hold">
+                                          <p:stCondLst>
+                                            <p:cond delay="0"/>
+                                          </p:stCondLst>
+                                        </p:cTn>
+                                        <p:tgtEl>
+                                          <p:spTgt spid="6"/>
+                                        </p:tgtEl>
+                                        <p:attrNameLst>
+                                          <p:attrName>style.visibility</p:attrName>
+                                        </p:attrNameLst>
+                                      </p:cBhvr>
+                                      <p:to>
+                                        <p:strVal val="visible"/>
+                                      </p:to>
+                                    </p:set>
+                                  </p:childTnLst>
+                                </p:cTn>
+                              </p:par>
+                            </p:childTnLst>
+                          </p:cTn>
+                        </p:par>
+                      </p:childTnLst>
+                    </p:cTn>
+                  </p:par>
+                </p:childTnLst>
+              </p:cTn>
+              <p:prevCondLst>
+                <p:cond evt="onPrev" delay="0">
+                  <p:tgtEl>
+                    <p:sldTgt/>
+                  </p:tgtEl>
+                </p:cond>
+              </p:prevCondLst>
+              <p:nextCondLst>
+                <p:cond evt="onNext" delay="0">
+                  <p:tgtEl>
+                    <p:sldTgt/>
+                  </p:tgtEl>
+                </p:cond>
+              </p:nextCondLst>
+            </p:seq>
+          </p:childTnLst>
+        </p:cTn>
+      </p:par>
+    </p:tnLst>
+    <p:bldLst>
+      <p:bldP spid="10" grpId="0"/>
+      <p:bldP spid="17" grpId="0"/>
+      <p:bldP spid="23" grpId="0"/>
+      <p:bldP spid="25" grpId="0"/>
+      <p:bldP spid="36" grpId="0"/>
+      <p:bldP spid="38" grpId="0"/>
+      <p:bldP spid="6" grpId="0"/>
+    </p:bldLst>
+  </p:timing>
 </p:sld>
 </file>
 
-<file path=ppt/slides/slide8.xml><?xml version="1.0" encoding="utf-8"?>
+<file path=ppt/slides/slide9.xml><?xml version="1.0" encoding="utf-8"?>
 <p:sld xmlns:a="http://schemas.openxmlformats.org/drawingml/2006/main" xmlns:r="http://schemas.openxmlformats.org/officeDocument/2006/relationships" xmlns:p="http://schemas.openxmlformats.org/presentationml/2006/main">
   <p:cSld>
     <p:spTree>
@@ -38375,7 +43980,7 @@
               <a:pPr>
                 <a:defRPr/>
               </a:pPr>
-              <a:t>8</a:t>
+              <a:t>9</a:t>
             </a:fld>
             <a:endParaRPr lang="en-US" altLang="x-none"/>
           </a:p>
@@ -39608,7 +45213,7 @@
             </p:nvSpPr>
             <p:spPr>
               <a:xfrm>
-                <a:off x="5785789" y="5451140"/>
+                <a:off x="1216228" y="5588205"/>
                 <a:ext cx="1496756" cy="520463"/>
               </a:xfrm>
               <a:prstGeom prst="rect">
@@ -39740,7 +45345,7 @@
             </p:nvSpPr>
             <p:spPr>
               <a:xfrm>
-                <a:off x="5785789" y="5451140"/>
+                <a:off x="1216228" y="5588205"/>
                 <a:ext cx="1496756" cy="520463"/>
               </a:xfrm>
               <a:prstGeom prst="rect">
@@ -39749,7 +45354,7 @@
               <a:blipFill>
                 <a:blip r:embed="rId11"/>
                 <a:stretch>
-                  <a:fillRect l="-2521" t="-4762" r="-840" b="-9524"/>
+                  <a:fillRect l="-3390" t="-7317" r="-847" b="-9756"/>
                 </a:stretch>
               </a:blipFill>
             </p:spPr>
@@ -39782,8 +45387,8 @@
         </p:nvSpPr>
         <p:spPr>
           <a:xfrm>
-            <a:off x="1782873" y="5606824"/>
-            <a:ext cx="4019114" cy="369332"/>
+            <a:off x="1460143" y="5140658"/>
+            <a:ext cx="4506426" cy="369332"/>
           </a:xfrm>
           <a:prstGeom prst="rect">
             <a:avLst/>
@@ -39798,110 +45403,8 @@
           <a:p>
             <a:r>
               <a:rPr lang="en-US" b="1" dirty="0"/>
-              <a:t>Laplace Transform of exponential: </a:t>
+              <a:t>Laplace Transform of transcendentals: </a:t>
             </a:r>
-          </a:p>
-        </p:txBody>
-      </p:sp>
-    </p:spTree>
-    <p:extLst>
-      <p:ext uri="{BB962C8B-B14F-4D97-AF65-F5344CB8AC3E}">
-        <p14:creationId xmlns:p14="http://schemas.microsoft.com/office/powerpoint/2010/main" val="1533241670"/>
-      </p:ext>
-    </p:extLst>
-  </p:cSld>
-  <p:clrMapOvr>
-    <a:masterClrMapping/>
-  </p:clrMapOvr>
-</p:sld>
-</file>
-
-<file path=ppt/slides/slide9.xml><?xml version="1.0" encoding="utf-8"?>
-<p:sld xmlns:a="http://schemas.openxmlformats.org/drawingml/2006/main" xmlns:r="http://schemas.openxmlformats.org/officeDocument/2006/relationships" xmlns:p="http://schemas.openxmlformats.org/presentationml/2006/main">
-  <p:cSld>
-    <p:spTree>
-      <p:nvGrpSpPr>
-        <p:cNvPr id="1" name=""/>
-        <p:cNvGrpSpPr/>
-        <p:nvPr/>
-      </p:nvGrpSpPr>
-      <p:grpSpPr>
-        <a:xfrm>
-          <a:off x="0" y="0"/>
-          <a:ext cx="0" cy="0"/>
-          <a:chOff x="0" y="0"/>
-          <a:chExt cx="0" cy="0"/>
-        </a:xfrm>
-      </p:grpSpPr>
-      <p:sp>
-        <p:nvSpPr>
-          <p:cNvPr id="2" name="Title 1">
-            <a:extLst>
-              <a:ext uri="{FF2B5EF4-FFF2-40B4-BE49-F238E27FC236}">
-                <a16:creationId xmlns:a16="http://schemas.microsoft.com/office/drawing/2014/main" id="{987E0427-1475-0C4B-AABA-E0914B9F010A}"/>
-              </a:ext>
-            </a:extLst>
-          </p:cNvPr>
-          <p:cNvSpPr>
-            <a:spLocks noGrp="1"/>
-          </p:cNvSpPr>
-          <p:nvPr>
-            <p:ph type="title"/>
-          </p:nvPr>
-        </p:nvSpPr>
-        <p:spPr>
-          <a:xfrm>
-            <a:off x="457200" y="228600"/>
-            <a:ext cx="6490447" cy="838200"/>
-          </a:xfrm>
-        </p:spPr>
-        <p:txBody>
-          <a:bodyPr/>
-          <a:lstStyle/>
-          <a:p>
-            <a:r>
-              <a:rPr lang="en-US" dirty="0" err="1"/>
-              <a:t>LaPlace</a:t>
-            </a:r>
-            <a:r>
-              <a:rPr lang="en-US" dirty="0"/>
-              <a:t> Transform Properties</a:t>
-            </a:r>
-          </a:p>
-        </p:txBody>
-      </p:sp>
-      <p:sp>
-        <p:nvSpPr>
-          <p:cNvPr id="3" name="Slide Number Placeholder 2">
-            <a:extLst>
-              <a:ext uri="{FF2B5EF4-FFF2-40B4-BE49-F238E27FC236}">
-                <a16:creationId xmlns:a16="http://schemas.microsoft.com/office/drawing/2014/main" id="{A1F494F0-B65D-FF43-AAE2-7652ADCD6FA0}"/>
-              </a:ext>
-            </a:extLst>
-          </p:cNvPr>
-          <p:cNvSpPr>
-            <a:spLocks noGrp="1"/>
-          </p:cNvSpPr>
-          <p:nvPr>
-            <p:ph type="sldNum" sz="quarter" idx="11"/>
-          </p:nvPr>
-        </p:nvSpPr>
-        <p:spPr/>
-        <p:txBody>
-          <a:bodyPr/>
-          <a:lstStyle/>
-          <a:p>
-            <a:pPr>
-              <a:defRPr/>
-            </a:pPr>
-            <a:fld id="{2E4304A7-0FB2-4094-BC1E-DB17183AD0C1}" type="slidenum">
-              <a:rPr lang="en-US" altLang="x-none" smtClean="0"/>
-              <a:pPr>
-                <a:defRPr/>
-              </a:pPr>
-              <a:t>9</a:t>
-            </a:fld>
-            <a:endParaRPr lang="en-US" altLang="x-none"/>
           </a:p>
         </p:txBody>
       </p:sp>
@@ -39909,10 +45412,10 @@
         <mc:Choice xmlns:a14="http://schemas.microsoft.com/office/drawing/2010/main" Requires="a14">
           <p:sp>
             <p:nvSpPr>
-              <p:cNvPr id="4" name="TextBox 3">
+              <p:cNvPr id="19" name="TextBox 18">
                 <a:extLst>
                   <a:ext uri="{FF2B5EF4-FFF2-40B4-BE49-F238E27FC236}">
-                    <a16:creationId xmlns:a16="http://schemas.microsoft.com/office/drawing/2014/main" id="{4E8F59F2-E23B-5F4F-9327-D1FE599E4C48}"/>
+                    <a16:creationId xmlns:a16="http://schemas.microsoft.com/office/drawing/2014/main" id="{47FBB457-A9A5-C641-9C65-94E32F817B69}"/>
                   </a:ext>
                 </a:extLst>
               </p:cNvPr>
@@ -39921,373 +45424,8 @@
             </p:nvSpPr>
             <p:spPr>
               <a:xfrm>
-                <a:off x="6812224" y="291068"/>
-                <a:ext cx="2018117" cy="599331"/>
-              </a:xfrm>
-              <a:prstGeom prst="rect">
-                <a:avLst/>
-              </a:prstGeom>
-              <a:noFill/>
-            </p:spPr>
-            <p:txBody>
-              <a:bodyPr wrap="none" lIns="0" tIns="0" rIns="0" bIns="0" rtlCol="0">
-                <a:spAutoFit/>
-              </a:bodyPr>
-              <a:lstStyle/>
-              <a:p>
-                <a14:m>
-                  <m:oMathPara xmlns:m="http://schemas.openxmlformats.org/officeDocument/2006/math">
-                    <m:oMathParaPr>
-                      <m:jc m:val="centerGroup"/>
-                    </m:oMathParaPr>
-                    <m:oMath xmlns:m="http://schemas.openxmlformats.org/officeDocument/2006/math">
-                      <m:r>
-                        <a:rPr lang="en-US" b="0" i="1" smtClean="0">
-                          <a:latin typeface="Cambria Math" panose="02040503050406030204" pitchFamily="18" charset="0"/>
-                        </a:rPr>
-                        <m:t>𝐺</m:t>
-                      </m:r>
-                      <m:d>
-                        <m:dPr>
-                          <m:ctrlPr>
-                            <a:rPr lang="en-US" b="0" i="1" smtClean="0">
-                              <a:latin typeface="Cambria Math" panose="02040503050406030204" pitchFamily="18" charset="0"/>
-                            </a:rPr>
-                          </m:ctrlPr>
-                        </m:dPr>
-                        <m:e>
-                          <m:r>
-                            <a:rPr lang="en-US" b="0" i="1" smtClean="0">
-                              <a:latin typeface="Cambria Math" panose="02040503050406030204" pitchFamily="18" charset="0"/>
-                            </a:rPr>
-                            <m:t>𝑠</m:t>
-                          </m:r>
-                        </m:e>
-                      </m:d>
-                      <m:r>
-                        <a:rPr lang="en-US" b="0" i="1" smtClean="0">
-                          <a:latin typeface="Cambria Math" panose="02040503050406030204" pitchFamily="18" charset="0"/>
-                        </a:rPr>
-                        <m:t>=</m:t>
-                      </m:r>
-                      <m:nary>
-                        <m:naryPr>
-                          <m:ctrlPr>
-                            <a:rPr lang="en-US" b="0" i="1" smtClean="0">
-                              <a:latin typeface="Cambria Math" panose="02040503050406030204" pitchFamily="18" charset="0"/>
-                            </a:rPr>
-                          </m:ctrlPr>
-                        </m:naryPr>
-                        <m:sub>
-                          <m:r>
-                            <a:rPr lang="en-US" b="0" i="1" smtClean="0">
-                              <a:latin typeface="Cambria Math" panose="02040503050406030204" pitchFamily="18" charset="0"/>
-                            </a:rPr>
-                            <m:t>0</m:t>
-                          </m:r>
-                        </m:sub>
-                        <m:sup>
-                          <m:r>
-                            <a:rPr lang="en-US" b="0" i="1" smtClean="0">
-                              <a:latin typeface="Cambria Math" panose="02040503050406030204" pitchFamily="18" charset="0"/>
-                            </a:rPr>
-                            <m:t>∞</m:t>
-                          </m:r>
-                        </m:sup>
-                        <m:e>
-                          <m:r>
-                            <a:rPr lang="en-US" b="0" i="1" smtClean="0">
-                              <a:latin typeface="Cambria Math" panose="02040503050406030204" pitchFamily="18" charset="0"/>
-                            </a:rPr>
-                            <m:t>𝑔</m:t>
-                          </m:r>
-                          <m:d>
-                            <m:dPr>
-                              <m:ctrlPr>
-                                <a:rPr lang="en-US" b="0" i="1" smtClean="0">
-                                  <a:latin typeface="Cambria Math" panose="02040503050406030204" pitchFamily="18" charset="0"/>
-                                </a:rPr>
-                              </m:ctrlPr>
-                            </m:dPr>
-                            <m:e>
-                              <m:r>
-                                <a:rPr lang="en-US" b="0" i="1" smtClean="0">
-                                  <a:latin typeface="Cambria Math" panose="02040503050406030204" pitchFamily="18" charset="0"/>
-                                </a:rPr>
-                                <m:t>𝑡</m:t>
-                              </m:r>
-                            </m:e>
-                          </m:d>
-                          <m:sSup>
-                            <m:sSupPr>
-                              <m:ctrlPr>
-                                <a:rPr lang="en-US" b="0" i="1" smtClean="0">
-                                  <a:latin typeface="Cambria Math" panose="02040503050406030204" pitchFamily="18" charset="0"/>
-                                </a:rPr>
-                              </m:ctrlPr>
-                            </m:sSupPr>
-                            <m:e>
-                              <m:r>
-                                <a:rPr lang="en-US" b="0" i="1" smtClean="0">
-                                  <a:latin typeface="Cambria Math" panose="02040503050406030204" pitchFamily="18" charset="0"/>
-                                </a:rPr>
-                                <m:t>𝑒</m:t>
-                              </m:r>
-                            </m:e>
-                            <m:sup>
-                              <m:r>
-                                <a:rPr lang="en-US" b="0" i="1" smtClean="0">
-                                  <a:latin typeface="Cambria Math" panose="02040503050406030204" pitchFamily="18" charset="0"/>
-                                </a:rPr>
-                                <m:t>−</m:t>
-                              </m:r>
-                              <m:r>
-                                <a:rPr lang="en-US" b="0" i="1" smtClean="0">
-                                  <a:latin typeface="Cambria Math" panose="02040503050406030204" pitchFamily="18" charset="0"/>
-                                </a:rPr>
-                                <m:t>𝑠𝑡</m:t>
-                              </m:r>
-                            </m:sup>
-                          </m:sSup>
-                        </m:e>
-                      </m:nary>
-                    </m:oMath>
-                  </m:oMathPara>
-                </a14:m>
-                <a:endParaRPr lang="en-US" dirty="0"/>
-              </a:p>
-            </p:txBody>
-          </p:sp>
-        </mc:Choice>
-        <mc:Fallback>
-          <p:sp>
-            <p:nvSpPr>
-              <p:cNvPr id="4" name="TextBox 3">
-                <a:extLst>
-                  <a:ext uri="{FF2B5EF4-FFF2-40B4-BE49-F238E27FC236}">
-                    <a16:creationId xmlns:a16="http://schemas.microsoft.com/office/drawing/2014/main" id="{4E8F59F2-E23B-5F4F-9327-D1FE599E4C48}"/>
-                  </a:ext>
-                </a:extLst>
-              </p:cNvPr>
-              <p:cNvSpPr txBox="1">
-                <a:spLocks noRot="1" noChangeAspect="1" noMove="1" noResize="1" noEditPoints="1" noAdjustHandles="1" noChangeArrowheads="1" noChangeShapeType="1" noTextEdit="1"/>
-              </p:cNvSpPr>
-              <p:nvPr/>
-            </p:nvSpPr>
-            <p:spPr>
-              <a:xfrm>
-                <a:off x="6812224" y="291068"/>
-                <a:ext cx="2018117" cy="599331"/>
-              </a:xfrm>
-              <a:prstGeom prst="rect">
-                <a:avLst/>
-              </a:prstGeom>
-              <a:blipFill>
-                <a:blip r:embed="rId3"/>
-                <a:stretch>
-                  <a:fillRect l="-10000" t="-191667" b="-279167"/>
-                </a:stretch>
-              </a:blipFill>
-            </p:spPr>
-            <p:txBody>
-              <a:bodyPr/>
-              <a:lstStyle/>
-              <a:p>
-                <a:r>
-                  <a:rPr lang="en-US">
-                    <a:noFill/>
-                  </a:rPr>
-                  <a:t> </a:t>
-                </a:r>
-              </a:p>
-            </p:txBody>
-          </p:sp>
-        </mc:Fallback>
-      </mc:AlternateContent>
-      <mc:AlternateContent xmlns:mc="http://schemas.openxmlformats.org/markup-compatibility/2006">
-        <mc:Choice xmlns:a14="http://schemas.microsoft.com/office/drawing/2010/main" Requires="a14">
-          <p:sp>
-            <p:nvSpPr>
-              <p:cNvPr id="20" name="TextBox 19">
-                <a:extLst>
-                  <a:ext uri="{FF2B5EF4-FFF2-40B4-BE49-F238E27FC236}">
-                    <a16:creationId xmlns:a16="http://schemas.microsoft.com/office/drawing/2014/main" id="{DDFC9141-8B0F-3445-A864-6687F2985B3A}"/>
-                  </a:ext>
-                </a:extLst>
-              </p:cNvPr>
-              <p:cNvSpPr txBox="1"/>
-              <p:nvPr/>
-            </p:nvSpPr>
-            <p:spPr>
-              <a:xfrm>
-                <a:off x="4078940" y="2689237"/>
-                <a:ext cx="1655518" cy="276999"/>
-              </a:xfrm>
-              <a:prstGeom prst="rect">
-                <a:avLst/>
-              </a:prstGeom>
-              <a:noFill/>
-            </p:spPr>
-            <p:txBody>
-              <a:bodyPr wrap="none" lIns="0" tIns="0" rIns="0" bIns="0" rtlCol="0">
-                <a:spAutoFit/>
-              </a:bodyPr>
-              <a:lstStyle/>
-              <a:p>
-                <a14:m>
-                  <m:oMathPara xmlns:m="http://schemas.openxmlformats.org/officeDocument/2006/math">
-                    <m:oMathParaPr>
-                      <m:jc m:val="centerGroup"/>
-                    </m:oMathParaPr>
-                    <m:oMath xmlns:m="http://schemas.openxmlformats.org/officeDocument/2006/math">
-                      <m:r>
-                        <a:rPr lang="en-US" b="0" i="1" smtClean="0">
-                          <a:latin typeface="Cambria Math" panose="02040503050406030204" pitchFamily="18" charset="0"/>
-                        </a:rPr>
-                        <m:t>𝐿</m:t>
-                      </m:r>
-                      <m:r>
-                        <a:rPr lang="en-US" b="0" i="1" smtClean="0">
-                          <a:latin typeface="Cambria Math" panose="02040503050406030204" pitchFamily="18" charset="0"/>
-                        </a:rPr>
-                        <m:t>[</m:t>
-                      </m:r>
-                      <m:acc>
-                        <m:accPr>
-                          <m:chr m:val="̇"/>
-                          <m:ctrlPr>
-                            <a:rPr lang="en-US" b="0" i="1" smtClean="0">
-                              <a:latin typeface="Cambria Math" panose="02040503050406030204" pitchFamily="18" charset="0"/>
-                            </a:rPr>
-                          </m:ctrlPr>
-                        </m:accPr>
-                        <m:e>
-                          <m:r>
-                            <a:rPr lang="en-US" b="0" i="1" smtClean="0">
-                              <a:latin typeface="Cambria Math" panose="02040503050406030204" pitchFamily="18" charset="0"/>
-                            </a:rPr>
-                            <m:t>𝑔</m:t>
-                          </m:r>
-                        </m:e>
-                      </m:acc>
-                      <m:d>
-                        <m:dPr>
-                          <m:ctrlPr>
-                            <a:rPr lang="en-US" b="0" i="1" smtClean="0">
-                              <a:latin typeface="Cambria Math" panose="02040503050406030204" pitchFamily="18" charset="0"/>
-                            </a:rPr>
-                          </m:ctrlPr>
-                        </m:dPr>
-                        <m:e>
-                          <m:r>
-                            <a:rPr lang="en-US" b="0" i="1" smtClean="0">
-                              <a:latin typeface="Cambria Math" panose="02040503050406030204" pitchFamily="18" charset="0"/>
-                            </a:rPr>
-                            <m:t>𝑡</m:t>
-                          </m:r>
-                        </m:e>
-                      </m:d>
-                      <m:r>
-                        <a:rPr lang="en-US" b="0" i="1" smtClean="0">
-                          <a:latin typeface="Cambria Math" panose="02040503050406030204" pitchFamily="18" charset="0"/>
-                        </a:rPr>
-                        <m:t>]=</m:t>
-                      </m:r>
-                      <m:r>
-                        <a:rPr lang="en-US" b="0" i="1" smtClean="0">
-                          <a:latin typeface="Cambria Math" panose="02040503050406030204" pitchFamily="18" charset="0"/>
-                        </a:rPr>
-                        <m:t>𝑠𝐺</m:t>
-                      </m:r>
-                      <m:r>
-                        <a:rPr lang="en-US" b="0" i="1" smtClean="0">
-                          <a:latin typeface="Cambria Math" panose="02040503050406030204" pitchFamily="18" charset="0"/>
-                        </a:rPr>
-                        <m:t>(</m:t>
-                      </m:r>
-                      <m:r>
-                        <a:rPr lang="en-US" b="0" i="1" smtClean="0">
-                          <a:latin typeface="Cambria Math" panose="02040503050406030204" pitchFamily="18" charset="0"/>
-                        </a:rPr>
-                        <m:t>𝑠</m:t>
-                      </m:r>
-                      <m:r>
-                        <a:rPr lang="en-US" b="0" i="1" smtClean="0">
-                          <a:latin typeface="Cambria Math" panose="02040503050406030204" pitchFamily="18" charset="0"/>
-                        </a:rPr>
-                        <m:t>)</m:t>
-                      </m:r>
-                    </m:oMath>
-                  </m:oMathPara>
-                </a14:m>
-                <a:endParaRPr lang="en-US" dirty="0"/>
-              </a:p>
-            </p:txBody>
-          </p:sp>
-        </mc:Choice>
-        <mc:Fallback>
-          <p:sp>
-            <p:nvSpPr>
-              <p:cNvPr id="20" name="TextBox 19">
-                <a:extLst>
-                  <a:ext uri="{FF2B5EF4-FFF2-40B4-BE49-F238E27FC236}">
-                    <a16:creationId xmlns:a16="http://schemas.microsoft.com/office/drawing/2014/main" id="{DDFC9141-8B0F-3445-A864-6687F2985B3A}"/>
-                  </a:ext>
-                </a:extLst>
-              </p:cNvPr>
-              <p:cNvSpPr txBox="1">
-                <a:spLocks noRot="1" noChangeAspect="1" noMove="1" noResize="1" noEditPoints="1" noAdjustHandles="1" noChangeArrowheads="1" noChangeShapeType="1" noTextEdit="1"/>
-              </p:cNvSpPr>
-              <p:nvPr/>
-            </p:nvSpPr>
-            <p:spPr>
-              <a:xfrm>
-                <a:off x="4078940" y="2689237"/>
-                <a:ext cx="1655518" cy="276999"/>
-              </a:xfrm>
-              <a:prstGeom prst="rect">
-                <a:avLst/>
-              </a:prstGeom>
-              <a:blipFill>
-                <a:blip r:embed="rId4"/>
-                <a:stretch>
-                  <a:fillRect l="-2290" r="-3817" b="-39130"/>
-                </a:stretch>
-              </a:blipFill>
-            </p:spPr>
-            <p:txBody>
-              <a:bodyPr/>
-              <a:lstStyle/>
-              <a:p>
-                <a:r>
-                  <a:rPr lang="en-US">
-                    <a:noFill/>
-                  </a:rPr>
-                  <a:t> </a:t>
-                </a:r>
-              </a:p>
-            </p:txBody>
-          </p:sp>
-        </mc:Fallback>
-      </mc:AlternateContent>
-      <mc:AlternateContent xmlns:mc="http://schemas.openxmlformats.org/markup-compatibility/2006">
-        <mc:Choice xmlns:a14="http://schemas.microsoft.com/office/drawing/2010/main" Requires="a14">
-          <p:sp>
-            <p:nvSpPr>
-              <p:cNvPr id="24" name="TextBox 23">
-                <a:extLst>
-                  <a:ext uri="{FF2B5EF4-FFF2-40B4-BE49-F238E27FC236}">
-                    <a16:creationId xmlns:a16="http://schemas.microsoft.com/office/drawing/2014/main" id="{4F99A752-BDE2-2D4C-8AB3-5FE9B7A6C6E4}"/>
-                  </a:ext>
-                </a:extLst>
-              </p:cNvPr>
-              <p:cNvSpPr txBox="1"/>
-              <p:nvPr/>
-            </p:nvSpPr>
-            <p:spPr>
-              <a:xfrm>
-                <a:off x="6615266" y="2562729"/>
-                <a:ext cx="1900200" cy="520463"/>
+                <a:off x="3248731" y="5613639"/>
+                <a:ext cx="2218556" cy="478914"/>
               </a:xfrm>
               <a:prstGeom prst="rect">
                 <a:avLst/>
@@ -40324,34 +45462,38 @@
                         </m:dPr>
                         <m:e>
                           <m:r>
-                            <a:rPr lang="en-US" b="0" i="1" smtClean="0">
-                              <a:latin typeface="Cambria Math" panose="02040503050406030204" pitchFamily="18" charset="0"/>
-                            </a:rPr>
-                            <m:t>∫</m:t>
+                            <m:rPr>
+                              <m:sty m:val="p"/>
+                            </m:rPr>
+                            <a:rPr lang="en-US" b="0" i="0" smtClean="0">
+                              <a:latin typeface="Cambria Math" panose="02040503050406030204" pitchFamily="18" charset="0"/>
+                            </a:rPr>
+                            <m:t>cos</m:t>
                           </m:r>
                           <m:r>
                             <a:rPr lang="en-US" b="0" i="1" smtClean="0">
                               <a:latin typeface="Cambria Math" panose="02040503050406030204" pitchFamily="18" charset="0"/>
                             </a:rPr>
-                            <m:t>𝑔</m:t>
+                            <m:t>⁡(</m:t>
                           </m:r>
-                          <m:d>
-                            <m:dPr>
-                              <m:ctrlPr>
-                                <a:rPr lang="en-US" b="0" i="1" smtClean="0">
-                                  <a:latin typeface="Cambria Math" panose="02040503050406030204" pitchFamily="18" charset="0"/>
-                                </a:rPr>
-                              </m:ctrlPr>
-                            </m:dPr>
-                            <m:e>
-                              <m:r>
-                                <a:rPr lang="en-US" b="0" i="1" smtClean="0">
-                                  <a:latin typeface="Cambria Math" panose="02040503050406030204" pitchFamily="18" charset="0"/>
-                                </a:rPr>
-                                <m:t>𝑡</m:t>
-                              </m:r>
-                            </m:e>
-                          </m:d>
+                          <m:r>
+                            <a:rPr lang="en-US" b="0" i="1" smtClean="0">
+                              <a:latin typeface="Cambria Math" panose="02040503050406030204" pitchFamily="18" charset="0"/>
+                            </a:rPr>
+                            <m:t>𝜔</m:t>
+                          </m:r>
+                          <m:r>
+                            <a:rPr lang="en-US" b="0" i="1" smtClean="0">
+                              <a:latin typeface="Cambria Math" panose="02040503050406030204" pitchFamily="18" charset="0"/>
+                            </a:rPr>
+                            <m:t>𝑡</m:t>
+                          </m:r>
+                          <m:r>
+                            <a:rPr lang="en-US" b="0" i="1" smtClean="0">
+                              <a:latin typeface="Cambria Math" panose="02040503050406030204" pitchFamily="18" charset="0"/>
+                            </a:rPr>
+                            <m:t>)</m:t>
+                          </m:r>
                         </m:e>
                       </m:d>
                       <m:r>
@@ -40373,42 +45515,68 @@
                             <a:rPr lang="en-US" b="0" i="1" smtClean="0">
                               <a:latin typeface="Cambria Math" panose="02040503050406030204" pitchFamily="18" charset="0"/>
                             </a:rPr>
-                            <m:t>1</m:t>
+                            <m:t>𝑠</m:t>
                           </m:r>
                         </m:num>
                         <m:den>
+                          <m:sSup>
+                            <m:sSupPr>
+                              <m:ctrlPr>
+                                <a:rPr lang="en-US" b="0" i="1" smtClean="0">
+                                  <a:latin typeface="Cambria Math" panose="02040503050406030204" pitchFamily="18" charset="0"/>
+                                </a:rPr>
+                              </m:ctrlPr>
+                            </m:sSupPr>
+                            <m:e>
+                              <m:r>
+                                <a:rPr lang="en-US" b="0" i="1" smtClean="0">
+                                  <a:latin typeface="Cambria Math" panose="02040503050406030204" pitchFamily="18" charset="0"/>
+                                </a:rPr>
+                                <m:t>𝑠</m:t>
+                              </m:r>
+                            </m:e>
+                            <m:sup>
+                              <m:r>
+                                <a:rPr lang="en-US" b="0" i="1" smtClean="0">
+                                  <a:latin typeface="Cambria Math" panose="02040503050406030204" pitchFamily="18" charset="0"/>
+                                </a:rPr>
+                                <m:t>2</m:t>
+                              </m:r>
+                            </m:sup>
+                          </m:sSup>
                           <m:r>
                             <a:rPr lang="en-US" b="0" i="1" smtClean="0">
                               <a:latin typeface="Cambria Math" panose="02040503050406030204" pitchFamily="18" charset="0"/>
                             </a:rPr>
-                            <m:t>𝑠</m:t>
+                            <m:t>+</m:t>
                           </m:r>
+                          <m:sSup>
+                            <m:sSupPr>
+                              <m:ctrlPr>
+                                <a:rPr lang="en-US" b="0" i="1" smtClean="0">
+                                  <a:latin typeface="Cambria Math" panose="02040503050406030204" pitchFamily="18" charset="0"/>
+                                </a:rPr>
+                              </m:ctrlPr>
+                            </m:sSupPr>
+                            <m:e>
+                              <m:r>
+                                <a:rPr lang="en-US" b="0" i="1" smtClean="0">
+                                  <a:latin typeface="Cambria Math" panose="02040503050406030204" pitchFamily="18" charset="0"/>
+                                </a:rPr>
+                                <m:t>𝜔</m:t>
+                              </m:r>
+                            </m:e>
+                            <m:sup>
+                              <m:r>
+                                <a:rPr lang="en-US" b="0" i="1" smtClean="0">
+                                  <a:latin typeface="Cambria Math" panose="02040503050406030204" pitchFamily="18" charset="0"/>
+                                </a:rPr>
+                                <m:t>2</m:t>
+                              </m:r>
+                            </m:sup>
+                          </m:sSup>
                         </m:den>
                       </m:f>
-                      <m:r>
-                        <a:rPr lang="en-US" b="0" i="1" smtClean="0">
-                          <a:latin typeface="Cambria Math" panose="02040503050406030204" pitchFamily="18" charset="0"/>
-                        </a:rPr>
-                        <m:t>𝐺</m:t>
-                      </m:r>
-                      <m:r>
-                        <a:rPr lang="en-US" b="0" i="1" smtClean="0">
-                          <a:latin typeface="Cambria Math" panose="02040503050406030204" pitchFamily="18" charset="0"/>
-                        </a:rPr>
-                        <m:t>(</m:t>
-                      </m:r>
-                      <m:r>
-                        <a:rPr lang="en-US" b="0" i="1" smtClean="0">
-                          <a:latin typeface="Cambria Math" panose="02040503050406030204" pitchFamily="18" charset="0"/>
-                        </a:rPr>
-                        <m:t>𝑠</m:t>
-                      </m:r>
-                      <m:r>
-                        <a:rPr lang="en-US" b="0" i="1" smtClean="0">
-                          <a:latin typeface="Cambria Math" panose="02040503050406030204" pitchFamily="18" charset="0"/>
-                        </a:rPr>
-                        <m:t>)</m:t>
-                      </m:r>
                     </m:oMath>
                   </m:oMathPara>
                 </a14:m>
@@ -40420,10 +45588,10 @@
         <mc:Fallback>
           <p:sp>
             <p:nvSpPr>
-              <p:cNvPr id="24" name="TextBox 23">
+              <p:cNvPr id="19" name="TextBox 18">
                 <a:extLst>
                   <a:ext uri="{FF2B5EF4-FFF2-40B4-BE49-F238E27FC236}">
-                    <a16:creationId xmlns:a16="http://schemas.microsoft.com/office/drawing/2014/main" id="{4F99A752-BDE2-2D4C-8AB3-5FE9B7A6C6E4}"/>
+                    <a16:creationId xmlns:a16="http://schemas.microsoft.com/office/drawing/2014/main" id="{47FBB457-A9A5-C641-9C65-94E32F817B69}"/>
                   </a:ext>
                 </a:extLst>
               </p:cNvPr>
@@ -40434,16 +45602,16 @@
             </p:nvSpPr>
             <p:spPr>
               <a:xfrm>
-                <a:off x="6615266" y="2562729"/>
-                <a:ext cx="1900200" cy="520463"/>
+                <a:off x="3248731" y="5613639"/>
+                <a:ext cx="2218556" cy="478914"/>
               </a:xfrm>
               <a:prstGeom prst="rect">
                 <a:avLst/>
               </a:prstGeom>
               <a:blipFill>
-                <a:blip r:embed="rId5"/>
+                <a:blip r:embed="rId12"/>
                 <a:stretch>
-                  <a:fillRect l="-1987" t="-4762" r="-3311" b="-9524"/>
+                  <a:fillRect l="-1705" b="-13158"/>
                 </a:stretch>
               </a:blipFill>
             </p:spPr>
@@ -40466,10 +45634,10 @@
         <mc:Choice xmlns:a14="http://schemas.microsoft.com/office/drawing/2010/main" Requires="a14">
           <p:sp>
             <p:nvSpPr>
-              <p:cNvPr id="26" name="TextBox 25">
+              <p:cNvPr id="21" name="TextBox 20">
                 <a:extLst>
                   <a:ext uri="{FF2B5EF4-FFF2-40B4-BE49-F238E27FC236}">
-                    <a16:creationId xmlns:a16="http://schemas.microsoft.com/office/drawing/2014/main" id="{368B5B06-ACCB-D141-A5CE-FAE8574F5CB3}"/>
+                    <a16:creationId xmlns:a16="http://schemas.microsoft.com/office/drawing/2014/main" id="{39F16391-73E9-F046-AD0F-7C9C9CD00303}"/>
                   </a:ext>
                 </a:extLst>
               </p:cNvPr>
@@ -40478,8 +45646,8 @@
             </p:nvSpPr>
             <p:spPr>
               <a:xfrm>
-                <a:off x="815787" y="2689237"/>
-                <a:ext cx="1804597" cy="276999"/>
+                <a:off x="5804829" y="5586521"/>
+                <a:ext cx="2159245" cy="478977"/>
               </a:xfrm>
               <a:prstGeom prst="rect">
                 <a:avLst/>
@@ -40504,20 +45672,10 @@
                         </a:rPr>
                         <m:t>𝐿</m:t>
                       </m:r>
-                      <m:r>
-                        <a:rPr lang="en-US" b="0" i="1" smtClean="0">
-                          <a:latin typeface="Cambria Math" panose="02040503050406030204" pitchFamily="18" charset="0"/>
-                        </a:rPr>
-                        <m:t>[</m:t>
-                      </m:r>
-                      <m:r>
-                        <a:rPr lang="en-US" b="0" i="1" smtClean="0">
-                          <a:latin typeface="Cambria Math" panose="02040503050406030204" pitchFamily="18" charset="0"/>
-                        </a:rPr>
-                        <m:t>𝑎𝑔</m:t>
-                      </m:r>
                       <m:d>
                         <m:dPr>
+                          <m:begChr m:val="["/>
+                          <m:endChr m:val="]"/>
                           <m:ctrlPr>
                             <a:rPr lang="en-US" b="0" i="1" smtClean="0">
                               <a:latin typeface="Cambria Math" panose="02040503050406030204" pitchFamily="18" charset="0"/>
@@ -40526,10 +45684,37 @@
                         </m:dPr>
                         <m:e>
                           <m:r>
+                            <m:rPr>
+                              <m:sty m:val="p"/>
+                            </m:rPr>
+                            <a:rPr lang="en-US" b="0" i="0" smtClean="0">
+                              <a:latin typeface="Cambria Math" panose="02040503050406030204" pitchFamily="18" charset="0"/>
+                            </a:rPr>
+                            <m:t>sin</m:t>
+                          </m:r>
+                          <m:r>
                             <a:rPr lang="en-US" b="0" i="1" smtClean="0">
                               <a:latin typeface="Cambria Math" panose="02040503050406030204" pitchFamily="18" charset="0"/>
                             </a:rPr>
+                            <m:t>⁡(</m:t>
+                          </m:r>
+                          <m:r>
+                            <a:rPr lang="en-US" b="0" i="1" smtClean="0">
+                              <a:latin typeface="Cambria Math" panose="02040503050406030204" pitchFamily="18" charset="0"/>
+                            </a:rPr>
+                            <m:t>𝛼</m:t>
+                          </m:r>
+                          <m:r>
+                            <a:rPr lang="en-US" b="0" i="1" smtClean="0">
+                              <a:latin typeface="Cambria Math" panose="02040503050406030204" pitchFamily="18" charset="0"/>
+                            </a:rPr>
                             <m:t>𝑡</m:t>
+                          </m:r>
+                          <m:r>
+                            <a:rPr lang="en-US" b="0" i="1" smtClean="0">
+                              <a:latin typeface="Cambria Math" panose="02040503050406030204" pitchFamily="18" charset="0"/>
+                            </a:rPr>
+                            <m:t>)</m:t>
                           </m:r>
                         </m:e>
                       </m:d>
@@ -40537,32 +45722,83 @@
                         <a:rPr lang="en-US" b="0" i="1" smtClean="0">
                           <a:latin typeface="Cambria Math" panose="02040503050406030204" pitchFamily="18" charset="0"/>
                         </a:rPr>
-                        <m:t>]=</m:t>
+                        <m:t>=</m:t>
                       </m:r>
-                      <m:r>
-                        <a:rPr lang="en-US" b="0" i="1" smtClean="0">
-                          <a:latin typeface="Cambria Math" panose="02040503050406030204" pitchFamily="18" charset="0"/>
-                        </a:rPr>
-                        <m:t>𝑎𝐺</m:t>
-                      </m:r>
-                      <m:r>
-                        <a:rPr lang="en-US" b="0" i="1" smtClean="0">
-                          <a:latin typeface="Cambria Math" panose="02040503050406030204" pitchFamily="18" charset="0"/>
-                        </a:rPr>
-                        <m:t>(</m:t>
-                      </m:r>
-                      <m:r>
-                        <a:rPr lang="en-US" b="0" i="1" smtClean="0">
-                          <a:latin typeface="Cambria Math" panose="02040503050406030204" pitchFamily="18" charset="0"/>
-                        </a:rPr>
-                        <m:t>𝑠</m:t>
-                      </m:r>
-                      <m:r>
-                        <a:rPr lang="en-US" b="0" i="1" smtClean="0">
-                          <a:latin typeface="Cambria Math" panose="02040503050406030204" pitchFamily="18" charset="0"/>
-                        </a:rPr>
-                        <m:t>)</m:t>
-                      </m:r>
+                      <m:f>
+                        <m:fPr>
+                          <m:ctrlPr>
+                            <a:rPr lang="en-US" b="0" i="1" smtClean="0">
+                              <a:latin typeface="Cambria Math" panose="02040503050406030204" pitchFamily="18" charset="0"/>
+                            </a:rPr>
+                          </m:ctrlPr>
+                        </m:fPr>
+                        <m:num>
+                          <m:r>
+                            <a:rPr lang="en-US" b="0" i="1" smtClean="0">
+                              <a:latin typeface="Cambria Math" panose="02040503050406030204" pitchFamily="18" charset="0"/>
+                            </a:rPr>
+                            <m:t>𝜔</m:t>
+                          </m:r>
+                        </m:num>
+                        <m:den>
+                          <m:sSup>
+                            <m:sSupPr>
+                              <m:ctrlPr>
+                                <a:rPr lang="en-US" b="0" i="1" smtClean="0">
+                                  <a:latin typeface="Cambria Math" panose="02040503050406030204" pitchFamily="18" charset="0"/>
+                                </a:rPr>
+                              </m:ctrlPr>
+                            </m:sSupPr>
+                            <m:e>
+                              <m:r>
+                                <a:rPr lang="en-US" b="0" i="1" smtClean="0">
+                                  <a:latin typeface="Cambria Math" panose="02040503050406030204" pitchFamily="18" charset="0"/>
+                                </a:rPr>
+                                <m:t>𝑠</m:t>
+                              </m:r>
+                            </m:e>
+                            <m:sup>
+                              <m:r>
+                                <a:rPr lang="en-US" b="0" i="1" smtClean="0">
+                                  <a:latin typeface="Cambria Math" panose="02040503050406030204" pitchFamily="18" charset="0"/>
+                                </a:rPr>
+                                <m:t>2</m:t>
+                              </m:r>
+                            </m:sup>
+                          </m:sSup>
+                          <m:r>
+                            <a:rPr lang="en-US" b="0" i="1" smtClean="0">
+                              <a:latin typeface="Cambria Math" panose="02040503050406030204" pitchFamily="18" charset="0"/>
+                            </a:rPr>
+                            <m:t>+</m:t>
+                          </m:r>
+                          <m:sSup>
+                            <m:sSupPr>
+                              <m:ctrlPr>
+                                <a:rPr lang="en-US" b="0" i="1" smtClean="0">
+                                  <a:latin typeface="Cambria Math" panose="02040503050406030204" pitchFamily="18" charset="0"/>
+                                </a:rPr>
+                              </m:ctrlPr>
+                            </m:sSupPr>
+                            <m:e>
+                              <m:r>
+                                <a:rPr lang="en-US" b="0" i="1" smtClean="0">
+                                  <a:latin typeface="Cambria Math" panose="02040503050406030204" pitchFamily="18" charset="0"/>
+                                </a:rPr>
+                                <m:t>𝜔</m:t>
+                              </m:r>
+                            </m:e>
+                            <m:sup>
+                              <m:r>
+                                <a:rPr lang="en-US" b="0" i="1" smtClean="0">
+                                  <a:latin typeface="Cambria Math" panose="02040503050406030204" pitchFamily="18" charset="0"/>
+                                </a:rPr>
+                                <m:t>2</m:t>
+                              </m:r>
+                            </m:sup>
+                          </m:sSup>
+                        </m:den>
+                      </m:f>
                     </m:oMath>
                   </m:oMathPara>
                 </a14:m>
@@ -40574,10 +45810,10 @@
         <mc:Fallback>
           <p:sp>
             <p:nvSpPr>
-              <p:cNvPr id="26" name="TextBox 25">
+              <p:cNvPr id="21" name="TextBox 20">
                 <a:extLst>
                   <a:ext uri="{FF2B5EF4-FFF2-40B4-BE49-F238E27FC236}">
-                    <a16:creationId xmlns:a16="http://schemas.microsoft.com/office/drawing/2014/main" id="{368B5B06-ACCB-D141-A5CE-FAE8574F5CB3}"/>
+                    <a16:creationId xmlns:a16="http://schemas.microsoft.com/office/drawing/2014/main" id="{39F16391-73E9-F046-AD0F-7C9C9CD00303}"/>
                   </a:ext>
                 </a:extLst>
               </p:cNvPr>
@@ -40588,16 +45824,16 @@
             </p:nvSpPr>
             <p:spPr>
               <a:xfrm>
-                <a:off x="815787" y="2689237"/>
-                <a:ext cx="1804597" cy="276999"/>
+                <a:off x="5804829" y="5586521"/>
+                <a:ext cx="2159245" cy="478977"/>
               </a:xfrm>
               <a:prstGeom prst="rect">
                 <a:avLst/>
               </a:prstGeom>
               <a:blipFill>
-                <a:blip r:embed="rId6"/>
+                <a:blip r:embed="rId13"/>
                 <a:stretch>
-                  <a:fillRect l="-2797" r="-3497" b="-39130"/>
+                  <a:fillRect l="-1170" r="-585" b="-12821"/>
                 </a:stretch>
               </a:blipFill>
             </p:spPr>
@@ -40616,1204 +45852,16 @@
           </p:sp>
         </mc:Fallback>
       </mc:AlternateContent>
-      <p:sp>
-        <p:nvSpPr>
-          <p:cNvPr id="27" name="TextBox 26">
-            <a:extLst>
-              <a:ext uri="{FF2B5EF4-FFF2-40B4-BE49-F238E27FC236}">
-                <a16:creationId xmlns:a16="http://schemas.microsoft.com/office/drawing/2014/main" id="{7813EE89-305B-C744-95EB-3BFE0D229D70}"/>
-              </a:ext>
-            </a:extLst>
-          </p:cNvPr>
-          <p:cNvSpPr txBox="1"/>
-          <p:nvPr/>
-        </p:nvSpPr>
-        <p:spPr>
-          <a:xfrm>
-            <a:off x="779927" y="2297970"/>
-            <a:ext cx="2749471" cy="369332"/>
-          </a:xfrm>
-          <a:prstGeom prst="rect">
-            <a:avLst/>
-          </a:prstGeom>
-          <a:noFill/>
-        </p:spPr>
-        <p:txBody>
-          <a:bodyPr wrap="none" rtlCol="0">
-            <a:spAutoFit/>
-          </a:bodyPr>
-          <a:lstStyle/>
-          <a:p>
-            <a:r>
-              <a:rPr lang="en-US" b="1" dirty="0"/>
-              <a:t>Constant multiplication</a:t>
-            </a:r>
-          </a:p>
-        </p:txBody>
-      </p:sp>
-      <p:sp>
-        <p:nvSpPr>
-          <p:cNvPr id="28" name="TextBox 27">
-            <a:extLst>
-              <a:ext uri="{FF2B5EF4-FFF2-40B4-BE49-F238E27FC236}">
-                <a16:creationId xmlns:a16="http://schemas.microsoft.com/office/drawing/2014/main" id="{0970EFCC-356A-2946-BFFC-E4BF4C81E856}"/>
-              </a:ext>
-            </a:extLst>
-          </p:cNvPr>
-          <p:cNvSpPr txBox="1"/>
-          <p:nvPr/>
-        </p:nvSpPr>
-        <p:spPr>
-          <a:xfrm>
-            <a:off x="4078940" y="2297970"/>
-            <a:ext cx="1287532" cy="369332"/>
-          </a:xfrm>
-          <a:prstGeom prst="rect">
-            <a:avLst/>
-          </a:prstGeom>
-          <a:noFill/>
-        </p:spPr>
-        <p:txBody>
-          <a:bodyPr wrap="none" rtlCol="0">
-            <a:spAutoFit/>
-          </a:bodyPr>
-          <a:lstStyle/>
-          <a:p>
-            <a:r>
-              <a:rPr lang="en-US" b="1" dirty="0"/>
-              <a:t>Derivative</a:t>
-            </a:r>
-          </a:p>
-        </p:txBody>
-      </p:sp>
-      <p:sp>
-        <p:nvSpPr>
-          <p:cNvPr id="29" name="TextBox 28">
-            <a:extLst>
-              <a:ext uri="{FF2B5EF4-FFF2-40B4-BE49-F238E27FC236}">
-                <a16:creationId xmlns:a16="http://schemas.microsoft.com/office/drawing/2014/main" id="{970EAC54-AAF5-394D-A981-57366868C472}"/>
-              </a:ext>
-            </a:extLst>
-          </p:cNvPr>
-          <p:cNvSpPr txBox="1"/>
-          <p:nvPr/>
-        </p:nvSpPr>
-        <p:spPr>
-          <a:xfrm>
-            <a:off x="6615266" y="2297970"/>
-            <a:ext cx="1018227" cy="369332"/>
-          </a:xfrm>
-          <a:prstGeom prst="rect">
-            <a:avLst/>
-          </a:prstGeom>
-          <a:noFill/>
-        </p:spPr>
-        <p:txBody>
-          <a:bodyPr wrap="none" rtlCol="0">
-            <a:spAutoFit/>
-          </a:bodyPr>
-          <a:lstStyle/>
-          <a:p>
-            <a:r>
-              <a:rPr lang="en-US" b="1" dirty="0"/>
-              <a:t>Integral</a:t>
-            </a:r>
-          </a:p>
-        </p:txBody>
-      </p:sp>
-      <p:pic>
-        <p:nvPicPr>
-          <p:cNvPr id="31" name="Picture 6" descr="The impulse response of an example simple delay">
-            <a:extLst>
-              <a:ext uri="{FF2B5EF4-FFF2-40B4-BE49-F238E27FC236}">
-                <a16:creationId xmlns:a16="http://schemas.microsoft.com/office/drawing/2014/main" id="{4D73AF1E-AFB0-0442-B243-47B74B451A8E}"/>
-              </a:ext>
-            </a:extLst>
-          </p:cNvPr>
-          <p:cNvPicPr>
-            <a:picLocks noChangeAspect="1" noChangeArrowheads="1"/>
-          </p:cNvPicPr>
-          <p:nvPr/>
-        </p:nvPicPr>
-        <p:blipFill>
-          <a:blip r:embed="rId7">
-            <a:extLst>
-              <a:ext uri="{28A0092B-C50C-407E-A947-70E740481C1C}">
-                <a14:useLocalDpi xmlns:a14="http://schemas.microsoft.com/office/drawing/2010/main" val="0"/>
-              </a:ext>
-            </a:extLst>
-          </a:blip>
-          <a:srcRect/>
-          <a:stretch>
-            <a:fillRect/>
-          </a:stretch>
-        </p:blipFill>
-        <p:spPr bwMode="auto">
-          <a:xfrm>
-            <a:off x="779927" y="3635572"/>
-            <a:ext cx="2407665" cy="1803241"/>
-          </a:xfrm>
-          <a:prstGeom prst="rect">
-            <a:avLst/>
-          </a:prstGeom>
-          <a:noFill/>
-          <a:extLst>
-            <a:ext uri="{909E8E84-426E-40DD-AFC4-6F175D3DCCD1}">
-              <a14:hiddenFill xmlns:a14="http://schemas.microsoft.com/office/drawing/2010/main">
-                <a:solidFill>
-                  <a:srgbClr val="FFFFFF"/>
-                </a:solidFill>
-              </a14:hiddenFill>
-            </a:ext>
-          </a:extLst>
-        </p:spPr>
-      </p:pic>
-      <mc:AlternateContent xmlns:mc="http://schemas.openxmlformats.org/markup-compatibility/2006">
-        <mc:Choice xmlns:a14="http://schemas.microsoft.com/office/drawing/2010/main" Requires="a14">
-          <p:sp>
-            <p:nvSpPr>
-              <p:cNvPr id="32" name="Rectangle 31">
-                <a:extLst>
-                  <a:ext uri="{FF2B5EF4-FFF2-40B4-BE49-F238E27FC236}">
-                    <a16:creationId xmlns:a16="http://schemas.microsoft.com/office/drawing/2014/main" id="{B742EFA3-F97A-FD41-9805-FBD098CBCBFD}"/>
-                  </a:ext>
-                </a:extLst>
-              </p:cNvPr>
-              <p:cNvSpPr/>
-              <p:nvPr/>
-            </p:nvSpPr>
-            <p:spPr>
-              <a:xfrm>
-                <a:off x="846716" y="5329984"/>
-                <a:ext cx="467500" cy="369332"/>
-              </a:xfrm>
-              <a:prstGeom prst="rect">
-                <a:avLst/>
-              </a:prstGeom>
-            </p:spPr>
-            <p:txBody>
-              <a:bodyPr wrap="none">
-                <a:spAutoFit/>
-              </a:bodyPr>
-              <a:lstStyle/>
-              <a:p>
-                <a14:m>
-                  <m:oMathPara xmlns:m="http://schemas.openxmlformats.org/officeDocument/2006/math">
-                    <m:oMathParaPr>
-                      <m:jc m:val="centerGroup"/>
-                    </m:oMathParaPr>
-                    <m:oMath xmlns:m="http://schemas.openxmlformats.org/officeDocument/2006/math">
-                      <m:sSub>
-                        <m:sSubPr>
-                          <m:ctrlPr>
-                            <a:rPr lang="en-US" i="1" smtClean="0">
-                              <a:latin typeface="Cambria Math" panose="02040503050406030204" pitchFamily="18" charset="0"/>
-                            </a:rPr>
-                          </m:ctrlPr>
-                        </m:sSubPr>
-                        <m:e>
-                          <m:r>
-                            <a:rPr lang="en-US" i="1">
-                              <a:latin typeface="Cambria Math" panose="02040503050406030204" pitchFamily="18" charset="0"/>
-                            </a:rPr>
-                            <m:t>𝛿</m:t>
-                          </m:r>
-                        </m:e>
-                        <m:sub>
-                          <m:r>
-                            <a:rPr lang="en-US" b="0" i="1" smtClean="0">
-                              <a:latin typeface="Cambria Math" panose="02040503050406030204" pitchFamily="18" charset="0"/>
-                            </a:rPr>
-                            <m:t>1</m:t>
-                          </m:r>
-                        </m:sub>
-                      </m:sSub>
-                    </m:oMath>
-                  </m:oMathPara>
-                </a14:m>
-                <a:endParaRPr lang="en-US" dirty="0"/>
-              </a:p>
-            </p:txBody>
-          </p:sp>
-        </mc:Choice>
-        <mc:Fallback>
-          <p:sp>
-            <p:nvSpPr>
-              <p:cNvPr id="32" name="Rectangle 31">
-                <a:extLst>
-                  <a:ext uri="{FF2B5EF4-FFF2-40B4-BE49-F238E27FC236}">
-                    <a16:creationId xmlns:a16="http://schemas.microsoft.com/office/drawing/2014/main" id="{B742EFA3-F97A-FD41-9805-FBD098CBCBFD}"/>
-                  </a:ext>
-                </a:extLst>
-              </p:cNvPr>
-              <p:cNvSpPr>
-                <a:spLocks noRot="1" noChangeAspect="1" noMove="1" noResize="1" noEditPoints="1" noAdjustHandles="1" noChangeArrowheads="1" noChangeShapeType="1" noTextEdit="1"/>
-              </p:cNvSpPr>
-              <p:nvPr/>
-            </p:nvSpPr>
-            <p:spPr>
-              <a:xfrm>
-                <a:off x="846716" y="5329984"/>
-                <a:ext cx="467500" cy="369332"/>
-              </a:xfrm>
-              <a:prstGeom prst="rect">
-                <a:avLst/>
-              </a:prstGeom>
-              <a:blipFill>
-                <a:blip r:embed="rId8"/>
-                <a:stretch>
-                  <a:fillRect b="-3333"/>
-                </a:stretch>
-              </a:blipFill>
-            </p:spPr>
-            <p:txBody>
-              <a:bodyPr/>
-              <a:lstStyle/>
-              <a:p>
-                <a:r>
-                  <a:rPr lang="en-US">
-                    <a:noFill/>
-                  </a:rPr>
-                  <a:t> </a:t>
-                </a:r>
-              </a:p>
-            </p:txBody>
-          </p:sp>
-        </mc:Fallback>
-      </mc:AlternateContent>
-      <mc:AlternateContent xmlns:mc="http://schemas.openxmlformats.org/markup-compatibility/2006">
-        <mc:Choice xmlns:a14="http://schemas.microsoft.com/office/drawing/2010/main" Requires="a14">
-          <p:sp>
-            <p:nvSpPr>
-              <p:cNvPr id="34" name="Rectangle 33">
-                <a:extLst>
-                  <a:ext uri="{FF2B5EF4-FFF2-40B4-BE49-F238E27FC236}">
-                    <a16:creationId xmlns:a16="http://schemas.microsoft.com/office/drawing/2014/main" id="{D63D1D81-7D68-DB45-9BB0-9F38E832E50C}"/>
-                  </a:ext>
-                </a:extLst>
-              </p:cNvPr>
-              <p:cNvSpPr/>
-              <p:nvPr/>
-            </p:nvSpPr>
-            <p:spPr>
-              <a:xfrm>
-                <a:off x="1414625" y="3761584"/>
-                <a:ext cx="969753" cy="369332"/>
-              </a:xfrm>
-              <a:prstGeom prst="rect">
-                <a:avLst/>
-              </a:prstGeom>
-            </p:spPr>
-            <p:txBody>
-              <a:bodyPr wrap="none">
-                <a:spAutoFit/>
-              </a:bodyPr>
-              <a:lstStyle/>
-              <a:p>
-                <a14:m>
-                  <m:oMathPara xmlns:m="http://schemas.openxmlformats.org/officeDocument/2006/math">
-                    <m:oMathParaPr>
-                      <m:jc m:val="centerGroup"/>
-                    </m:oMathParaPr>
-                    <m:oMath xmlns:m="http://schemas.openxmlformats.org/officeDocument/2006/math">
-                      <m:sSub>
-                        <m:sSubPr>
-                          <m:ctrlPr>
-                            <a:rPr lang="en-US" i="1" smtClean="0">
-                              <a:latin typeface="Cambria Math" panose="02040503050406030204" pitchFamily="18" charset="0"/>
-                            </a:rPr>
-                          </m:ctrlPr>
-                        </m:sSubPr>
-                        <m:e>
-                          <m:r>
-                            <a:rPr lang="en-US" b="0" i="1" smtClean="0">
-                              <a:latin typeface="Cambria Math" panose="02040503050406030204" pitchFamily="18" charset="0"/>
-                            </a:rPr>
-                            <m:t>(0.8)</m:t>
-                          </m:r>
-                          <m:r>
-                            <a:rPr lang="en-US" i="1">
-                              <a:latin typeface="Cambria Math" panose="02040503050406030204" pitchFamily="18" charset="0"/>
-                            </a:rPr>
-                            <m:t>𝛿</m:t>
-                          </m:r>
-                        </m:e>
-                        <m:sub>
-                          <m:r>
-                            <a:rPr lang="en-US" b="0" i="1" smtClean="0">
-                              <a:latin typeface="Cambria Math" panose="02040503050406030204" pitchFamily="18" charset="0"/>
-                            </a:rPr>
-                            <m:t>6</m:t>
-                          </m:r>
-                        </m:sub>
-                      </m:sSub>
-                    </m:oMath>
-                  </m:oMathPara>
-                </a14:m>
-                <a:endParaRPr lang="en-US" dirty="0"/>
-              </a:p>
-            </p:txBody>
-          </p:sp>
-        </mc:Choice>
-        <mc:Fallback>
-          <p:sp>
-            <p:nvSpPr>
-              <p:cNvPr id="34" name="Rectangle 33">
-                <a:extLst>
-                  <a:ext uri="{FF2B5EF4-FFF2-40B4-BE49-F238E27FC236}">
-                    <a16:creationId xmlns:a16="http://schemas.microsoft.com/office/drawing/2014/main" id="{D63D1D81-7D68-DB45-9BB0-9F38E832E50C}"/>
-                  </a:ext>
-                </a:extLst>
-              </p:cNvPr>
-              <p:cNvSpPr>
-                <a:spLocks noRot="1" noChangeAspect="1" noMove="1" noResize="1" noEditPoints="1" noAdjustHandles="1" noChangeArrowheads="1" noChangeShapeType="1" noTextEdit="1"/>
-              </p:cNvSpPr>
-              <p:nvPr/>
-            </p:nvSpPr>
-            <p:spPr>
-              <a:xfrm>
-                <a:off x="1414625" y="3761584"/>
-                <a:ext cx="969753" cy="369332"/>
-              </a:xfrm>
-              <a:prstGeom prst="rect">
-                <a:avLst/>
-              </a:prstGeom>
-              <a:blipFill>
-                <a:blip r:embed="rId9"/>
-                <a:stretch>
-                  <a:fillRect b="-16667"/>
-                </a:stretch>
-              </a:blipFill>
-            </p:spPr>
-            <p:txBody>
-              <a:bodyPr/>
-              <a:lstStyle/>
-              <a:p>
-                <a:r>
-                  <a:rPr lang="en-US">
-                    <a:noFill/>
-                  </a:rPr>
-                  <a:t> </a:t>
-                </a:r>
-              </a:p>
-            </p:txBody>
-          </p:sp>
-        </mc:Fallback>
-      </mc:AlternateContent>
-      <p:grpSp>
-        <p:nvGrpSpPr>
-          <p:cNvPr id="8" name="Group 7">
-            <a:extLst>
-              <a:ext uri="{FF2B5EF4-FFF2-40B4-BE49-F238E27FC236}">
-                <a16:creationId xmlns:a16="http://schemas.microsoft.com/office/drawing/2014/main" id="{8BC298EA-8F08-3D4F-8973-7135D6EB0135}"/>
-              </a:ext>
-            </a:extLst>
-          </p:cNvPr>
-          <p:cNvGrpSpPr/>
-          <p:nvPr/>
-        </p:nvGrpSpPr>
-        <p:grpSpPr>
-          <a:xfrm>
-            <a:off x="4722706" y="3662969"/>
-            <a:ext cx="3252449" cy="520463"/>
-            <a:chOff x="4488475" y="5579697"/>
-            <a:chExt cx="3252449" cy="520463"/>
-          </a:xfrm>
-        </p:grpSpPr>
-        <mc:AlternateContent xmlns:mc="http://schemas.openxmlformats.org/markup-compatibility/2006">
-          <mc:Choice xmlns:a14="http://schemas.microsoft.com/office/drawing/2010/main" Requires="a14">
-            <p:sp>
-              <p:nvSpPr>
-                <p:cNvPr id="35" name="TextBox 34">
-                  <a:extLst>
-                    <a:ext uri="{FF2B5EF4-FFF2-40B4-BE49-F238E27FC236}">
-                      <a16:creationId xmlns:a16="http://schemas.microsoft.com/office/drawing/2014/main" id="{9076C09B-1718-4F48-AD23-03F7B3063BAA}"/>
-                    </a:ext>
-                  </a:extLst>
-                </p:cNvPr>
-                <p:cNvSpPr txBox="1"/>
-                <p:nvPr/>
-              </p:nvSpPr>
-              <p:spPr>
-                <a:xfrm>
-                  <a:off x="4488475" y="5701429"/>
-                  <a:ext cx="877997" cy="276999"/>
-                </a:xfrm>
-                <a:prstGeom prst="rect">
-                  <a:avLst/>
-                </a:prstGeom>
-                <a:noFill/>
-              </p:spPr>
-              <p:txBody>
-                <a:bodyPr wrap="none" lIns="0" tIns="0" rIns="0" bIns="0" rtlCol="0">
-                  <a:spAutoFit/>
-                </a:bodyPr>
-                <a:lstStyle/>
-                <a:p>
-                  <a14:m>
-                    <m:oMath xmlns:m="http://schemas.openxmlformats.org/officeDocument/2006/math">
-                      <m:sSub>
-                        <m:sSubPr>
-                          <m:ctrlPr>
-                            <a:rPr lang="en-US" b="0" i="1" smtClean="0">
-                              <a:latin typeface="Cambria Math" panose="02040503050406030204" pitchFamily="18" charset="0"/>
-                            </a:rPr>
-                          </m:ctrlPr>
-                        </m:sSubPr>
-                        <m:e>
-                          <m:r>
-                            <a:rPr lang="en-US" b="0" i="1" smtClean="0">
-                              <a:latin typeface="Cambria Math" panose="02040503050406030204" pitchFamily="18" charset="0"/>
-                            </a:rPr>
-                            <m:t>𝐿</m:t>
-                          </m:r>
-                          <m:r>
-                            <a:rPr lang="en-US" b="0" i="1" smtClean="0">
-                              <a:latin typeface="Cambria Math" panose="02040503050406030204" pitchFamily="18" charset="0"/>
-                            </a:rPr>
-                            <m:t>[</m:t>
-                          </m:r>
-                          <m:r>
-                            <a:rPr lang="en-US" b="0" i="1" smtClean="0">
-                              <a:latin typeface="Cambria Math" panose="02040503050406030204" pitchFamily="18" charset="0"/>
-                            </a:rPr>
-                            <m:t>𝛿</m:t>
-                          </m:r>
-                        </m:e>
-                        <m:sub>
-                          <m:r>
-                            <a:rPr lang="en-US" b="0" i="1" smtClean="0">
-                              <a:latin typeface="Cambria Math" panose="02040503050406030204" pitchFamily="18" charset="0"/>
-                            </a:rPr>
-                            <m:t>0</m:t>
-                          </m:r>
-                        </m:sub>
-                      </m:sSub>
-                      <m:r>
-                        <a:rPr lang="en-US" b="0" i="1" smtClean="0">
-                          <a:latin typeface="Cambria Math" panose="02040503050406030204" pitchFamily="18" charset="0"/>
-                        </a:rPr>
-                        <m:t>]=</m:t>
-                      </m:r>
-                    </m:oMath>
-                  </a14:m>
-                  <a:r>
-                    <a:rPr lang="en-US" dirty="0"/>
-                    <a:t>1</a:t>
-                  </a:r>
-                </a:p>
-              </p:txBody>
-            </p:sp>
-          </mc:Choice>
-          <mc:Fallback>
-            <p:sp>
-              <p:nvSpPr>
-                <p:cNvPr id="35" name="TextBox 34">
-                  <a:extLst>
-                    <a:ext uri="{FF2B5EF4-FFF2-40B4-BE49-F238E27FC236}">
-                      <a16:creationId xmlns:a16="http://schemas.microsoft.com/office/drawing/2014/main" id="{9076C09B-1718-4F48-AD23-03F7B3063BAA}"/>
-                    </a:ext>
-                  </a:extLst>
-                </p:cNvPr>
-                <p:cNvSpPr txBox="1">
-                  <a:spLocks noRot="1" noChangeAspect="1" noMove="1" noResize="1" noEditPoints="1" noAdjustHandles="1" noChangeArrowheads="1" noChangeShapeType="1" noTextEdit="1"/>
-                </p:cNvSpPr>
-                <p:nvPr/>
-              </p:nvSpPr>
-              <p:spPr>
-                <a:xfrm>
-                  <a:off x="4488475" y="5701429"/>
-                  <a:ext cx="877997" cy="276999"/>
-                </a:xfrm>
-                <a:prstGeom prst="rect">
-                  <a:avLst/>
-                </a:prstGeom>
-                <a:blipFill>
-                  <a:blip r:embed="rId10"/>
-                  <a:stretch>
-                    <a:fillRect l="-10000" t="-27273" r="-14286" b="-54545"/>
-                  </a:stretch>
-                </a:blipFill>
-              </p:spPr>
-              <p:txBody>
-                <a:bodyPr/>
-                <a:lstStyle/>
-                <a:p>
-                  <a:r>
-                    <a:rPr lang="en-US">
-                      <a:noFill/>
-                    </a:rPr>
-                    <a:t> </a:t>
-                  </a:r>
-                </a:p>
-              </p:txBody>
-            </p:sp>
-          </mc:Fallback>
-        </mc:AlternateContent>
-        <mc:AlternateContent xmlns:mc="http://schemas.openxmlformats.org/markup-compatibility/2006">
-          <mc:Choice xmlns:a14="http://schemas.microsoft.com/office/drawing/2010/main" Requires="a14">
-            <p:sp>
-              <p:nvSpPr>
-                <p:cNvPr id="36" name="TextBox 35">
-                  <a:extLst>
-                    <a:ext uri="{FF2B5EF4-FFF2-40B4-BE49-F238E27FC236}">
-                      <a16:creationId xmlns:a16="http://schemas.microsoft.com/office/drawing/2014/main" id="{4216949C-9033-B842-AC26-DEA0063E5CDE}"/>
-                    </a:ext>
-                  </a:extLst>
-                </p:cNvPr>
-                <p:cNvSpPr txBox="1"/>
-                <p:nvPr/>
-              </p:nvSpPr>
-              <p:spPr>
-                <a:xfrm>
-                  <a:off x="5568417" y="5579697"/>
-                  <a:ext cx="911724" cy="520463"/>
-                </a:xfrm>
-                <a:prstGeom prst="rect">
-                  <a:avLst/>
-                </a:prstGeom>
-                <a:noFill/>
-              </p:spPr>
-              <p:txBody>
-                <a:bodyPr wrap="none" lIns="0" tIns="0" rIns="0" bIns="0" rtlCol="0">
-                  <a:spAutoFit/>
-                </a:bodyPr>
-                <a:lstStyle/>
-                <a:p>
-                  <a14:m>
-                    <m:oMathPara xmlns:m="http://schemas.openxmlformats.org/officeDocument/2006/math">
-                      <m:oMathParaPr>
-                        <m:jc m:val="centerGroup"/>
-                      </m:oMathParaPr>
-                      <m:oMath xmlns:m="http://schemas.openxmlformats.org/officeDocument/2006/math">
-                        <m:r>
-                          <a:rPr lang="en-US" b="0" i="1" smtClean="0">
-                            <a:latin typeface="Cambria Math" panose="02040503050406030204" pitchFamily="18" charset="0"/>
-                          </a:rPr>
-                          <m:t>𝐿</m:t>
-                        </m:r>
-                        <m:d>
-                          <m:dPr>
-                            <m:begChr m:val="["/>
-                            <m:endChr m:val="]"/>
-                            <m:ctrlPr>
-                              <a:rPr lang="en-US" b="0" i="1" smtClean="0">
-                                <a:latin typeface="Cambria Math" panose="02040503050406030204" pitchFamily="18" charset="0"/>
-                              </a:rPr>
-                            </m:ctrlPr>
-                          </m:dPr>
-                          <m:e>
-                            <m:r>
-                              <a:rPr lang="en-US" b="0" i="1" smtClean="0">
-                                <a:latin typeface="Cambria Math" panose="02040503050406030204" pitchFamily="18" charset="0"/>
-                              </a:rPr>
-                              <m:t>1</m:t>
-                            </m:r>
-                          </m:e>
-                        </m:d>
-                        <m:r>
-                          <a:rPr lang="en-US" b="0" i="1" smtClean="0">
-                            <a:latin typeface="Cambria Math" panose="02040503050406030204" pitchFamily="18" charset="0"/>
-                          </a:rPr>
-                          <m:t>=</m:t>
-                        </m:r>
-                        <m:f>
-                          <m:fPr>
-                            <m:ctrlPr>
-                              <a:rPr lang="en-US" b="0" i="1" smtClean="0">
-                                <a:latin typeface="Cambria Math" panose="02040503050406030204" pitchFamily="18" charset="0"/>
-                              </a:rPr>
-                            </m:ctrlPr>
-                          </m:fPr>
-                          <m:num>
-                            <m:r>
-                              <a:rPr lang="en-US" b="0" i="1" smtClean="0">
-                                <a:latin typeface="Cambria Math" panose="02040503050406030204" pitchFamily="18" charset="0"/>
-                              </a:rPr>
-                              <m:t>1</m:t>
-                            </m:r>
-                          </m:num>
-                          <m:den>
-                            <m:r>
-                              <a:rPr lang="en-US" b="0" i="1" smtClean="0">
-                                <a:latin typeface="Cambria Math" panose="02040503050406030204" pitchFamily="18" charset="0"/>
-                              </a:rPr>
-                              <m:t>𝑠</m:t>
-                            </m:r>
-                          </m:den>
-                        </m:f>
-                      </m:oMath>
-                    </m:oMathPara>
-                  </a14:m>
-                  <a:endParaRPr lang="en-US" dirty="0"/>
-                </a:p>
-              </p:txBody>
-            </p:sp>
-          </mc:Choice>
-          <mc:Fallback>
-            <p:sp>
-              <p:nvSpPr>
-                <p:cNvPr id="36" name="TextBox 35">
-                  <a:extLst>
-                    <a:ext uri="{FF2B5EF4-FFF2-40B4-BE49-F238E27FC236}">
-                      <a16:creationId xmlns:a16="http://schemas.microsoft.com/office/drawing/2014/main" id="{4216949C-9033-B842-AC26-DEA0063E5CDE}"/>
-                    </a:ext>
-                  </a:extLst>
-                </p:cNvPr>
-                <p:cNvSpPr txBox="1">
-                  <a:spLocks noRot="1" noChangeAspect="1" noMove="1" noResize="1" noEditPoints="1" noAdjustHandles="1" noChangeArrowheads="1" noChangeShapeType="1" noTextEdit="1"/>
-                </p:cNvSpPr>
-                <p:nvPr/>
-              </p:nvSpPr>
-              <p:spPr>
-                <a:xfrm>
-                  <a:off x="5568417" y="5579697"/>
-                  <a:ext cx="911724" cy="520463"/>
-                </a:xfrm>
-                <a:prstGeom prst="rect">
-                  <a:avLst/>
-                </a:prstGeom>
-                <a:blipFill>
-                  <a:blip r:embed="rId11"/>
-                  <a:stretch>
-                    <a:fillRect l="-4110" t="-4762" r="-5479" b="-9524"/>
-                  </a:stretch>
-                </a:blipFill>
-              </p:spPr>
-              <p:txBody>
-                <a:bodyPr/>
-                <a:lstStyle/>
-                <a:p>
-                  <a:r>
-                    <a:rPr lang="en-US">
-                      <a:noFill/>
-                    </a:rPr>
-                    <a:t> </a:t>
-                  </a:r>
-                </a:p>
-              </p:txBody>
-            </p:sp>
-          </mc:Fallback>
-        </mc:AlternateContent>
-        <mc:AlternateContent xmlns:mc="http://schemas.openxmlformats.org/markup-compatibility/2006">
-          <mc:Choice xmlns:a14="http://schemas.microsoft.com/office/drawing/2010/main" Requires="a14">
-            <p:sp>
-              <p:nvSpPr>
-                <p:cNvPr id="37" name="TextBox 36">
-                  <a:extLst>
-                    <a:ext uri="{FF2B5EF4-FFF2-40B4-BE49-F238E27FC236}">
-                      <a16:creationId xmlns:a16="http://schemas.microsoft.com/office/drawing/2014/main" id="{4113494E-5CE1-FD43-A91D-AF3034E9FDF9}"/>
-                    </a:ext>
-                  </a:extLst>
-                </p:cNvPr>
-                <p:cNvSpPr txBox="1"/>
-                <p:nvPr/>
-              </p:nvSpPr>
-              <p:spPr>
-                <a:xfrm>
-                  <a:off x="6762964" y="5579697"/>
-                  <a:ext cx="977960" cy="520463"/>
-                </a:xfrm>
-                <a:prstGeom prst="rect">
-                  <a:avLst/>
-                </a:prstGeom>
-                <a:noFill/>
-              </p:spPr>
-              <p:txBody>
-                <a:bodyPr wrap="none" lIns="0" tIns="0" rIns="0" bIns="0" rtlCol="0">
-                  <a:spAutoFit/>
-                </a:bodyPr>
-                <a:lstStyle/>
-                <a:p>
-                  <a14:m>
-                    <m:oMathPara xmlns:m="http://schemas.openxmlformats.org/officeDocument/2006/math">
-                      <m:oMathParaPr>
-                        <m:jc m:val="centerGroup"/>
-                      </m:oMathParaPr>
-                      <m:oMath xmlns:m="http://schemas.openxmlformats.org/officeDocument/2006/math">
-                        <m:r>
-                          <a:rPr lang="en-US" b="0" i="1" smtClean="0">
-                            <a:latin typeface="Cambria Math" panose="02040503050406030204" pitchFamily="18" charset="0"/>
-                          </a:rPr>
-                          <m:t>𝐿</m:t>
-                        </m:r>
-                        <m:d>
-                          <m:dPr>
-                            <m:begChr m:val="["/>
-                            <m:endChr m:val="]"/>
-                            <m:ctrlPr>
-                              <a:rPr lang="en-US" b="0" i="1" smtClean="0">
-                                <a:latin typeface="Cambria Math" panose="02040503050406030204" pitchFamily="18" charset="0"/>
-                              </a:rPr>
-                            </m:ctrlPr>
-                          </m:dPr>
-                          <m:e>
-                            <m:r>
-                              <a:rPr lang="en-US" b="0" i="1" smtClean="0">
-                                <a:latin typeface="Cambria Math" panose="02040503050406030204" pitchFamily="18" charset="0"/>
-                              </a:rPr>
-                              <m:t>𝑡</m:t>
-                            </m:r>
-                          </m:e>
-                        </m:d>
-                        <m:r>
-                          <a:rPr lang="en-US" b="0" i="1" smtClean="0">
-                            <a:latin typeface="Cambria Math" panose="02040503050406030204" pitchFamily="18" charset="0"/>
-                          </a:rPr>
-                          <m:t>=</m:t>
-                        </m:r>
-                        <m:f>
-                          <m:fPr>
-                            <m:ctrlPr>
-                              <a:rPr lang="en-US" b="0" i="1" smtClean="0">
-                                <a:latin typeface="Cambria Math" panose="02040503050406030204" pitchFamily="18" charset="0"/>
-                              </a:rPr>
-                            </m:ctrlPr>
-                          </m:fPr>
-                          <m:num>
-                            <m:r>
-                              <a:rPr lang="en-US" b="0" i="1" smtClean="0">
-                                <a:latin typeface="Cambria Math" panose="02040503050406030204" pitchFamily="18" charset="0"/>
-                              </a:rPr>
-                              <m:t>1</m:t>
-                            </m:r>
-                          </m:num>
-                          <m:den>
-                            <m:sSup>
-                              <m:sSupPr>
-                                <m:ctrlPr>
-                                  <a:rPr lang="en-US" b="0" i="1" smtClean="0">
-                                    <a:latin typeface="Cambria Math" panose="02040503050406030204" pitchFamily="18" charset="0"/>
-                                  </a:rPr>
-                                </m:ctrlPr>
-                              </m:sSupPr>
-                              <m:e>
-                                <m:r>
-                                  <a:rPr lang="en-US" b="0" i="1" smtClean="0">
-                                    <a:latin typeface="Cambria Math" panose="02040503050406030204" pitchFamily="18" charset="0"/>
-                                  </a:rPr>
-                                  <m:t>𝑠</m:t>
-                                </m:r>
-                              </m:e>
-                              <m:sup>
-                                <m:r>
-                                  <a:rPr lang="en-US" b="0" i="1" smtClean="0">
-                                    <a:latin typeface="Cambria Math" panose="02040503050406030204" pitchFamily="18" charset="0"/>
-                                  </a:rPr>
-                                  <m:t>2</m:t>
-                                </m:r>
-                              </m:sup>
-                            </m:sSup>
-                          </m:den>
-                        </m:f>
-                      </m:oMath>
-                    </m:oMathPara>
-                  </a14:m>
-                  <a:endParaRPr lang="en-US" dirty="0"/>
-                </a:p>
-              </p:txBody>
-            </p:sp>
-          </mc:Choice>
-          <mc:Fallback>
-            <p:sp>
-              <p:nvSpPr>
-                <p:cNvPr id="37" name="TextBox 36">
-                  <a:extLst>
-                    <a:ext uri="{FF2B5EF4-FFF2-40B4-BE49-F238E27FC236}">
-                      <a16:creationId xmlns:a16="http://schemas.microsoft.com/office/drawing/2014/main" id="{4113494E-5CE1-FD43-A91D-AF3034E9FDF9}"/>
-                    </a:ext>
-                  </a:extLst>
-                </p:cNvPr>
-                <p:cNvSpPr txBox="1">
-                  <a:spLocks noRot="1" noChangeAspect="1" noMove="1" noResize="1" noEditPoints="1" noAdjustHandles="1" noChangeArrowheads="1" noChangeShapeType="1" noTextEdit="1"/>
-                </p:cNvSpPr>
-                <p:nvPr/>
-              </p:nvSpPr>
-              <p:spPr>
-                <a:xfrm>
-                  <a:off x="6762964" y="5579697"/>
-                  <a:ext cx="977960" cy="520463"/>
-                </a:xfrm>
-                <a:prstGeom prst="rect">
-                  <a:avLst/>
-                </a:prstGeom>
-                <a:blipFill>
-                  <a:blip r:embed="rId12"/>
-                  <a:stretch>
-                    <a:fillRect l="-5195" t="-4762" r="-1299" b="-9524"/>
-                  </a:stretch>
-                </a:blipFill>
-              </p:spPr>
-              <p:txBody>
-                <a:bodyPr/>
-                <a:lstStyle/>
-                <a:p>
-                  <a:r>
-                    <a:rPr lang="en-US">
-                      <a:noFill/>
-                    </a:rPr>
-                    <a:t> </a:t>
-                  </a:r>
-                </a:p>
-              </p:txBody>
-            </p:sp>
-          </mc:Fallback>
-        </mc:AlternateContent>
-      </p:grpSp>
     </p:spTree>
     <p:extLst>
       <p:ext uri="{BB962C8B-B14F-4D97-AF65-F5344CB8AC3E}">
-        <p14:creationId xmlns:p14="http://schemas.microsoft.com/office/powerpoint/2010/main" val="179742745"/>
+        <p14:creationId xmlns:p14="http://schemas.microsoft.com/office/powerpoint/2010/main" val="1533241670"/>
       </p:ext>
     </p:extLst>
   </p:cSld>
   <p:clrMapOvr>
     <a:masterClrMapping/>
   </p:clrMapOvr>
-  <p:timing>
-    <p:tnLst>
-      <p:par>
-        <p:cTn id="1" dur="indefinite" restart="never" nodeType="tmRoot">
-          <p:childTnLst>
-            <p:seq concurrent="1" nextAc="seek">
-              <p:cTn id="2" dur="indefinite" nodeType="mainSeq">
-                <p:childTnLst>
-                  <p:par>
-                    <p:cTn id="3" fill="hold">
-                      <p:stCondLst>
-                        <p:cond delay="indefinite"/>
-                      </p:stCondLst>
-                      <p:childTnLst>
-                        <p:par>
-                          <p:cTn id="4" fill="hold">
-                            <p:stCondLst>
-                              <p:cond delay="0"/>
-                            </p:stCondLst>
-                            <p:childTnLst>
-                              <p:par>
-                                <p:cTn id="5" presetID="1" presetClass="entr" presetSubtype="0" fill="hold" nodeType="clickEffect">
-                                  <p:stCondLst>
-                                    <p:cond delay="0"/>
-                                  </p:stCondLst>
-                                  <p:childTnLst>
-                                    <p:set>
-                                      <p:cBhvr>
-                                        <p:cTn id="6" dur="1" fill="hold">
-                                          <p:stCondLst>
-                                            <p:cond delay="0"/>
-                                          </p:stCondLst>
-                                        </p:cTn>
-                                        <p:tgtEl>
-                                          <p:spTgt spid="31"/>
-                                        </p:tgtEl>
-                                        <p:attrNameLst>
-                                          <p:attrName>style.visibility</p:attrName>
-                                        </p:attrNameLst>
-                                      </p:cBhvr>
-                                      <p:to>
-                                        <p:strVal val="visible"/>
-                                      </p:to>
-                                    </p:set>
-                                  </p:childTnLst>
-                                </p:cTn>
-                              </p:par>
-                              <p:par>
-                                <p:cTn id="7" presetID="1" presetClass="entr" presetSubtype="0" fill="hold" grpId="0" nodeType="withEffect">
-                                  <p:stCondLst>
-                                    <p:cond delay="0"/>
-                                  </p:stCondLst>
-                                  <p:childTnLst>
-                                    <p:set>
-                                      <p:cBhvr>
-                                        <p:cTn id="8" dur="1" fill="hold">
-                                          <p:stCondLst>
-                                            <p:cond delay="0"/>
-                                          </p:stCondLst>
-                                        </p:cTn>
-                                        <p:tgtEl>
-                                          <p:spTgt spid="32"/>
-                                        </p:tgtEl>
-                                        <p:attrNameLst>
-                                          <p:attrName>style.visibility</p:attrName>
-                                        </p:attrNameLst>
-                                      </p:cBhvr>
-                                      <p:to>
-                                        <p:strVal val="visible"/>
-                                      </p:to>
-                                    </p:set>
-                                  </p:childTnLst>
-                                </p:cTn>
-                              </p:par>
-                            </p:childTnLst>
-                          </p:cTn>
-                        </p:par>
-                      </p:childTnLst>
-                    </p:cTn>
-                  </p:par>
-                  <p:par>
-                    <p:cTn id="9" fill="hold">
-                      <p:stCondLst>
-                        <p:cond delay="indefinite"/>
-                      </p:stCondLst>
-                      <p:childTnLst>
-                        <p:par>
-                          <p:cTn id="10" fill="hold">
-                            <p:stCondLst>
-                              <p:cond delay="0"/>
-                            </p:stCondLst>
-                            <p:childTnLst>
-                              <p:par>
-                                <p:cTn id="11" presetID="1" presetClass="entr" presetSubtype="0" fill="hold" grpId="0" nodeType="clickEffect">
-                                  <p:stCondLst>
-                                    <p:cond delay="0"/>
-                                  </p:stCondLst>
-                                  <p:childTnLst>
-                                    <p:set>
-                                      <p:cBhvr>
-                                        <p:cTn id="12" dur="1" fill="hold">
-                                          <p:stCondLst>
-                                            <p:cond delay="0"/>
-                                          </p:stCondLst>
-                                        </p:cTn>
-                                        <p:tgtEl>
-                                          <p:spTgt spid="34"/>
-                                        </p:tgtEl>
-                                        <p:attrNameLst>
-                                          <p:attrName>style.visibility</p:attrName>
-                                        </p:attrNameLst>
-                                      </p:cBhvr>
-                                      <p:to>
-                                        <p:strVal val="visible"/>
-                                      </p:to>
-                                    </p:set>
-                                  </p:childTnLst>
-                                </p:cTn>
-                              </p:par>
-                            </p:childTnLst>
-                          </p:cTn>
-                        </p:par>
-                      </p:childTnLst>
-                    </p:cTn>
-                  </p:par>
-                  <p:par>
-                    <p:cTn id="13" fill="hold">
-                      <p:stCondLst>
-                        <p:cond delay="indefinite"/>
-                      </p:stCondLst>
-                      <p:childTnLst>
-                        <p:par>
-                          <p:cTn id="14" fill="hold">
-                            <p:stCondLst>
-                              <p:cond delay="0"/>
-                            </p:stCondLst>
-                            <p:childTnLst>
-                              <p:par>
-                                <p:cTn id="15" presetID="1" presetClass="entr" presetSubtype="0" fill="hold" grpId="0" nodeType="clickEffect">
-                                  <p:stCondLst>
-                                    <p:cond delay="0"/>
-                                  </p:stCondLst>
-                                  <p:childTnLst>
-                                    <p:set>
-                                      <p:cBhvr>
-                                        <p:cTn id="16" dur="1" fill="hold">
-                                          <p:stCondLst>
-                                            <p:cond delay="0"/>
-                                          </p:stCondLst>
-                                        </p:cTn>
-                                        <p:tgtEl>
-                                          <p:spTgt spid="28"/>
-                                        </p:tgtEl>
-                                        <p:attrNameLst>
-                                          <p:attrName>style.visibility</p:attrName>
-                                        </p:attrNameLst>
-                                      </p:cBhvr>
-                                      <p:to>
-                                        <p:strVal val="visible"/>
-                                      </p:to>
-                                    </p:set>
-                                  </p:childTnLst>
-                                </p:cTn>
-                              </p:par>
-                              <p:par>
-                                <p:cTn id="17" presetID="1" presetClass="entr" presetSubtype="0" fill="hold" grpId="0" nodeType="withEffect">
-                                  <p:stCondLst>
-                                    <p:cond delay="0"/>
-                                  </p:stCondLst>
-                                  <p:childTnLst>
-                                    <p:set>
-                                      <p:cBhvr>
-                                        <p:cTn id="18" dur="1" fill="hold">
-                                          <p:stCondLst>
-                                            <p:cond delay="0"/>
-                                          </p:stCondLst>
-                                        </p:cTn>
-                                        <p:tgtEl>
-                                          <p:spTgt spid="20"/>
-                                        </p:tgtEl>
-                                        <p:attrNameLst>
-                                          <p:attrName>style.visibility</p:attrName>
-                                        </p:attrNameLst>
-                                      </p:cBhvr>
-                                      <p:to>
-                                        <p:strVal val="visible"/>
-                                      </p:to>
-                                    </p:set>
-                                  </p:childTnLst>
-                                </p:cTn>
-                              </p:par>
-                            </p:childTnLst>
-                          </p:cTn>
-                        </p:par>
-                      </p:childTnLst>
-                    </p:cTn>
-                  </p:par>
-                  <p:par>
-                    <p:cTn id="19" fill="hold">
-                      <p:stCondLst>
-                        <p:cond delay="indefinite"/>
-                      </p:stCondLst>
-                      <p:childTnLst>
-                        <p:par>
-                          <p:cTn id="20" fill="hold">
-                            <p:stCondLst>
-                              <p:cond delay="0"/>
-                            </p:stCondLst>
-                            <p:childTnLst>
-                              <p:par>
-                                <p:cTn id="21" presetID="1" presetClass="entr" presetSubtype="0" fill="hold" grpId="0" nodeType="clickEffect">
-                                  <p:stCondLst>
-                                    <p:cond delay="0"/>
-                                  </p:stCondLst>
-                                  <p:childTnLst>
-                                    <p:set>
-                                      <p:cBhvr>
-                                        <p:cTn id="22" dur="1" fill="hold">
-                                          <p:stCondLst>
-                                            <p:cond delay="0"/>
-                                          </p:stCondLst>
-                                        </p:cTn>
-                                        <p:tgtEl>
-                                          <p:spTgt spid="29"/>
-                                        </p:tgtEl>
-                                        <p:attrNameLst>
-                                          <p:attrName>style.visibility</p:attrName>
-                                        </p:attrNameLst>
-                                      </p:cBhvr>
-                                      <p:to>
-                                        <p:strVal val="visible"/>
-                                      </p:to>
-                                    </p:set>
-                                  </p:childTnLst>
-                                </p:cTn>
-                              </p:par>
-                              <p:par>
-                                <p:cTn id="23" presetID="1" presetClass="entr" presetSubtype="0" fill="hold" grpId="0" nodeType="withEffect">
-                                  <p:stCondLst>
-                                    <p:cond delay="0"/>
-                                  </p:stCondLst>
-                                  <p:childTnLst>
-                                    <p:set>
-                                      <p:cBhvr>
-                                        <p:cTn id="24" dur="1" fill="hold">
-                                          <p:stCondLst>
-                                            <p:cond delay="0"/>
-                                          </p:stCondLst>
-                                        </p:cTn>
-                                        <p:tgtEl>
-                                          <p:spTgt spid="24"/>
-                                        </p:tgtEl>
-                                        <p:attrNameLst>
-                                          <p:attrName>style.visibility</p:attrName>
-                                        </p:attrNameLst>
-                                      </p:cBhvr>
-                                      <p:to>
-                                        <p:strVal val="visible"/>
-                                      </p:to>
-                                    </p:set>
-                                  </p:childTnLst>
-                                </p:cTn>
-                              </p:par>
-                            </p:childTnLst>
-                          </p:cTn>
-                        </p:par>
-                      </p:childTnLst>
-                    </p:cTn>
-                  </p:par>
-                  <p:par>
-                    <p:cTn id="25" fill="hold">
-                      <p:stCondLst>
-                        <p:cond delay="indefinite"/>
-                      </p:stCondLst>
-                      <p:childTnLst>
-                        <p:par>
-                          <p:cTn id="26" fill="hold">
-                            <p:stCondLst>
-                              <p:cond delay="0"/>
-                            </p:stCondLst>
-                            <p:childTnLst>
-                              <p:par>
-                                <p:cTn id="27" presetID="1" presetClass="entr" presetSubtype="0" fill="hold" nodeType="clickEffect">
-                                  <p:stCondLst>
-                                    <p:cond delay="0"/>
-                                  </p:stCondLst>
-                                  <p:childTnLst>
-                                    <p:set>
-                                      <p:cBhvr>
-                                        <p:cTn id="28" dur="1" fill="hold">
-                                          <p:stCondLst>
-                                            <p:cond delay="0"/>
-                                          </p:stCondLst>
-                                        </p:cTn>
-                                        <p:tgtEl>
-                                          <p:spTgt spid="8"/>
-                                        </p:tgtEl>
-                                        <p:attrNameLst>
-                                          <p:attrName>style.visibility</p:attrName>
-                                        </p:attrNameLst>
-                                      </p:cBhvr>
-                                      <p:to>
-                                        <p:strVal val="visible"/>
-                                      </p:to>
-                                    </p:set>
-                                  </p:childTnLst>
-                                </p:cTn>
-                              </p:par>
-                            </p:childTnLst>
-                          </p:cTn>
-                        </p:par>
-                      </p:childTnLst>
-                    </p:cTn>
-                  </p:par>
-                </p:childTnLst>
-              </p:cTn>
-              <p:prevCondLst>
-                <p:cond evt="onPrev" delay="0">
-                  <p:tgtEl>
-                    <p:sldTgt/>
-                  </p:tgtEl>
-                </p:cond>
-              </p:prevCondLst>
-              <p:nextCondLst>
-                <p:cond evt="onNext" delay="0">
-                  <p:tgtEl>
-                    <p:sldTgt/>
-                  </p:tgtEl>
-                </p:cond>
-              </p:nextCondLst>
-            </p:seq>
-          </p:childTnLst>
-        </p:cTn>
-      </p:par>
-    </p:tnLst>
-    <p:bldLst>
-      <p:bldP spid="20" grpId="0"/>
-      <p:bldP spid="24" grpId="0"/>
-      <p:bldP spid="28" grpId="0"/>
-      <p:bldP spid="29" grpId="0"/>
-      <p:bldP spid="32" grpId="0"/>
-      <p:bldP spid="34" grpId="0"/>
-    </p:bldLst>
-  </p:timing>
 </p:sld>
 </file>
 
